--- a/설계/01. 화면정의서/ESupply_화면정의서.pptx
+++ b/설계/01. 화면정의서/ESupply_화면정의서.pptx
@@ -110,6 +110,11 @@
       </a:defRPr>
     </a:lvl9pPr>
   </p:defaultTextStyle>
+  <p:extLst>
+    <p:ext uri="{EFAFB233-063F-42B5-8137-9DF3F51BA10A}">
+      <p15:sldGuideLst xmlns:p15="http://schemas.microsoft.com/office/powerpoint/2012/main"/>
+    </p:ext>
+  </p:extLst>
 </p:presentation>
 </file>
 
@@ -260,7 +265,7 @@
           <a:p>
             <a:fld id="{4E6F5B6F-16CC-4A24-B7E1-C8CC67323470}" type="datetimeFigureOut">
               <a:rPr lang="ko-KR" altLang="en-US" smtClean="0"/>
-              <a:t>2024-07-19</a:t>
+              <a:t>2024-07-22</a:t>
             </a:fld>
             <a:endParaRPr lang="ko-KR" altLang="en-US"/>
           </a:p>
@@ -458,7 +463,7 @@
           <a:p>
             <a:fld id="{4E6F5B6F-16CC-4A24-B7E1-C8CC67323470}" type="datetimeFigureOut">
               <a:rPr lang="ko-KR" altLang="en-US" smtClean="0"/>
-              <a:t>2024-07-19</a:t>
+              <a:t>2024-07-22</a:t>
             </a:fld>
             <a:endParaRPr lang="ko-KR" altLang="en-US"/>
           </a:p>
@@ -666,7 +671,7 @@
           <a:p>
             <a:fld id="{4E6F5B6F-16CC-4A24-B7E1-C8CC67323470}" type="datetimeFigureOut">
               <a:rPr lang="ko-KR" altLang="en-US" smtClean="0"/>
-              <a:t>2024-07-19</a:t>
+              <a:t>2024-07-22</a:t>
             </a:fld>
             <a:endParaRPr lang="ko-KR" altLang="en-US"/>
           </a:p>
@@ -864,7 +869,7 @@
           <a:p>
             <a:fld id="{4E6F5B6F-16CC-4A24-B7E1-C8CC67323470}" type="datetimeFigureOut">
               <a:rPr lang="ko-KR" altLang="en-US" smtClean="0"/>
-              <a:t>2024-07-19</a:t>
+              <a:t>2024-07-22</a:t>
             </a:fld>
             <a:endParaRPr lang="ko-KR" altLang="en-US"/>
           </a:p>
@@ -1139,7 +1144,7 @@
           <a:p>
             <a:fld id="{4E6F5B6F-16CC-4A24-B7E1-C8CC67323470}" type="datetimeFigureOut">
               <a:rPr lang="ko-KR" altLang="en-US" smtClean="0"/>
-              <a:t>2024-07-19</a:t>
+              <a:t>2024-07-22</a:t>
             </a:fld>
             <a:endParaRPr lang="ko-KR" altLang="en-US"/>
           </a:p>
@@ -1404,7 +1409,7 @@
           <a:p>
             <a:fld id="{4E6F5B6F-16CC-4A24-B7E1-C8CC67323470}" type="datetimeFigureOut">
               <a:rPr lang="ko-KR" altLang="en-US" smtClean="0"/>
-              <a:t>2024-07-19</a:t>
+              <a:t>2024-07-22</a:t>
             </a:fld>
             <a:endParaRPr lang="ko-KR" altLang="en-US"/>
           </a:p>
@@ -1816,7 +1821,7 @@
           <a:p>
             <a:fld id="{4E6F5B6F-16CC-4A24-B7E1-C8CC67323470}" type="datetimeFigureOut">
               <a:rPr lang="ko-KR" altLang="en-US" smtClean="0"/>
-              <a:t>2024-07-19</a:t>
+              <a:t>2024-07-22</a:t>
             </a:fld>
             <a:endParaRPr lang="ko-KR" altLang="en-US"/>
           </a:p>
@@ -1957,7 +1962,7 @@
           <a:p>
             <a:fld id="{4E6F5B6F-16CC-4A24-B7E1-C8CC67323470}" type="datetimeFigureOut">
               <a:rPr lang="ko-KR" altLang="en-US" smtClean="0"/>
-              <a:t>2024-07-19</a:t>
+              <a:t>2024-07-22</a:t>
             </a:fld>
             <a:endParaRPr lang="ko-KR" altLang="en-US"/>
           </a:p>
@@ -2070,7 +2075,7 @@
           <a:p>
             <a:fld id="{4E6F5B6F-16CC-4A24-B7E1-C8CC67323470}" type="datetimeFigureOut">
               <a:rPr lang="ko-KR" altLang="en-US" smtClean="0"/>
-              <a:t>2024-07-19</a:t>
+              <a:t>2024-07-22</a:t>
             </a:fld>
             <a:endParaRPr lang="ko-KR" altLang="en-US"/>
           </a:p>
@@ -2381,7 +2386,7 @@
           <a:p>
             <a:fld id="{4E6F5B6F-16CC-4A24-B7E1-C8CC67323470}" type="datetimeFigureOut">
               <a:rPr lang="ko-KR" altLang="en-US" smtClean="0"/>
-              <a:t>2024-07-19</a:t>
+              <a:t>2024-07-22</a:t>
             </a:fld>
             <a:endParaRPr lang="ko-KR" altLang="en-US"/>
           </a:p>
@@ -2669,7 +2674,7 @@
           <a:p>
             <a:fld id="{4E6F5B6F-16CC-4A24-B7E1-C8CC67323470}" type="datetimeFigureOut">
               <a:rPr lang="ko-KR" altLang="en-US" smtClean="0"/>
-              <a:t>2024-07-19</a:t>
+              <a:t>2024-07-22</a:t>
             </a:fld>
             <a:endParaRPr lang="ko-KR" altLang="en-US"/>
           </a:p>
@@ -2910,7 +2915,7 @@
           <a:p>
             <a:fld id="{4E6F5B6F-16CC-4A24-B7E1-C8CC67323470}" type="datetimeFigureOut">
               <a:rPr lang="ko-KR" altLang="en-US" smtClean="0"/>
-              <a:t>2024-07-19</a:t>
+              <a:t>2024-07-22</a:t>
             </a:fld>
             <a:endParaRPr lang="ko-KR" altLang="en-US"/>
           </a:p>
@@ -3545,7 +3550,7 @@
                   <a:schemeClr val="tx1"/>
                 </a:solidFill>
               </a:rPr>
-              <a:t>Parameter : {</a:t>
+              <a:t>Parameter : </a:t>
             </a:r>
           </a:p>
           <a:p>
@@ -3555,7 +3560,17 @@
                   <a:schemeClr val="tx1"/>
                 </a:solidFill>
               </a:rPr>
-              <a:t>    order : [ {</a:t>
+              <a:t>{ </a:t>
+            </a:r>
+          </a:p>
+          <a:p>
+            <a:r>
+              <a:rPr lang="en-US" altLang="ko-KR" sz="1000" dirty="0">
+                <a:solidFill>
+                  <a:schemeClr val="tx1"/>
+                </a:solidFill>
+              </a:rPr>
+              <a:t>    </a:t>
             </a:r>
             <a:r>
               <a:rPr lang="en-US" altLang="ko-KR" sz="1000" dirty="0" err="1">
@@ -3563,7 +3578,7 @@
                   <a:schemeClr val="tx1"/>
                 </a:solidFill>
               </a:rPr>
-              <a:t>userId</a:t>
+              <a:t>user_id</a:t>
             </a:r>
             <a:r>
               <a:rPr lang="en-US" altLang="ko-KR" sz="1000" dirty="0">
@@ -3571,7 +3586,27 @@
                   <a:schemeClr val="tx1"/>
                 </a:solidFill>
               </a:rPr>
-              <a:t> : “</a:t>
+              <a:t> : “”, </a:t>
+            </a:r>
+          </a:p>
+          <a:p>
+            <a:r>
+              <a:rPr lang="en-US" altLang="ko-KR" sz="1000" dirty="0">
+                <a:solidFill>
+                  <a:schemeClr val="tx1"/>
+                </a:solidFill>
+              </a:rPr>
+              <a:t>    order : [ </a:t>
+            </a:r>
+          </a:p>
+          <a:p>
+            <a:r>
+              <a:rPr lang="en-US" altLang="ko-KR" sz="1000" dirty="0">
+                <a:solidFill>
+                  <a:schemeClr val="tx1"/>
+                </a:solidFill>
+              </a:rPr>
+              <a:t>              { </a:t>
             </a:r>
             <a:r>
               <a:rPr lang="en-US" altLang="ko-KR" sz="1000" dirty="0" err="1">
@@ -3579,7 +3614,7 @@
                   <a:schemeClr val="tx1"/>
                 </a:solidFill>
               </a:rPr>
-              <a:t>aaa</a:t>
+              <a:t>product_id</a:t>
             </a:r>
             <a:r>
               <a:rPr lang="en-US" altLang="ko-KR" sz="1000" dirty="0">
@@ -3587,7 +3622,7 @@
                   <a:schemeClr val="tx1"/>
                 </a:solidFill>
               </a:rPr>
-              <a:t>”</a:t>
+              <a:t> : “”</a:t>
             </a:r>
           </a:p>
           <a:p>
@@ -3597,39 +3632,27 @@
                   <a:schemeClr val="tx1"/>
                 </a:solidFill>
               </a:rPr>
-              <a:t>             , </a:t>
-            </a:r>
-            <a:r>
-              <a:rPr lang="en-US" altLang="ko-KR" sz="1000" dirty="0" err="1">
-                <a:solidFill>
-                  <a:schemeClr val="tx1"/>
-                </a:solidFill>
-              </a:rPr>
-              <a:t>goodCd</a:t>
-            </a:r>
+              <a:t>                qty : </a:t>
+            </a:r>
+          </a:p>
+          <a:p>
             <a:r>
               <a:rPr lang="en-US" altLang="ko-KR" sz="1000" dirty="0">
                 <a:solidFill>
                   <a:schemeClr val="tx1"/>
                 </a:solidFill>
               </a:rPr>
-              <a:t> : “</a:t>
-            </a:r>
-            <a:r>
-              <a:rPr lang="en-US" altLang="ko-KR" sz="1000" dirty="0" err="1">
-                <a:solidFill>
-                  <a:schemeClr val="tx1"/>
-                </a:solidFill>
-              </a:rPr>
-              <a:t>bbb</a:t>
-            </a:r>
+              <a:t>              },</a:t>
+            </a:r>
+          </a:p>
+          <a:p>
             <a:r>
               <a:rPr lang="en-US" altLang="ko-KR" sz="1000" dirty="0">
                 <a:solidFill>
                   <a:schemeClr val="tx1"/>
                 </a:solidFill>
               </a:rPr>
-              <a:t>”</a:t>
+              <a:t>                :</a:t>
             </a:r>
           </a:p>
           <a:p>
@@ -3639,27 +3662,7 @@
                   <a:schemeClr val="tx1"/>
                 </a:solidFill>
               </a:rPr>
-              <a:t>            , qty: “20”</a:t>
-            </a:r>
-          </a:p>
-          <a:p>
-            <a:r>
-              <a:rPr lang="en-US" altLang="ko-KR" sz="1000" dirty="0">
-                <a:solidFill>
-                  <a:schemeClr val="tx1"/>
-                </a:solidFill>
-              </a:rPr>
-              <a:t>         }, …</a:t>
-            </a:r>
-          </a:p>
-          <a:p>
-            <a:r>
-              <a:rPr lang="en-US" altLang="ko-KR" sz="1000" dirty="0">
-                <a:solidFill>
-                  <a:schemeClr val="tx1"/>
-                </a:solidFill>
-              </a:rPr>
-              <a:t>    ]</a:t>
+              <a:t>              ]</a:t>
             </a:r>
           </a:p>
           <a:p>
@@ -3673,20 +3676,13 @@
             </a:r>
           </a:p>
           <a:p>
-            <a:endParaRPr lang="en-US" altLang="ko-KR" sz="1000" dirty="0">
-              <a:solidFill>
-                <a:schemeClr val="tx1"/>
-              </a:solidFill>
-            </a:endParaRPr>
-          </a:p>
-          <a:p>
             <a:r>
               <a:rPr lang="en-US" altLang="ko-KR" sz="1000" dirty="0">
                 <a:solidFill>
                   <a:schemeClr val="tx1"/>
                 </a:solidFill>
               </a:rPr>
-              <a:t>Response : {</a:t>
+              <a:t>Response  </a:t>
             </a:r>
           </a:p>
           <a:p>
@@ -3696,22 +3692,61 @@
                   <a:schemeClr val="tx1"/>
                 </a:solidFill>
               </a:rPr>
-              <a:t>    [</a:t>
-            </a:r>
-            <a:br>
+              <a:t>{</a:t>
+            </a:r>
+          </a:p>
+          <a:p>
+            <a:r>
+              <a:rPr lang="en-US" altLang="ko-KR" sz="1000" dirty="0" err="1">
+                <a:solidFill>
+                  <a:schemeClr val="tx1"/>
+                </a:solidFill>
+              </a:rPr>
+              <a:t>presult</a:t>
+            </a:r>
+            <a:r>
               <a:rPr lang="en-US" altLang="ko-KR" sz="1000" dirty="0">
                 <a:solidFill>
                   <a:schemeClr val="tx1"/>
                 </a:solidFill>
               </a:rPr>
-            </a:br>
+              <a:t> : {  [      </a:t>
+            </a:r>
+            <a:r>
+              <a:rPr lang="en-US" altLang="ko-KR" sz="1000" dirty="0" err="1">
+                <a:solidFill>
+                  <a:schemeClr val="tx1"/>
+                </a:solidFill>
+              </a:rPr>
+              <a:t>product_id</a:t>
+            </a:r>
             <a:r>
               <a:rPr lang="en-US" altLang="ko-KR" sz="1000" dirty="0">
                 <a:solidFill>
                   <a:schemeClr val="tx1"/>
                 </a:solidFill>
               </a:rPr>
-              <a:t>    { </a:t>
+              <a:t> : "",</a:t>
+            </a:r>
+          </a:p>
+          <a:p>
+            <a:r>
+              <a:rPr lang="en-US" altLang="ko-KR" sz="1000" dirty="0">
+                <a:solidFill>
+                  <a:schemeClr val="tx1"/>
+                </a:solidFill>
+              </a:rPr>
+              <a:t>                      message : "" ,</a:t>
+            </a:r>
+          </a:p>
+          <a:p>
+            <a:r>
+              <a:rPr lang="en-US" altLang="ko-KR" sz="1000" dirty="0">
+                <a:solidFill>
+                  <a:schemeClr val="tx1"/>
+                </a:solidFill>
+              </a:rPr>
+              <a:t>                      </a:t>
             </a:r>
             <a:r>
               <a:rPr lang="en-US" altLang="ko-KR" sz="1000" dirty="0" err="1">
@@ -3719,7 +3754,7 @@
                   <a:schemeClr val="tx1"/>
                 </a:solidFill>
               </a:rPr>
-              <a:t>goodCd</a:t>
+              <a:t>order_no</a:t>
             </a:r>
             <a:r>
               <a:rPr lang="en-US" altLang="ko-KR" sz="1000" dirty="0">
@@ -3727,23 +3762,17 @@
                   <a:schemeClr val="tx1"/>
                 </a:solidFill>
               </a:rPr>
-              <a:t> : “</a:t>
-            </a:r>
-            <a:r>
-              <a:rPr lang="en-US" altLang="ko-KR" sz="1000" dirty="0" err="1">
-                <a:solidFill>
-                  <a:schemeClr val="tx1"/>
-                </a:solidFill>
-              </a:rPr>
-              <a:t>bbb</a:t>
-            </a:r>
+              <a:t> : “”</a:t>
+            </a:r>
+          </a:p>
+          <a:p>
             <a:r>
               <a:rPr lang="en-US" altLang="ko-KR" sz="1000" dirty="0">
                 <a:solidFill>
                   <a:schemeClr val="tx1"/>
                 </a:solidFill>
               </a:rPr>
-              <a:t>”</a:t>
+              <a:t>               ]</a:t>
             </a:r>
           </a:p>
           <a:p>
@@ -3753,48 +3782,12 @@
                   <a:schemeClr val="tx1"/>
                 </a:solidFill>
               </a:rPr>
-              <a:t>      , </a:t>
-            </a:r>
-            <a:r>
-              <a:rPr lang="en-US" altLang="ko-KR" sz="1000" dirty="0" err="1">
-                <a:solidFill>
-                  <a:schemeClr val="tx1"/>
-                </a:solidFill>
-              </a:rPr>
-              <a:t>bilNo</a:t>
-            </a:r>
-            <a:r>
-              <a:rPr lang="en-US" altLang="ko-KR" sz="1000" dirty="0">
-                <a:solidFill>
-                  <a:schemeClr val="tx1"/>
-                </a:solidFill>
-              </a:rPr>
-              <a:t> : “1829384650”     </a:t>
-            </a:r>
-            <a:br>
-              <a:rPr lang="en-US" altLang="ko-KR" sz="1000" dirty="0">
-                <a:solidFill>
-                  <a:schemeClr val="tx1"/>
-                </a:solidFill>
-              </a:rPr>
-            </a:br>
-            <a:r>
-              <a:rPr lang="en-US" altLang="ko-KR" sz="1000" dirty="0">
-                <a:solidFill>
-                  <a:schemeClr val="tx1"/>
-                </a:solidFill>
-              </a:rPr>
-              <a:t>    }</a:t>
-            </a:r>
-            <a:br>
-              <a:rPr lang="en-US" altLang="ko-KR" sz="1000" dirty="0">
-                <a:solidFill>
-                  <a:schemeClr val="tx1"/>
-                </a:solidFill>
-              </a:rPr>
-            </a:br>
-            <a:r>
-              <a:rPr lang="en-US" altLang="ko-KR" sz="1000" dirty="0">
+              <a:t>              }</a:t>
+            </a:r>
+          </a:p>
+          <a:p>
+            <a:r>
+              <a:rPr lang="en-US" altLang="ko-KR" sz="1000">
                 <a:solidFill>
                   <a:schemeClr val="tx1"/>
                 </a:solidFill>

--- a/설계/01. 화면정의서/ESupply_화면정의서.pptx
+++ b/설계/01. 화면정의서/ESupply_화면정의서.pptx
@@ -12,6 +12,8 @@
     <p:sldId id="262" r:id="rId6"/>
     <p:sldId id="260" r:id="rId7"/>
     <p:sldId id="261" r:id="rId8"/>
+    <p:sldId id="264" r:id="rId9"/>
+    <p:sldId id="265" r:id="rId10"/>
   </p:sldIdLst>
   <p:sldSz cx="12192000" cy="6858000"/>
   <p:notesSz cx="6858000" cy="9144000"/>
@@ -265,7 +267,7 @@
           <a:p>
             <a:fld id="{4E6F5B6F-16CC-4A24-B7E1-C8CC67323470}" type="datetimeFigureOut">
               <a:rPr lang="ko-KR" altLang="en-US" smtClean="0"/>
-              <a:t>2024-07-22</a:t>
+              <a:t>2024-07-29</a:t>
             </a:fld>
             <a:endParaRPr lang="ko-KR" altLang="en-US"/>
           </a:p>
@@ -463,7 +465,7 @@
           <a:p>
             <a:fld id="{4E6F5B6F-16CC-4A24-B7E1-C8CC67323470}" type="datetimeFigureOut">
               <a:rPr lang="ko-KR" altLang="en-US" smtClean="0"/>
-              <a:t>2024-07-22</a:t>
+              <a:t>2024-07-29</a:t>
             </a:fld>
             <a:endParaRPr lang="ko-KR" altLang="en-US"/>
           </a:p>
@@ -671,7 +673,7 @@
           <a:p>
             <a:fld id="{4E6F5B6F-16CC-4A24-B7E1-C8CC67323470}" type="datetimeFigureOut">
               <a:rPr lang="ko-KR" altLang="en-US" smtClean="0"/>
-              <a:t>2024-07-22</a:t>
+              <a:t>2024-07-29</a:t>
             </a:fld>
             <a:endParaRPr lang="ko-KR" altLang="en-US"/>
           </a:p>
@@ -869,7 +871,7 @@
           <a:p>
             <a:fld id="{4E6F5B6F-16CC-4A24-B7E1-C8CC67323470}" type="datetimeFigureOut">
               <a:rPr lang="ko-KR" altLang="en-US" smtClean="0"/>
-              <a:t>2024-07-22</a:t>
+              <a:t>2024-07-29</a:t>
             </a:fld>
             <a:endParaRPr lang="ko-KR" altLang="en-US"/>
           </a:p>
@@ -1144,7 +1146,7 @@
           <a:p>
             <a:fld id="{4E6F5B6F-16CC-4A24-B7E1-C8CC67323470}" type="datetimeFigureOut">
               <a:rPr lang="ko-KR" altLang="en-US" smtClean="0"/>
-              <a:t>2024-07-22</a:t>
+              <a:t>2024-07-29</a:t>
             </a:fld>
             <a:endParaRPr lang="ko-KR" altLang="en-US"/>
           </a:p>
@@ -1409,7 +1411,7 @@
           <a:p>
             <a:fld id="{4E6F5B6F-16CC-4A24-B7E1-C8CC67323470}" type="datetimeFigureOut">
               <a:rPr lang="ko-KR" altLang="en-US" smtClean="0"/>
-              <a:t>2024-07-22</a:t>
+              <a:t>2024-07-29</a:t>
             </a:fld>
             <a:endParaRPr lang="ko-KR" altLang="en-US"/>
           </a:p>
@@ -1821,7 +1823,7 @@
           <a:p>
             <a:fld id="{4E6F5B6F-16CC-4A24-B7E1-C8CC67323470}" type="datetimeFigureOut">
               <a:rPr lang="ko-KR" altLang="en-US" smtClean="0"/>
-              <a:t>2024-07-22</a:t>
+              <a:t>2024-07-29</a:t>
             </a:fld>
             <a:endParaRPr lang="ko-KR" altLang="en-US"/>
           </a:p>
@@ -1962,7 +1964,7 @@
           <a:p>
             <a:fld id="{4E6F5B6F-16CC-4A24-B7E1-C8CC67323470}" type="datetimeFigureOut">
               <a:rPr lang="ko-KR" altLang="en-US" smtClean="0"/>
-              <a:t>2024-07-22</a:t>
+              <a:t>2024-07-29</a:t>
             </a:fld>
             <a:endParaRPr lang="ko-KR" altLang="en-US"/>
           </a:p>
@@ -2075,7 +2077,7 @@
           <a:p>
             <a:fld id="{4E6F5B6F-16CC-4A24-B7E1-C8CC67323470}" type="datetimeFigureOut">
               <a:rPr lang="ko-KR" altLang="en-US" smtClean="0"/>
-              <a:t>2024-07-22</a:t>
+              <a:t>2024-07-29</a:t>
             </a:fld>
             <a:endParaRPr lang="ko-KR" altLang="en-US"/>
           </a:p>
@@ -2386,7 +2388,7 @@
           <a:p>
             <a:fld id="{4E6F5B6F-16CC-4A24-B7E1-C8CC67323470}" type="datetimeFigureOut">
               <a:rPr lang="ko-KR" altLang="en-US" smtClean="0"/>
-              <a:t>2024-07-22</a:t>
+              <a:t>2024-07-29</a:t>
             </a:fld>
             <a:endParaRPr lang="ko-KR" altLang="en-US"/>
           </a:p>
@@ -2674,7 +2676,7 @@
           <a:p>
             <a:fld id="{4E6F5B6F-16CC-4A24-B7E1-C8CC67323470}" type="datetimeFigureOut">
               <a:rPr lang="ko-KR" altLang="en-US" smtClean="0"/>
-              <a:t>2024-07-22</a:t>
+              <a:t>2024-07-29</a:t>
             </a:fld>
             <a:endParaRPr lang="ko-KR" altLang="en-US"/>
           </a:p>
@@ -2915,7 +2917,7 @@
           <a:p>
             <a:fld id="{4E6F5B6F-16CC-4A24-B7E1-C8CC67323470}" type="datetimeFigureOut">
               <a:rPr lang="ko-KR" altLang="en-US" smtClean="0"/>
-              <a:t>2024-07-22</a:t>
+              <a:t>2024-07-29</a:t>
             </a:fld>
             <a:endParaRPr lang="ko-KR" altLang="en-US"/>
           </a:p>
@@ -10093,7 +10095,7 @@
           <a:p>
             <a:pPr algn="ctr"/>
             <a:r>
-              <a:rPr lang="ko-KR" altLang="en-US" sz="800" dirty="0">
+              <a:rPr lang="ko-KR" altLang="en-US" sz="2000" dirty="0">
                 <a:solidFill>
                   <a:schemeClr val="tx1"/>
                 </a:solidFill>
@@ -11268,6 +11270,4748 @@
     <p:extLst>
       <p:ext uri="{BB962C8B-B14F-4D97-AF65-F5344CB8AC3E}">
         <p14:creationId xmlns:p14="http://schemas.microsoft.com/office/powerpoint/2010/main" val="1719126718"/>
+      </p:ext>
+    </p:extLst>
+  </p:cSld>
+  <p:clrMapOvr>
+    <a:masterClrMapping/>
+  </p:clrMapOvr>
+</p:sld>
+</file>
+
+<file path=ppt/slides/slide8.xml><?xml version="1.0" encoding="utf-8"?>
+<p:sld xmlns:a="http://schemas.openxmlformats.org/drawingml/2006/main" xmlns:r="http://schemas.openxmlformats.org/officeDocument/2006/relationships" xmlns:p="http://schemas.openxmlformats.org/presentationml/2006/main">
+  <p:cSld>
+    <p:spTree>
+      <p:nvGrpSpPr>
+        <p:cNvPr id="1" name=""/>
+        <p:cNvGrpSpPr/>
+        <p:nvPr/>
+      </p:nvGrpSpPr>
+      <p:grpSpPr>
+        <a:xfrm>
+          <a:off x="0" y="0"/>
+          <a:ext cx="0" cy="0"/>
+          <a:chOff x="0" y="0"/>
+          <a:chExt cx="0" cy="0"/>
+        </a:xfrm>
+      </p:grpSpPr>
+      <p:sp>
+        <p:nvSpPr>
+          <p:cNvPr id="4" name="직사각형 3">
+            <a:extLst>
+              <a:ext uri="{FF2B5EF4-FFF2-40B4-BE49-F238E27FC236}">
+                <a16:creationId xmlns:a16="http://schemas.microsoft.com/office/drawing/2014/main" id="{C3E412EF-01B8-41AD-A5A9-27B89C152C07}"/>
+              </a:ext>
+            </a:extLst>
+          </p:cNvPr>
+          <p:cNvSpPr/>
+          <p:nvPr/>
+        </p:nvSpPr>
+        <p:spPr>
+          <a:xfrm>
+            <a:off x="533400" y="787400"/>
+            <a:ext cx="8940799" cy="5588000"/>
+          </a:xfrm>
+          <a:prstGeom prst="rect">
+            <a:avLst/>
+          </a:prstGeom>
+          <a:noFill/>
+        </p:spPr>
+        <p:style>
+          <a:lnRef idx="2">
+            <a:schemeClr val="accent1">
+              <a:shade val="50000"/>
+            </a:schemeClr>
+          </a:lnRef>
+          <a:fillRef idx="1">
+            <a:schemeClr val="accent1"/>
+          </a:fillRef>
+          <a:effectRef idx="0">
+            <a:schemeClr val="accent1"/>
+          </a:effectRef>
+          <a:fontRef idx="minor">
+            <a:schemeClr val="lt1"/>
+          </a:fontRef>
+        </p:style>
+        <p:txBody>
+          <a:bodyPr rtlCol="0" anchor="ctr"/>
+          <a:lstStyle/>
+          <a:p>
+            <a:pPr algn="ctr"/>
+            <a:endParaRPr lang="ko-KR" altLang="en-US"/>
+          </a:p>
+        </p:txBody>
+      </p:sp>
+      <p:sp>
+        <p:nvSpPr>
+          <p:cNvPr id="5" name="직사각형 4">
+            <a:extLst>
+              <a:ext uri="{FF2B5EF4-FFF2-40B4-BE49-F238E27FC236}">
+                <a16:creationId xmlns:a16="http://schemas.microsoft.com/office/drawing/2014/main" id="{0656F505-3BCB-4EE8-8C6B-48706D80A479}"/>
+              </a:ext>
+            </a:extLst>
+          </p:cNvPr>
+          <p:cNvSpPr/>
+          <p:nvPr/>
+        </p:nvSpPr>
+        <p:spPr>
+          <a:xfrm>
+            <a:off x="9474199" y="787400"/>
+            <a:ext cx="2269068" cy="5588000"/>
+          </a:xfrm>
+          <a:prstGeom prst="rect">
+            <a:avLst/>
+          </a:prstGeom>
+          <a:noFill/>
+        </p:spPr>
+        <p:style>
+          <a:lnRef idx="2">
+            <a:schemeClr val="accent1">
+              <a:shade val="50000"/>
+            </a:schemeClr>
+          </a:lnRef>
+          <a:fillRef idx="1">
+            <a:schemeClr val="accent1"/>
+          </a:fillRef>
+          <a:effectRef idx="0">
+            <a:schemeClr val="accent1"/>
+          </a:effectRef>
+          <a:fontRef idx="minor">
+            <a:schemeClr val="lt1"/>
+          </a:fontRef>
+        </p:style>
+        <p:txBody>
+          <a:bodyPr rtlCol="0" anchor="t"/>
+          <a:lstStyle/>
+          <a:p>
+            <a:endParaRPr lang="en-US" altLang="ko-KR" sz="1400" dirty="0">
+              <a:solidFill>
+                <a:schemeClr val="accent6">
+                  <a:lumMod val="50000"/>
+                </a:schemeClr>
+              </a:solidFill>
+            </a:endParaRPr>
+          </a:p>
+          <a:p>
+            <a:r>
+              <a:rPr lang="en-US" altLang="ko-KR" sz="1400" dirty="0">
+                <a:solidFill>
+                  <a:schemeClr val="accent6">
+                    <a:lumMod val="50000"/>
+                  </a:schemeClr>
+                </a:solidFill>
+              </a:rPr>
+              <a:t>      </a:t>
+            </a:r>
+            <a:r>
+              <a:rPr lang="ko-KR" altLang="en-US" sz="1400" dirty="0">
+                <a:solidFill>
+                  <a:schemeClr val="accent6">
+                    <a:lumMod val="50000"/>
+                  </a:schemeClr>
+                </a:solidFill>
+              </a:rPr>
+              <a:t>공통코드 </a:t>
+            </a:r>
+            <a:r>
+              <a:rPr lang="en-US" altLang="ko-KR" sz="1400" dirty="0">
+                <a:solidFill>
+                  <a:schemeClr val="accent6">
+                    <a:lumMod val="50000"/>
+                  </a:schemeClr>
+                </a:solidFill>
+              </a:rPr>
+              <a:t>(CLASS)</a:t>
+            </a:r>
+          </a:p>
+          <a:p>
+            <a:endParaRPr lang="en-US" altLang="ko-KR" sz="1400" dirty="0">
+              <a:solidFill>
+                <a:schemeClr val="accent6">
+                  <a:lumMod val="50000"/>
+                </a:schemeClr>
+              </a:solidFill>
+            </a:endParaRPr>
+          </a:p>
+          <a:p>
+            <a:endParaRPr lang="en-US" altLang="ko-KR" sz="1400" dirty="0">
+              <a:solidFill>
+                <a:schemeClr val="accent6">
+                  <a:lumMod val="50000"/>
+                </a:schemeClr>
+              </a:solidFill>
+            </a:endParaRPr>
+          </a:p>
+          <a:p>
+            <a:endParaRPr lang="en-US" altLang="ko-KR" sz="1400" dirty="0">
+              <a:solidFill>
+                <a:schemeClr val="accent6">
+                  <a:lumMod val="50000"/>
+                </a:schemeClr>
+              </a:solidFill>
+            </a:endParaRPr>
+          </a:p>
+          <a:p>
+            <a:endParaRPr lang="en-US" altLang="ko-KR" sz="1400" dirty="0">
+              <a:solidFill>
+                <a:schemeClr val="accent6">
+                  <a:lumMod val="50000"/>
+                </a:schemeClr>
+              </a:solidFill>
+            </a:endParaRPr>
+          </a:p>
+          <a:p>
+            <a:endParaRPr lang="en-US" altLang="ko-KR" sz="1400" dirty="0">
+              <a:solidFill>
+                <a:schemeClr val="accent6">
+                  <a:lumMod val="50000"/>
+                </a:schemeClr>
+              </a:solidFill>
+            </a:endParaRPr>
+          </a:p>
+          <a:p>
+            <a:endParaRPr lang="en-US" altLang="ko-KR" sz="1400" dirty="0">
+              <a:solidFill>
+                <a:schemeClr val="accent6">
+                  <a:lumMod val="50000"/>
+                </a:schemeClr>
+              </a:solidFill>
+            </a:endParaRPr>
+          </a:p>
+          <a:p>
+            <a:endParaRPr lang="en-US" altLang="ko-KR" sz="1400" dirty="0">
+              <a:solidFill>
+                <a:schemeClr val="accent6">
+                  <a:lumMod val="50000"/>
+                </a:schemeClr>
+              </a:solidFill>
+            </a:endParaRPr>
+          </a:p>
+          <a:p>
+            <a:endParaRPr lang="en-US" altLang="ko-KR" sz="1400" dirty="0">
+              <a:solidFill>
+                <a:schemeClr val="accent6">
+                  <a:lumMod val="50000"/>
+                </a:schemeClr>
+              </a:solidFill>
+            </a:endParaRPr>
+          </a:p>
+          <a:p>
+            <a:endParaRPr lang="en-US" altLang="ko-KR" sz="1400" dirty="0">
+              <a:solidFill>
+                <a:schemeClr val="accent6">
+                  <a:lumMod val="50000"/>
+                </a:schemeClr>
+              </a:solidFill>
+            </a:endParaRPr>
+          </a:p>
+          <a:p>
+            <a:endParaRPr lang="en-US" altLang="ko-KR" sz="1400" dirty="0">
+              <a:solidFill>
+                <a:schemeClr val="accent6">
+                  <a:lumMod val="50000"/>
+                </a:schemeClr>
+              </a:solidFill>
+            </a:endParaRPr>
+          </a:p>
+          <a:p>
+            <a:endParaRPr lang="en-US" altLang="ko-KR" sz="1400" dirty="0">
+              <a:solidFill>
+                <a:schemeClr val="accent6">
+                  <a:lumMod val="50000"/>
+                </a:schemeClr>
+              </a:solidFill>
+            </a:endParaRPr>
+          </a:p>
+          <a:p>
+            <a:endParaRPr lang="en-US" altLang="ko-KR" sz="1400" dirty="0">
+              <a:solidFill>
+                <a:schemeClr val="accent6">
+                  <a:lumMod val="50000"/>
+                </a:schemeClr>
+              </a:solidFill>
+            </a:endParaRPr>
+          </a:p>
+          <a:p>
+            <a:endParaRPr lang="en-US" altLang="ko-KR" sz="1400" dirty="0">
+              <a:solidFill>
+                <a:schemeClr val="accent6">
+                  <a:lumMod val="50000"/>
+                </a:schemeClr>
+              </a:solidFill>
+            </a:endParaRPr>
+          </a:p>
+          <a:p>
+            <a:endParaRPr lang="en-US" altLang="ko-KR" sz="1400" dirty="0">
+              <a:solidFill>
+                <a:schemeClr val="accent6">
+                  <a:lumMod val="50000"/>
+                </a:schemeClr>
+              </a:solidFill>
+            </a:endParaRPr>
+          </a:p>
+          <a:p>
+            <a:endParaRPr lang="en-US" altLang="ko-KR" sz="1400" dirty="0">
+              <a:solidFill>
+                <a:schemeClr val="accent6">
+                  <a:lumMod val="50000"/>
+                </a:schemeClr>
+              </a:solidFill>
+            </a:endParaRPr>
+          </a:p>
+          <a:p>
+            <a:endParaRPr lang="en-US" altLang="ko-KR" sz="1400" dirty="0">
+              <a:solidFill>
+                <a:schemeClr val="accent6">
+                  <a:lumMod val="50000"/>
+                </a:schemeClr>
+              </a:solidFill>
+            </a:endParaRPr>
+          </a:p>
+          <a:p>
+            <a:endParaRPr lang="en-US" altLang="ko-KR" sz="1400" dirty="0">
+              <a:solidFill>
+                <a:schemeClr val="accent6">
+                  <a:lumMod val="50000"/>
+                </a:schemeClr>
+              </a:solidFill>
+            </a:endParaRPr>
+          </a:p>
+          <a:p>
+            <a:endParaRPr lang="en-US" altLang="ko-KR" sz="1400" dirty="0">
+              <a:solidFill>
+                <a:schemeClr val="accent6">
+                  <a:lumMod val="50000"/>
+                </a:schemeClr>
+              </a:solidFill>
+            </a:endParaRPr>
+          </a:p>
+          <a:p>
+            <a:endParaRPr lang="en-US" altLang="ko-KR" sz="1400" dirty="0">
+              <a:solidFill>
+                <a:schemeClr val="accent6">
+                  <a:lumMod val="50000"/>
+                </a:schemeClr>
+              </a:solidFill>
+            </a:endParaRPr>
+          </a:p>
+          <a:p>
+            <a:endParaRPr lang="en-US" altLang="ko-KR" sz="1400" dirty="0">
+              <a:solidFill>
+                <a:schemeClr val="accent6">
+                  <a:lumMod val="50000"/>
+                </a:schemeClr>
+              </a:solidFill>
+            </a:endParaRPr>
+          </a:p>
+          <a:p>
+            <a:r>
+              <a:rPr lang="ko-KR" altLang="en-US" sz="1400" b="1" dirty="0">
+                <a:solidFill>
+                  <a:schemeClr val="accent6">
+                    <a:lumMod val="50000"/>
+                  </a:schemeClr>
+                </a:solidFill>
+              </a:rPr>
+              <a:t>제품삭제</a:t>
+            </a:r>
+            <a:r>
+              <a:rPr lang="ko-KR" altLang="en-US" sz="1400" dirty="0">
+                <a:solidFill>
+                  <a:schemeClr val="accent6">
+                    <a:lumMod val="50000"/>
+                  </a:schemeClr>
+                </a:solidFill>
+              </a:rPr>
+              <a:t> </a:t>
+            </a:r>
+            <a:r>
+              <a:rPr lang="en-US" altLang="ko-KR" sz="1400" dirty="0">
+                <a:solidFill>
+                  <a:schemeClr val="accent6">
+                    <a:lumMod val="50000"/>
+                  </a:schemeClr>
+                </a:solidFill>
+              </a:rPr>
+              <a:t> </a:t>
+            </a:r>
+          </a:p>
+          <a:p>
+            <a:r>
+              <a:rPr lang="ko-KR" altLang="en-US" sz="1400" dirty="0">
+                <a:solidFill>
+                  <a:schemeClr val="accent6">
+                    <a:lumMod val="50000"/>
+                  </a:schemeClr>
+                </a:solidFill>
+              </a:rPr>
+              <a:t> </a:t>
+            </a:r>
+            <a:r>
+              <a:rPr lang="en-US" altLang="ko-KR" sz="1400" dirty="0">
+                <a:solidFill>
+                  <a:schemeClr val="accent6">
+                    <a:lumMod val="50000"/>
+                  </a:schemeClr>
+                </a:solidFill>
+              </a:rPr>
+              <a:t>- </a:t>
+            </a:r>
+            <a:r>
+              <a:rPr lang="ko-KR" altLang="en-US" sz="1400" dirty="0">
+                <a:solidFill>
+                  <a:schemeClr val="accent6">
+                    <a:lumMod val="50000"/>
+                  </a:schemeClr>
+                </a:solidFill>
+              </a:rPr>
+              <a:t>현재 화면에 표시되는</a:t>
+            </a:r>
+            <a:endParaRPr lang="en-US" altLang="ko-KR" sz="1400" dirty="0">
+              <a:solidFill>
+                <a:schemeClr val="accent6">
+                  <a:lumMod val="50000"/>
+                </a:schemeClr>
+              </a:solidFill>
+            </a:endParaRPr>
+          </a:p>
+          <a:p>
+            <a:r>
+              <a:rPr lang="ko-KR" altLang="en-US" sz="1400" dirty="0">
+                <a:solidFill>
+                  <a:schemeClr val="accent6">
+                    <a:lumMod val="50000"/>
+                  </a:schemeClr>
+                </a:solidFill>
+              </a:rPr>
+              <a:t>   제품을 삭제한다</a:t>
+            </a:r>
+            <a:r>
+              <a:rPr lang="en-US" altLang="ko-KR" sz="1400" dirty="0">
+                <a:solidFill>
+                  <a:schemeClr val="accent6">
+                    <a:lumMod val="50000"/>
+                  </a:schemeClr>
+                </a:solidFill>
+              </a:rPr>
+              <a:t>.</a:t>
+            </a:r>
+            <a:endParaRPr lang="ko-KR" altLang="en-US" sz="1400" dirty="0"/>
+          </a:p>
+        </p:txBody>
+      </p:sp>
+      <p:sp>
+        <p:nvSpPr>
+          <p:cNvPr id="6" name="직사각형 5">
+            <a:extLst>
+              <a:ext uri="{FF2B5EF4-FFF2-40B4-BE49-F238E27FC236}">
+                <a16:creationId xmlns:a16="http://schemas.microsoft.com/office/drawing/2014/main" id="{D867A52A-B91F-431C-9D6F-32F2C87E5A7C}"/>
+              </a:ext>
+            </a:extLst>
+          </p:cNvPr>
+          <p:cNvSpPr/>
+          <p:nvPr/>
+        </p:nvSpPr>
+        <p:spPr>
+          <a:xfrm>
+            <a:off x="533399" y="482600"/>
+            <a:ext cx="8940799" cy="304801"/>
+          </a:xfrm>
+          <a:prstGeom prst="rect">
+            <a:avLst/>
+          </a:prstGeom>
+          <a:solidFill>
+            <a:schemeClr val="accent4">
+              <a:lumMod val="40000"/>
+              <a:lumOff val="60000"/>
+            </a:schemeClr>
+          </a:solidFill>
+          <a:ln>
+            <a:solidFill>
+              <a:schemeClr val="accent6">
+                <a:lumMod val="50000"/>
+              </a:schemeClr>
+            </a:solidFill>
+          </a:ln>
+        </p:spPr>
+        <p:style>
+          <a:lnRef idx="2">
+            <a:schemeClr val="accent1">
+              <a:shade val="50000"/>
+            </a:schemeClr>
+          </a:lnRef>
+          <a:fillRef idx="1">
+            <a:schemeClr val="accent1"/>
+          </a:fillRef>
+          <a:effectRef idx="0">
+            <a:schemeClr val="accent1"/>
+          </a:effectRef>
+          <a:fontRef idx="minor">
+            <a:schemeClr val="lt1"/>
+          </a:fontRef>
+        </p:style>
+        <p:txBody>
+          <a:bodyPr rtlCol="0" anchor="ctr"/>
+          <a:lstStyle/>
+          <a:p>
+            <a:pPr algn="ctr"/>
+            <a:r>
+              <a:rPr lang="ko-KR" altLang="en-US" dirty="0">
+                <a:solidFill>
+                  <a:schemeClr val="tx1"/>
+                </a:solidFill>
+              </a:rPr>
+              <a:t>제품등록</a:t>
+            </a:r>
+          </a:p>
+        </p:txBody>
+      </p:sp>
+      <p:sp>
+        <p:nvSpPr>
+          <p:cNvPr id="7" name="슬라이드 번호 개체 틀 3">
+            <a:extLst>
+              <a:ext uri="{FF2B5EF4-FFF2-40B4-BE49-F238E27FC236}">
+                <a16:creationId xmlns:a16="http://schemas.microsoft.com/office/drawing/2014/main" id="{FF3C7558-E613-431C-BA5B-67F22225E54B}"/>
+              </a:ext>
+            </a:extLst>
+          </p:cNvPr>
+          <p:cNvSpPr>
+            <a:spLocks noGrp="1"/>
+          </p:cNvSpPr>
+          <p:nvPr>
+            <p:ph type="sldNum" sz="quarter" idx="12"/>
+          </p:nvPr>
+        </p:nvSpPr>
+        <p:spPr>
+          <a:xfrm>
+            <a:off x="4724400" y="6364817"/>
+            <a:ext cx="2743200" cy="365125"/>
+          </a:xfrm>
+        </p:spPr>
+        <p:txBody>
+          <a:bodyPr/>
+          <a:lstStyle/>
+          <a:p>
+            <a:pPr algn="ctr"/>
+            <a:fld id="{65B3DB70-0744-4EB8-B6AF-554BD626FB2C}" type="slidenum">
+              <a:rPr lang="ko-KR" altLang="en-US" smtClean="0"/>
+              <a:pPr algn="ctr"/>
+              <a:t>8</a:t>
+            </a:fld>
+            <a:endParaRPr lang="ko-KR" altLang="en-US"/>
+          </a:p>
+        </p:txBody>
+      </p:sp>
+      <p:sp>
+        <p:nvSpPr>
+          <p:cNvPr id="2" name="직사각형 1">
+            <a:extLst>
+              <a:ext uri="{FF2B5EF4-FFF2-40B4-BE49-F238E27FC236}">
+                <a16:creationId xmlns:a16="http://schemas.microsoft.com/office/drawing/2014/main" id="{36DD856D-C933-47A3-875A-4E5C55CCCC4F}"/>
+              </a:ext>
+            </a:extLst>
+          </p:cNvPr>
+          <p:cNvSpPr/>
+          <p:nvPr/>
+        </p:nvSpPr>
+        <p:spPr>
+          <a:xfrm>
+            <a:off x="2426493" y="1180978"/>
+            <a:ext cx="1981302" cy="365125"/>
+          </a:xfrm>
+          <a:prstGeom prst="rect">
+            <a:avLst/>
+          </a:prstGeom>
+          <a:solidFill>
+            <a:schemeClr val="accent4">
+              <a:lumMod val="20000"/>
+              <a:lumOff val="80000"/>
+            </a:schemeClr>
+          </a:solidFill>
+        </p:spPr>
+        <p:style>
+          <a:lnRef idx="2">
+            <a:schemeClr val="accent1">
+              <a:shade val="50000"/>
+            </a:schemeClr>
+          </a:lnRef>
+          <a:fillRef idx="1">
+            <a:schemeClr val="accent1"/>
+          </a:fillRef>
+          <a:effectRef idx="0">
+            <a:schemeClr val="accent1"/>
+          </a:effectRef>
+          <a:fontRef idx="minor">
+            <a:schemeClr val="lt1"/>
+          </a:fontRef>
+        </p:style>
+        <p:txBody>
+          <a:bodyPr rtlCol="0" anchor="ctr"/>
+          <a:lstStyle/>
+          <a:p>
+            <a:pPr algn="ctr"/>
+            <a:r>
+              <a:rPr lang="en-US" altLang="ko-KR" dirty="0">
+                <a:solidFill>
+                  <a:schemeClr val="accent6">
+                    <a:lumMod val="50000"/>
+                  </a:schemeClr>
+                </a:solidFill>
+              </a:rPr>
+              <a:t>Id = </a:t>
+            </a:r>
+            <a:r>
+              <a:rPr lang="en-US" altLang="ko-KR" dirty="0" err="1">
+                <a:solidFill>
+                  <a:schemeClr val="accent6">
+                    <a:lumMod val="50000"/>
+                  </a:schemeClr>
+                </a:solidFill>
+              </a:rPr>
+              <a:t>class_id</a:t>
+            </a:r>
+            <a:endParaRPr lang="ko-KR" altLang="en-US" dirty="0">
+              <a:solidFill>
+                <a:schemeClr val="accent6">
+                  <a:lumMod val="50000"/>
+                </a:schemeClr>
+              </a:solidFill>
+            </a:endParaRPr>
+          </a:p>
+        </p:txBody>
+      </p:sp>
+      <p:sp>
+        <p:nvSpPr>
+          <p:cNvPr id="8" name="직사각형 7">
+            <a:extLst>
+              <a:ext uri="{FF2B5EF4-FFF2-40B4-BE49-F238E27FC236}">
+                <a16:creationId xmlns:a16="http://schemas.microsoft.com/office/drawing/2014/main" id="{47520405-F3DD-46ED-9BFA-EB2DE494EBDC}"/>
+              </a:ext>
+            </a:extLst>
+          </p:cNvPr>
+          <p:cNvSpPr/>
+          <p:nvPr/>
+        </p:nvSpPr>
+        <p:spPr>
+          <a:xfrm>
+            <a:off x="2426493" y="1693212"/>
+            <a:ext cx="1981302" cy="365125"/>
+          </a:xfrm>
+          <a:prstGeom prst="rect">
+            <a:avLst/>
+          </a:prstGeom>
+          <a:solidFill>
+            <a:schemeClr val="accent4">
+              <a:lumMod val="20000"/>
+              <a:lumOff val="80000"/>
+            </a:schemeClr>
+          </a:solidFill>
+        </p:spPr>
+        <p:style>
+          <a:lnRef idx="2">
+            <a:schemeClr val="accent1">
+              <a:shade val="50000"/>
+            </a:schemeClr>
+          </a:lnRef>
+          <a:fillRef idx="1">
+            <a:schemeClr val="accent1"/>
+          </a:fillRef>
+          <a:effectRef idx="0">
+            <a:schemeClr val="accent1"/>
+          </a:effectRef>
+          <a:fontRef idx="minor">
+            <a:schemeClr val="lt1"/>
+          </a:fontRef>
+        </p:style>
+        <p:txBody>
+          <a:bodyPr rtlCol="0" anchor="ctr"/>
+          <a:lstStyle/>
+          <a:p>
+            <a:pPr algn="ctr"/>
+            <a:r>
+              <a:rPr lang="en-US" altLang="ko-KR" dirty="0">
+                <a:solidFill>
+                  <a:schemeClr val="accent6">
+                    <a:lumMod val="50000"/>
+                  </a:schemeClr>
+                </a:solidFill>
+              </a:rPr>
+              <a:t>Id = </a:t>
+            </a:r>
+            <a:r>
+              <a:rPr lang="en-US" altLang="ko-KR" dirty="0" err="1">
+                <a:solidFill>
+                  <a:schemeClr val="accent6">
+                    <a:lumMod val="50000"/>
+                  </a:schemeClr>
+                </a:solidFill>
+              </a:rPr>
+              <a:t>product_id</a:t>
+            </a:r>
+            <a:endParaRPr lang="ko-KR" altLang="en-US" dirty="0">
+              <a:solidFill>
+                <a:schemeClr val="accent6">
+                  <a:lumMod val="50000"/>
+                </a:schemeClr>
+              </a:solidFill>
+            </a:endParaRPr>
+          </a:p>
+        </p:txBody>
+      </p:sp>
+      <p:sp>
+        <p:nvSpPr>
+          <p:cNvPr id="9" name="직사각형 8">
+            <a:extLst>
+              <a:ext uri="{FF2B5EF4-FFF2-40B4-BE49-F238E27FC236}">
+                <a16:creationId xmlns:a16="http://schemas.microsoft.com/office/drawing/2014/main" id="{6A70C326-0399-4B8E-8E24-E75008D1A8CA}"/>
+              </a:ext>
+            </a:extLst>
+          </p:cNvPr>
+          <p:cNvSpPr/>
+          <p:nvPr/>
+        </p:nvSpPr>
+        <p:spPr>
+          <a:xfrm>
+            <a:off x="962996" y="1180977"/>
+            <a:ext cx="1386273" cy="365125"/>
+          </a:xfrm>
+          <a:prstGeom prst="rect">
+            <a:avLst/>
+          </a:prstGeom>
+        </p:spPr>
+        <p:style>
+          <a:lnRef idx="2">
+            <a:schemeClr val="accent1">
+              <a:shade val="50000"/>
+            </a:schemeClr>
+          </a:lnRef>
+          <a:fillRef idx="1">
+            <a:schemeClr val="accent1"/>
+          </a:fillRef>
+          <a:effectRef idx="0">
+            <a:schemeClr val="accent1"/>
+          </a:effectRef>
+          <a:fontRef idx="minor">
+            <a:schemeClr val="lt1"/>
+          </a:fontRef>
+        </p:style>
+        <p:txBody>
+          <a:bodyPr rtlCol="0" anchor="ctr"/>
+          <a:lstStyle/>
+          <a:p>
+            <a:pPr algn="ctr"/>
+            <a:r>
+              <a:rPr lang="ko-KR" altLang="en-US" dirty="0"/>
+              <a:t>모델</a:t>
+            </a:r>
+            <a:r>
+              <a:rPr lang="en-US" altLang="ko-KR" dirty="0"/>
+              <a:t>ID</a:t>
+            </a:r>
+            <a:endParaRPr lang="ko-KR" altLang="en-US" dirty="0"/>
+          </a:p>
+        </p:txBody>
+      </p:sp>
+      <p:sp>
+        <p:nvSpPr>
+          <p:cNvPr id="10" name="직사각형 9">
+            <a:extLst>
+              <a:ext uri="{FF2B5EF4-FFF2-40B4-BE49-F238E27FC236}">
+                <a16:creationId xmlns:a16="http://schemas.microsoft.com/office/drawing/2014/main" id="{83F6C506-DD51-48B9-B450-FF2CBEA7AF55}"/>
+              </a:ext>
+            </a:extLst>
+          </p:cNvPr>
+          <p:cNvSpPr/>
+          <p:nvPr/>
+        </p:nvSpPr>
+        <p:spPr>
+          <a:xfrm>
+            <a:off x="962996" y="1693211"/>
+            <a:ext cx="1386273" cy="365125"/>
+          </a:xfrm>
+          <a:prstGeom prst="rect">
+            <a:avLst/>
+          </a:prstGeom>
+        </p:spPr>
+        <p:style>
+          <a:lnRef idx="2">
+            <a:schemeClr val="accent1">
+              <a:shade val="50000"/>
+            </a:schemeClr>
+          </a:lnRef>
+          <a:fillRef idx="1">
+            <a:schemeClr val="accent1"/>
+          </a:fillRef>
+          <a:effectRef idx="0">
+            <a:schemeClr val="accent1"/>
+          </a:effectRef>
+          <a:fontRef idx="minor">
+            <a:schemeClr val="lt1"/>
+          </a:fontRef>
+        </p:style>
+        <p:txBody>
+          <a:bodyPr rtlCol="0" anchor="ctr"/>
+          <a:lstStyle/>
+          <a:p>
+            <a:pPr algn="ctr"/>
+            <a:r>
+              <a:rPr lang="ko-KR" altLang="en-US" dirty="0"/>
+              <a:t>제품</a:t>
+            </a:r>
+            <a:r>
+              <a:rPr lang="en-US" altLang="ko-KR" dirty="0"/>
+              <a:t>ID</a:t>
+            </a:r>
+            <a:endParaRPr lang="ko-KR" altLang="en-US" dirty="0"/>
+          </a:p>
+        </p:txBody>
+      </p:sp>
+      <p:sp>
+        <p:nvSpPr>
+          <p:cNvPr id="11" name="직사각형 10">
+            <a:extLst>
+              <a:ext uri="{FF2B5EF4-FFF2-40B4-BE49-F238E27FC236}">
+                <a16:creationId xmlns:a16="http://schemas.microsoft.com/office/drawing/2014/main" id="{562C6B78-785B-43D0-A241-43AEDB82AA0E}"/>
+              </a:ext>
+            </a:extLst>
+          </p:cNvPr>
+          <p:cNvSpPr/>
+          <p:nvPr/>
+        </p:nvSpPr>
+        <p:spPr>
+          <a:xfrm>
+            <a:off x="3556001" y="5671924"/>
+            <a:ext cx="1320800" cy="365125"/>
+          </a:xfrm>
+          <a:prstGeom prst="rect">
+            <a:avLst/>
+          </a:prstGeom>
+        </p:spPr>
+        <p:style>
+          <a:lnRef idx="2">
+            <a:schemeClr val="accent1">
+              <a:shade val="50000"/>
+            </a:schemeClr>
+          </a:lnRef>
+          <a:fillRef idx="1">
+            <a:schemeClr val="accent1"/>
+          </a:fillRef>
+          <a:effectRef idx="0">
+            <a:schemeClr val="accent1"/>
+          </a:effectRef>
+          <a:fontRef idx="minor">
+            <a:schemeClr val="lt1"/>
+          </a:fontRef>
+        </p:style>
+        <p:txBody>
+          <a:bodyPr rtlCol="0" anchor="ctr"/>
+          <a:lstStyle/>
+          <a:p>
+            <a:pPr algn="ctr"/>
+            <a:r>
+              <a:rPr lang="ko-KR" altLang="en-US" dirty="0"/>
+              <a:t>저장</a:t>
+            </a:r>
+          </a:p>
+        </p:txBody>
+      </p:sp>
+      <p:sp>
+        <p:nvSpPr>
+          <p:cNvPr id="12" name="직사각형 11">
+            <a:extLst>
+              <a:ext uri="{FF2B5EF4-FFF2-40B4-BE49-F238E27FC236}">
+                <a16:creationId xmlns:a16="http://schemas.microsoft.com/office/drawing/2014/main" id="{5561A4D6-28E4-4608-A694-26603630E42F}"/>
+              </a:ext>
+            </a:extLst>
+          </p:cNvPr>
+          <p:cNvSpPr/>
+          <p:nvPr/>
+        </p:nvSpPr>
+        <p:spPr>
+          <a:xfrm>
+            <a:off x="9474197" y="486829"/>
+            <a:ext cx="2269067" cy="300570"/>
+          </a:xfrm>
+          <a:prstGeom prst="rect">
+            <a:avLst/>
+          </a:prstGeom>
+          <a:solidFill>
+            <a:schemeClr val="accent6">
+              <a:lumMod val="20000"/>
+              <a:lumOff val="80000"/>
+            </a:schemeClr>
+          </a:solidFill>
+          <a:ln w="38100">
+            <a:solidFill>
+              <a:schemeClr val="accent6">
+                <a:lumMod val="50000"/>
+              </a:schemeClr>
+            </a:solidFill>
+          </a:ln>
+        </p:spPr>
+        <p:style>
+          <a:lnRef idx="2">
+            <a:schemeClr val="accent1">
+              <a:shade val="50000"/>
+            </a:schemeClr>
+          </a:lnRef>
+          <a:fillRef idx="1">
+            <a:schemeClr val="accent1"/>
+          </a:fillRef>
+          <a:effectRef idx="0">
+            <a:schemeClr val="accent1"/>
+          </a:effectRef>
+          <a:fontRef idx="minor">
+            <a:schemeClr val="lt1"/>
+          </a:fontRef>
+        </p:style>
+        <p:txBody>
+          <a:bodyPr rtlCol="0" anchor="ctr"/>
+          <a:lstStyle/>
+          <a:p>
+            <a:pPr algn="ctr"/>
+            <a:r>
+              <a:rPr lang="ko-KR" altLang="en-US" dirty="0">
+                <a:solidFill>
+                  <a:schemeClr val="accent5">
+                    <a:lumMod val="75000"/>
+                  </a:schemeClr>
+                </a:solidFill>
+              </a:rPr>
+              <a:t>㈜선아전자</a:t>
+            </a:r>
+          </a:p>
+        </p:txBody>
+      </p:sp>
+      <p:sp>
+        <p:nvSpPr>
+          <p:cNvPr id="14" name="직사각형 13">
+            <a:extLst>
+              <a:ext uri="{FF2B5EF4-FFF2-40B4-BE49-F238E27FC236}">
+                <a16:creationId xmlns:a16="http://schemas.microsoft.com/office/drawing/2014/main" id="{7225F3E5-F042-49BA-B166-D4AE20109CC5}"/>
+              </a:ext>
+            </a:extLst>
+          </p:cNvPr>
+          <p:cNvSpPr/>
+          <p:nvPr/>
+        </p:nvSpPr>
+        <p:spPr>
+          <a:xfrm>
+            <a:off x="2441733" y="2247778"/>
+            <a:ext cx="1981302" cy="365125"/>
+          </a:xfrm>
+          <a:prstGeom prst="rect">
+            <a:avLst/>
+          </a:prstGeom>
+          <a:solidFill>
+            <a:schemeClr val="accent4">
+              <a:lumMod val="20000"/>
+              <a:lumOff val="80000"/>
+            </a:schemeClr>
+          </a:solidFill>
+        </p:spPr>
+        <p:style>
+          <a:lnRef idx="2">
+            <a:schemeClr val="accent1">
+              <a:shade val="50000"/>
+            </a:schemeClr>
+          </a:lnRef>
+          <a:fillRef idx="1">
+            <a:schemeClr val="accent1"/>
+          </a:fillRef>
+          <a:effectRef idx="0">
+            <a:schemeClr val="accent1"/>
+          </a:effectRef>
+          <a:fontRef idx="minor">
+            <a:schemeClr val="lt1"/>
+          </a:fontRef>
+        </p:style>
+        <p:txBody>
+          <a:bodyPr rtlCol="0" anchor="ctr"/>
+          <a:lstStyle/>
+          <a:p>
+            <a:pPr algn="ctr"/>
+            <a:r>
+              <a:rPr lang="en-US" altLang="ko-KR" dirty="0">
+                <a:solidFill>
+                  <a:schemeClr val="accent6">
+                    <a:lumMod val="50000"/>
+                  </a:schemeClr>
+                </a:solidFill>
+              </a:rPr>
+              <a:t>Id = </a:t>
+            </a:r>
+            <a:r>
+              <a:rPr lang="en-US" altLang="ko-KR" dirty="0" err="1">
+                <a:solidFill>
+                  <a:schemeClr val="accent6">
+                    <a:lumMod val="50000"/>
+                  </a:schemeClr>
+                </a:solidFill>
+              </a:rPr>
+              <a:t>product_nm</a:t>
+            </a:r>
+            <a:endParaRPr lang="ko-KR" altLang="en-US" dirty="0">
+              <a:solidFill>
+                <a:schemeClr val="accent6">
+                  <a:lumMod val="50000"/>
+                </a:schemeClr>
+              </a:solidFill>
+            </a:endParaRPr>
+          </a:p>
+        </p:txBody>
+      </p:sp>
+      <p:sp>
+        <p:nvSpPr>
+          <p:cNvPr id="15" name="직사각형 14">
+            <a:extLst>
+              <a:ext uri="{FF2B5EF4-FFF2-40B4-BE49-F238E27FC236}">
+                <a16:creationId xmlns:a16="http://schemas.microsoft.com/office/drawing/2014/main" id="{34C7B959-78FE-47EC-ACD7-977A9983FE19}"/>
+              </a:ext>
+            </a:extLst>
+          </p:cNvPr>
+          <p:cNvSpPr/>
+          <p:nvPr/>
+        </p:nvSpPr>
+        <p:spPr>
+          <a:xfrm>
+            <a:off x="2441733" y="2760012"/>
+            <a:ext cx="1966062" cy="365125"/>
+          </a:xfrm>
+          <a:prstGeom prst="rect">
+            <a:avLst/>
+          </a:prstGeom>
+          <a:solidFill>
+            <a:schemeClr val="accent4">
+              <a:lumMod val="20000"/>
+              <a:lumOff val="80000"/>
+            </a:schemeClr>
+          </a:solidFill>
+        </p:spPr>
+        <p:style>
+          <a:lnRef idx="2">
+            <a:schemeClr val="accent1">
+              <a:shade val="50000"/>
+            </a:schemeClr>
+          </a:lnRef>
+          <a:fillRef idx="1">
+            <a:schemeClr val="accent1"/>
+          </a:fillRef>
+          <a:effectRef idx="0">
+            <a:schemeClr val="accent1"/>
+          </a:effectRef>
+          <a:fontRef idx="minor">
+            <a:schemeClr val="lt1"/>
+          </a:fontRef>
+        </p:style>
+        <p:txBody>
+          <a:bodyPr rtlCol="0" anchor="ctr"/>
+          <a:lstStyle/>
+          <a:p>
+            <a:pPr algn="ctr"/>
+            <a:r>
+              <a:rPr lang="en-US" altLang="ko-KR" dirty="0">
+                <a:solidFill>
+                  <a:schemeClr val="accent6">
+                    <a:lumMod val="50000"/>
+                  </a:schemeClr>
+                </a:solidFill>
+              </a:rPr>
+              <a:t>Id = price</a:t>
+            </a:r>
+            <a:endParaRPr lang="ko-KR" altLang="en-US" dirty="0">
+              <a:solidFill>
+                <a:schemeClr val="accent6">
+                  <a:lumMod val="50000"/>
+                </a:schemeClr>
+              </a:solidFill>
+            </a:endParaRPr>
+          </a:p>
+        </p:txBody>
+      </p:sp>
+      <p:sp>
+        <p:nvSpPr>
+          <p:cNvPr id="16" name="직사각형 15">
+            <a:extLst>
+              <a:ext uri="{FF2B5EF4-FFF2-40B4-BE49-F238E27FC236}">
+                <a16:creationId xmlns:a16="http://schemas.microsoft.com/office/drawing/2014/main" id="{2855FE10-A257-4E2E-B36F-240E5A260517}"/>
+              </a:ext>
+            </a:extLst>
+          </p:cNvPr>
+          <p:cNvSpPr/>
+          <p:nvPr/>
+        </p:nvSpPr>
+        <p:spPr>
+          <a:xfrm>
+            <a:off x="978236" y="2247777"/>
+            <a:ext cx="1386273" cy="365125"/>
+          </a:xfrm>
+          <a:prstGeom prst="rect">
+            <a:avLst/>
+          </a:prstGeom>
+        </p:spPr>
+        <p:style>
+          <a:lnRef idx="2">
+            <a:schemeClr val="accent1">
+              <a:shade val="50000"/>
+            </a:schemeClr>
+          </a:lnRef>
+          <a:fillRef idx="1">
+            <a:schemeClr val="accent1"/>
+          </a:fillRef>
+          <a:effectRef idx="0">
+            <a:schemeClr val="accent1"/>
+          </a:effectRef>
+          <a:fontRef idx="minor">
+            <a:schemeClr val="lt1"/>
+          </a:fontRef>
+        </p:style>
+        <p:txBody>
+          <a:bodyPr rtlCol="0" anchor="ctr"/>
+          <a:lstStyle/>
+          <a:p>
+            <a:pPr algn="ctr"/>
+            <a:r>
+              <a:rPr lang="ko-KR" altLang="en-US" dirty="0"/>
+              <a:t>제품명</a:t>
+            </a:r>
+          </a:p>
+        </p:txBody>
+      </p:sp>
+      <p:sp>
+        <p:nvSpPr>
+          <p:cNvPr id="17" name="직사각형 16">
+            <a:extLst>
+              <a:ext uri="{FF2B5EF4-FFF2-40B4-BE49-F238E27FC236}">
+                <a16:creationId xmlns:a16="http://schemas.microsoft.com/office/drawing/2014/main" id="{E6ADCBC2-CF86-4C68-8FD7-61C5B1832A09}"/>
+              </a:ext>
+            </a:extLst>
+          </p:cNvPr>
+          <p:cNvSpPr/>
+          <p:nvPr/>
+        </p:nvSpPr>
+        <p:spPr>
+          <a:xfrm>
+            <a:off x="978236" y="2760011"/>
+            <a:ext cx="1386273" cy="365125"/>
+          </a:xfrm>
+          <a:prstGeom prst="rect">
+            <a:avLst/>
+          </a:prstGeom>
+        </p:spPr>
+        <p:style>
+          <a:lnRef idx="2">
+            <a:schemeClr val="accent1">
+              <a:shade val="50000"/>
+            </a:schemeClr>
+          </a:lnRef>
+          <a:fillRef idx="1">
+            <a:schemeClr val="accent1"/>
+          </a:fillRef>
+          <a:effectRef idx="0">
+            <a:schemeClr val="accent1"/>
+          </a:effectRef>
+          <a:fontRef idx="minor">
+            <a:schemeClr val="lt1"/>
+          </a:fontRef>
+        </p:style>
+        <p:txBody>
+          <a:bodyPr rtlCol="0" anchor="ctr"/>
+          <a:lstStyle/>
+          <a:p>
+            <a:pPr algn="ctr"/>
+            <a:r>
+              <a:rPr lang="ko-KR" altLang="en-US" dirty="0"/>
+              <a:t>기본가격</a:t>
+            </a:r>
+          </a:p>
+        </p:txBody>
+      </p:sp>
+      <p:sp>
+        <p:nvSpPr>
+          <p:cNvPr id="18" name="직사각형 17">
+            <a:extLst>
+              <a:ext uri="{FF2B5EF4-FFF2-40B4-BE49-F238E27FC236}">
+                <a16:creationId xmlns:a16="http://schemas.microsoft.com/office/drawing/2014/main" id="{7D33472F-C998-4321-828B-70DC7673A4C4}"/>
+              </a:ext>
+            </a:extLst>
+          </p:cNvPr>
+          <p:cNvSpPr/>
+          <p:nvPr/>
+        </p:nvSpPr>
+        <p:spPr>
+          <a:xfrm>
+            <a:off x="2441733" y="3299338"/>
+            <a:ext cx="1966062" cy="365125"/>
+          </a:xfrm>
+          <a:prstGeom prst="rect">
+            <a:avLst/>
+          </a:prstGeom>
+          <a:solidFill>
+            <a:schemeClr val="accent4">
+              <a:lumMod val="20000"/>
+              <a:lumOff val="80000"/>
+            </a:schemeClr>
+          </a:solidFill>
+        </p:spPr>
+        <p:style>
+          <a:lnRef idx="2">
+            <a:schemeClr val="accent1">
+              <a:shade val="50000"/>
+            </a:schemeClr>
+          </a:lnRef>
+          <a:fillRef idx="1">
+            <a:schemeClr val="accent1"/>
+          </a:fillRef>
+          <a:effectRef idx="0">
+            <a:schemeClr val="accent1"/>
+          </a:effectRef>
+          <a:fontRef idx="minor">
+            <a:schemeClr val="lt1"/>
+          </a:fontRef>
+        </p:style>
+        <p:txBody>
+          <a:bodyPr rtlCol="0" anchor="ctr"/>
+          <a:lstStyle/>
+          <a:p>
+            <a:pPr algn="ctr"/>
+            <a:r>
+              <a:rPr lang="en-US" altLang="ko-KR" dirty="0">
+                <a:solidFill>
+                  <a:schemeClr val="accent6">
+                    <a:lumMod val="50000"/>
+                  </a:schemeClr>
+                </a:solidFill>
+              </a:rPr>
+              <a:t>Id = weight</a:t>
+            </a:r>
+            <a:endParaRPr lang="ko-KR" altLang="en-US" dirty="0">
+              <a:solidFill>
+                <a:schemeClr val="accent6">
+                  <a:lumMod val="50000"/>
+                </a:schemeClr>
+              </a:solidFill>
+            </a:endParaRPr>
+          </a:p>
+        </p:txBody>
+      </p:sp>
+      <p:sp>
+        <p:nvSpPr>
+          <p:cNvPr id="19" name="직사각형 18">
+            <a:extLst>
+              <a:ext uri="{FF2B5EF4-FFF2-40B4-BE49-F238E27FC236}">
+                <a16:creationId xmlns:a16="http://schemas.microsoft.com/office/drawing/2014/main" id="{46F25299-BA75-4405-9AA6-08CB50317D39}"/>
+              </a:ext>
+            </a:extLst>
+          </p:cNvPr>
+          <p:cNvSpPr/>
+          <p:nvPr/>
+        </p:nvSpPr>
+        <p:spPr>
+          <a:xfrm>
+            <a:off x="2441733" y="3811572"/>
+            <a:ext cx="1966062" cy="365125"/>
+          </a:xfrm>
+          <a:prstGeom prst="rect">
+            <a:avLst/>
+          </a:prstGeom>
+          <a:solidFill>
+            <a:schemeClr val="accent4">
+              <a:lumMod val="20000"/>
+              <a:lumOff val="80000"/>
+            </a:schemeClr>
+          </a:solidFill>
+        </p:spPr>
+        <p:style>
+          <a:lnRef idx="2">
+            <a:schemeClr val="accent1">
+              <a:shade val="50000"/>
+            </a:schemeClr>
+          </a:lnRef>
+          <a:fillRef idx="1">
+            <a:schemeClr val="accent1"/>
+          </a:fillRef>
+          <a:effectRef idx="0">
+            <a:schemeClr val="accent1"/>
+          </a:effectRef>
+          <a:fontRef idx="minor">
+            <a:schemeClr val="lt1"/>
+          </a:fontRef>
+        </p:style>
+        <p:txBody>
+          <a:bodyPr rtlCol="0" anchor="ctr"/>
+          <a:lstStyle/>
+          <a:p>
+            <a:pPr algn="ctr"/>
+            <a:r>
+              <a:rPr lang="en-US" altLang="ko-KR" dirty="0">
+                <a:solidFill>
+                  <a:schemeClr val="accent6">
+                    <a:lumMod val="50000"/>
+                  </a:schemeClr>
+                </a:solidFill>
+              </a:rPr>
+              <a:t>Id = </a:t>
+            </a:r>
+            <a:r>
+              <a:rPr lang="en-US" altLang="ko-KR" dirty="0" err="1">
+                <a:solidFill>
+                  <a:schemeClr val="accent6">
+                    <a:lumMod val="50000"/>
+                  </a:schemeClr>
+                </a:solidFill>
+              </a:rPr>
+              <a:t>size_h</a:t>
+            </a:r>
+            <a:endParaRPr lang="ko-KR" altLang="en-US" dirty="0">
+              <a:solidFill>
+                <a:schemeClr val="accent6">
+                  <a:lumMod val="50000"/>
+                </a:schemeClr>
+              </a:solidFill>
+            </a:endParaRPr>
+          </a:p>
+        </p:txBody>
+      </p:sp>
+      <p:sp>
+        <p:nvSpPr>
+          <p:cNvPr id="20" name="직사각형 19">
+            <a:extLst>
+              <a:ext uri="{FF2B5EF4-FFF2-40B4-BE49-F238E27FC236}">
+                <a16:creationId xmlns:a16="http://schemas.microsoft.com/office/drawing/2014/main" id="{8A56E1E3-1E85-47DA-BFD6-5AC160D750E5}"/>
+              </a:ext>
+            </a:extLst>
+          </p:cNvPr>
+          <p:cNvSpPr/>
+          <p:nvPr/>
+        </p:nvSpPr>
+        <p:spPr>
+          <a:xfrm>
+            <a:off x="978236" y="3299337"/>
+            <a:ext cx="1386273" cy="365125"/>
+          </a:xfrm>
+          <a:prstGeom prst="rect">
+            <a:avLst/>
+          </a:prstGeom>
+        </p:spPr>
+        <p:style>
+          <a:lnRef idx="2">
+            <a:schemeClr val="accent1">
+              <a:shade val="50000"/>
+            </a:schemeClr>
+          </a:lnRef>
+          <a:fillRef idx="1">
+            <a:schemeClr val="accent1"/>
+          </a:fillRef>
+          <a:effectRef idx="0">
+            <a:schemeClr val="accent1"/>
+          </a:effectRef>
+          <a:fontRef idx="minor">
+            <a:schemeClr val="lt1"/>
+          </a:fontRef>
+        </p:style>
+        <p:txBody>
+          <a:bodyPr rtlCol="0" anchor="ctr"/>
+          <a:lstStyle/>
+          <a:p>
+            <a:pPr algn="ctr"/>
+            <a:r>
+              <a:rPr lang="ko-KR" altLang="en-US" dirty="0"/>
+              <a:t>무게</a:t>
+            </a:r>
+          </a:p>
+        </p:txBody>
+      </p:sp>
+      <p:sp>
+        <p:nvSpPr>
+          <p:cNvPr id="21" name="직사각형 20">
+            <a:extLst>
+              <a:ext uri="{FF2B5EF4-FFF2-40B4-BE49-F238E27FC236}">
+                <a16:creationId xmlns:a16="http://schemas.microsoft.com/office/drawing/2014/main" id="{36CB82EE-49FB-48A8-8899-8E47DD2785E0}"/>
+              </a:ext>
+            </a:extLst>
+          </p:cNvPr>
+          <p:cNvSpPr/>
+          <p:nvPr/>
+        </p:nvSpPr>
+        <p:spPr>
+          <a:xfrm>
+            <a:off x="978236" y="3811571"/>
+            <a:ext cx="1386273" cy="365125"/>
+          </a:xfrm>
+          <a:prstGeom prst="rect">
+            <a:avLst/>
+          </a:prstGeom>
+        </p:spPr>
+        <p:style>
+          <a:lnRef idx="2">
+            <a:schemeClr val="accent1">
+              <a:shade val="50000"/>
+            </a:schemeClr>
+          </a:lnRef>
+          <a:fillRef idx="1">
+            <a:schemeClr val="accent1"/>
+          </a:fillRef>
+          <a:effectRef idx="0">
+            <a:schemeClr val="accent1"/>
+          </a:effectRef>
+          <a:fontRef idx="minor">
+            <a:schemeClr val="lt1"/>
+          </a:fontRef>
+        </p:style>
+        <p:txBody>
+          <a:bodyPr rtlCol="0" anchor="ctr"/>
+          <a:lstStyle/>
+          <a:p>
+            <a:pPr algn="ctr"/>
+            <a:r>
+              <a:rPr lang="ko-KR" altLang="en-US" dirty="0"/>
+              <a:t>가로크기</a:t>
+            </a:r>
+          </a:p>
+        </p:txBody>
+      </p:sp>
+      <p:sp>
+        <p:nvSpPr>
+          <p:cNvPr id="22" name="직사각형 21">
+            <a:extLst>
+              <a:ext uri="{FF2B5EF4-FFF2-40B4-BE49-F238E27FC236}">
+                <a16:creationId xmlns:a16="http://schemas.microsoft.com/office/drawing/2014/main" id="{83F7EA94-73BE-4E90-9962-D35EF783A1E7}"/>
+              </a:ext>
+            </a:extLst>
+          </p:cNvPr>
+          <p:cNvSpPr/>
+          <p:nvPr/>
+        </p:nvSpPr>
+        <p:spPr>
+          <a:xfrm>
+            <a:off x="2456973" y="4366138"/>
+            <a:ext cx="1966062" cy="365125"/>
+          </a:xfrm>
+          <a:prstGeom prst="rect">
+            <a:avLst/>
+          </a:prstGeom>
+          <a:solidFill>
+            <a:schemeClr val="accent4">
+              <a:lumMod val="20000"/>
+              <a:lumOff val="80000"/>
+            </a:schemeClr>
+          </a:solidFill>
+        </p:spPr>
+        <p:style>
+          <a:lnRef idx="2">
+            <a:schemeClr val="accent1">
+              <a:shade val="50000"/>
+            </a:schemeClr>
+          </a:lnRef>
+          <a:fillRef idx="1">
+            <a:schemeClr val="accent1"/>
+          </a:fillRef>
+          <a:effectRef idx="0">
+            <a:schemeClr val="accent1"/>
+          </a:effectRef>
+          <a:fontRef idx="minor">
+            <a:schemeClr val="lt1"/>
+          </a:fontRef>
+        </p:style>
+        <p:txBody>
+          <a:bodyPr rtlCol="0" anchor="ctr"/>
+          <a:lstStyle/>
+          <a:p>
+            <a:pPr algn="ctr"/>
+            <a:r>
+              <a:rPr lang="en-US" altLang="ko-KR" dirty="0">
+                <a:solidFill>
+                  <a:schemeClr val="accent6">
+                    <a:lumMod val="50000"/>
+                  </a:schemeClr>
+                </a:solidFill>
+              </a:rPr>
+              <a:t>Id = </a:t>
+            </a:r>
+            <a:r>
+              <a:rPr lang="en-US" altLang="ko-KR" dirty="0" err="1">
+                <a:solidFill>
+                  <a:schemeClr val="accent6">
+                    <a:lumMod val="50000"/>
+                  </a:schemeClr>
+                </a:solidFill>
+              </a:rPr>
+              <a:t>size_v</a:t>
+            </a:r>
+            <a:endParaRPr lang="ko-KR" altLang="en-US" dirty="0">
+              <a:solidFill>
+                <a:schemeClr val="accent6">
+                  <a:lumMod val="50000"/>
+                </a:schemeClr>
+              </a:solidFill>
+            </a:endParaRPr>
+          </a:p>
+        </p:txBody>
+      </p:sp>
+      <p:sp>
+        <p:nvSpPr>
+          <p:cNvPr id="23" name="직사각형 22">
+            <a:extLst>
+              <a:ext uri="{FF2B5EF4-FFF2-40B4-BE49-F238E27FC236}">
+                <a16:creationId xmlns:a16="http://schemas.microsoft.com/office/drawing/2014/main" id="{A0DC13F6-A267-4806-9F9E-7C9EF5D8DCD7}"/>
+              </a:ext>
+            </a:extLst>
+          </p:cNvPr>
+          <p:cNvSpPr/>
+          <p:nvPr/>
+        </p:nvSpPr>
+        <p:spPr>
+          <a:xfrm>
+            <a:off x="2456973" y="4878372"/>
+            <a:ext cx="1966062" cy="365125"/>
+          </a:xfrm>
+          <a:prstGeom prst="rect">
+            <a:avLst/>
+          </a:prstGeom>
+          <a:solidFill>
+            <a:schemeClr val="accent4">
+              <a:lumMod val="20000"/>
+              <a:lumOff val="80000"/>
+            </a:schemeClr>
+          </a:solidFill>
+        </p:spPr>
+        <p:style>
+          <a:lnRef idx="2">
+            <a:schemeClr val="accent1">
+              <a:shade val="50000"/>
+            </a:schemeClr>
+          </a:lnRef>
+          <a:fillRef idx="1">
+            <a:schemeClr val="accent1"/>
+          </a:fillRef>
+          <a:effectRef idx="0">
+            <a:schemeClr val="accent1"/>
+          </a:effectRef>
+          <a:fontRef idx="minor">
+            <a:schemeClr val="lt1"/>
+          </a:fontRef>
+        </p:style>
+        <p:txBody>
+          <a:bodyPr rtlCol="0" anchor="ctr"/>
+          <a:lstStyle/>
+          <a:p>
+            <a:pPr algn="ctr"/>
+            <a:r>
+              <a:rPr lang="en-US" altLang="ko-KR" dirty="0">
+                <a:solidFill>
+                  <a:schemeClr val="accent6">
+                    <a:lumMod val="50000"/>
+                  </a:schemeClr>
+                </a:solidFill>
+              </a:rPr>
+              <a:t>Id = </a:t>
+            </a:r>
+            <a:r>
+              <a:rPr lang="en-US" altLang="ko-KR" dirty="0" err="1">
+                <a:solidFill>
+                  <a:schemeClr val="accent6">
+                    <a:lumMod val="50000"/>
+                  </a:schemeClr>
+                </a:solidFill>
+              </a:rPr>
+              <a:t>size_z</a:t>
+            </a:r>
+            <a:endParaRPr lang="ko-KR" altLang="en-US" dirty="0">
+              <a:solidFill>
+                <a:schemeClr val="accent6">
+                  <a:lumMod val="50000"/>
+                </a:schemeClr>
+              </a:solidFill>
+            </a:endParaRPr>
+          </a:p>
+        </p:txBody>
+      </p:sp>
+      <p:sp>
+        <p:nvSpPr>
+          <p:cNvPr id="24" name="직사각형 23">
+            <a:extLst>
+              <a:ext uri="{FF2B5EF4-FFF2-40B4-BE49-F238E27FC236}">
+                <a16:creationId xmlns:a16="http://schemas.microsoft.com/office/drawing/2014/main" id="{765ADAC5-EA39-4318-B6C5-2F2B2C5869F2}"/>
+              </a:ext>
+            </a:extLst>
+          </p:cNvPr>
+          <p:cNvSpPr/>
+          <p:nvPr/>
+        </p:nvSpPr>
+        <p:spPr>
+          <a:xfrm>
+            <a:off x="993476" y="4366137"/>
+            <a:ext cx="1386273" cy="365125"/>
+          </a:xfrm>
+          <a:prstGeom prst="rect">
+            <a:avLst/>
+          </a:prstGeom>
+        </p:spPr>
+        <p:style>
+          <a:lnRef idx="2">
+            <a:schemeClr val="accent1">
+              <a:shade val="50000"/>
+            </a:schemeClr>
+          </a:lnRef>
+          <a:fillRef idx="1">
+            <a:schemeClr val="accent1"/>
+          </a:fillRef>
+          <a:effectRef idx="0">
+            <a:schemeClr val="accent1"/>
+          </a:effectRef>
+          <a:fontRef idx="minor">
+            <a:schemeClr val="lt1"/>
+          </a:fontRef>
+        </p:style>
+        <p:txBody>
+          <a:bodyPr rtlCol="0" anchor="ctr"/>
+          <a:lstStyle/>
+          <a:p>
+            <a:pPr algn="ctr"/>
+            <a:r>
+              <a:rPr lang="ko-KR" altLang="en-US" dirty="0"/>
+              <a:t>세로크기</a:t>
+            </a:r>
+          </a:p>
+        </p:txBody>
+      </p:sp>
+      <p:sp>
+        <p:nvSpPr>
+          <p:cNvPr id="25" name="직사각형 24">
+            <a:extLst>
+              <a:ext uri="{FF2B5EF4-FFF2-40B4-BE49-F238E27FC236}">
+                <a16:creationId xmlns:a16="http://schemas.microsoft.com/office/drawing/2014/main" id="{807BE7FD-F130-443D-B0A7-BF184BC20938}"/>
+              </a:ext>
+            </a:extLst>
+          </p:cNvPr>
+          <p:cNvSpPr/>
+          <p:nvPr/>
+        </p:nvSpPr>
+        <p:spPr>
+          <a:xfrm>
+            <a:off x="993476" y="4878371"/>
+            <a:ext cx="1386273" cy="365125"/>
+          </a:xfrm>
+          <a:prstGeom prst="rect">
+            <a:avLst/>
+          </a:prstGeom>
+        </p:spPr>
+        <p:style>
+          <a:lnRef idx="2">
+            <a:schemeClr val="accent1">
+              <a:shade val="50000"/>
+            </a:schemeClr>
+          </a:lnRef>
+          <a:fillRef idx="1">
+            <a:schemeClr val="accent1"/>
+          </a:fillRef>
+          <a:effectRef idx="0">
+            <a:schemeClr val="accent1"/>
+          </a:effectRef>
+          <a:fontRef idx="minor">
+            <a:schemeClr val="lt1"/>
+          </a:fontRef>
+        </p:style>
+        <p:txBody>
+          <a:bodyPr rtlCol="0" anchor="ctr"/>
+          <a:lstStyle/>
+          <a:p>
+            <a:pPr algn="ctr"/>
+            <a:r>
+              <a:rPr lang="ko-KR" altLang="en-US" dirty="0"/>
+              <a:t>높이</a:t>
+            </a:r>
+          </a:p>
+        </p:txBody>
+      </p:sp>
+      <p:sp>
+        <p:nvSpPr>
+          <p:cNvPr id="26" name="직사각형 25">
+            <a:extLst>
+              <a:ext uri="{FF2B5EF4-FFF2-40B4-BE49-F238E27FC236}">
+                <a16:creationId xmlns:a16="http://schemas.microsoft.com/office/drawing/2014/main" id="{6042699E-04F3-47A3-912B-88C7C07732D1}"/>
+              </a:ext>
+            </a:extLst>
+          </p:cNvPr>
+          <p:cNvSpPr/>
+          <p:nvPr/>
+        </p:nvSpPr>
+        <p:spPr>
+          <a:xfrm>
+            <a:off x="4594186" y="1180977"/>
+            <a:ext cx="1386273" cy="365125"/>
+          </a:xfrm>
+          <a:prstGeom prst="rect">
+            <a:avLst/>
+          </a:prstGeom>
+        </p:spPr>
+        <p:style>
+          <a:lnRef idx="2">
+            <a:schemeClr val="accent1">
+              <a:shade val="50000"/>
+            </a:schemeClr>
+          </a:lnRef>
+          <a:fillRef idx="1">
+            <a:schemeClr val="accent1"/>
+          </a:fillRef>
+          <a:effectRef idx="0">
+            <a:schemeClr val="accent1"/>
+          </a:effectRef>
+          <a:fontRef idx="minor">
+            <a:schemeClr val="lt1"/>
+          </a:fontRef>
+        </p:style>
+        <p:txBody>
+          <a:bodyPr rtlCol="0" anchor="ctr"/>
+          <a:lstStyle/>
+          <a:p>
+            <a:pPr algn="ctr"/>
+            <a:r>
+              <a:rPr lang="ko-KR" altLang="en-US" dirty="0"/>
+              <a:t>사진</a:t>
+            </a:r>
+          </a:p>
+        </p:txBody>
+      </p:sp>
+      <p:sp>
+        <p:nvSpPr>
+          <p:cNvPr id="27" name="직사각형 26">
+            <a:extLst>
+              <a:ext uri="{FF2B5EF4-FFF2-40B4-BE49-F238E27FC236}">
+                <a16:creationId xmlns:a16="http://schemas.microsoft.com/office/drawing/2014/main" id="{ACBC1F9B-D2C8-4C48-8DF8-6F627B998010}"/>
+              </a:ext>
+            </a:extLst>
+          </p:cNvPr>
+          <p:cNvSpPr/>
+          <p:nvPr/>
+        </p:nvSpPr>
+        <p:spPr>
+          <a:xfrm>
+            <a:off x="4594186" y="1693211"/>
+            <a:ext cx="4688388" cy="3550285"/>
+          </a:xfrm>
+          <a:prstGeom prst="rect">
+            <a:avLst/>
+          </a:prstGeom>
+          <a:solidFill>
+            <a:schemeClr val="accent4">
+              <a:lumMod val="20000"/>
+              <a:lumOff val="80000"/>
+            </a:schemeClr>
+          </a:solidFill>
+        </p:spPr>
+        <p:style>
+          <a:lnRef idx="2">
+            <a:schemeClr val="accent1">
+              <a:shade val="50000"/>
+            </a:schemeClr>
+          </a:lnRef>
+          <a:fillRef idx="1">
+            <a:schemeClr val="accent1"/>
+          </a:fillRef>
+          <a:effectRef idx="0">
+            <a:schemeClr val="accent1"/>
+          </a:effectRef>
+          <a:fontRef idx="minor">
+            <a:schemeClr val="lt1"/>
+          </a:fontRef>
+        </p:style>
+        <p:txBody>
+          <a:bodyPr rtlCol="0" anchor="ctr"/>
+          <a:lstStyle/>
+          <a:p>
+            <a:pPr algn="ctr"/>
+            <a:r>
+              <a:rPr lang="ko-KR" altLang="en-US" dirty="0">
+                <a:solidFill>
+                  <a:schemeClr val="accent6">
+                    <a:lumMod val="50000"/>
+                  </a:schemeClr>
+                </a:solidFill>
+              </a:rPr>
+              <a:t>이미지 미리보기</a:t>
+            </a:r>
+            <a:endParaRPr lang="en-US" altLang="ko-KR" dirty="0">
+              <a:solidFill>
+                <a:schemeClr val="accent6">
+                  <a:lumMod val="50000"/>
+                </a:schemeClr>
+              </a:solidFill>
+            </a:endParaRPr>
+          </a:p>
+        </p:txBody>
+      </p:sp>
+      <p:sp>
+        <p:nvSpPr>
+          <p:cNvPr id="28" name="직사각형 27">
+            <a:extLst>
+              <a:ext uri="{FF2B5EF4-FFF2-40B4-BE49-F238E27FC236}">
+                <a16:creationId xmlns:a16="http://schemas.microsoft.com/office/drawing/2014/main" id="{D6AE22C3-69A9-42D9-8BBC-CA39A6F8BCA6}"/>
+              </a:ext>
+            </a:extLst>
+          </p:cNvPr>
+          <p:cNvSpPr/>
+          <p:nvPr/>
+        </p:nvSpPr>
+        <p:spPr>
+          <a:xfrm>
+            <a:off x="6054584" y="1180976"/>
+            <a:ext cx="3227990" cy="365125"/>
+          </a:xfrm>
+          <a:prstGeom prst="rect">
+            <a:avLst/>
+          </a:prstGeom>
+          <a:solidFill>
+            <a:schemeClr val="accent4">
+              <a:lumMod val="20000"/>
+              <a:lumOff val="80000"/>
+            </a:schemeClr>
+          </a:solidFill>
+        </p:spPr>
+        <p:style>
+          <a:lnRef idx="2">
+            <a:schemeClr val="accent1">
+              <a:shade val="50000"/>
+            </a:schemeClr>
+          </a:lnRef>
+          <a:fillRef idx="1">
+            <a:schemeClr val="accent1"/>
+          </a:fillRef>
+          <a:effectRef idx="0">
+            <a:schemeClr val="accent1"/>
+          </a:effectRef>
+          <a:fontRef idx="minor">
+            <a:schemeClr val="lt1"/>
+          </a:fontRef>
+        </p:style>
+        <p:txBody>
+          <a:bodyPr rtlCol="0" anchor="ctr"/>
+          <a:lstStyle/>
+          <a:p>
+            <a:pPr algn="ctr"/>
+            <a:r>
+              <a:rPr lang="en-US" altLang="ko-KR" dirty="0">
+                <a:solidFill>
+                  <a:schemeClr val="accent6">
+                    <a:lumMod val="50000"/>
+                  </a:schemeClr>
+                </a:solidFill>
+              </a:rPr>
+              <a:t>Id = image</a:t>
+            </a:r>
+            <a:endParaRPr lang="ko-KR" altLang="en-US" dirty="0">
+              <a:solidFill>
+                <a:schemeClr val="accent6">
+                  <a:lumMod val="50000"/>
+                </a:schemeClr>
+              </a:solidFill>
+            </a:endParaRPr>
+          </a:p>
+        </p:txBody>
+      </p:sp>
+      <p:sp>
+        <p:nvSpPr>
+          <p:cNvPr id="29" name="TextBox 28">
+            <a:extLst>
+              <a:ext uri="{FF2B5EF4-FFF2-40B4-BE49-F238E27FC236}">
+                <a16:creationId xmlns:a16="http://schemas.microsoft.com/office/drawing/2014/main" id="{EFDCA6C1-FE31-41D6-A13A-AA029B7AB6FD}"/>
+              </a:ext>
+            </a:extLst>
+          </p:cNvPr>
+          <p:cNvSpPr txBox="1"/>
+          <p:nvPr/>
+        </p:nvSpPr>
+        <p:spPr>
+          <a:xfrm>
+            <a:off x="4075500" y="1183682"/>
+            <a:ext cx="332509" cy="360000"/>
+          </a:xfrm>
+          <a:prstGeom prst="rect">
+            <a:avLst/>
+          </a:prstGeom>
+          <a:noFill/>
+          <a:ln>
+            <a:solidFill>
+              <a:schemeClr val="tx1"/>
+            </a:solidFill>
+          </a:ln>
+        </p:spPr>
+        <p:txBody>
+          <a:bodyPr wrap="square">
+            <a:spAutoFit/>
+          </a:bodyPr>
+          <a:lstStyle/>
+          <a:p>
+            <a:pPr algn="ctr"/>
+            <a:r>
+              <a:rPr lang="ko-KR" altLang="en-US" sz="1800" dirty="0">
+                <a:solidFill>
+                  <a:schemeClr val="tx1"/>
+                </a:solidFill>
+              </a:rPr>
+              <a:t>▼</a:t>
+            </a:r>
+          </a:p>
+        </p:txBody>
+      </p:sp>
+      <p:sp>
+        <p:nvSpPr>
+          <p:cNvPr id="30" name="타원 29">
+            <a:extLst>
+              <a:ext uri="{FF2B5EF4-FFF2-40B4-BE49-F238E27FC236}">
+                <a16:creationId xmlns:a16="http://schemas.microsoft.com/office/drawing/2014/main" id="{B4E1244F-60FB-4C63-9D99-056CC5482672}"/>
+              </a:ext>
+            </a:extLst>
+          </p:cNvPr>
+          <p:cNvSpPr/>
+          <p:nvPr/>
+        </p:nvSpPr>
+        <p:spPr>
+          <a:xfrm>
+            <a:off x="4147392" y="1006776"/>
+            <a:ext cx="275643" cy="285375"/>
+          </a:xfrm>
+          <a:prstGeom prst="ellipse">
+            <a:avLst/>
+          </a:prstGeom>
+          <a:noFill/>
+          <a:ln w="38100">
+            <a:solidFill>
+              <a:srgbClr val="FF0000"/>
+            </a:solidFill>
+          </a:ln>
+        </p:spPr>
+        <p:style>
+          <a:lnRef idx="2">
+            <a:schemeClr val="accent1">
+              <a:shade val="50000"/>
+            </a:schemeClr>
+          </a:lnRef>
+          <a:fillRef idx="1">
+            <a:schemeClr val="accent1"/>
+          </a:fillRef>
+          <a:effectRef idx="0">
+            <a:schemeClr val="accent1"/>
+          </a:effectRef>
+          <a:fontRef idx="minor">
+            <a:schemeClr val="lt1"/>
+          </a:fontRef>
+        </p:style>
+        <p:txBody>
+          <a:bodyPr rtlCol="0" anchor="ctr"/>
+          <a:lstStyle/>
+          <a:p>
+            <a:pPr algn="ctr"/>
+            <a:r>
+              <a:rPr lang="en-US" altLang="ko-KR" sz="1400" dirty="0">
+                <a:ln w="57150">
+                  <a:noFill/>
+                </a:ln>
+                <a:solidFill>
+                  <a:srgbClr val="FF0000"/>
+                </a:solidFill>
+              </a:rPr>
+              <a:t>1</a:t>
+            </a:r>
+            <a:endParaRPr lang="ko-KR" altLang="en-US" sz="1400" dirty="0">
+              <a:ln w="57150">
+                <a:noFill/>
+              </a:ln>
+              <a:solidFill>
+                <a:srgbClr val="FF0000"/>
+              </a:solidFill>
+            </a:endParaRPr>
+          </a:p>
+        </p:txBody>
+      </p:sp>
+      <p:sp>
+        <p:nvSpPr>
+          <p:cNvPr id="31" name="타원 30">
+            <a:extLst>
+              <a:ext uri="{FF2B5EF4-FFF2-40B4-BE49-F238E27FC236}">
+                <a16:creationId xmlns:a16="http://schemas.microsoft.com/office/drawing/2014/main" id="{AB19AA40-9BF9-4D1B-BA97-97D028B7E742}"/>
+              </a:ext>
+            </a:extLst>
+          </p:cNvPr>
+          <p:cNvSpPr/>
+          <p:nvPr/>
+        </p:nvSpPr>
+        <p:spPr>
+          <a:xfrm>
+            <a:off x="9548324" y="1006776"/>
+            <a:ext cx="275643" cy="285375"/>
+          </a:xfrm>
+          <a:prstGeom prst="ellipse">
+            <a:avLst/>
+          </a:prstGeom>
+          <a:noFill/>
+          <a:ln w="38100">
+            <a:solidFill>
+              <a:srgbClr val="FF0000"/>
+            </a:solidFill>
+          </a:ln>
+        </p:spPr>
+        <p:style>
+          <a:lnRef idx="2">
+            <a:schemeClr val="accent1">
+              <a:shade val="50000"/>
+            </a:schemeClr>
+          </a:lnRef>
+          <a:fillRef idx="1">
+            <a:schemeClr val="accent1"/>
+          </a:fillRef>
+          <a:effectRef idx="0">
+            <a:schemeClr val="accent1"/>
+          </a:effectRef>
+          <a:fontRef idx="minor">
+            <a:schemeClr val="lt1"/>
+          </a:fontRef>
+        </p:style>
+        <p:txBody>
+          <a:bodyPr rtlCol="0" anchor="ctr"/>
+          <a:lstStyle/>
+          <a:p>
+            <a:pPr algn="ctr"/>
+            <a:r>
+              <a:rPr lang="en-US" altLang="ko-KR" sz="1400" dirty="0">
+                <a:ln w="57150">
+                  <a:noFill/>
+                </a:ln>
+                <a:solidFill>
+                  <a:srgbClr val="FF0000"/>
+                </a:solidFill>
+              </a:rPr>
+              <a:t>1</a:t>
+            </a:r>
+            <a:endParaRPr lang="ko-KR" altLang="en-US" sz="1400" dirty="0">
+              <a:ln w="57150">
+                <a:noFill/>
+              </a:ln>
+              <a:solidFill>
+                <a:srgbClr val="FF0000"/>
+              </a:solidFill>
+            </a:endParaRPr>
+          </a:p>
+        </p:txBody>
+      </p:sp>
+      <p:sp>
+        <p:nvSpPr>
+          <p:cNvPr id="35" name="직사각형 34">
+            <a:extLst>
+              <a:ext uri="{FF2B5EF4-FFF2-40B4-BE49-F238E27FC236}">
+                <a16:creationId xmlns:a16="http://schemas.microsoft.com/office/drawing/2014/main" id="{D46B064A-BEE8-42E4-959B-F3DF0E8E777A}"/>
+              </a:ext>
+            </a:extLst>
+          </p:cNvPr>
+          <p:cNvSpPr/>
+          <p:nvPr/>
+        </p:nvSpPr>
+        <p:spPr>
+          <a:xfrm>
+            <a:off x="5068426" y="5671924"/>
+            <a:ext cx="1320800" cy="365125"/>
+          </a:xfrm>
+          <a:prstGeom prst="rect">
+            <a:avLst/>
+          </a:prstGeom>
+        </p:spPr>
+        <p:style>
+          <a:lnRef idx="2">
+            <a:schemeClr val="accent1">
+              <a:shade val="50000"/>
+            </a:schemeClr>
+          </a:lnRef>
+          <a:fillRef idx="1">
+            <a:schemeClr val="accent1"/>
+          </a:fillRef>
+          <a:effectRef idx="0">
+            <a:schemeClr val="accent1"/>
+          </a:effectRef>
+          <a:fontRef idx="minor">
+            <a:schemeClr val="lt1"/>
+          </a:fontRef>
+        </p:style>
+        <p:txBody>
+          <a:bodyPr rtlCol="0" anchor="ctr"/>
+          <a:lstStyle/>
+          <a:p>
+            <a:pPr algn="ctr"/>
+            <a:r>
+              <a:rPr lang="ko-KR" altLang="en-US" dirty="0"/>
+              <a:t>취소</a:t>
+            </a:r>
+          </a:p>
+        </p:txBody>
+      </p:sp>
+      <p:sp>
+        <p:nvSpPr>
+          <p:cNvPr id="36" name="직사각형 35">
+            <a:extLst>
+              <a:ext uri="{FF2B5EF4-FFF2-40B4-BE49-F238E27FC236}">
+                <a16:creationId xmlns:a16="http://schemas.microsoft.com/office/drawing/2014/main" id="{B22321A4-D773-4DF3-9017-170E7B5C1F67}"/>
+              </a:ext>
+            </a:extLst>
+          </p:cNvPr>
+          <p:cNvSpPr/>
+          <p:nvPr/>
+        </p:nvSpPr>
+        <p:spPr>
+          <a:xfrm>
+            <a:off x="7961774" y="5671924"/>
+            <a:ext cx="1320800" cy="365125"/>
+          </a:xfrm>
+          <a:prstGeom prst="rect">
+            <a:avLst/>
+          </a:prstGeom>
+          <a:solidFill>
+            <a:schemeClr val="bg2">
+              <a:lumMod val="50000"/>
+            </a:schemeClr>
+          </a:solidFill>
+        </p:spPr>
+        <p:style>
+          <a:lnRef idx="2">
+            <a:schemeClr val="accent1">
+              <a:shade val="50000"/>
+            </a:schemeClr>
+          </a:lnRef>
+          <a:fillRef idx="1">
+            <a:schemeClr val="accent1"/>
+          </a:fillRef>
+          <a:effectRef idx="0">
+            <a:schemeClr val="accent1"/>
+          </a:effectRef>
+          <a:fontRef idx="minor">
+            <a:schemeClr val="lt1"/>
+          </a:fontRef>
+        </p:style>
+        <p:txBody>
+          <a:bodyPr rtlCol="0" anchor="ctr"/>
+          <a:lstStyle/>
+          <a:p>
+            <a:pPr algn="ctr"/>
+            <a:r>
+              <a:rPr lang="ko-KR" altLang="en-US" dirty="0"/>
+              <a:t>제품삭제</a:t>
+            </a:r>
+          </a:p>
+        </p:txBody>
+      </p:sp>
+    </p:spTree>
+    <p:extLst>
+      <p:ext uri="{BB962C8B-B14F-4D97-AF65-F5344CB8AC3E}">
+        <p14:creationId xmlns:p14="http://schemas.microsoft.com/office/powerpoint/2010/main" val="3927794459"/>
+      </p:ext>
+    </p:extLst>
+  </p:cSld>
+  <p:clrMapOvr>
+    <a:masterClrMapping/>
+  </p:clrMapOvr>
+</p:sld>
+</file>
+
+<file path=ppt/slides/slide9.xml><?xml version="1.0" encoding="utf-8"?>
+<p:sld xmlns:a="http://schemas.openxmlformats.org/drawingml/2006/main" xmlns:r="http://schemas.openxmlformats.org/officeDocument/2006/relationships" xmlns:p="http://schemas.openxmlformats.org/presentationml/2006/main">
+  <p:cSld>
+    <p:spTree>
+      <p:nvGrpSpPr>
+        <p:cNvPr id="1" name=""/>
+        <p:cNvGrpSpPr/>
+        <p:nvPr/>
+      </p:nvGrpSpPr>
+      <p:grpSpPr>
+        <a:xfrm>
+          <a:off x="0" y="0"/>
+          <a:ext cx="0" cy="0"/>
+          <a:chOff x="0" y="0"/>
+          <a:chExt cx="0" cy="0"/>
+        </a:xfrm>
+      </p:grpSpPr>
+      <p:sp>
+        <p:nvSpPr>
+          <p:cNvPr id="4" name="직사각형 3">
+            <a:extLst>
+              <a:ext uri="{FF2B5EF4-FFF2-40B4-BE49-F238E27FC236}">
+                <a16:creationId xmlns:a16="http://schemas.microsoft.com/office/drawing/2014/main" id="{C3E412EF-01B8-41AD-A5A9-27B89C152C07}"/>
+              </a:ext>
+            </a:extLst>
+          </p:cNvPr>
+          <p:cNvSpPr/>
+          <p:nvPr/>
+        </p:nvSpPr>
+        <p:spPr>
+          <a:xfrm>
+            <a:off x="533400" y="787400"/>
+            <a:ext cx="8940799" cy="5588000"/>
+          </a:xfrm>
+          <a:prstGeom prst="rect">
+            <a:avLst/>
+          </a:prstGeom>
+          <a:noFill/>
+        </p:spPr>
+        <p:style>
+          <a:lnRef idx="2">
+            <a:schemeClr val="accent1">
+              <a:shade val="50000"/>
+            </a:schemeClr>
+          </a:lnRef>
+          <a:fillRef idx="1">
+            <a:schemeClr val="accent1"/>
+          </a:fillRef>
+          <a:effectRef idx="0">
+            <a:schemeClr val="accent1"/>
+          </a:effectRef>
+          <a:fontRef idx="minor">
+            <a:schemeClr val="lt1"/>
+          </a:fontRef>
+        </p:style>
+        <p:txBody>
+          <a:bodyPr rtlCol="0" anchor="ctr"/>
+          <a:lstStyle/>
+          <a:p>
+            <a:pPr algn="ctr"/>
+            <a:endParaRPr lang="ko-KR" altLang="en-US"/>
+          </a:p>
+        </p:txBody>
+      </p:sp>
+      <p:sp>
+        <p:nvSpPr>
+          <p:cNvPr id="5" name="직사각형 4">
+            <a:extLst>
+              <a:ext uri="{FF2B5EF4-FFF2-40B4-BE49-F238E27FC236}">
+                <a16:creationId xmlns:a16="http://schemas.microsoft.com/office/drawing/2014/main" id="{0656F505-3BCB-4EE8-8C6B-48706D80A479}"/>
+              </a:ext>
+            </a:extLst>
+          </p:cNvPr>
+          <p:cNvSpPr/>
+          <p:nvPr/>
+        </p:nvSpPr>
+        <p:spPr>
+          <a:xfrm>
+            <a:off x="9474199" y="787400"/>
+            <a:ext cx="2269068" cy="5588000"/>
+          </a:xfrm>
+          <a:prstGeom prst="rect">
+            <a:avLst/>
+          </a:prstGeom>
+          <a:noFill/>
+        </p:spPr>
+        <p:style>
+          <a:lnRef idx="2">
+            <a:schemeClr val="accent1">
+              <a:shade val="50000"/>
+            </a:schemeClr>
+          </a:lnRef>
+          <a:fillRef idx="1">
+            <a:schemeClr val="accent1"/>
+          </a:fillRef>
+          <a:effectRef idx="0">
+            <a:schemeClr val="accent1"/>
+          </a:effectRef>
+          <a:fontRef idx="minor">
+            <a:schemeClr val="lt1"/>
+          </a:fontRef>
+        </p:style>
+        <p:txBody>
+          <a:bodyPr rtlCol="0" anchor="t"/>
+          <a:lstStyle/>
+          <a:p>
+            <a:endParaRPr lang="en-US" altLang="ko-KR" sz="1400" dirty="0">
+              <a:solidFill>
+                <a:schemeClr val="accent6">
+                  <a:lumMod val="50000"/>
+                </a:schemeClr>
+              </a:solidFill>
+            </a:endParaRPr>
+          </a:p>
+          <a:p>
+            <a:r>
+              <a:rPr lang="en-US" altLang="ko-KR" sz="1400" dirty="0">
+                <a:solidFill>
+                  <a:schemeClr val="accent6">
+                    <a:lumMod val="50000"/>
+                  </a:schemeClr>
+                </a:solidFill>
+              </a:rPr>
+              <a:t>     </a:t>
+            </a:r>
+            <a:r>
+              <a:rPr lang="ko-KR" altLang="en-US" sz="1400" dirty="0">
+                <a:solidFill>
+                  <a:schemeClr val="accent6">
+                    <a:lumMod val="50000"/>
+                  </a:schemeClr>
+                </a:solidFill>
+              </a:rPr>
+              <a:t>공통코드 </a:t>
+            </a:r>
+            <a:r>
+              <a:rPr lang="en-US" altLang="ko-KR" sz="1400" dirty="0">
+                <a:solidFill>
+                  <a:schemeClr val="accent6">
+                    <a:lumMod val="50000"/>
+                  </a:schemeClr>
+                </a:solidFill>
+              </a:rPr>
+              <a:t>(CLASS)</a:t>
+            </a:r>
+          </a:p>
+          <a:p>
+            <a:endParaRPr lang="en-US" altLang="ko-KR" sz="1400" dirty="0">
+              <a:solidFill>
+                <a:schemeClr val="accent6">
+                  <a:lumMod val="50000"/>
+                </a:schemeClr>
+              </a:solidFill>
+            </a:endParaRPr>
+          </a:p>
+          <a:p>
+            <a:endParaRPr lang="en-US" altLang="ko-KR" sz="1400" dirty="0">
+              <a:solidFill>
+                <a:schemeClr val="accent6">
+                  <a:lumMod val="50000"/>
+                </a:schemeClr>
+              </a:solidFill>
+            </a:endParaRPr>
+          </a:p>
+          <a:p>
+            <a:r>
+              <a:rPr lang="en-US" altLang="ko-KR" sz="1400" dirty="0">
+                <a:solidFill>
+                  <a:schemeClr val="accent6">
+                    <a:lumMod val="50000"/>
+                  </a:schemeClr>
+                </a:solidFill>
+              </a:rPr>
+              <a:t>      </a:t>
+            </a:r>
+            <a:r>
+              <a:rPr lang="ko-KR" altLang="en-US" sz="1400" dirty="0">
+                <a:solidFill>
+                  <a:schemeClr val="accent6">
+                    <a:lumMod val="50000"/>
+                  </a:schemeClr>
+                </a:solidFill>
+              </a:rPr>
+              <a:t>모델이 선택되면</a:t>
+            </a:r>
+            <a:endParaRPr lang="en-US" altLang="ko-KR" sz="1400" dirty="0">
+              <a:solidFill>
+                <a:schemeClr val="accent6">
+                  <a:lumMod val="50000"/>
+                </a:schemeClr>
+              </a:solidFill>
+            </a:endParaRPr>
+          </a:p>
+          <a:p>
+            <a:r>
+              <a:rPr lang="en-US" altLang="ko-KR" sz="1400" dirty="0">
+                <a:solidFill>
+                  <a:schemeClr val="accent6">
+                    <a:lumMod val="50000"/>
+                  </a:schemeClr>
+                </a:solidFill>
+              </a:rPr>
+              <a:t>      </a:t>
+            </a:r>
+            <a:r>
+              <a:rPr lang="ko-KR" altLang="en-US" sz="1400" dirty="0">
+                <a:solidFill>
+                  <a:schemeClr val="accent6">
+                    <a:lumMod val="50000"/>
+                  </a:schemeClr>
+                </a:solidFill>
+              </a:rPr>
+              <a:t>제품 마스터에서</a:t>
+            </a:r>
+            <a:endParaRPr lang="en-US" altLang="ko-KR" sz="1400" dirty="0">
+              <a:solidFill>
+                <a:schemeClr val="accent6">
+                  <a:lumMod val="50000"/>
+                </a:schemeClr>
+              </a:solidFill>
+            </a:endParaRPr>
+          </a:p>
+          <a:p>
+            <a:r>
+              <a:rPr lang="en-US" altLang="ko-KR" sz="1400" dirty="0">
+                <a:solidFill>
+                  <a:schemeClr val="accent6">
+                    <a:lumMod val="50000"/>
+                  </a:schemeClr>
+                </a:solidFill>
+              </a:rPr>
+              <a:t>      CLASS_ID</a:t>
+            </a:r>
+            <a:r>
+              <a:rPr lang="ko-KR" altLang="en-US" sz="1400" dirty="0">
+                <a:solidFill>
+                  <a:schemeClr val="accent6">
+                    <a:lumMod val="50000"/>
+                  </a:schemeClr>
+                </a:solidFill>
+              </a:rPr>
+              <a:t>가 </a:t>
+            </a:r>
+            <a:endParaRPr lang="en-US" altLang="ko-KR" sz="1400" dirty="0">
+              <a:solidFill>
+                <a:schemeClr val="accent6">
+                  <a:lumMod val="50000"/>
+                </a:schemeClr>
+              </a:solidFill>
+            </a:endParaRPr>
+          </a:p>
+          <a:p>
+            <a:r>
+              <a:rPr lang="en-US" altLang="ko-KR" sz="1400" dirty="0">
+                <a:solidFill>
+                  <a:schemeClr val="accent6">
+                    <a:lumMod val="50000"/>
+                  </a:schemeClr>
+                </a:solidFill>
+              </a:rPr>
+              <a:t>      </a:t>
+            </a:r>
+            <a:r>
+              <a:rPr lang="ko-KR" altLang="en-US" sz="1400" dirty="0">
+                <a:solidFill>
+                  <a:schemeClr val="accent6">
+                    <a:lumMod val="50000"/>
+                  </a:schemeClr>
+                </a:solidFill>
+              </a:rPr>
+              <a:t>선택된 </a:t>
+            </a:r>
+            <a:r>
+              <a:rPr lang="ko-KR" altLang="en-US" sz="1400" dirty="0" err="1">
+                <a:solidFill>
+                  <a:schemeClr val="accent6">
+                    <a:lumMod val="50000"/>
+                  </a:schemeClr>
+                </a:solidFill>
+              </a:rPr>
+              <a:t>모데</a:t>
+            </a:r>
+            <a:r>
+              <a:rPr lang="en-US" altLang="ko-KR" sz="1400" dirty="0">
+                <a:solidFill>
+                  <a:schemeClr val="accent6">
+                    <a:lumMod val="50000"/>
+                  </a:schemeClr>
+                </a:solidFill>
+              </a:rPr>
+              <a:t>ID</a:t>
+            </a:r>
+            <a:r>
+              <a:rPr lang="ko-KR" altLang="en-US" sz="1400" dirty="0">
+                <a:solidFill>
+                  <a:schemeClr val="accent6">
+                    <a:lumMod val="50000"/>
+                  </a:schemeClr>
+                </a:solidFill>
+              </a:rPr>
+              <a:t>인</a:t>
+            </a:r>
+            <a:endParaRPr lang="en-US" altLang="ko-KR" sz="1400" dirty="0">
+              <a:solidFill>
+                <a:schemeClr val="accent6">
+                  <a:lumMod val="50000"/>
+                </a:schemeClr>
+              </a:solidFill>
+            </a:endParaRPr>
+          </a:p>
+          <a:p>
+            <a:r>
+              <a:rPr lang="en-US" altLang="ko-KR" sz="1400" dirty="0">
+                <a:solidFill>
+                  <a:schemeClr val="accent6">
+                    <a:lumMod val="50000"/>
+                  </a:schemeClr>
+                </a:solidFill>
+              </a:rPr>
+              <a:t>      </a:t>
+            </a:r>
+            <a:r>
+              <a:rPr lang="ko-KR" altLang="en-US" sz="1400" dirty="0">
+                <a:solidFill>
+                  <a:schemeClr val="accent6">
+                    <a:lumMod val="50000"/>
+                  </a:schemeClr>
+                </a:solidFill>
+              </a:rPr>
+              <a:t>목록이 조회된다</a:t>
+            </a:r>
+            <a:r>
+              <a:rPr lang="en-US" altLang="ko-KR" sz="1400" dirty="0">
+                <a:solidFill>
+                  <a:schemeClr val="accent6">
+                    <a:lumMod val="50000"/>
+                  </a:schemeClr>
+                </a:solidFill>
+              </a:rPr>
+              <a:t>.</a:t>
+            </a:r>
+          </a:p>
+          <a:p>
+            <a:endParaRPr lang="en-US" altLang="ko-KR" sz="1400" dirty="0">
+              <a:solidFill>
+                <a:schemeClr val="accent6">
+                  <a:lumMod val="50000"/>
+                </a:schemeClr>
+              </a:solidFill>
+            </a:endParaRPr>
+          </a:p>
+          <a:p>
+            <a:r>
+              <a:rPr lang="en-US" altLang="ko-KR" sz="1400" dirty="0">
+                <a:solidFill>
+                  <a:schemeClr val="accent6">
+                    <a:lumMod val="50000"/>
+                  </a:schemeClr>
+                </a:solidFill>
+              </a:rPr>
+              <a:t>      [</a:t>
+            </a:r>
+            <a:r>
+              <a:rPr lang="ko-KR" altLang="en-US" sz="1400" dirty="0">
+                <a:solidFill>
+                  <a:schemeClr val="accent6">
+                    <a:lumMod val="50000"/>
+                  </a:schemeClr>
+                </a:solidFill>
+              </a:rPr>
+              <a:t>읽기전용</a:t>
+            </a:r>
+            <a:r>
+              <a:rPr lang="en-US" altLang="ko-KR" sz="1400" dirty="0">
+                <a:solidFill>
+                  <a:schemeClr val="accent6">
+                    <a:lumMod val="50000"/>
+                  </a:schemeClr>
+                </a:solidFill>
+              </a:rPr>
+              <a:t>]</a:t>
+            </a:r>
+            <a:r>
+              <a:rPr lang="ko-KR" altLang="en-US" sz="1400" dirty="0">
+                <a:solidFill>
+                  <a:schemeClr val="accent6">
+                    <a:lumMod val="50000"/>
+                  </a:schemeClr>
+                </a:solidFill>
+              </a:rPr>
+              <a:t> </a:t>
+            </a:r>
+            <a:endParaRPr lang="en-US" altLang="ko-KR" sz="1400" dirty="0">
+              <a:solidFill>
+                <a:schemeClr val="accent6">
+                  <a:lumMod val="50000"/>
+                </a:schemeClr>
+              </a:solidFill>
+            </a:endParaRPr>
+          </a:p>
+          <a:p>
+            <a:r>
+              <a:rPr lang="en-US" altLang="ko-KR" sz="1400" dirty="0">
+                <a:solidFill>
+                  <a:schemeClr val="accent6">
+                    <a:lumMod val="50000"/>
+                  </a:schemeClr>
+                </a:solidFill>
+              </a:rPr>
+              <a:t>      </a:t>
+            </a:r>
+            <a:r>
+              <a:rPr lang="ko-KR" altLang="en-US" sz="1400" dirty="0">
+                <a:solidFill>
+                  <a:schemeClr val="accent6">
+                    <a:lumMod val="50000"/>
+                  </a:schemeClr>
+                </a:solidFill>
+              </a:rPr>
+              <a:t>제품</a:t>
+            </a:r>
+            <a:r>
+              <a:rPr lang="en-US" altLang="ko-KR" sz="1400" dirty="0">
+                <a:solidFill>
+                  <a:schemeClr val="accent6">
+                    <a:lumMod val="50000"/>
+                  </a:schemeClr>
+                </a:solidFill>
+              </a:rPr>
+              <a:t>ID</a:t>
+            </a:r>
+            <a:r>
+              <a:rPr lang="ko-KR" altLang="en-US" sz="1400" dirty="0">
+                <a:solidFill>
+                  <a:schemeClr val="accent6">
+                    <a:lumMod val="50000"/>
+                  </a:schemeClr>
+                </a:solidFill>
+              </a:rPr>
+              <a:t>가 선택되면</a:t>
+            </a:r>
+            <a:endParaRPr lang="en-US" altLang="ko-KR" sz="1400" dirty="0">
+              <a:solidFill>
+                <a:schemeClr val="accent6">
+                  <a:lumMod val="50000"/>
+                </a:schemeClr>
+              </a:solidFill>
+            </a:endParaRPr>
+          </a:p>
+          <a:p>
+            <a:r>
+              <a:rPr lang="ko-KR" altLang="en-US" sz="1400" dirty="0">
+                <a:solidFill>
+                  <a:schemeClr val="accent6">
+                    <a:lumMod val="50000"/>
+                  </a:schemeClr>
+                </a:solidFill>
+              </a:rPr>
+              <a:t>      자동으로 이름이 </a:t>
+            </a:r>
+            <a:endParaRPr lang="en-US" altLang="ko-KR" sz="1400" dirty="0">
+              <a:solidFill>
+                <a:schemeClr val="accent6">
+                  <a:lumMod val="50000"/>
+                </a:schemeClr>
+              </a:solidFill>
+            </a:endParaRPr>
+          </a:p>
+          <a:p>
+            <a:r>
+              <a:rPr lang="en-US" altLang="ko-KR" sz="1400" dirty="0">
+                <a:solidFill>
+                  <a:schemeClr val="accent6">
+                    <a:lumMod val="50000"/>
+                  </a:schemeClr>
+                </a:solidFill>
+              </a:rPr>
+              <a:t>      </a:t>
+            </a:r>
+            <a:r>
+              <a:rPr lang="ko-KR" altLang="en-US" sz="1400" dirty="0">
+                <a:solidFill>
+                  <a:schemeClr val="accent6">
+                    <a:lumMod val="50000"/>
+                  </a:schemeClr>
+                </a:solidFill>
+              </a:rPr>
+              <a:t>표시된다</a:t>
+            </a:r>
+            <a:r>
+              <a:rPr lang="en-US" altLang="ko-KR" sz="1400" dirty="0">
+                <a:solidFill>
+                  <a:schemeClr val="accent6">
+                    <a:lumMod val="50000"/>
+                  </a:schemeClr>
+                </a:solidFill>
+              </a:rPr>
+              <a:t>.</a:t>
+            </a:r>
+          </a:p>
+          <a:p>
+            <a:endParaRPr lang="en-US" altLang="ko-KR" sz="1400" dirty="0">
+              <a:solidFill>
+                <a:schemeClr val="accent6">
+                  <a:lumMod val="50000"/>
+                </a:schemeClr>
+              </a:solidFill>
+            </a:endParaRPr>
+          </a:p>
+          <a:p>
+            <a:endParaRPr lang="en-US" altLang="ko-KR" sz="1400" dirty="0">
+              <a:solidFill>
+                <a:schemeClr val="accent6">
+                  <a:lumMod val="50000"/>
+                </a:schemeClr>
+              </a:solidFill>
+            </a:endParaRPr>
+          </a:p>
+          <a:p>
+            <a:r>
+              <a:rPr lang="en-US" altLang="ko-KR" sz="1400" dirty="0">
+                <a:solidFill>
+                  <a:schemeClr val="accent6">
+                    <a:lumMod val="50000"/>
+                  </a:schemeClr>
+                </a:solidFill>
+              </a:rPr>
+              <a:t>      </a:t>
+            </a:r>
+            <a:r>
+              <a:rPr lang="ko-KR" altLang="en-US" sz="1400" dirty="0">
+                <a:solidFill>
+                  <a:schemeClr val="accent6">
+                    <a:lumMod val="50000"/>
+                  </a:schemeClr>
+                </a:solidFill>
+              </a:rPr>
+              <a:t>제품 </a:t>
+            </a:r>
+            <a:r>
+              <a:rPr lang="en-US" altLang="ko-KR" sz="1400" dirty="0">
+                <a:solidFill>
+                  <a:schemeClr val="accent6">
+                    <a:lumMod val="50000"/>
+                  </a:schemeClr>
+                </a:solidFill>
+              </a:rPr>
+              <a:t>ID</a:t>
+            </a:r>
+            <a:r>
+              <a:rPr lang="ko-KR" altLang="en-US" sz="1400" dirty="0">
+                <a:solidFill>
+                  <a:schemeClr val="accent6">
+                    <a:lumMod val="50000"/>
+                  </a:schemeClr>
+                </a:solidFill>
+              </a:rPr>
+              <a:t>가 선택되면</a:t>
+            </a:r>
+            <a:endParaRPr lang="en-US" altLang="ko-KR" sz="1400" dirty="0">
+              <a:solidFill>
+                <a:schemeClr val="accent6">
+                  <a:lumMod val="50000"/>
+                </a:schemeClr>
+              </a:solidFill>
+            </a:endParaRPr>
+          </a:p>
+          <a:p>
+            <a:r>
+              <a:rPr lang="en-US" altLang="ko-KR" sz="1400" dirty="0">
+                <a:solidFill>
+                  <a:schemeClr val="accent6">
+                    <a:lumMod val="50000"/>
+                  </a:schemeClr>
+                </a:solidFill>
+              </a:rPr>
+              <a:t>      </a:t>
+            </a:r>
+            <a:r>
+              <a:rPr lang="ko-KR" altLang="en-US" sz="1400" dirty="0">
+                <a:solidFill>
+                  <a:schemeClr val="accent6">
+                    <a:lumMod val="50000"/>
+                  </a:schemeClr>
+                </a:solidFill>
+              </a:rPr>
+              <a:t>자동으로 이미지가</a:t>
+            </a:r>
+            <a:endParaRPr lang="en-US" altLang="ko-KR" sz="1400" dirty="0">
+              <a:solidFill>
+                <a:schemeClr val="accent6">
+                  <a:lumMod val="50000"/>
+                </a:schemeClr>
+              </a:solidFill>
+            </a:endParaRPr>
+          </a:p>
+          <a:p>
+            <a:r>
+              <a:rPr lang="en-US" altLang="ko-KR" sz="1400" dirty="0">
+                <a:solidFill>
+                  <a:schemeClr val="accent6">
+                    <a:lumMod val="50000"/>
+                  </a:schemeClr>
+                </a:solidFill>
+              </a:rPr>
+              <a:t>      </a:t>
+            </a:r>
+            <a:r>
+              <a:rPr lang="ko-KR" altLang="en-US" sz="1400" dirty="0">
+                <a:solidFill>
+                  <a:schemeClr val="accent6">
+                    <a:lumMod val="50000"/>
+                  </a:schemeClr>
+                </a:solidFill>
+              </a:rPr>
+              <a:t>표시된다</a:t>
+            </a:r>
+            <a:r>
+              <a:rPr lang="en-US" altLang="ko-KR" sz="1400" dirty="0">
+                <a:solidFill>
+                  <a:schemeClr val="accent6">
+                    <a:lumMod val="50000"/>
+                  </a:schemeClr>
+                </a:solidFill>
+              </a:rPr>
+              <a:t>.</a:t>
+            </a:r>
+          </a:p>
+          <a:p>
+            <a:endParaRPr lang="en-US" altLang="ko-KR" sz="1400" dirty="0">
+              <a:solidFill>
+                <a:schemeClr val="accent6">
+                  <a:lumMod val="50000"/>
+                </a:schemeClr>
+              </a:solidFill>
+            </a:endParaRPr>
+          </a:p>
+          <a:p>
+            <a:r>
+              <a:rPr lang="ko-KR" altLang="en-US" sz="1400" b="1" dirty="0">
+                <a:solidFill>
+                  <a:schemeClr val="accent6">
+                    <a:lumMod val="50000"/>
+                  </a:schemeClr>
+                </a:solidFill>
+              </a:rPr>
+              <a:t>상품삭제</a:t>
+            </a:r>
+            <a:r>
+              <a:rPr lang="ko-KR" altLang="en-US" sz="1400" dirty="0">
+                <a:solidFill>
+                  <a:schemeClr val="accent6">
+                    <a:lumMod val="50000"/>
+                  </a:schemeClr>
+                </a:solidFill>
+              </a:rPr>
+              <a:t> </a:t>
+            </a:r>
+            <a:endParaRPr lang="en-US" altLang="ko-KR" sz="1400" dirty="0">
+              <a:solidFill>
+                <a:schemeClr val="accent6">
+                  <a:lumMod val="50000"/>
+                </a:schemeClr>
+              </a:solidFill>
+            </a:endParaRPr>
+          </a:p>
+          <a:p>
+            <a:r>
+              <a:rPr lang="en-US" altLang="ko-KR" sz="1400" dirty="0">
+                <a:solidFill>
+                  <a:schemeClr val="accent6">
+                    <a:lumMod val="50000"/>
+                  </a:schemeClr>
+                </a:solidFill>
+              </a:rPr>
+              <a:t> - </a:t>
+            </a:r>
+            <a:r>
+              <a:rPr lang="ko-KR" altLang="en-US" sz="1400" dirty="0">
+                <a:solidFill>
+                  <a:schemeClr val="accent6">
+                    <a:lumMod val="50000"/>
+                  </a:schemeClr>
+                </a:solidFill>
+              </a:rPr>
+              <a:t>삭제할 상품의 개수만큼 가장 최근에 등록된 상품부터 역순으로 </a:t>
+            </a:r>
+            <a:r>
+              <a:rPr lang="ko-KR" altLang="en-US" sz="1400" dirty="0" err="1">
+                <a:solidFill>
+                  <a:schemeClr val="accent6">
+                    <a:lumMod val="50000"/>
+                  </a:schemeClr>
+                </a:solidFill>
+              </a:rPr>
+              <a:t>폐기처분된다</a:t>
+            </a:r>
+            <a:r>
+              <a:rPr lang="en-US" altLang="ko-KR" sz="1400" dirty="0">
+                <a:solidFill>
+                  <a:schemeClr val="accent6">
+                    <a:lumMod val="50000"/>
+                  </a:schemeClr>
+                </a:solidFill>
+              </a:rPr>
+              <a:t>.</a:t>
+            </a:r>
+            <a:endParaRPr lang="ko-KR" altLang="en-US" sz="1400" dirty="0">
+              <a:solidFill>
+                <a:schemeClr val="accent6">
+                  <a:lumMod val="50000"/>
+                </a:schemeClr>
+              </a:solidFill>
+            </a:endParaRPr>
+          </a:p>
+        </p:txBody>
+      </p:sp>
+      <p:sp>
+        <p:nvSpPr>
+          <p:cNvPr id="6" name="직사각형 5">
+            <a:extLst>
+              <a:ext uri="{FF2B5EF4-FFF2-40B4-BE49-F238E27FC236}">
+                <a16:creationId xmlns:a16="http://schemas.microsoft.com/office/drawing/2014/main" id="{D867A52A-B91F-431C-9D6F-32F2C87E5A7C}"/>
+              </a:ext>
+            </a:extLst>
+          </p:cNvPr>
+          <p:cNvSpPr/>
+          <p:nvPr/>
+        </p:nvSpPr>
+        <p:spPr>
+          <a:xfrm>
+            <a:off x="533399" y="482600"/>
+            <a:ext cx="8940799" cy="304801"/>
+          </a:xfrm>
+          <a:prstGeom prst="rect">
+            <a:avLst/>
+          </a:prstGeom>
+          <a:solidFill>
+            <a:schemeClr val="accent4">
+              <a:lumMod val="40000"/>
+              <a:lumOff val="60000"/>
+            </a:schemeClr>
+          </a:solidFill>
+          <a:ln>
+            <a:solidFill>
+              <a:schemeClr val="accent6">
+                <a:lumMod val="50000"/>
+              </a:schemeClr>
+            </a:solidFill>
+          </a:ln>
+        </p:spPr>
+        <p:style>
+          <a:lnRef idx="2">
+            <a:schemeClr val="accent1">
+              <a:shade val="50000"/>
+            </a:schemeClr>
+          </a:lnRef>
+          <a:fillRef idx="1">
+            <a:schemeClr val="accent1"/>
+          </a:fillRef>
+          <a:effectRef idx="0">
+            <a:schemeClr val="accent1"/>
+          </a:effectRef>
+          <a:fontRef idx="minor">
+            <a:schemeClr val="lt1"/>
+          </a:fontRef>
+        </p:style>
+        <p:txBody>
+          <a:bodyPr rtlCol="0" anchor="ctr"/>
+          <a:lstStyle/>
+          <a:p>
+            <a:pPr algn="ctr"/>
+            <a:r>
+              <a:rPr lang="ko-KR" altLang="en-US" dirty="0">
+                <a:solidFill>
+                  <a:schemeClr val="tx1"/>
+                </a:solidFill>
+              </a:rPr>
+              <a:t>상품등록</a:t>
+            </a:r>
+          </a:p>
+        </p:txBody>
+      </p:sp>
+      <p:sp>
+        <p:nvSpPr>
+          <p:cNvPr id="7" name="슬라이드 번호 개체 틀 3">
+            <a:extLst>
+              <a:ext uri="{FF2B5EF4-FFF2-40B4-BE49-F238E27FC236}">
+                <a16:creationId xmlns:a16="http://schemas.microsoft.com/office/drawing/2014/main" id="{FF3C7558-E613-431C-BA5B-67F22225E54B}"/>
+              </a:ext>
+            </a:extLst>
+          </p:cNvPr>
+          <p:cNvSpPr>
+            <a:spLocks noGrp="1"/>
+          </p:cNvSpPr>
+          <p:nvPr>
+            <p:ph type="sldNum" sz="quarter" idx="12"/>
+          </p:nvPr>
+        </p:nvSpPr>
+        <p:spPr>
+          <a:xfrm>
+            <a:off x="4724400" y="6364817"/>
+            <a:ext cx="2743200" cy="365125"/>
+          </a:xfrm>
+        </p:spPr>
+        <p:txBody>
+          <a:bodyPr/>
+          <a:lstStyle/>
+          <a:p>
+            <a:pPr algn="ctr"/>
+            <a:fld id="{65B3DB70-0744-4EB8-B6AF-554BD626FB2C}" type="slidenum">
+              <a:rPr lang="ko-KR" altLang="en-US" smtClean="0"/>
+              <a:pPr algn="ctr"/>
+              <a:t>9</a:t>
+            </a:fld>
+            <a:endParaRPr lang="ko-KR" altLang="en-US"/>
+          </a:p>
+        </p:txBody>
+      </p:sp>
+      <p:sp>
+        <p:nvSpPr>
+          <p:cNvPr id="2" name="직사각형 1">
+            <a:extLst>
+              <a:ext uri="{FF2B5EF4-FFF2-40B4-BE49-F238E27FC236}">
+                <a16:creationId xmlns:a16="http://schemas.microsoft.com/office/drawing/2014/main" id="{36DD856D-C933-47A3-875A-4E5C55CCCC4F}"/>
+              </a:ext>
+            </a:extLst>
+          </p:cNvPr>
+          <p:cNvSpPr/>
+          <p:nvPr/>
+        </p:nvSpPr>
+        <p:spPr>
+          <a:xfrm>
+            <a:off x="2426493" y="1180978"/>
+            <a:ext cx="1981302" cy="365125"/>
+          </a:xfrm>
+          <a:prstGeom prst="rect">
+            <a:avLst/>
+          </a:prstGeom>
+          <a:solidFill>
+            <a:schemeClr val="accent4">
+              <a:lumMod val="20000"/>
+              <a:lumOff val="80000"/>
+            </a:schemeClr>
+          </a:solidFill>
+        </p:spPr>
+        <p:style>
+          <a:lnRef idx="2">
+            <a:schemeClr val="accent1">
+              <a:shade val="50000"/>
+            </a:schemeClr>
+          </a:lnRef>
+          <a:fillRef idx="1">
+            <a:schemeClr val="accent1"/>
+          </a:fillRef>
+          <a:effectRef idx="0">
+            <a:schemeClr val="accent1"/>
+          </a:effectRef>
+          <a:fontRef idx="minor">
+            <a:schemeClr val="lt1"/>
+          </a:fontRef>
+        </p:style>
+        <p:txBody>
+          <a:bodyPr rtlCol="0" anchor="ctr"/>
+          <a:lstStyle/>
+          <a:p>
+            <a:pPr algn="ctr"/>
+            <a:r>
+              <a:rPr lang="en-US" altLang="ko-KR" sz="1200" dirty="0">
+                <a:solidFill>
+                  <a:schemeClr val="accent6">
+                    <a:lumMod val="50000"/>
+                  </a:schemeClr>
+                </a:solidFill>
+              </a:rPr>
+              <a:t>Id = </a:t>
+            </a:r>
+            <a:r>
+              <a:rPr lang="en-US" altLang="ko-KR" sz="1200" dirty="0" err="1">
+                <a:solidFill>
+                  <a:schemeClr val="accent6">
+                    <a:lumMod val="50000"/>
+                  </a:schemeClr>
+                </a:solidFill>
+              </a:rPr>
+              <a:t>class_id</a:t>
+            </a:r>
+            <a:endParaRPr lang="ko-KR" altLang="en-US" sz="1200" dirty="0">
+              <a:solidFill>
+                <a:schemeClr val="accent6">
+                  <a:lumMod val="50000"/>
+                </a:schemeClr>
+              </a:solidFill>
+            </a:endParaRPr>
+          </a:p>
+        </p:txBody>
+      </p:sp>
+      <p:sp>
+        <p:nvSpPr>
+          <p:cNvPr id="8" name="직사각형 7">
+            <a:extLst>
+              <a:ext uri="{FF2B5EF4-FFF2-40B4-BE49-F238E27FC236}">
+                <a16:creationId xmlns:a16="http://schemas.microsoft.com/office/drawing/2014/main" id="{47520405-F3DD-46ED-9BFA-EB2DE494EBDC}"/>
+              </a:ext>
+            </a:extLst>
+          </p:cNvPr>
+          <p:cNvSpPr/>
+          <p:nvPr/>
+        </p:nvSpPr>
+        <p:spPr>
+          <a:xfrm>
+            <a:off x="2426493" y="1693212"/>
+            <a:ext cx="1981302" cy="365125"/>
+          </a:xfrm>
+          <a:prstGeom prst="rect">
+            <a:avLst/>
+          </a:prstGeom>
+          <a:solidFill>
+            <a:schemeClr val="accent4">
+              <a:lumMod val="20000"/>
+              <a:lumOff val="80000"/>
+            </a:schemeClr>
+          </a:solidFill>
+        </p:spPr>
+        <p:style>
+          <a:lnRef idx="2">
+            <a:schemeClr val="accent1">
+              <a:shade val="50000"/>
+            </a:schemeClr>
+          </a:lnRef>
+          <a:fillRef idx="1">
+            <a:schemeClr val="accent1"/>
+          </a:fillRef>
+          <a:effectRef idx="0">
+            <a:schemeClr val="accent1"/>
+          </a:effectRef>
+          <a:fontRef idx="minor">
+            <a:schemeClr val="lt1"/>
+          </a:fontRef>
+        </p:style>
+        <p:txBody>
+          <a:bodyPr rtlCol="0" anchor="ctr"/>
+          <a:lstStyle/>
+          <a:p>
+            <a:pPr algn="ctr"/>
+            <a:r>
+              <a:rPr lang="en-US" altLang="ko-KR" sz="1200" dirty="0">
+                <a:solidFill>
+                  <a:schemeClr val="accent6">
+                    <a:lumMod val="50000"/>
+                  </a:schemeClr>
+                </a:solidFill>
+              </a:rPr>
+              <a:t>Id = </a:t>
+            </a:r>
+            <a:r>
+              <a:rPr lang="en-US" altLang="ko-KR" sz="1200" dirty="0" err="1">
+                <a:solidFill>
+                  <a:schemeClr val="accent6">
+                    <a:lumMod val="50000"/>
+                  </a:schemeClr>
+                </a:solidFill>
+              </a:rPr>
+              <a:t>product_id</a:t>
+            </a:r>
+            <a:endParaRPr lang="ko-KR" altLang="en-US" sz="1200" dirty="0">
+              <a:solidFill>
+                <a:schemeClr val="accent6">
+                  <a:lumMod val="50000"/>
+                </a:schemeClr>
+              </a:solidFill>
+            </a:endParaRPr>
+          </a:p>
+        </p:txBody>
+      </p:sp>
+      <p:sp>
+        <p:nvSpPr>
+          <p:cNvPr id="9" name="직사각형 8">
+            <a:extLst>
+              <a:ext uri="{FF2B5EF4-FFF2-40B4-BE49-F238E27FC236}">
+                <a16:creationId xmlns:a16="http://schemas.microsoft.com/office/drawing/2014/main" id="{6A70C326-0399-4B8E-8E24-E75008D1A8CA}"/>
+              </a:ext>
+            </a:extLst>
+          </p:cNvPr>
+          <p:cNvSpPr/>
+          <p:nvPr/>
+        </p:nvSpPr>
+        <p:spPr>
+          <a:xfrm>
+            <a:off x="962996" y="1180977"/>
+            <a:ext cx="1386273" cy="365125"/>
+          </a:xfrm>
+          <a:prstGeom prst="rect">
+            <a:avLst/>
+          </a:prstGeom>
+        </p:spPr>
+        <p:style>
+          <a:lnRef idx="2">
+            <a:schemeClr val="accent1">
+              <a:shade val="50000"/>
+            </a:schemeClr>
+          </a:lnRef>
+          <a:fillRef idx="1">
+            <a:schemeClr val="accent1"/>
+          </a:fillRef>
+          <a:effectRef idx="0">
+            <a:schemeClr val="accent1"/>
+          </a:effectRef>
+          <a:fontRef idx="minor">
+            <a:schemeClr val="lt1"/>
+          </a:fontRef>
+        </p:style>
+        <p:txBody>
+          <a:bodyPr rtlCol="0" anchor="ctr"/>
+          <a:lstStyle/>
+          <a:p>
+            <a:pPr algn="ctr"/>
+            <a:r>
+              <a:rPr lang="ko-KR" altLang="en-US" dirty="0"/>
+              <a:t>모델</a:t>
+            </a:r>
+            <a:r>
+              <a:rPr lang="en-US" altLang="ko-KR" dirty="0"/>
+              <a:t>ID</a:t>
+            </a:r>
+            <a:endParaRPr lang="ko-KR" altLang="en-US" dirty="0"/>
+          </a:p>
+        </p:txBody>
+      </p:sp>
+      <p:sp>
+        <p:nvSpPr>
+          <p:cNvPr id="10" name="직사각형 9">
+            <a:extLst>
+              <a:ext uri="{FF2B5EF4-FFF2-40B4-BE49-F238E27FC236}">
+                <a16:creationId xmlns:a16="http://schemas.microsoft.com/office/drawing/2014/main" id="{83F6C506-DD51-48B9-B450-FF2CBEA7AF55}"/>
+              </a:ext>
+            </a:extLst>
+          </p:cNvPr>
+          <p:cNvSpPr/>
+          <p:nvPr/>
+        </p:nvSpPr>
+        <p:spPr>
+          <a:xfrm>
+            <a:off x="962996" y="1693211"/>
+            <a:ext cx="1386273" cy="365125"/>
+          </a:xfrm>
+          <a:prstGeom prst="rect">
+            <a:avLst/>
+          </a:prstGeom>
+        </p:spPr>
+        <p:style>
+          <a:lnRef idx="2">
+            <a:schemeClr val="accent1">
+              <a:shade val="50000"/>
+            </a:schemeClr>
+          </a:lnRef>
+          <a:fillRef idx="1">
+            <a:schemeClr val="accent1"/>
+          </a:fillRef>
+          <a:effectRef idx="0">
+            <a:schemeClr val="accent1"/>
+          </a:effectRef>
+          <a:fontRef idx="minor">
+            <a:schemeClr val="lt1"/>
+          </a:fontRef>
+        </p:style>
+        <p:txBody>
+          <a:bodyPr rtlCol="0" anchor="ctr"/>
+          <a:lstStyle/>
+          <a:p>
+            <a:pPr algn="ctr"/>
+            <a:r>
+              <a:rPr lang="ko-KR" altLang="en-US" dirty="0"/>
+              <a:t>제품</a:t>
+            </a:r>
+            <a:r>
+              <a:rPr lang="en-US" altLang="ko-KR" dirty="0"/>
+              <a:t>ID</a:t>
+            </a:r>
+            <a:endParaRPr lang="ko-KR" altLang="en-US" dirty="0"/>
+          </a:p>
+        </p:txBody>
+      </p:sp>
+      <p:sp>
+        <p:nvSpPr>
+          <p:cNvPr id="12" name="직사각형 11">
+            <a:extLst>
+              <a:ext uri="{FF2B5EF4-FFF2-40B4-BE49-F238E27FC236}">
+                <a16:creationId xmlns:a16="http://schemas.microsoft.com/office/drawing/2014/main" id="{5561A4D6-28E4-4608-A694-26603630E42F}"/>
+              </a:ext>
+            </a:extLst>
+          </p:cNvPr>
+          <p:cNvSpPr/>
+          <p:nvPr/>
+        </p:nvSpPr>
+        <p:spPr>
+          <a:xfrm>
+            <a:off x="9474197" y="486829"/>
+            <a:ext cx="2269067" cy="300570"/>
+          </a:xfrm>
+          <a:prstGeom prst="rect">
+            <a:avLst/>
+          </a:prstGeom>
+          <a:solidFill>
+            <a:schemeClr val="accent6">
+              <a:lumMod val="20000"/>
+              <a:lumOff val="80000"/>
+            </a:schemeClr>
+          </a:solidFill>
+          <a:ln w="38100">
+            <a:solidFill>
+              <a:schemeClr val="accent6">
+                <a:lumMod val="50000"/>
+              </a:schemeClr>
+            </a:solidFill>
+          </a:ln>
+        </p:spPr>
+        <p:style>
+          <a:lnRef idx="2">
+            <a:schemeClr val="accent1">
+              <a:shade val="50000"/>
+            </a:schemeClr>
+          </a:lnRef>
+          <a:fillRef idx="1">
+            <a:schemeClr val="accent1"/>
+          </a:fillRef>
+          <a:effectRef idx="0">
+            <a:schemeClr val="accent1"/>
+          </a:effectRef>
+          <a:fontRef idx="minor">
+            <a:schemeClr val="lt1"/>
+          </a:fontRef>
+        </p:style>
+        <p:txBody>
+          <a:bodyPr rtlCol="0" anchor="ctr"/>
+          <a:lstStyle/>
+          <a:p>
+            <a:pPr algn="ctr"/>
+            <a:r>
+              <a:rPr lang="ko-KR" altLang="en-US" dirty="0">
+                <a:solidFill>
+                  <a:schemeClr val="accent5">
+                    <a:lumMod val="75000"/>
+                  </a:schemeClr>
+                </a:solidFill>
+              </a:rPr>
+              <a:t>㈜선아전자</a:t>
+            </a:r>
+          </a:p>
+        </p:txBody>
+      </p:sp>
+      <p:sp>
+        <p:nvSpPr>
+          <p:cNvPr id="14" name="직사각형 13">
+            <a:extLst>
+              <a:ext uri="{FF2B5EF4-FFF2-40B4-BE49-F238E27FC236}">
+                <a16:creationId xmlns:a16="http://schemas.microsoft.com/office/drawing/2014/main" id="{7225F3E5-F042-49BA-B166-D4AE20109CC5}"/>
+              </a:ext>
+            </a:extLst>
+          </p:cNvPr>
+          <p:cNvSpPr/>
+          <p:nvPr/>
+        </p:nvSpPr>
+        <p:spPr>
+          <a:xfrm>
+            <a:off x="2441733" y="2247778"/>
+            <a:ext cx="1981302" cy="365125"/>
+          </a:xfrm>
+          <a:prstGeom prst="rect">
+            <a:avLst/>
+          </a:prstGeom>
+          <a:solidFill>
+            <a:schemeClr val="bg1">
+              <a:lumMod val="75000"/>
+            </a:schemeClr>
+          </a:solidFill>
+        </p:spPr>
+        <p:style>
+          <a:lnRef idx="2">
+            <a:schemeClr val="accent1">
+              <a:shade val="50000"/>
+            </a:schemeClr>
+          </a:lnRef>
+          <a:fillRef idx="1">
+            <a:schemeClr val="accent1"/>
+          </a:fillRef>
+          <a:effectRef idx="0">
+            <a:schemeClr val="accent1"/>
+          </a:effectRef>
+          <a:fontRef idx="minor">
+            <a:schemeClr val="lt1"/>
+          </a:fontRef>
+        </p:style>
+        <p:txBody>
+          <a:bodyPr rtlCol="0" anchor="ctr"/>
+          <a:lstStyle/>
+          <a:p>
+            <a:pPr algn="ctr"/>
+            <a:r>
+              <a:rPr lang="en-US" altLang="ko-KR" sz="1200" dirty="0">
+                <a:solidFill>
+                  <a:schemeClr val="accent6">
+                    <a:lumMod val="50000"/>
+                  </a:schemeClr>
+                </a:solidFill>
+              </a:rPr>
+              <a:t>Id = </a:t>
+            </a:r>
+            <a:r>
+              <a:rPr lang="en-US" altLang="ko-KR" sz="1200" dirty="0" err="1">
+                <a:solidFill>
+                  <a:schemeClr val="accent6">
+                    <a:lumMod val="50000"/>
+                  </a:schemeClr>
+                </a:solidFill>
+              </a:rPr>
+              <a:t>product_nm</a:t>
+            </a:r>
+            <a:endParaRPr lang="ko-KR" altLang="en-US" sz="1200" dirty="0">
+              <a:solidFill>
+                <a:schemeClr val="accent6">
+                  <a:lumMod val="50000"/>
+                </a:schemeClr>
+              </a:solidFill>
+            </a:endParaRPr>
+          </a:p>
+        </p:txBody>
+      </p:sp>
+      <p:sp>
+        <p:nvSpPr>
+          <p:cNvPr id="15" name="직사각형 14">
+            <a:extLst>
+              <a:ext uri="{FF2B5EF4-FFF2-40B4-BE49-F238E27FC236}">
+                <a16:creationId xmlns:a16="http://schemas.microsoft.com/office/drawing/2014/main" id="{34C7B959-78FE-47EC-ACD7-977A9983FE19}"/>
+              </a:ext>
+            </a:extLst>
+          </p:cNvPr>
+          <p:cNvSpPr/>
+          <p:nvPr/>
+        </p:nvSpPr>
+        <p:spPr>
+          <a:xfrm>
+            <a:off x="2441733" y="2760012"/>
+            <a:ext cx="1966062" cy="365125"/>
+          </a:xfrm>
+          <a:prstGeom prst="rect">
+            <a:avLst/>
+          </a:prstGeom>
+          <a:solidFill>
+            <a:schemeClr val="accent4">
+              <a:lumMod val="20000"/>
+              <a:lumOff val="80000"/>
+            </a:schemeClr>
+          </a:solidFill>
+        </p:spPr>
+        <p:style>
+          <a:lnRef idx="2">
+            <a:schemeClr val="accent1">
+              <a:shade val="50000"/>
+            </a:schemeClr>
+          </a:lnRef>
+          <a:fillRef idx="1">
+            <a:schemeClr val="accent1"/>
+          </a:fillRef>
+          <a:effectRef idx="0">
+            <a:schemeClr val="accent1"/>
+          </a:effectRef>
+          <a:fontRef idx="minor">
+            <a:schemeClr val="lt1"/>
+          </a:fontRef>
+        </p:style>
+        <p:txBody>
+          <a:bodyPr rtlCol="0" anchor="ctr"/>
+          <a:lstStyle/>
+          <a:p>
+            <a:pPr algn="ctr"/>
+            <a:r>
+              <a:rPr lang="en-US" altLang="ko-KR" sz="1200" dirty="0">
+                <a:solidFill>
+                  <a:schemeClr val="accent6">
+                    <a:lumMod val="50000"/>
+                  </a:schemeClr>
+                </a:solidFill>
+              </a:rPr>
+              <a:t>Id = </a:t>
+            </a:r>
+            <a:r>
+              <a:rPr lang="en-US" altLang="ko-KR" sz="1200" dirty="0" err="1">
+                <a:solidFill>
+                  <a:schemeClr val="accent6">
+                    <a:lumMod val="50000"/>
+                  </a:schemeClr>
+                </a:solidFill>
+              </a:rPr>
+              <a:t>manufacturing_dttm</a:t>
+            </a:r>
+            <a:endParaRPr lang="ko-KR" altLang="en-US" sz="1200" dirty="0">
+              <a:solidFill>
+                <a:schemeClr val="accent6">
+                  <a:lumMod val="50000"/>
+                </a:schemeClr>
+              </a:solidFill>
+            </a:endParaRPr>
+          </a:p>
+        </p:txBody>
+      </p:sp>
+      <p:sp>
+        <p:nvSpPr>
+          <p:cNvPr id="16" name="직사각형 15">
+            <a:extLst>
+              <a:ext uri="{FF2B5EF4-FFF2-40B4-BE49-F238E27FC236}">
+                <a16:creationId xmlns:a16="http://schemas.microsoft.com/office/drawing/2014/main" id="{2855FE10-A257-4E2E-B36F-240E5A260517}"/>
+              </a:ext>
+            </a:extLst>
+          </p:cNvPr>
+          <p:cNvSpPr/>
+          <p:nvPr/>
+        </p:nvSpPr>
+        <p:spPr>
+          <a:xfrm>
+            <a:off x="978236" y="2247777"/>
+            <a:ext cx="1386273" cy="365125"/>
+          </a:xfrm>
+          <a:prstGeom prst="rect">
+            <a:avLst/>
+          </a:prstGeom>
+        </p:spPr>
+        <p:style>
+          <a:lnRef idx="2">
+            <a:schemeClr val="accent1">
+              <a:shade val="50000"/>
+            </a:schemeClr>
+          </a:lnRef>
+          <a:fillRef idx="1">
+            <a:schemeClr val="accent1"/>
+          </a:fillRef>
+          <a:effectRef idx="0">
+            <a:schemeClr val="accent1"/>
+          </a:effectRef>
+          <a:fontRef idx="minor">
+            <a:schemeClr val="lt1"/>
+          </a:fontRef>
+        </p:style>
+        <p:txBody>
+          <a:bodyPr rtlCol="0" anchor="ctr"/>
+          <a:lstStyle/>
+          <a:p>
+            <a:pPr algn="ctr"/>
+            <a:r>
+              <a:rPr lang="ko-KR" altLang="en-US" dirty="0"/>
+              <a:t>제품명</a:t>
+            </a:r>
+          </a:p>
+        </p:txBody>
+      </p:sp>
+      <p:sp>
+        <p:nvSpPr>
+          <p:cNvPr id="17" name="직사각형 16">
+            <a:extLst>
+              <a:ext uri="{FF2B5EF4-FFF2-40B4-BE49-F238E27FC236}">
+                <a16:creationId xmlns:a16="http://schemas.microsoft.com/office/drawing/2014/main" id="{E6ADCBC2-CF86-4C68-8FD7-61C5B1832A09}"/>
+              </a:ext>
+            </a:extLst>
+          </p:cNvPr>
+          <p:cNvSpPr/>
+          <p:nvPr/>
+        </p:nvSpPr>
+        <p:spPr>
+          <a:xfrm>
+            <a:off x="978236" y="2760011"/>
+            <a:ext cx="1386273" cy="365125"/>
+          </a:xfrm>
+          <a:prstGeom prst="rect">
+            <a:avLst/>
+          </a:prstGeom>
+        </p:spPr>
+        <p:style>
+          <a:lnRef idx="2">
+            <a:schemeClr val="accent1">
+              <a:shade val="50000"/>
+            </a:schemeClr>
+          </a:lnRef>
+          <a:fillRef idx="1">
+            <a:schemeClr val="accent1"/>
+          </a:fillRef>
+          <a:effectRef idx="0">
+            <a:schemeClr val="accent1"/>
+          </a:effectRef>
+          <a:fontRef idx="minor">
+            <a:schemeClr val="lt1"/>
+          </a:fontRef>
+        </p:style>
+        <p:txBody>
+          <a:bodyPr rtlCol="0" anchor="ctr"/>
+          <a:lstStyle/>
+          <a:p>
+            <a:pPr algn="ctr"/>
+            <a:r>
+              <a:rPr lang="ko-KR" altLang="en-US" dirty="0"/>
+              <a:t>제조일시</a:t>
+            </a:r>
+          </a:p>
+        </p:txBody>
+      </p:sp>
+      <p:sp>
+        <p:nvSpPr>
+          <p:cNvPr id="18" name="직사각형 17">
+            <a:extLst>
+              <a:ext uri="{FF2B5EF4-FFF2-40B4-BE49-F238E27FC236}">
+                <a16:creationId xmlns:a16="http://schemas.microsoft.com/office/drawing/2014/main" id="{7D33472F-C998-4321-828B-70DC7673A4C4}"/>
+              </a:ext>
+            </a:extLst>
+          </p:cNvPr>
+          <p:cNvSpPr/>
+          <p:nvPr/>
+        </p:nvSpPr>
+        <p:spPr>
+          <a:xfrm>
+            <a:off x="2441733" y="3299338"/>
+            <a:ext cx="1966062" cy="365125"/>
+          </a:xfrm>
+          <a:prstGeom prst="rect">
+            <a:avLst/>
+          </a:prstGeom>
+          <a:solidFill>
+            <a:schemeClr val="accent4">
+              <a:lumMod val="20000"/>
+              <a:lumOff val="80000"/>
+            </a:schemeClr>
+          </a:solidFill>
+        </p:spPr>
+        <p:style>
+          <a:lnRef idx="2">
+            <a:schemeClr val="accent1">
+              <a:shade val="50000"/>
+            </a:schemeClr>
+          </a:lnRef>
+          <a:fillRef idx="1">
+            <a:schemeClr val="accent1"/>
+          </a:fillRef>
+          <a:effectRef idx="0">
+            <a:schemeClr val="accent1"/>
+          </a:effectRef>
+          <a:fontRef idx="minor">
+            <a:schemeClr val="lt1"/>
+          </a:fontRef>
+        </p:style>
+        <p:txBody>
+          <a:bodyPr rtlCol="0" anchor="ctr"/>
+          <a:lstStyle/>
+          <a:p>
+            <a:pPr algn="ctr"/>
+            <a:r>
+              <a:rPr lang="en-US" altLang="ko-KR" sz="1200" dirty="0">
+                <a:solidFill>
+                  <a:schemeClr val="accent6">
+                    <a:lumMod val="50000"/>
+                  </a:schemeClr>
+                </a:solidFill>
+              </a:rPr>
+              <a:t>Id = </a:t>
+            </a:r>
+            <a:r>
+              <a:rPr lang="en-US" altLang="ko-KR" sz="1200" dirty="0" err="1">
+                <a:solidFill>
+                  <a:schemeClr val="accent6">
+                    <a:lumMod val="50000"/>
+                  </a:schemeClr>
+                </a:solidFill>
+              </a:rPr>
+              <a:t>lot_no</a:t>
+            </a:r>
+            <a:endParaRPr lang="ko-KR" altLang="en-US" sz="1200" dirty="0">
+              <a:solidFill>
+                <a:schemeClr val="accent6">
+                  <a:lumMod val="50000"/>
+                </a:schemeClr>
+              </a:solidFill>
+            </a:endParaRPr>
+          </a:p>
+        </p:txBody>
+      </p:sp>
+      <p:sp>
+        <p:nvSpPr>
+          <p:cNvPr id="20" name="직사각형 19">
+            <a:extLst>
+              <a:ext uri="{FF2B5EF4-FFF2-40B4-BE49-F238E27FC236}">
+                <a16:creationId xmlns:a16="http://schemas.microsoft.com/office/drawing/2014/main" id="{8A56E1E3-1E85-47DA-BFD6-5AC160D750E5}"/>
+              </a:ext>
+            </a:extLst>
+          </p:cNvPr>
+          <p:cNvSpPr/>
+          <p:nvPr/>
+        </p:nvSpPr>
+        <p:spPr>
+          <a:xfrm>
+            <a:off x="978236" y="3299337"/>
+            <a:ext cx="1386273" cy="365125"/>
+          </a:xfrm>
+          <a:prstGeom prst="rect">
+            <a:avLst/>
+          </a:prstGeom>
+        </p:spPr>
+        <p:style>
+          <a:lnRef idx="2">
+            <a:schemeClr val="accent1">
+              <a:shade val="50000"/>
+            </a:schemeClr>
+          </a:lnRef>
+          <a:fillRef idx="1">
+            <a:schemeClr val="accent1"/>
+          </a:fillRef>
+          <a:effectRef idx="0">
+            <a:schemeClr val="accent1"/>
+          </a:effectRef>
+          <a:fontRef idx="minor">
+            <a:schemeClr val="lt1"/>
+          </a:fontRef>
+        </p:style>
+        <p:txBody>
+          <a:bodyPr rtlCol="0" anchor="ctr"/>
+          <a:lstStyle/>
+          <a:p>
+            <a:pPr algn="ctr"/>
+            <a:r>
+              <a:rPr lang="ko-KR" altLang="en-US" dirty="0"/>
+              <a:t>제조라인</a:t>
+            </a:r>
+          </a:p>
+        </p:txBody>
+      </p:sp>
+      <p:sp>
+        <p:nvSpPr>
+          <p:cNvPr id="27" name="직사각형 26">
+            <a:extLst>
+              <a:ext uri="{FF2B5EF4-FFF2-40B4-BE49-F238E27FC236}">
+                <a16:creationId xmlns:a16="http://schemas.microsoft.com/office/drawing/2014/main" id="{ACBC1F9B-D2C8-4C48-8DF8-6F627B998010}"/>
+              </a:ext>
+            </a:extLst>
+          </p:cNvPr>
+          <p:cNvSpPr/>
+          <p:nvPr/>
+        </p:nvSpPr>
+        <p:spPr>
+          <a:xfrm>
+            <a:off x="4596696" y="1180977"/>
+            <a:ext cx="4688388" cy="3550285"/>
+          </a:xfrm>
+          <a:prstGeom prst="rect">
+            <a:avLst/>
+          </a:prstGeom>
+          <a:solidFill>
+            <a:schemeClr val="accent4">
+              <a:lumMod val="20000"/>
+              <a:lumOff val="80000"/>
+            </a:schemeClr>
+          </a:solidFill>
+        </p:spPr>
+        <p:style>
+          <a:lnRef idx="2">
+            <a:schemeClr val="accent1">
+              <a:shade val="50000"/>
+            </a:schemeClr>
+          </a:lnRef>
+          <a:fillRef idx="1">
+            <a:schemeClr val="accent1"/>
+          </a:fillRef>
+          <a:effectRef idx="0">
+            <a:schemeClr val="accent1"/>
+          </a:effectRef>
+          <a:fontRef idx="minor">
+            <a:schemeClr val="lt1"/>
+          </a:fontRef>
+        </p:style>
+        <p:txBody>
+          <a:bodyPr rtlCol="0" anchor="ctr"/>
+          <a:lstStyle/>
+          <a:p>
+            <a:pPr algn="ctr"/>
+            <a:r>
+              <a:rPr lang="ko-KR" altLang="en-US" dirty="0">
+                <a:solidFill>
+                  <a:schemeClr val="accent6">
+                    <a:lumMod val="50000"/>
+                  </a:schemeClr>
+                </a:solidFill>
+              </a:rPr>
+              <a:t>이미지 미리보기</a:t>
+            </a:r>
+            <a:endParaRPr lang="en-US" altLang="ko-KR" dirty="0">
+              <a:solidFill>
+                <a:schemeClr val="accent6">
+                  <a:lumMod val="50000"/>
+                </a:schemeClr>
+              </a:solidFill>
+            </a:endParaRPr>
+          </a:p>
+        </p:txBody>
+      </p:sp>
+      <p:sp>
+        <p:nvSpPr>
+          <p:cNvPr id="3" name="타원 2">
+            <a:extLst>
+              <a:ext uri="{FF2B5EF4-FFF2-40B4-BE49-F238E27FC236}">
+                <a16:creationId xmlns:a16="http://schemas.microsoft.com/office/drawing/2014/main" id="{C128414F-2130-47D3-A868-8CA77435CB24}"/>
+              </a:ext>
+            </a:extLst>
+          </p:cNvPr>
+          <p:cNvSpPr/>
+          <p:nvPr/>
+        </p:nvSpPr>
+        <p:spPr>
+          <a:xfrm>
+            <a:off x="4147392" y="1006776"/>
+            <a:ext cx="275643" cy="285375"/>
+          </a:xfrm>
+          <a:prstGeom prst="ellipse">
+            <a:avLst/>
+          </a:prstGeom>
+          <a:noFill/>
+          <a:ln w="38100">
+            <a:solidFill>
+              <a:srgbClr val="FF0000"/>
+            </a:solidFill>
+          </a:ln>
+        </p:spPr>
+        <p:style>
+          <a:lnRef idx="2">
+            <a:schemeClr val="accent1">
+              <a:shade val="50000"/>
+            </a:schemeClr>
+          </a:lnRef>
+          <a:fillRef idx="1">
+            <a:schemeClr val="accent1"/>
+          </a:fillRef>
+          <a:effectRef idx="0">
+            <a:schemeClr val="accent1"/>
+          </a:effectRef>
+          <a:fontRef idx="minor">
+            <a:schemeClr val="lt1"/>
+          </a:fontRef>
+        </p:style>
+        <p:txBody>
+          <a:bodyPr rtlCol="0" anchor="ctr"/>
+          <a:lstStyle/>
+          <a:p>
+            <a:pPr algn="ctr"/>
+            <a:r>
+              <a:rPr lang="en-US" altLang="ko-KR" sz="1400" dirty="0">
+                <a:ln w="57150">
+                  <a:noFill/>
+                </a:ln>
+                <a:solidFill>
+                  <a:srgbClr val="FF0000"/>
+                </a:solidFill>
+              </a:rPr>
+              <a:t>1</a:t>
+            </a:r>
+            <a:endParaRPr lang="ko-KR" altLang="en-US" sz="1400" dirty="0">
+              <a:ln w="57150">
+                <a:noFill/>
+              </a:ln>
+              <a:solidFill>
+                <a:srgbClr val="FF0000"/>
+              </a:solidFill>
+            </a:endParaRPr>
+          </a:p>
+        </p:txBody>
+      </p:sp>
+      <p:sp>
+        <p:nvSpPr>
+          <p:cNvPr id="30" name="타원 29">
+            <a:extLst>
+              <a:ext uri="{FF2B5EF4-FFF2-40B4-BE49-F238E27FC236}">
+                <a16:creationId xmlns:a16="http://schemas.microsoft.com/office/drawing/2014/main" id="{6C5FCA79-8516-47C0-8050-D7726C66C9E3}"/>
+              </a:ext>
+            </a:extLst>
+          </p:cNvPr>
+          <p:cNvSpPr/>
+          <p:nvPr/>
+        </p:nvSpPr>
+        <p:spPr>
+          <a:xfrm>
+            <a:off x="9548324" y="1006776"/>
+            <a:ext cx="275643" cy="285375"/>
+          </a:xfrm>
+          <a:prstGeom prst="ellipse">
+            <a:avLst/>
+          </a:prstGeom>
+          <a:noFill/>
+          <a:ln w="38100">
+            <a:solidFill>
+              <a:srgbClr val="FF0000"/>
+            </a:solidFill>
+          </a:ln>
+        </p:spPr>
+        <p:style>
+          <a:lnRef idx="2">
+            <a:schemeClr val="accent1">
+              <a:shade val="50000"/>
+            </a:schemeClr>
+          </a:lnRef>
+          <a:fillRef idx="1">
+            <a:schemeClr val="accent1"/>
+          </a:fillRef>
+          <a:effectRef idx="0">
+            <a:schemeClr val="accent1"/>
+          </a:effectRef>
+          <a:fontRef idx="minor">
+            <a:schemeClr val="lt1"/>
+          </a:fontRef>
+        </p:style>
+        <p:txBody>
+          <a:bodyPr rtlCol="0" anchor="ctr"/>
+          <a:lstStyle/>
+          <a:p>
+            <a:pPr algn="ctr"/>
+            <a:r>
+              <a:rPr lang="en-US" altLang="ko-KR" sz="1400" dirty="0">
+                <a:ln w="57150">
+                  <a:noFill/>
+                </a:ln>
+                <a:solidFill>
+                  <a:srgbClr val="FF0000"/>
+                </a:solidFill>
+              </a:rPr>
+              <a:t>1</a:t>
+            </a:r>
+            <a:endParaRPr lang="ko-KR" altLang="en-US" sz="1400" dirty="0">
+              <a:ln w="57150">
+                <a:noFill/>
+              </a:ln>
+              <a:solidFill>
+                <a:srgbClr val="FF0000"/>
+              </a:solidFill>
+            </a:endParaRPr>
+          </a:p>
+        </p:txBody>
+      </p:sp>
+      <p:sp>
+        <p:nvSpPr>
+          <p:cNvPr id="31" name="TextBox 30">
+            <a:extLst>
+              <a:ext uri="{FF2B5EF4-FFF2-40B4-BE49-F238E27FC236}">
+                <a16:creationId xmlns:a16="http://schemas.microsoft.com/office/drawing/2014/main" id="{14A67943-D49F-4F5B-9963-8AFCD4623F9C}"/>
+              </a:ext>
+            </a:extLst>
+          </p:cNvPr>
+          <p:cNvSpPr txBox="1"/>
+          <p:nvPr/>
+        </p:nvSpPr>
+        <p:spPr>
+          <a:xfrm>
+            <a:off x="4075500" y="1175215"/>
+            <a:ext cx="332509" cy="369332"/>
+          </a:xfrm>
+          <a:prstGeom prst="rect">
+            <a:avLst/>
+          </a:prstGeom>
+          <a:noFill/>
+          <a:ln>
+            <a:solidFill>
+              <a:schemeClr val="tx1"/>
+            </a:solidFill>
+          </a:ln>
+        </p:spPr>
+        <p:txBody>
+          <a:bodyPr wrap="square">
+            <a:spAutoFit/>
+          </a:bodyPr>
+          <a:lstStyle/>
+          <a:p>
+            <a:pPr algn="ctr"/>
+            <a:r>
+              <a:rPr lang="ko-KR" altLang="en-US" sz="1800" dirty="0">
+                <a:solidFill>
+                  <a:schemeClr val="tx1"/>
+                </a:solidFill>
+              </a:rPr>
+              <a:t>▼</a:t>
+            </a:r>
+          </a:p>
+        </p:txBody>
+      </p:sp>
+      <p:sp>
+        <p:nvSpPr>
+          <p:cNvPr id="32" name="타원 31">
+            <a:extLst>
+              <a:ext uri="{FF2B5EF4-FFF2-40B4-BE49-F238E27FC236}">
+                <a16:creationId xmlns:a16="http://schemas.microsoft.com/office/drawing/2014/main" id="{2EB80BD9-09DC-42A4-8CC8-B3249C367DC9}"/>
+              </a:ext>
+            </a:extLst>
+          </p:cNvPr>
+          <p:cNvSpPr/>
+          <p:nvPr/>
+        </p:nvSpPr>
+        <p:spPr>
+          <a:xfrm>
+            <a:off x="4147392" y="2100669"/>
+            <a:ext cx="275643" cy="285375"/>
+          </a:xfrm>
+          <a:prstGeom prst="ellipse">
+            <a:avLst/>
+          </a:prstGeom>
+          <a:noFill/>
+          <a:ln w="38100">
+            <a:solidFill>
+              <a:srgbClr val="FF0000"/>
+            </a:solidFill>
+          </a:ln>
+        </p:spPr>
+        <p:style>
+          <a:lnRef idx="2">
+            <a:schemeClr val="accent1">
+              <a:shade val="50000"/>
+            </a:schemeClr>
+          </a:lnRef>
+          <a:fillRef idx="1">
+            <a:schemeClr val="accent1"/>
+          </a:fillRef>
+          <a:effectRef idx="0">
+            <a:schemeClr val="accent1"/>
+          </a:effectRef>
+          <a:fontRef idx="minor">
+            <a:schemeClr val="lt1"/>
+          </a:fontRef>
+        </p:style>
+        <p:txBody>
+          <a:bodyPr rtlCol="0" anchor="ctr"/>
+          <a:lstStyle/>
+          <a:p>
+            <a:pPr algn="ctr"/>
+            <a:r>
+              <a:rPr lang="en-US" altLang="ko-KR" sz="1400" dirty="0">
+                <a:ln w="57150">
+                  <a:noFill/>
+                </a:ln>
+                <a:solidFill>
+                  <a:srgbClr val="FF0000"/>
+                </a:solidFill>
+              </a:rPr>
+              <a:t>3</a:t>
+            </a:r>
+            <a:endParaRPr lang="ko-KR" altLang="en-US" sz="1400" dirty="0">
+              <a:ln w="57150">
+                <a:noFill/>
+              </a:ln>
+              <a:solidFill>
+                <a:srgbClr val="FF0000"/>
+              </a:solidFill>
+            </a:endParaRPr>
+          </a:p>
+        </p:txBody>
+      </p:sp>
+      <p:sp>
+        <p:nvSpPr>
+          <p:cNvPr id="33" name="타원 32">
+            <a:extLst>
+              <a:ext uri="{FF2B5EF4-FFF2-40B4-BE49-F238E27FC236}">
+                <a16:creationId xmlns:a16="http://schemas.microsoft.com/office/drawing/2014/main" id="{F25E6102-CEF2-4117-9AF4-41D08805853C}"/>
+              </a:ext>
+            </a:extLst>
+          </p:cNvPr>
+          <p:cNvSpPr/>
+          <p:nvPr/>
+        </p:nvSpPr>
+        <p:spPr>
+          <a:xfrm>
+            <a:off x="9548324" y="3048934"/>
+            <a:ext cx="275643" cy="285375"/>
+          </a:xfrm>
+          <a:prstGeom prst="ellipse">
+            <a:avLst/>
+          </a:prstGeom>
+          <a:noFill/>
+          <a:ln w="38100">
+            <a:solidFill>
+              <a:srgbClr val="FF0000"/>
+            </a:solidFill>
+          </a:ln>
+        </p:spPr>
+        <p:style>
+          <a:lnRef idx="2">
+            <a:schemeClr val="accent1">
+              <a:shade val="50000"/>
+            </a:schemeClr>
+          </a:lnRef>
+          <a:fillRef idx="1">
+            <a:schemeClr val="accent1"/>
+          </a:fillRef>
+          <a:effectRef idx="0">
+            <a:schemeClr val="accent1"/>
+          </a:effectRef>
+          <a:fontRef idx="minor">
+            <a:schemeClr val="lt1"/>
+          </a:fontRef>
+        </p:style>
+        <p:txBody>
+          <a:bodyPr rtlCol="0" anchor="ctr"/>
+          <a:lstStyle/>
+          <a:p>
+            <a:pPr algn="ctr"/>
+            <a:r>
+              <a:rPr lang="en-US" altLang="ko-KR" sz="1400" dirty="0">
+                <a:ln w="57150">
+                  <a:noFill/>
+                </a:ln>
+                <a:solidFill>
+                  <a:srgbClr val="FF0000"/>
+                </a:solidFill>
+              </a:rPr>
+              <a:t>3</a:t>
+            </a:r>
+            <a:endParaRPr lang="ko-KR" altLang="en-US" sz="1400" dirty="0">
+              <a:ln w="57150">
+                <a:noFill/>
+              </a:ln>
+              <a:solidFill>
+                <a:srgbClr val="FF0000"/>
+              </a:solidFill>
+            </a:endParaRPr>
+          </a:p>
+        </p:txBody>
+      </p:sp>
+      <p:sp>
+        <p:nvSpPr>
+          <p:cNvPr id="34" name="타원 33">
+            <a:extLst>
+              <a:ext uri="{FF2B5EF4-FFF2-40B4-BE49-F238E27FC236}">
+                <a16:creationId xmlns:a16="http://schemas.microsoft.com/office/drawing/2014/main" id="{E151BDA2-77BC-43CD-8730-8C435921D968}"/>
+              </a:ext>
+            </a:extLst>
+          </p:cNvPr>
+          <p:cNvSpPr/>
+          <p:nvPr/>
+        </p:nvSpPr>
+        <p:spPr>
+          <a:xfrm>
+            <a:off x="4728156" y="1301347"/>
+            <a:ext cx="275643" cy="285375"/>
+          </a:xfrm>
+          <a:prstGeom prst="ellipse">
+            <a:avLst/>
+          </a:prstGeom>
+          <a:noFill/>
+          <a:ln w="38100">
+            <a:solidFill>
+              <a:srgbClr val="FF0000"/>
+            </a:solidFill>
+          </a:ln>
+        </p:spPr>
+        <p:style>
+          <a:lnRef idx="2">
+            <a:schemeClr val="accent1">
+              <a:shade val="50000"/>
+            </a:schemeClr>
+          </a:lnRef>
+          <a:fillRef idx="1">
+            <a:schemeClr val="accent1"/>
+          </a:fillRef>
+          <a:effectRef idx="0">
+            <a:schemeClr val="accent1"/>
+          </a:effectRef>
+          <a:fontRef idx="minor">
+            <a:schemeClr val="lt1"/>
+          </a:fontRef>
+        </p:style>
+        <p:txBody>
+          <a:bodyPr rtlCol="0" anchor="ctr"/>
+          <a:lstStyle/>
+          <a:p>
+            <a:pPr algn="ctr"/>
+            <a:r>
+              <a:rPr lang="en-US" altLang="ko-KR" sz="1400" dirty="0">
+                <a:ln w="57150">
+                  <a:noFill/>
+                </a:ln>
+                <a:solidFill>
+                  <a:srgbClr val="FF0000"/>
+                </a:solidFill>
+              </a:rPr>
+              <a:t>4</a:t>
+            </a:r>
+            <a:endParaRPr lang="ko-KR" altLang="en-US" sz="1400" dirty="0">
+              <a:ln w="57150">
+                <a:noFill/>
+              </a:ln>
+              <a:solidFill>
+                <a:srgbClr val="FF0000"/>
+              </a:solidFill>
+            </a:endParaRPr>
+          </a:p>
+        </p:txBody>
+      </p:sp>
+      <p:sp>
+        <p:nvSpPr>
+          <p:cNvPr id="35" name="타원 34">
+            <a:extLst>
+              <a:ext uri="{FF2B5EF4-FFF2-40B4-BE49-F238E27FC236}">
+                <a16:creationId xmlns:a16="http://schemas.microsoft.com/office/drawing/2014/main" id="{DF2B722C-C3EB-4EF9-B274-992120CA9231}"/>
+              </a:ext>
+            </a:extLst>
+          </p:cNvPr>
+          <p:cNvSpPr/>
+          <p:nvPr/>
+        </p:nvSpPr>
+        <p:spPr>
+          <a:xfrm>
+            <a:off x="9548323" y="4234577"/>
+            <a:ext cx="275643" cy="285375"/>
+          </a:xfrm>
+          <a:prstGeom prst="ellipse">
+            <a:avLst/>
+          </a:prstGeom>
+          <a:noFill/>
+          <a:ln w="38100">
+            <a:solidFill>
+              <a:srgbClr val="FF0000"/>
+            </a:solidFill>
+          </a:ln>
+        </p:spPr>
+        <p:style>
+          <a:lnRef idx="2">
+            <a:schemeClr val="accent1">
+              <a:shade val="50000"/>
+            </a:schemeClr>
+          </a:lnRef>
+          <a:fillRef idx="1">
+            <a:schemeClr val="accent1"/>
+          </a:fillRef>
+          <a:effectRef idx="0">
+            <a:schemeClr val="accent1"/>
+          </a:effectRef>
+          <a:fontRef idx="minor">
+            <a:schemeClr val="lt1"/>
+          </a:fontRef>
+        </p:style>
+        <p:txBody>
+          <a:bodyPr rtlCol="0" anchor="ctr"/>
+          <a:lstStyle/>
+          <a:p>
+            <a:pPr algn="ctr"/>
+            <a:r>
+              <a:rPr lang="en-US" altLang="ko-KR" sz="1400" dirty="0">
+                <a:ln w="57150">
+                  <a:noFill/>
+                </a:ln>
+                <a:solidFill>
+                  <a:srgbClr val="FF0000"/>
+                </a:solidFill>
+              </a:rPr>
+              <a:t>4</a:t>
+            </a:r>
+            <a:endParaRPr lang="ko-KR" altLang="en-US" sz="1400" dirty="0">
+              <a:ln w="57150">
+                <a:noFill/>
+              </a:ln>
+              <a:solidFill>
+                <a:srgbClr val="FF0000"/>
+              </a:solidFill>
+            </a:endParaRPr>
+          </a:p>
+        </p:txBody>
+      </p:sp>
+      <p:sp>
+        <p:nvSpPr>
+          <p:cNvPr id="36" name="TextBox 35">
+            <a:extLst>
+              <a:ext uri="{FF2B5EF4-FFF2-40B4-BE49-F238E27FC236}">
+                <a16:creationId xmlns:a16="http://schemas.microsoft.com/office/drawing/2014/main" id="{8621AAE0-0CD8-43B4-9CAB-67F0B4B5E5F2}"/>
+              </a:ext>
+            </a:extLst>
+          </p:cNvPr>
+          <p:cNvSpPr txBox="1"/>
+          <p:nvPr/>
+        </p:nvSpPr>
+        <p:spPr>
+          <a:xfrm>
+            <a:off x="4075500" y="1691656"/>
+            <a:ext cx="332509" cy="369332"/>
+          </a:xfrm>
+          <a:prstGeom prst="rect">
+            <a:avLst/>
+          </a:prstGeom>
+          <a:noFill/>
+          <a:ln>
+            <a:solidFill>
+              <a:schemeClr val="tx1"/>
+            </a:solidFill>
+          </a:ln>
+        </p:spPr>
+        <p:txBody>
+          <a:bodyPr wrap="square">
+            <a:spAutoFit/>
+          </a:bodyPr>
+          <a:lstStyle/>
+          <a:p>
+            <a:pPr algn="ctr"/>
+            <a:r>
+              <a:rPr lang="ko-KR" altLang="en-US" sz="1800" dirty="0">
+                <a:solidFill>
+                  <a:schemeClr val="tx1"/>
+                </a:solidFill>
+              </a:rPr>
+              <a:t>▼</a:t>
+            </a:r>
+          </a:p>
+        </p:txBody>
+      </p:sp>
+      <p:sp>
+        <p:nvSpPr>
+          <p:cNvPr id="37" name="타원 36">
+            <a:extLst>
+              <a:ext uri="{FF2B5EF4-FFF2-40B4-BE49-F238E27FC236}">
+                <a16:creationId xmlns:a16="http://schemas.microsoft.com/office/drawing/2014/main" id="{49AB2E77-B523-4FA5-9EE7-19275F375CB3}"/>
+              </a:ext>
+            </a:extLst>
+          </p:cNvPr>
+          <p:cNvSpPr/>
+          <p:nvPr/>
+        </p:nvSpPr>
+        <p:spPr>
+          <a:xfrm>
+            <a:off x="4169214" y="1607861"/>
+            <a:ext cx="275643" cy="285375"/>
+          </a:xfrm>
+          <a:prstGeom prst="ellipse">
+            <a:avLst/>
+          </a:prstGeom>
+          <a:noFill/>
+          <a:ln w="38100">
+            <a:solidFill>
+              <a:srgbClr val="FF0000"/>
+            </a:solidFill>
+          </a:ln>
+        </p:spPr>
+        <p:style>
+          <a:lnRef idx="2">
+            <a:schemeClr val="accent1">
+              <a:shade val="50000"/>
+            </a:schemeClr>
+          </a:lnRef>
+          <a:fillRef idx="1">
+            <a:schemeClr val="accent1"/>
+          </a:fillRef>
+          <a:effectRef idx="0">
+            <a:schemeClr val="accent1"/>
+          </a:effectRef>
+          <a:fontRef idx="minor">
+            <a:schemeClr val="lt1"/>
+          </a:fontRef>
+        </p:style>
+        <p:txBody>
+          <a:bodyPr rtlCol="0" anchor="ctr"/>
+          <a:lstStyle/>
+          <a:p>
+            <a:pPr algn="ctr"/>
+            <a:r>
+              <a:rPr lang="en-US" altLang="ko-KR" sz="1400" dirty="0">
+                <a:ln w="57150">
+                  <a:noFill/>
+                </a:ln>
+                <a:solidFill>
+                  <a:srgbClr val="FF0000"/>
+                </a:solidFill>
+              </a:rPr>
+              <a:t>2</a:t>
+            </a:r>
+            <a:endParaRPr lang="ko-KR" altLang="en-US" sz="1400" dirty="0">
+              <a:ln w="57150">
+                <a:noFill/>
+              </a:ln>
+              <a:solidFill>
+                <a:srgbClr val="FF0000"/>
+              </a:solidFill>
+            </a:endParaRPr>
+          </a:p>
+        </p:txBody>
+      </p:sp>
+      <p:sp>
+        <p:nvSpPr>
+          <p:cNvPr id="38" name="타원 37">
+            <a:extLst>
+              <a:ext uri="{FF2B5EF4-FFF2-40B4-BE49-F238E27FC236}">
+                <a16:creationId xmlns:a16="http://schemas.microsoft.com/office/drawing/2014/main" id="{50FFADA5-AE35-4E66-8477-69FC721004BA}"/>
+              </a:ext>
+            </a:extLst>
+          </p:cNvPr>
+          <p:cNvSpPr/>
+          <p:nvPr/>
+        </p:nvSpPr>
+        <p:spPr>
+          <a:xfrm>
+            <a:off x="9551763" y="1725866"/>
+            <a:ext cx="275643" cy="285375"/>
+          </a:xfrm>
+          <a:prstGeom prst="ellipse">
+            <a:avLst/>
+          </a:prstGeom>
+          <a:noFill/>
+          <a:ln w="38100">
+            <a:solidFill>
+              <a:srgbClr val="FF0000"/>
+            </a:solidFill>
+          </a:ln>
+        </p:spPr>
+        <p:style>
+          <a:lnRef idx="2">
+            <a:schemeClr val="accent1">
+              <a:shade val="50000"/>
+            </a:schemeClr>
+          </a:lnRef>
+          <a:fillRef idx="1">
+            <a:schemeClr val="accent1"/>
+          </a:fillRef>
+          <a:effectRef idx="0">
+            <a:schemeClr val="accent1"/>
+          </a:effectRef>
+          <a:fontRef idx="minor">
+            <a:schemeClr val="lt1"/>
+          </a:fontRef>
+        </p:style>
+        <p:txBody>
+          <a:bodyPr rtlCol="0" anchor="ctr"/>
+          <a:lstStyle/>
+          <a:p>
+            <a:pPr algn="ctr"/>
+            <a:r>
+              <a:rPr lang="en-US" altLang="ko-KR" sz="1400" dirty="0">
+                <a:ln w="57150">
+                  <a:noFill/>
+                </a:ln>
+                <a:solidFill>
+                  <a:srgbClr val="FF0000"/>
+                </a:solidFill>
+              </a:rPr>
+              <a:t>2</a:t>
+            </a:r>
+            <a:endParaRPr lang="ko-KR" altLang="en-US" sz="1400" dirty="0">
+              <a:ln w="57150">
+                <a:noFill/>
+              </a:ln>
+              <a:solidFill>
+                <a:srgbClr val="FF0000"/>
+              </a:solidFill>
+            </a:endParaRPr>
+          </a:p>
+        </p:txBody>
+      </p:sp>
+      <p:sp>
+        <p:nvSpPr>
+          <p:cNvPr id="39" name="직사각형 38">
+            <a:extLst>
+              <a:ext uri="{FF2B5EF4-FFF2-40B4-BE49-F238E27FC236}">
+                <a16:creationId xmlns:a16="http://schemas.microsoft.com/office/drawing/2014/main" id="{D9140CB0-000B-4092-83BE-48C0D3E13A4A}"/>
+              </a:ext>
+            </a:extLst>
+          </p:cNvPr>
+          <p:cNvSpPr/>
+          <p:nvPr/>
+        </p:nvSpPr>
+        <p:spPr>
+          <a:xfrm>
+            <a:off x="3556001" y="5671924"/>
+            <a:ext cx="1320800" cy="365125"/>
+          </a:xfrm>
+          <a:prstGeom prst="rect">
+            <a:avLst/>
+          </a:prstGeom>
+        </p:spPr>
+        <p:style>
+          <a:lnRef idx="2">
+            <a:schemeClr val="accent1">
+              <a:shade val="50000"/>
+            </a:schemeClr>
+          </a:lnRef>
+          <a:fillRef idx="1">
+            <a:schemeClr val="accent1"/>
+          </a:fillRef>
+          <a:effectRef idx="0">
+            <a:schemeClr val="accent1"/>
+          </a:effectRef>
+          <a:fontRef idx="minor">
+            <a:schemeClr val="lt1"/>
+          </a:fontRef>
+        </p:style>
+        <p:txBody>
+          <a:bodyPr rtlCol="0" anchor="ctr"/>
+          <a:lstStyle/>
+          <a:p>
+            <a:pPr algn="ctr"/>
+            <a:r>
+              <a:rPr lang="ko-KR" altLang="en-US" dirty="0"/>
+              <a:t>저장</a:t>
+            </a:r>
+          </a:p>
+        </p:txBody>
+      </p:sp>
+      <p:sp>
+        <p:nvSpPr>
+          <p:cNvPr id="40" name="직사각형 39">
+            <a:extLst>
+              <a:ext uri="{FF2B5EF4-FFF2-40B4-BE49-F238E27FC236}">
+                <a16:creationId xmlns:a16="http://schemas.microsoft.com/office/drawing/2014/main" id="{437D07A7-C42A-47C8-81BF-A6D87400DED8}"/>
+              </a:ext>
+            </a:extLst>
+          </p:cNvPr>
+          <p:cNvSpPr/>
+          <p:nvPr/>
+        </p:nvSpPr>
+        <p:spPr>
+          <a:xfrm>
+            <a:off x="5068426" y="5671924"/>
+            <a:ext cx="1320800" cy="365125"/>
+          </a:xfrm>
+          <a:prstGeom prst="rect">
+            <a:avLst/>
+          </a:prstGeom>
+        </p:spPr>
+        <p:style>
+          <a:lnRef idx="2">
+            <a:schemeClr val="accent1">
+              <a:shade val="50000"/>
+            </a:schemeClr>
+          </a:lnRef>
+          <a:fillRef idx="1">
+            <a:schemeClr val="accent1"/>
+          </a:fillRef>
+          <a:effectRef idx="0">
+            <a:schemeClr val="accent1"/>
+          </a:effectRef>
+          <a:fontRef idx="minor">
+            <a:schemeClr val="lt1"/>
+          </a:fontRef>
+        </p:style>
+        <p:txBody>
+          <a:bodyPr rtlCol="0" anchor="ctr"/>
+          <a:lstStyle/>
+          <a:p>
+            <a:pPr algn="ctr"/>
+            <a:r>
+              <a:rPr lang="ko-KR" altLang="en-US" dirty="0"/>
+              <a:t>취소</a:t>
+            </a:r>
+          </a:p>
+        </p:txBody>
+      </p:sp>
+      <p:sp>
+        <p:nvSpPr>
+          <p:cNvPr id="41" name="직사각형 40">
+            <a:extLst>
+              <a:ext uri="{FF2B5EF4-FFF2-40B4-BE49-F238E27FC236}">
+                <a16:creationId xmlns:a16="http://schemas.microsoft.com/office/drawing/2014/main" id="{795BBC45-F63F-44F9-9E6D-8D526B7D5CB7}"/>
+              </a:ext>
+            </a:extLst>
+          </p:cNvPr>
+          <p:cNvSpPr/>
+          <p:nvPr/>
+        </p:nvSpPr>
+        <p:spPr>
+          <a:xfrm>
+            <a:off x="7961774" y="5671924"/>
+            <a:ext cx="1320800" cy="365125"/>
+          </a:xfrm>
+          <a:prstGeom prst="rect">
+            <a:avLst/>
+          </a:prstGeom>
+          <a:solidFill>
+            <a:schemeClr val="bg2">
+              <a:lumMod val="50000"/>
+            </a:schemeClr>
+          </a:solidFill>
+        </p:spPr>
+        <p:style>
+          <a:lnRef idx="2">
+            <a:schemeClr val="accent1">
+              <a:shade val="50000"/>
+            </a:schemeClr>
+          </a:lnRef>
+          <a:fillRef idx="1">
+            <a:schemeClr val="accent1"/>
+          </a:fillRef>
+          <a:effectRef idx="0">
+            <a:schemeClr val="accent1"/>
+          </a:effectRef>
+          <a:fontRef idx="minor">
+            <a:schemeClr val="lt1"/>
+          </a:fontRef>
+        </p:style>
+        <p:txBody>
+          <a:bodyPr rtlCol="0" anchor="ctr"/>
+          <a:lstStyle/>
+          <a:p>
+            <a:pPr algn="ctr"/>
+            <a:r>
+              <a:rPr lang="ko-KR" altLang="en-US" dirty="0"/>
+              <a:t>상품삭제</a:t>
+            </a:r>
+          </a:p>
+        </p:txBody>
+      </p:sp>
+      <p:sp>
+        <p:nvSpPr>
+          <p:cNvPr id="42" name="직사각형 41">
+            <a:extLst>
+              <a:ext uri="{FF2B5EF4-FFF2-40B4-BE49-F238E27FC236}">
+                <a16:creationId xmlns:a16="http://schemas.microsoft.com/office/drawing/2014/main" id="{5493A099-7D20-4109-A50C-A13341894561}"/>
+              </a:ext>
+            </a:extLst>
+          </p:cNvPr>
+          <p:cNvSpPr/>
+          <p:nvPr/>
+        </p:nvSpPr>
+        <p:spPr>
+          <a:xfrm>
+            <a:off x="2456973" y="3850843"/>
+            <a:ext cx="1966062" cy="365125"/>
+          </a:xfrm>
+          <a:prstGeom prst="rect">
+            <a:avLst/>
+          </a:prstGeom>
+          <a:solidFill>
+            <a:schemeClr val="accent4">
+              <a:lumMod val="20000"/>
+              <a:lumOff val="80000"/>
+            </a:schemeClr>
+          </a:solidFill>
+        </p:spPr>
+        <p:style>
+          <a:lnRef idx="2">
+            <a:schemeClr val="accent1">
+              <a:shade val="50000"/>
+            </a:schemeClr>
+          </a:lnRef>
+          <a:fillRef idx="1">
+            <a:schemeClr val="accent1"/>
+          </a:fillRef>
+          <a:effectRef idx="0">
+            <a:schemeClr val="accent1"/>
+          </a:effectRef>
+          <a:fontRef idx="minor">
+            <a:schemeClr val="lt1"/>
+          </a:fontRef>
+        </p:style>
+        <p:txBody>
+          <a:bodyPr rtlCol="0" anchor="ctr"/>
+          <a:lstStyle/>
+          <a:p>
+            <a:pPr algn="ctr"/>
+            <a:r>
+              <a:rPr lang="en-US" altLang="ko-KR" sz="1200" dirty="0">
+                <a:solidFill>
+                  <a:schemeClr val="accent6">
+                    <a:lumMod val="50000"/>
+                  </a:schemeClr>
+                </a:solidFill>
+              </a:rPr>
+              <a:t>Id = count</a:t>
+            </a:r>
+            <a:endParaRPr lang="ko-KR" altLang="en-US" sz="1200" dirty="0">
+              <a:solidFill>
+                <a:schemeClr val="accent6">
+                  <a:lumMod val="50000"/>
+                </a:schemeClr>
+              </a:solidFill>
+            </a:endParaRPr>
+          </a:p>
+        </p:txBody>
+      </p:sp>
+      <p:sp>
+        <p:nvSpPr>
+          <p:cNvPr id="43" name="직사각형 42">
+            <a:extLst>
+              <a:ext uri="{FF2B5EF4-FFF2-40B4-BE49-F238E27FC236}">
+                <a16:creationId xmlns:a16="http://schemas.microsoft.com/office/drawing/2014/main" id="{EE1A5871-CB62-4654-B36C-EA0D5B8A0B73}"/>
+              </a:ext>
+            </a:extLst>
+          </p:cNvPr>
+          <p:cNvSpPr/>
+          <p:nvPr/>
+        </p:nvSpPr>
+        <p:spPr>
+          <a:xfrm>
+            <a:off x="993476" y="3850842"/>
+            <a:ext cx="1386273" cy="365125"/>
+          </a:xfrm>
+          <a:prstGeom prst="rect">
+            <a:avLst/>
+          </a:prstGeom>
+        </p:spPr>
+        <p:style>
+          <a:lnRef idx="2">
+            <a:schemeClr val="accent1">
+              <a:shade val="50000"/>
+            </a:schemeClr>
+          </a:lnRef>
+          <a:fillRef idx="1">
+            <a:schemeClr val="accent1"/>
+          </a:fillRef>
+          <a:effectRef idx="0">
+            <a:schemeClr val="accent1"/>
+          </a:effectRef>
+          <a:fontRef idx="minor">
+            <a:schemeClr val="lt1"/>
+          </a:fontRef>
+        </p:style>
+        <p:txBody>
+          <a:bodyPr rtlCol="0" anchor="ctr"/>
+          <a:lstStyle/>
+          <a:p>
+            <a:pPr algn="ctr"/>
+            <a:r>
+              <a:rPr lang="ko-KR" altLang="en-US" dirty="0"/>
+              <a:t>상품개수</a:t>
+            </a:r>
+          </a:p>
+        </p:txBody>
+      </p:sp>
+      <p:sp>
+        <p:nvSpPr>
+          <p:cNvPr id="44" name="직사각형 43">
+            <a:extLst>
+              <a:ext uri="{FF2B5EF4-FFF2-40B4-BE49-F238E27FC236}">
+                <a16:creationId xmlns:a16="http://schemas.microsoft.com/office/drawing/2014/main" id="{7C2FB214-2A6A-484C-934D-D379A003A41D}"/>
+              </a:ext>
+            </a:extLst>
+          </p:cNvPr>
+          <p:cNvSpPr/>
+          <p:nvPr/>
+        </p:nvSpPr>
+        <p:spPr>
+          <a:xfrm>
+            <a:off x="7961774" y="5306798"/>
+            <a:ext cx="1320800" cy="365125"/>
+          </a:xfrm>
+          <a:prstGeom prst="rect">
+            <a:avLst/>
+          </a:prstGeom>
+          <a:solidFill>
+            <a:schemeClr val="accent4">
+              <a:lumMod val="20000"/>
+              <a:lumOff val="80000"/>
+            </a:schemeClr>
+          </a:solidFill>
+        </p:spPr>
+        <p:style>
+          <a:lnRef idx="2">
+            <a:schemeClr val="accent1">
+              <a:shade val="50000"/>
+            </a:schemeClr>
+          </a:lnRef>
+          <a:fillRef idx="1">
+            <a:schemeClr val="accent1"/>
+          </a:fillRef>
+          <a:effectRef idx="0">
+            <a:schemeClr val="accent1"/>
+          </a:effectRef>
+          <a:fontRef idx="minor">
+            <a:schemeClr val="lt1"/>
+          </a:fontRef>
+        </p:style>
+        <p:txBody>
+          <a:bodyPr rtlCol="0" anchor="ctr"/>
+          <a:lstStyle/>
+          <a:p>
+            <a:pPr algn="ctr"/>
+            <a:r>
+              <a:rPr lang="en-US" altLang="ko-KR" sz="1200" dirty="0">
+                <a:solidFill>
+                  <a:schemeClr val="accent6">
+                    <a:lumMod val="50000"/>
+                  </a:schemeClr>
+                </a:solidFill>
+              </a:rPr>
+              <a:t>Id = </a:t>
+            </a:r>
+            <a:r>
+              <a:rPr lang="en-US" altLang="ko-KR" sz="1200" dirty="0" err="1">
+                <a:solidFill>
+                  <a:schemeClr val="accent6">
+                    <a:lumMod val="50000"/>
+                  </a:schemeClr>
+                </a:solidFill>
+              </a:rPr>
+              <a:t>del_count</a:t>
+            </a:r>
+            <a:endParaRPr lang="ko-KR" altLang="en-US" sz="1200" dirty="0">
+              <a:solidFill>
+                <a:schemeClr val="accent6">
+                  <a:lumMod val="50000"/>
+                </a:schemeClr>
+              </a:solidFill>
+            </a:endParaRPr>
+          </a:p>
+        </p:txBody>
+      </p:sp>
+    </p:spTree>
+    <p:extLst>
+      <p:ext uri="{BB962C8B-B14F-4D97-AF65-F5344CB8AC3E}">
+        <p14:creationId xmlns:p14="http://schemas.microsoft.com/office/powerpoint/2010/main" val="2601646305"/>
       </p:ext>
     </p:extLst>
   </p:cSld>

--- a/설계/01. 화면정의서/ESupply_화면정의서.pptx
+++ b/설계/01. 화면정의서/ESupply_화면정의서.pptx
@@ -267,7 +267,7 @@
           <a:p>
             <a:fld id="{4E6F5B6F-16CC-4A24-B7E1-C8CC67323470}" type="datetimeFigureOut">
               <a:rPr lang="ko-KR" altLang="en-US" smtClean="0"/>
-              <a:t>2024-07-29</a:t>
+              <a:t>2024-07-30</a:t>
             </a:fld>
             <a:endParaRPr lang="ko-KR" altLang="en-US"/>
           </a:p>
@@ -465,7 +465,7 @@
           <a:p>
             <a:fld id="{4E6F5B6F-16CC-4A24-B7E1-C8CC67323470}" type="datetimeFigureOut">
               <a:rPr lang="ko-KR" altLang="en-US" smtClean="0"/>
-              <a:t>2024-07-29</a:t>
+              <a:t>2024-07-30</a:t>
             </a:fld>
             <a:endParaRPr lang="ko-KR" altLang="en-US"/>
           </a:p>
@@ -673,7 +673,7 @@
           <a:p>
             <a:fld id="{4E6F5B6F-16CC-4A24-B7E1-C8CC67323470}" type="datetimeFigureOut">
               <a:rPr lang="ko-KR" altLang="en-US" smtClean="0"/>
-              <a:t>2024-07-29</a:t>
+              <a:t>2024-07-30</a:t>
             </a:fld>
             <a:endParaRPr lang="ko-KR" altLang="en-US"/>
           </a:p>
@@ -871,7 +871,7 @@
           <a:p>
             <a:fld id="{4E6F5B6F-16CC-4A24-B7E1-C8CC67323470}" type="datetimeFigureOut">
               <a:rPr lang="ko-KR" altLang="en-US" smtClean="0"/>
-              <a:t>2024-07-29</a:t>
+              <a:t>2024-07-30</a:t>
             </a:fld>
             <a:endParaRPr lang="ko-KR" altLang="en-US"/>
           </a:p>
@@ -1146,7 +1146,7 @@
           <a:p>
             <a:fld id="{4E6F5B6F-16CC-4A24-B7E1-C8CC67323470}" type="datetimeFigureOut">
               <a:rPr lang="ko-KR" altLang="en-US" smtClean="0"/>
-              <a:t>2024-07-29</a:t>
+              <a:t>2024-07-30</a:t>
             </a:fld>
             <a:endParaRPr lang="ko-KR" altLang="en-US"/>
           </a:p>
@@ -1411,7 +1411,7 @@
           <a:p>
             <a:fld id="{4E6F5B6F-16CC-4A24-B7E1-C8CC67323470}" type="datetimeFigureOut">
               <a:rPr lang="ko-KR" altLang="en-US" smtClean="0"/>
-              <a:t>2024-07-29</a:t>
+              <a:t>2024-07-30</a:t>
             </a:fld>
             <a:endParaRPr lang="ko-KR" altLang="en-US"/>
           </a:p>
@@ -1823,7 +1823,7 @@
           <a:p>
             <a:fld id="{4E6F5B6F-16CC-4A24-B7E1-C8CC67323470}" type="datetimeFigureOut">
               <a:rPr lang="ko-KR" altLang="en-US" smtClean="0"/>
-              <a:t>2024-07-29</a:t>
+              <a:t>2024-07-30</a:t>
             </a:fld>
             <a:endParaRPr lang="ko-KR" altLang="en-US"/>
           </a:p>
@@ -1964,7 +1964,7 @@
           <a:p>
             <a:fld id="{4E6F5B6F-16CC-4A24-B7E1-C8CC67323470}" type="datetimeFigureOut">
               <a:rPr lang="ko-KR" altLang="en-US" smtClean="0"/>
-              <a:t>2024-07-29</a:t>
+              <a:t>2024-07-30</a:t>
             </a:fld>
             <a:endParaRPr lang="ko-KR" altLang="en-US"/>
           </a:p>
@@ -2077,7 +2077,7 @@
           <a:p>
             <a:fld id="{4E6F5B6F-16CC-4A24-B7E1-C8CC67323470}" type="datetimeFigureOut">
               <a:rPr lang="ko-KR" altLang="en-US" smtClean="0"/>
-              <a:t>2024-07-29</a:t>
+              <a:t>2024-07-30</a:t>
             </a:fld>
             <a:endParaRPr lang="ko-KR" altLang="en-US"/>
           </a:p>
@@ -2388,7 +2388,7 @@
           <a:p>
             <a:fld id="{4E6F5B6F-16CC-4A24-B7E1-C8CC67323470}" type="datetimeFigureOut">
               <a:rPr lang="ko-KR" altLang="en-US" smtClean="0"/>
-              <a:t>2024-07-29</a:t>
+              <a:t>2024-07-30</a:t>
             </a:fld>
             <a:endParaRPr lang="ko-KR" altLang="en-US"/>
           </a:p>
@@ -2676,7 +2676,7 @@
           <a:p>
             <a:fld id="{4E6F5B6F-16CC-4A24-B7E1-C8CC67323470}" type="datetimeFigureOut">
               <a:rPr lang="ko-KR" altLang="en-US" smtClean="0"/>
-              <a:t>2024-07-29</a:t>
+              <a:t>2024-07-30</a:t>
             </a:fld>
             <a:endParaRPr lang="ko-KR" altLang="en-US"/>
           </a:p>
@@ -2917,7 +2917,7 @@
           <a:p>
             <a:fld id="{4E6F5B6F-16CC-4A24-B7E1-C8CC67323470}" type="datetimeFigureOut">
               <a:rPr lang="ko-KR" altLang="en-US" smtClean="0"/>
-              <a:t>2024-07-29</a:t>
+              <a:t>2024-07-30</a:t>
             </a:fld>
             <a:endParaRPr lang="ko-KR" altLang="en-US"/>
           </a:p>
@@ -13518,7 +13518,7 @@
           <a:bodyPr rtlCol="0" anchor="t"/>
           <a:lstStyle/>
           <a:p>
-            <a:endParaRPr lang="en-US" altLang="ko-KR" sz="1400" dirty="0">
+            <a:endParaRPr lang="en-US" altLang="ko-KR" sz="1200" dirty="0">
               <a:solidFill>
                 <a:schemeClr val="accent6">
                   <a:lumMod val="50000"/>
@@ -13528,7 +13528,7 @@
           </a:p>
           <a:p>
             <a:r>
-              <a:rPr lang="en-US" altLang="ko-KR" sz="1400" dirty="0">
+              <a:rPr lang="en-US" altLang="ko-KR" sz="1200" dirty="0">
                 <a:solidFill>
                   <a:schemeClr val="accent6">
                     <a:lumMod val="50000"/>
@@ -13538,7 +13538,7 @@
               <a:t>     </a:t>
             </a:r>
             <a:r>
-              <a:rPr lang="ko-KR" altLang="en-US" sz="1400" dirty="0">
+              <a:rPr lang="ko-KR" altLang="en-US" sz="1200" dirty="0">
                 <a:solidFill>
                   <a:schemeClr val="accent6">
                     <a:lumMod val="50000"/>
@@ -13548,7 +13548,7 @@
               <a:t>공통코드 </a:t>
             </a:r>
             <a:r>
-              <a:rPr lang="en-US" altLang="ko-KR" sz="1400" dirty="0">
+              <a:rPr lang="en-US" altLang="ko-KR" sz="1200" dirty="0">
                 <a:solidFill>
                   <a:schemeClr val="accent6">
                     <a:lumMod val="50000"/>
@@ -13559,7 +13559,74 @@
             </a:r>
           </a:p>
           <a:p>
-            <a:endParaRPr lang="en-US" altLang="ko-KR" sz="1400" dirty="0">
+            <a:r>
+              <a:rPr lang="en-US" altLang="ko-KR" sz="1200" dirty="0">
+                <a:solidFill>
+                  <a:schemeClr val="accent6">
+                    <a:lumMod val="50000"/>
+                  </a:schemeClr>
+                </a:solidFill>
+              </a:rPr>
+              <a:t>   </a:t>
+            </a:r>
+            <a:r>
+              <a:rPr lang="en-US" altLang="ko-KR" sz="1200" dirty="0" err="1">
+                <a:solidFill>
+                  <a:srgbClr val="C00000"/>
+                </a:solidFill>
+              </a:rPr>
+              <a:t>api</a:t>
+            </a:r>
+            <a:r>
+              <a:rPr lang="en-US" altLang="ko-KR" sz="1200" dirty="0">
+                <a:solidFill>
+                  <a:srgbClr val="C00000"/>
+                </a:solidFill>
+              </a:rPr>
+              <a:t> : /comm/</a:t>
+            </a:r>
+            <a:r>
+              <a:rPr lang="en-US" altLang="ko-KR" sz="1200" dirty="0" err="1">
+                <a:solidFill>
+                  <a:srgbClr val="C00000"/>
+                </a:solidFill>
+              </a:rPr>
+              <a:t>codelist</a:t>
+            </a:r>
+            <a:endParaRPr lang="en-US" altLang="ko-KR" sz="1200" dirty="0">
+              <a:solidFill>
+                <a:srgbClr val="C00000"/>
+              </a:solidFill>
+            </a:endParaRPr>
+          </a:p>
+          <a:p>
+            <a:r>
+              <a:rPr lang="en-US" altLang="ko-KR" sz="1200" dirty="0">
+                <a:solidFill>
+                  <a:srgbClr val="C00000"/>
+                </a:solidFill>
+              </a:rPr>
+              <a:t>   { </a:t>
+            </a:r>
+            <a:r>
+              <a:rPr lang="en-US" altLang="ko-KR" sz="1200" dirty="0" err="1">
+                <a:solidFill>
+                  <a:srgbClr val="C00000"/>
+                </a:solidFill>
+              </a:rPr>
+              <a:t>group_id</a:t>
+            </a:r>
+            <a:r>
+              <a:rPr lang="en-US" altLang="ko-KR" sz="1200" dirty="0">
+                <a:solidFill>
+                  <a:srgbClr val="C00000"/>
+                </a:solidFill>
+              </a:rPr>
+              <a:t> : ‘CLASS’ }</a:t>
+            </a:r>
+          </a:p>
+          <a:p>
+            <a:endParaRPr lang="en-US" altLang="ko-KR" sz="1200" dirty="0">
               <a:solidFill>
                 <a:schemeClr val="accent6">
                   <a:lumMod val="50000"/>
@@ -13568,7 +13635,27 @@
             </a:endParaRPr>
           </a:p>
           <a:p>
-            <a:endParaRPr lang="en-US" altLang="ko-KR" sz="1400" dirty="0">
+            <a:r>
+              <a:rPr lang="en-US" altLang="ko-KR" sz="1200" dirty="0">
+                <a:solidFill>
+                  <a:schemeClr val="accent6">
+                    <a:lumMod val="50000"/>
+                  </a:schemeClr>
+                </a:solidFill>
+              </a:rPr>
+              <a:t>      </a:t>
+            </a:r>
+            <a:r>
+              <a:rPr lang="ko-KR" altLang="en-US" sz="1200" dirty="0">
+                <a:solidFill>
+                  <a:schemeClr val="accent6">
+                    <a:lumMod val="50000"/>
+                  </a:schemeClr>
+                </a:solidFill>
+              </a:rPr>
+              <a:t>모델이 선택되면</a:t>
+            </a:r>
+            <a:endParaRPr lang="en-US" altLang="ko-KR" sz="1200" dirty="0">
               <a:solidFill>
                 <a:schemeClr val="accent6">
                   <a:lumMod val="50000"/>
@@ -13578,7 +13665,7 @@
           </a:p>
           <a:p>
             <a:r>
-              <a:rPr lang="en-US" altLang="ko-KR" sz="1400" dirty="0">
+              <a:rPr lang="en-US" altLang="ko-KR" sz="1200" dirty="0">
                 <a:solidFill>
                   <a:schemeClr val="accent6">
                     <a:lumMod val="50000"/>
@@ -13588,16 +13675,16 @@
               <a:t>      </a:t>
             </a:r>
             <a:r>
-              <a:rPr lang="ko-KR" altLang="en-US" sz="1400" dirty="0">
+              <a:rPr lang="ko-KR" altLang="en-US" sz="1200" dirty="0">
                 <a:solidFill>
                   <a:schemeClr val="accent6">
                     <a:lumMod val="50000"/>
                   </a:schemeClr>
                 </a:solidFill>
               </a:rPr>
-              <a:t>모델이 선택되면</a:t>
-            </a:r>
-            <a:endParaRPr lang="en-US" altLang="ko-KR" sz="1400" dirty="0">
+              <a:t>제품 마스터에서</a:t>
+            </a:r>
+            <a:endParaRPr lang="en-US" altLang="ko-KR" sz="1200" dirty="0">
               <a:solidFill>
                 <a:schemeClr val="accent6">
                   <a:lumMod val="50000"/>
@@ -13607,26 +13694,26 @@
           </a:p>
           <a:p>
             <a:r>
-              <a:rPr lang="en-US" altLang="ko-KR" sz="1400" dirty="0">
+              <a:rPr lang="en-US" altLang="ko-KR" sz="1200" dirty="0">
                 <a:solidFill>
                   <a:schemeClr val="accent6">
                     <a:lumMod val="50000"/>
                   </a:schemeClr>
                 </a:solidFill>
               </a:rPr>
-              <a:t>      </a:t>
-            </a:r>
-            <a:r>
-              <a:rPr lang="ko-KR" altLang="en-US" sz="1400" dirty="0">
+              <a:t>      CLASS_ID</a:t>
+            </a:r>
+            <a:r>
+              <a:rPr lang="ko-KR" altLang="en-US" sz="1200" dirty="0">
                 <a:solidFill>
                   <a:schemeClr val="accent6">
                     <a:lumMod val="50000"/>
                   </a:schemeClr>
                 </a:solidFill>
               </a:rPr>
-              <a:t>제품 마스터에서</a:t>
-            </a:r>
-            <a:endParaRPr lang="en-US" altLang="ko-KR" sz="1400" dirty="0">
+              <a:t>가 </a:t>
+            </a:r>
+            <a:endParaRPr lang="en-US" altLang="ko-KR" sz="1200" dirty="0">
               <a:solidFill>
                 <a:schemeClr val="accent6">
                   <a:lumMod val="50000"/>
@@ -13636,26 +13723,46 @@
           </a:p>
           <a:p>
             <a:r>
-              <a:rPr lang="en-US" altLang="ko-KR" sz="1400" dirty="0">
+              <a:rPr lang="en-US" altLang="ko-KR" sz="1200" dirty="0">
                 <a:solidFill>
                   <a:schemeClr val="accent6">
                     <a:lumMod val="50000"/>
                   </a:schemeClr>
                 </a:solidFill>
               </a:rPr>
-              <a:t>      CLASS_ID</a:t>
-            </a:r>
-            <a:r>
-              <a:rPr lang="ko-KR" altLang="en-US" sz="1400" dirty="0">
+              <a:t>      </a:t>
+            </a:r>
+            <a:r>
+              <a:rPr lang="ko-KR" altLang="en-US" sz="1200" dirty="0">
                 <a:solidFill>
                   <a:schemeClr val="accent6">
                     <a:lumMod val="50000"/>
                   </a:schemeClr>
                 </a:solidFill>
               </a:rPr>
-              <a:t>가 </a:t>
-            </a:r>
-            <a:endParaRPr lang="en-US" altLang="ko-KR" sz="1400" dirty="0">
+              <a:t>선택된 모델</a:t>
+            </a:r>
+            <a:r>
+              <a:rPr lang="en-US" altLang="ko-KR" sz="1200" dirty="0">
+                <a:solidFill>
+                  <a:schemeClr val="accent6">
+                    <a:lumMod val="50000"/>
+                  </a:schemeClr>
+                </a:solidFill>
+              </a:rPr>
+              <a:t>ID</a:t>
+            </a:r>
+            <a:r>
+              <a:rPr lang="ko-KR" altLang="en-US" sz="1200" dirty="0">
+                <a:solidFill>
+                  <a:schemeClr val="accent6">
+                    <a:lumMod val="50000"/>
+                  </a:schemeClr>
+                </a:solidFill>
+              </a:rPr>
+              <a:t>인</a:t>
+            </a:r>
+            <a:endParaRPr lang="en-US" altLang="ko-KR" sz="1200" dirty="0">
               <a:solidFill>
                 <a:schemeClr val="accent6">
                   <a:lumMod val="50000"/>
@@ -13665,7 +13772,7 @@
           </a:p>
           <a:p>
             <a:r>
-              <a:rPr lang="en-US" altLang="ko-KR" sz="1400" dirty="0">
+              <a:rPr lang="en-US" altLang="ko-KR" sz="1200" dirty="0">
                 <a:solidFill>
                   <a:schemeClr val="accent6">
                     <a:lumMod val="50000"/>
@@ -13675,46 +13782,95 @@
               <a:t>      </a:t>
             </a:r>
             <a:r>
-              <a:rPr lang="ko-KR" altLang="en-US" sz="1400" dirty="0">
+              <a:rPr lang="ko-KR" altLang="en-US" sz="1200" dirty="0">
                 <a:solidFill>
                   <a:schemeClr val="accent6">
                     <a:lumMod val="50000"/>
                   </a:schemeClr>
                 </a:solidFill>
               </a:rPr>
-              <a:t>선택된 </a:t>
-            </a:r>
-            <a:r>
-              <a:rPr lang="ko-KR" altLang="en-US" sz="1400" dirty="0" err="1">
+              <a:t>목록이 조회된다</a:t>
+            </a:r>
+            <a:r>
+              <a:rPr lang="en-US" altLang="ko-KR" sz="1200" dirty="0">
                 <a:solidFill>
                   <a:schemeClr val="accent6">
                     <a:lumMod val="50000"/>
                   </a:schemeClr>
                 </a:solidFill>
               </a:rPr>
-              <a:t>모데</a:t>
-            </a:r>
-            <a:r>
-              <a:rPr lang="en-US" altLang="ko-KR" sz="1400" dirty="0">
+              <a:t>.</a:t>
+            </a:r>
+          </a:p>
+          <a:p>
+            <a:r>
+              <a:rPr lang="en-US" altLang="ko-KR" sz="1200" dirty="0">
                 <a:solidFill>
                   <a:schemeClr val="accent6">
                     <a:lumMod val="50000"/>
                   </a:schemeClr>
                 </a:solidFill>
               </a:rPr>
-              <a:t>ID</a:t>
-            </a:r>
-            <a:r>
-              <a:rPr lang="ko-KR" altLang="en-US" sz="1400" dirty="0">
-                <a:solidFill>
-                  <a:schemeClr val="accent6">
-                    <a:lumMod val="50000"/>
-                  </a:schemeClr>
-                </a:solidFill>
-              </a:rPr>
-              <a:t>인</a:t>
-            </a:r>
-            <a:endParaRPr lang="en-US" altLang="ko-KR" sz="1400" dirty="0">
+              <a:t>  </a:t>
+            </a:r>
+            <a:r>
+              <a:rPr lang="en-US" altLang="ko-KR" sz="1200" dirty="0" err="1">
+                <a:solidFill>
+                  <a:srgbClr val="C00000"/>
+                </a:solidFill>
+              </a:rPr>
+              <a:t>api</a:t>
+            </a:r>
+            <a:r>
+              <a:rPr lang="en-US" altLang="ko-KR" sz="1200" dirty="0">
+                <a:solidFill>
+                  <a:srgbClr val="C00000"/>
+                </a:solidFill>
+              </a:rPr>
+              <a:t> : /comm/</a:t>
+            </a:r>
+            <a:r>
+              <a:rPr lang="en-US" altLang="ko-KR" sz="1200" dirty="0" err="1">
+                <a:solidFill>
+                  <a:srgbClr val="C00000"/>
+                </a:solidFill>
+              </a:rPr>
+              <a:t>productlist</a:t>
+            </a:r>
+            <a:endParaRPr lang="en-US" altLang="ko-KR" sz="1200" dirty="0">
+              <a:solidFill>
+                <a:srgbClr val="C00000"/>
+              </a:solidFill>
+            </a:endParaRPr>
+          </a:p>
+          <a:p>
+            <a:r>
+              <a:rPr lang="en-US" altLang="ko-KR" sz="1200" dirty="0">
+                <a:solidFill>
+                  <a:srgbClr val="C00000"/>
+                </a:solidFill>
+              </a:rPr>
+              <a:t>  { </a:t>
+            </a:r>
+            <a:r>
+              <a:rPr lang="en-US" altLang="ko-KR" sz="1200" dirty="0" err="1">
+                <a:solidFill>
+                  <a:srgbClr val="C00000"/>
+                </a:solidFill>
+              </a:rPr>
+              <a:t>class_id</a:t>
+            </a:r>
+            <a:r>
+              <a:rPr lang="en-US" altLang="ko-KR" sz="1200" dirty="0">
+                <a:solidFill>
+                  <a:srgbClr val="C00000"/>
+                </a:solidFill>
+              </a:rPr>
+              <a:t> : ? }</a:t>
+            </a:r>
+          </a:p>
+          <a:p>
+            <a:endParaRPr lang="en-US" altLang="ko-KR" sz="1200" dirty="0">
               <a:solidFill>
                 <a:schemeClr val="accent6">
                   <a:lumMod val="50000"/>
@@ -13724,38 +13880,46 @@
           </a:p>
           <a:p>
             <a:r>
-              <a:rPr lang="en-US" altLang="ko-KR" sz="1400" dirty="0">
+              <a:rPr lang="en-US" altLang="ko-KR" sz="1200" dirty="0">
                 <a:solidFill>
                   <a:schemeClr val="accent6">
                     <a:lumMod val="50000"/>
                   </a:schemeClr>
                 </a:solidFill>
               </a:rPr>
-              <a:t>      </a:t>
-            </a:r>
-            <a:r>
-              <a:rPr lang="ko-KR" altLang="en-US" sz="1400" dirty="0">
+              <a:t>      [</a:t>
+            </a:r>
+            <a:r>
+              <a:rPr lang="ko-KR" altLang="en-US" sz="1200" dirty="0">
                 <a:solidFill>
                   <a:schemeClr val="accent6">
                     <a:lumMod val="50000"/>
                   </a:schemeClr>
                 </a:solidFill>
               </a:rPr>
-              <a:t>목록이 조회된다</a:t>
-            </a:r>
-            <a:r>
-              <a:rPr lang="en-US" altLang="ko-KR" sz="1400" dirty="0">
+              <a:t>읽기전용</a:t>
+            </a:r>
+            <a:r>
+              <a:rPr lang="en-US" altLang="ko-KR" sz="1200" dirty="0">
                 <a:solidFill>
                   <a:schemeClr val="accent6">
                     <a:lumMod val="50000"/>
                   </a:schemeClr>
                 </a:solidFill>
               </a:rPr>
-              <a:t>.</a:t>
-            </a:r>
-          </a:p>
-          <a:p>
-            <a:endParaRPr lang="en-US" altLang="ko-KR" sz="1400" dirty="0">
+              <a:t>]</a:t>
+            </a:r>
+            <a:r>
+              <a:rPr lang="ko-KR" altLang="en-US" sz="1200" dirty="0">
+                <a:solidFill>
+                  <a:schemeClr val="accent6">
+                    <a:lumMod val="50000"/>
+                  </a:schemeClr>
+                </a:solidFill>
+              </a:rPr>
+              <a:t> </a:t>
+            </a:r>
+            <a:endParaRPr lang="en-US" altLang="ko-KR" sz="1200" dirty="0">
               <a:solidFill>
                 <a:schemeClr val="accent6">
                   <a:lumMod val="50000"/>
@@ -13765,46 +13929,46 @@
           </a:p>
           <a:p>
             <a:r>
-              <a:rPr lang="en-US" altLang="ko-KR" sz="1400" dirty="0">
+              <a:rPr lang="en-US" altLang="ko-KR" sz="1200" dirty="0">
                 <a:solidFill>
                   <a:schemeClr val="accent6">
                     <a:lumMod val="50000"/>
                   </a:schemeClr>
                 </a:solidFill>
               </a:rPr>
-              <a:t>      [</a:t>
-            </a:r>
-            <a:r>
-              <a:rPr lang="ko-KR" altLang="en-US" sz="1400" dirty="0">
+              <a:t>      </a:t>
+            </a:r>
+            <a:r>
+              <a:rPr lang="ko-KR" altLang="en-US" sz="1200" dirty="0">
                 <a:solidFill>
                   <a:schemeClr val="accent6">
                     <a:lumMod val="50000"/>
                   </a:schemeClr>
                 </a:solidFill>
               </a:rPr>
-              <a:t>읽기전용</a:t>
-            </a:r>
-            <a:r>
-              <a:rPr lang="en-US" altLang="ko-KR" sz="1400" dirty="0">
+              <a:t>제품</a:t>
+            </a:r>
+            <a:r>
+              <a:rPr lang="en-US" altLang="ko-KR" sz="1200" dirty="0">
                 <a:solidFill>
                   <a:schemeClr val="accent6">
                     <a:lumMod val="50000"/>
                   </a:schemeClr>
                 </a:solidFill>
               </a:rPr>
-              <a:t>]</a:t>
-            </a:r>
-            <a:r>
-              <a:rPr lang="ko-KR" altLang="en-US" sz="1400" dirty="0">
+              <a:t>ID</a:t>
+            </a:r>
+            <a:r>
+              <a:rPr lang="ko-KR" altLang="en-US" sz="1200" dirty="0">
                 <a:solidFill>
                   <a:schemeClr val="accent6">
                     <a:lumMod val="50000"/>
                   </a:schemeClr>
                 </a:solidFill>
               </a:rPr>
-              <a:t> </a:t>
-            </a:r>
-            <a:endParaRPr lang="en-US" altLang="ko-KR" sz="1400" dirty="0">
+              <a:t>가 선택되면</a:t>
+            </a:r>
+            <a:endParaRPr lang="en-US" altLang="ko-KR" sz="1200" dirty="0">
               <a:solidFill>
                 <a:schemeClr val="accent6">
                   <a:lumMod val="50000"/>
@@ -13814,46 +13978,16 @@
           </a:p>
           <a:p>
             <a:r>
-              <a:rPr lang="en-US" altLang="ko-KR" sz="1400" dirty="0">
+              <a:rPr lang="ko-KR" altLang="en-US" sz="1200" dirty="0">
                 <a:solidFill>
                   <a:schemeClr val="accent6">
                     <a:lumMod val="50000"/>
                   </a:schemeClr>
                 </a:solidFill>
               </a:rPr>
-              <a:t>      </a:t>
-            </a:r>
-            <a:r>
-              <a:rPr lang="ko-KR" altLang="en-US" sz="1400" dirty="0">
-                <a:solidFill>
-                  <a:schemeClr val="accent6">
-                    <a:lumMod val="50000"/>
-                  </a:schemeClr>
-                </a:solidFill>
-              </a:rPr>
-              <a:t>제품</a:t>
-            </a:r>
-            <a:r>
-              <a:rPr lang="en-US" altLang="ko-KR" sz="1400" dirty="0">
-                <a:solidFill>
-                  <a:schemeClr val="accent6">
-                    <a:lumMod val="50000"/>
-                  </a:schemeClr>
-                </a:solidFill>
-              </a:rPr>
-              <a:t>ID</a:t>
-            </a:r>
-            <a:r>
-              <a:rPr lang="ko-KR" altLang="en-US" sz="1400" dirty="0">
-                <a:solidFill>
-                  <a:schemeClr val="accent6">
-                    <a:lumMod val="50000"/>
-                  </a:schemeClr>
-                </a:solidFill>
-              </a:rPr>
-              <a:t>가 선택되면</a:t>
-            </a:r>
-            <a:endParaRPr lang="en-US" altLang="ko-KR" sz="1400" dirty="0">
+              <a:t>      자동으로 이름이 </a:t>
+            </a:r>
+            <a:endParaRPr lang="en-US" altLang="ko-KR" sz="1200" dirty="0">
               <a:solidFill>
                 <a:schemeClr val="accent6">
                   <a:lumMod val="50000"/>
@@ -13863,16 +13997,38 @@
           </a:p>
           <a:p>
             <a:r>
-              <a:rPr lang="ko-KR" altLang="en-US" sz="1400" dirty="0">
+              <a:rPr lang="en-US" altLang="ko-KR" sz="1200" dirty="0">
                 <a:solidFill>
                   <a:schemeClr val="accent6">
                     <a:lumMod val="50000"/>
                   </a:schemeClr>
                 </a:solidFill>
               </a:rPr>
-              <a:t>      자동으로 이름이 </a:t>
-            </a:r>
-            <a:endParaRPr lang="en-US" altLang="ko-KR" sz="1400" dirty="0">
+              <a:t>      </a:t>
+            </a:r>
+            <a:r>
+              <a:rPr lang="ko-KR" altLang="en-US" sz="1200" dirty="0">
+                <a:solidFill>
+                  <a:schemeClr val="accent6">
+                    <a:lumMod val="50000"/>
+                  </a:schemeClr>
+                </a:solidFill>
+              </a:rPr>
+              <a:t>표시된다</a:t>
+            </a:r>
+            <a:r>
+              <a:rPr lang="en-US" altLang="ko-KR" sz="1200" dirty="0">
+                <a:solidFill>
+                  <a:schemeClr val="accent6">
+                    <a:lumMod val="50000"/>
+                  </a:schemeClr>
+                </a:solidFill>
+              </a:rPr>
+              <a:t>.</a:t>
+            </a:r>
+          </a:p>
+          <a:p>
+            <a:endParaRPr lang="en-US" altLang="ko-KR" sz="1200" dirty="0">
               <a:solidFill>
                 <a:schemeClr val="accent6">
                   <a:lumMod val="50000"/>
@@ -13881,39 +14037,7 @@
             </a:endParaRPr>
           </a:p>
           <a:p>
-            <a:r>
-              <a:rPr lang="en-US" altLang="ko-KR" sz="1400" dirty="0">
-                <a:solidFill>
-                  <a:schemeClr val="accent6">
-                    <a:lumMod val="50000"/>
-                  </a:schemeClr>
-                </a:solidFill>
-              </a:rPr>
-              <a:t>      </a:t>
-            </a:r>
-            <a:r>
-              <a:rPr lang="ko-KR" altLang="en-US" sz="1400" dirty="0">
-                <a:solidFill>
-                  <a:schemeClr val="accent6">
-                    <a:lumMod val="50000"/>
-                  </a:schemeClr>
-                </a:solidFill>
-              </a:rPr>
-              <a:t>표시된다</a:t>
-            </a:r>
-            <a:r>
-              <a:rPr lang="en-US" altLang="ko-KR" sz="1400" dirty="0">
-                <a:solidFill>
-                  <a:schemeClr val="accent6">
-                    <a:lumMod val="50000"/>
-                  </a:schemeClr>
-                </a:solidFill>
-              </a:rPr>
-              <a:t>.</a:t>
-            </a:r>
-          </a:p>
-          <a:p>
-            <a:endParaRPr lang="en-US" altLang="ko-KR" sz="1400" dirty="0">
+            <a:endParaRPr lang="en-US" altLang="ko-KR" sz="1200" dirty="0">
               <a:solidFill>
                 <a:schemeClr val="accent6">
                   <a:lumMod val="50000"/>
@@ -13922,7 +14046,47 @@
             </a:endParaRPr>
           </a:p>
           <a:p>
-            <a:endParaRPr lang="en-US" altLang="ko-KR" sz="1400" dirty="0">
+            <a:r>
+              <a:rPr lang="en-US" altLang="ko-KR" sz="1200" dirty="0">
+                <a:solidFill>
+                  <a:schemeClr val="accent6">
+                    <a:lumMod val="50000"/>
+                  </a:schemeClr>
+                </a:solidFill>
+              </a:rPr>
+              <a:t>      </a:t>
+            </a:r>
+            <a:r>
+              <a:rPr lang="ko-KR" altLang="en-US" sz="1200" dirty="0">
+                <a:solidFill>
+                  <a:schemeClr val="accent6">
+                    <a:lumMod val="50000"/>
+                  </a:schemeClr>
+                </a:solidFill>
+              </a:rPr>
+              <a:t>제품 </a:t>
+            </a:r>
+            <a:r>
+              <a:rPr lang="en-US" altLang="ko-KR" sz="1200" dirty="0">
+                <a:solidFill>
+                  <a:schemeClr val="accent6">
+                    <a:lumMod val="50000"/>
+                  </a:schemeClr>
+                </a:solidFill>
+              </a:rPr>
+              <a:t>ID</a:t>
+            </a:r>
+            <a:r>
+              <a:rPr lang="ko-KR" altLang="en-US" sz="1200" dirty="0">
+                <a:solidFill>
+                  <a:schemeClr val="accent6">
+                    <a:lumMod val="50000"/>
+                  </a:schemeClr>
+                </a:solidFill>
+              </a:rPr>
+              <a:t>가 선택되면</a:t>
+            </a:r>
+            <a:endParaRPr lang="en-US" altLang="ko-KR" sz="1200" dirty="0">
               <a:solidFill>
                 <a:schemeClr val="accent6">
                   <a:lumMod val="50000"/>
@@ -13932,7 +14096,7 @@
           </a:p>
           <a:p>
             <a:r>
-              <a:rPr lang="en-US" altLang="ko-KR" sz="1400" dirty="0">
+              <a:rPr lang="en-US" altLang="ko-KR" sz="1200" dirty="0">
                 <a:solidFill>
                   <a:schemeClr val="accent6">
                     <a:lumMod val="50000"/>
@@ -13942,36 +14106,16 @@
               <a:t>      </a:t>
             </a:r>
             <a:r>
-              <a:rPr lang="ko-KR" altLang="en-US" sz="1400" dirty="0">
+              <a:rPr lang="ko-KR" altLang="en-US" sz="1200" dirty="0">
                 <a:solidFill>
                   <a:schemeClr val="accent6">
                     <a:lumMod val="50000"/>
                   </a:schemeClr>
                 </a:solidFill>
               </a:rPr>
-              <a:t>제품 </a:t>
-            </a:r>
-            <a:r>
-              <a:rPr lang="en-US" altLang="ko-KR" sz="1400" dirty="0">
-                <a:solidFill>
-                  <a:schemeClr val="accent6">
-                    <a:lumMod val="50000"/>
-                  </a:schemeClr>
-                </a:solidFill>
-              </a:rPr>
-              <a:t>ID</a:t>
-            </a:r>
-            <a:r>
-              <a:rPr lang="ko-KR" altLang="en-US" sz="1400" dirty="0">
-                <a:solidFill>
-                  <a:schemeClr val="accent6">
-                    <a:lumMod val="50000"/>
-                  </a:schemeClr>
-                </a:solidFill>
-              </a:rPr>
-              <a:t>가 선택되면</a:t>
-            </a:r>
-            <a:endParaRPr lang="en-US" altLang="ko-KR" sz="1400" dirty="0">
+              <a:t>자동으로 이미지가</a:t>
+            </a:r>
+            <a:endParaRPr lang="en-US" altLang="ko-KR" sz="1200" dirty="0">
               <a:solidFill>
                 <a:schemeClr val="accent6">
                   <a:lumMod val="50000"/>
@@ -13981,7 +14125,7 @@
           </a:p>
           <a:p>
             <a:r>
-              <a:rPr lang="en-US" altLang="ko-KR" sz="1400" dirty="0">
+              <a:rPr lang="en-US" altLang="ko-KR" sz="1200" dirty="0">
                 <a:solidFill>
                   <a:schemeClr val="accent6">
                     <a:lumMod val="50000"/>
@@ -13991,16 +14135,28 @@
               <a:t>      </a:t>
             </a:r>
             <a:r>
-              <a:rPr lang="ko-KR" altLang="en-US" sz="1400" dirty="0">
+              <a:rPr lang="ko-KR" altLang="en-US" sz="1200" dirty="0">
                 <a:solidFill>
                   <a:schemeClr val="accent6">
                     <a:lumMod val="50000"/>
                   </a:schemeClr>
                 </a:solidFill>
               </a:rPr>
-              <a:t>자동으로 이미지가</a:t>
-            </a:r>
-            <a:endParaRPr lang="en-US" altLang="ko-KR" sz="1400" dirty="0">
+              <a:t>표시된다</a:t>
+            </a:r>
+            <a:r>
+              <a:rPr lang="en-US" altLang="ko-KR" sz="1200" dirty="0">
+                <a:solidFill>
+                  <a:schemeClr val="accent6">
+                    <a:lumMod val="50000"/>
+                  </a:schemeClr>
+                </a:solidFill>
+              </a:rPr>
+              <a:t>.</a:t>
+            </a:r>
+          </a:p>
+          <a:p>
+            <a:endParaRPr lang="en-US" altLang="ko-KR" sz="1200" b="1" dirty="0">
               <a:solidFill>
                 <a:schemeClr val="accent6">
                   <a:lumMod val="50000"/>
@@ -14010,38 +14166,26 @@
           </a:p>
           <a:p>
             <a:r>
-              <a:rPr lang="en-US" altLang="ko-KR" sz="1400" dirty="0">
+              <a:rPr lang="ko-KR" altLang="en-US" sz="1200" b="1" dirty="0">
                 <a:solidFill>
                   <a:schemeClr val="accent6">
                     <a:lumMod val="50000"/>
                   </a:schemeClr>
                 </a:solidFill>
               </a:rPr>
-              <a:t>      </a:t>
-            </a:r>
-            <a:r>
-              <a:rPr lang="ko-KR" altLang="en-US" sz="1400" dirty="0">
+              <a:t>상품삭제</a:t>
+            </a:r>
+            <a:r>
+              <a:rPr lang="ko-KR" altLang="en-US" sz="1200" dirty="0">
                 <a:solidFill>
                   <a:schemeClr val="accent6">
                     <a:lumMod val="50000"/>
                   </a:schemeClr>
                 </a:solidFill>
               </a:rPr>
-              <a:t>표시된다</a:t>
-            </a:r>
-            <a:r>
-              <a:rPr lang="en-US" altLang="ko-KR" sz="1400" dirty="0">
-                <a:solidFill>
-                  <a:schemeClr val="accent6">
-                    <a:lumMod val="50000"/>
-                  </a:schemeClr>
-                </a:solidFill>
-              </a:rPr>
-              <a:t>.</a:t>
-            </a:r>
-          </a:p>
-          <a:p>
-            <a:endParaRPr lang="en-US" altLang="ko-KR" sz="1400" dirty="0">
+              <a:t> </a:t>
+            </a:r>
+            <a:endParaRPr lang="en-US" altLang="ko-KR" sz="1200" dirty="0">
               <a:solidFill>
                 <a:schemeClr val="accent6">
                   <a:lumMod val="50000"/>
@@ -14051,75 +14195,46 @@
           </a:p>
           <a:p>
             <a:r>
-              <a:rPr lang="ko-KR" altLang="en-US" sz="1400" b="1" dirty="0">
+              <a:rPr lang="en-US" altLang="ko-KR" sz="1200" dirty="0">
                 <a:solidFill>
                   <a:schemeClr val="accent6">
                     <a:lumMod val="50000"/>
                   </a:schemeClr>
                 </a:solidFill>
               </a:rPr>
-              <a:t>상품삭제</a:t>
-            </a:r>
-            <a:r>
-              <a:rPr lang="ko-KR" altLang="en-US" sz="1400" dirty="0">
+              <a:t> - </a:t>
+            </a:r>
+            <a:r>
+              <a:rPr lang="ko-KR" altLang="en-US" sz="1200" dirty="0">
                 <a:solidFill>
                   <a:schemeClr val="accent6">
                     <a:lumMod val="50000"/>
                   </a:schemeClr>
                 </a:solidFill>
               </a:rPr>
-              <a:t> </a:t>
-            </a:r>
-            <a:endParaRPr lang="en-US" altLang="ko-KR" sz="1400" dirty="0">
-              <a:solidFill>
-                <a:schemeClr val="accent6">
-                  <a:lumMod val="50000"/>
-                </a:schemeClr>
-              </a:solidFill>
-            </a:endParaRPr>
-          </a:p>
-          <a:p>
-            <a:r>
-              <a:rPr lang="en-US" altLang="ko-KR" sz="1400" dirty="0">
+              <a:t>삭제할 상품의 개수만큼 가장 최근에 등록된 상품부터 역순으로 </a:t>
+            </a:r>
+            <a:r>
+              <a:rPr lang="ko-KR" altLang="en-US" sz="1200" dirty="0" err="1">
                 <a:solidFill>
                   <a:schemeClr val="accent6">
                     <a:lumMod val="50000"/>
                   </a:schemeClr>
                 </a:solidFill>
               </a:rPr>
-              <a:t> - </a:t>
-            </a:r>
-            <a:r>
-              <a:rPr lang="ko-KR" altLang="en-US" sz="1400" dirty="0">
+              <a:t>폐기처분된다</a:t>
+            </a:r>
+            <a:r>
+              <a:rPr lang="en-US" altLang="ko-KR" sz="1200" dirty="0">
                 <a:solidFill>
                   <a:schemeClr val="accent6">
                     <a:lumMod val="50000"/>
                   </a:schemeClr>
                 </a:solidFill>
               </a:rPr>
-              <a:t>삭제할 상품의 개수만큼 가장 최근에 등록된 상품부터 역순으로 </a:t>
-            </a:r>
-            <a:r>
-              <a:rPr lang="ko-KR" altLang="en-US" sz="1400" dirty="0" err="1">
-                <a:solidFill>
-                  <a:schemeClr val="accent6">
-                    <a:lumMod val="50000"/>
-                  </a:schemeClr>
-                </a:solidFill>
-              </a:rPr>
-              <a:t>폐기처분된다</a:t>
-            </a:r>
-            <a:r>
-              <a:rPr lang="en-US" altLang="ko-KR" sz="1400" dirty="0">
-                <a:solidFill>
-                  <a:schemeClr val="accent6">
-                    <a:lumMod val="50000"/>
-                  </a:schemeClr>
-                </a:solidFill>
-              </a:rPr>
               <a:t>.</a:t>
             </a:r>
-            <a:endParaRPr lang="ko-KR" altLang="en-US" sz="1400" dirty="0">
+            <a:endParaRPr lang="ko-KR" altLang="en-US" sz="1200" dirty="0">
               <a:solidFill>
                 <a:schemeClr val="accent6">
                   <a:lumMod val="50000"/>
@@ -15095,7 +15210,7 @@
         </p:nvSpPr>
         <p:spPr>
           <a:xfrm>
-            <a:off x="9548324" y="1006776"/>
+            <a:off x="9548323" y="938640"/>
             <a:ext cx="275643" cy="285375"/>
           </a:xfrm>
           <a:prstGeom prst="ellipse">
@@ -15280,7 +15395,7 @@
         </p:nvSpPr>
         <p:spPr>
           <a:xfrm>
-            <a:off x="9548324" y="3048934"/>
+            <a:off x="9548323" y="3226746"/>
             <a:ext cx="275643" cy="285375"/>
           </a:xfrm>
           <a:prstGeom prst="ellipse">
@@ -15420,7 +15535,7 @@
         </p:nvSpPr>
         <p:spPr>
           <a:xfrm>
-            <a:off x="9548323" y="4234577"/>
+            <a:off x="9548323" y="4321164"/>
             <a:ext cx="275643" cy="285375"/>
           </a:xfrm>
           <a:prstGeom prst="ellipse">
@@ -15605,7 +15720,7 @@
         </p:nvSpPr>
         <p:spPr>
           <a:xfrm>
-            <a:off x="9551763" y="1725866"/>
+            <a:off x="9548323" y="1742861"/>
             <a:ext cx="275643" cy="285375"/>
           </a:xfrm>
           <a:prstGeom prst="ellipse">

--- a/설계/01. 화면정의서/ESupply_화면정의서.pptx
+++ b/설계/01. 화면정의서/ESupply_화면정의서.pptx
@@ -11426,24 +11426,71 @@
             </a:r>
           </a:p>
           <a:p>
+            <a:r>
+              <a:rPr lang="en-US" altLang="ko-KR" sz="1400" dirty="0">
+                <a:solidFill>
+                  <a:schemeClr val="accent6">
+                    <a:lumMod val="50000"/>
+                  </a:schemeClr>
+                </a:solidFill>
+              </a:rPr>
+              <a:t>   </a:t>
+            </a:r>
+            <a:r>
+              <a:rPr lang="en-US" altLang="ko-KR" sz="1400" dirty="0" err="1">
+                <a:solidFill>
+                  <a:srgbClr val="C00000"/>
+                </a:solidFill>
+              </a:rPr>
+              <a:t>api</a:t>
+            </a:r>
+            <a:r>
+              <a:rPr lang="en-US" altLang="ko-KR" sz="1400" dirty="0">
+                <a:solidFill>
+                  <a:srgbClr val="C00000"/>
+                </a:solidFill>
+              </a:rPr>
+              <a:t> : /comm/</a:t>
+            </a:r>
+            <a:r>
+              <a:rPr lang="en-US" altLang="ko-KR" sz="1400" dirty="0" err="1">
+                <a:solidFill>
+                  <a:srgbClr val="C00000"/>
+                </a:solidFill>
+              </a:rPr>
+              <a:t>codelist</a:t>
+            </a:r>
             <a:endParaRPr lang="en-US" altLang="ko-KR" sz="1400" dirty="0">
               <a:solidFill>
-                <a:schemeClr val="accent6">
-                  <a:lumMod val="50000"/>
-                </a:schemeClr>
+                <a:srgbClr val="C00000"/>
               </a:solidFill>
             </a:endParaRPr>
           </a:p>
           <a:p>
-            <a:endParaRPr lang="en-US" altLang="ko-KR" sz="1400" dirty="0">
-              <a:solidFill>
-                <a:schemeClr val="accent6">
-                  <a:lumMod val="50000"/>
-                </a:schemeClr>
-              </a:solidFill>
-            </a:endParaRPr>
-          </a:p>
-          <a:p>
+            <a:r>
+              <a:rPr lang="en-US" altLang="ko-KR" sz="1400" dirty="0">
+                <a:solidFill>
+                  <a:srgbClr val="C00000"/>
+                </a:solidFill>
+              </a:rPr>
+              <a:t>   { </a:t>
+            </a:r>
+            <a:r>
+              <a:rPr lang="en-US" altLang="ko-KR" sz="1400" dirty="0" err="1">
+                <a:solidFill>
+                  <a:srgbClr val="C00000"/>
+                </a:solidFill>
+              </a:rPr>
+              <a:t>group_id</a:t>
+            </a:r>
+            <a:r>
+              <a:rPr lang="en-US" altLang="ko-KR" sz="1400" dirty="0">
+                <a:solidFill>
+                  <a:srgbClr val="C00000"/>
+                </a:solidFill>
+              </a:rPr>
+              <a:t> : ‘CLASS’ }</a:t>
+            </a:r>
             <a:endParaRPr lang="en-US" altLang="ko-KR" sz="1400" dirty="0">
               <a:solidFill>
                 <a:schemeClr val="accent6">

--- a/설계/01. 화면정의서/ESupply_화면정의서.pptx
+++ b/설계/01. 화면정의서/ESupply_화면정의서.pptx
@@ -14,6 +14,7 @@
     <p:sldId id="261" r:id="rId8"/>
     <p:sldId id="264" r:id="rId9"/>
     <p:sldId id="265" r:id="rId10"/>
+    <p:sldId id="267" r:id="rId11"/>
   </p:sldIdLst>
   <p:sldSz cx="12192000" cy="6858000"/>
   <p:notesSz cx="6858000" cy="9144000"/>
@@ -3404,6 +3405,3108 @@
 </p:sld>
 </file>
 
+<file path=ppt/slides/slide10.xml><?xml version="1.0" encoding="utf-8"?>
+<p:sld xmlns:a="http://schemas.openxmlformats.org/drawingml/2006/main" xmlns:r="http://schemas.openxmlformats.org/officeDocument/2006/relationships" xmlns:p="http://schemas.openxmlformats.org/presentationml/2006/main">
+  <p:cSld>
+    <p:spTree>
+      <p:nvGrpSpPr>
+        <p:cNvPr id="1" name=""/>
+        <p:cNvGrpSpPr/>
+        <p:nvPr/>
+      </p:nvGrpSpPr>
+      <p:grpSpPr>
+        <a:xfrm>
+          <a:off x="0" y="0"/>
+          <a:ext cx="0" cy="0"/>
+          <a:chOff x="0" y="0"/>
+          <a:chExt cx="0" cy="0"/>
+        </a:xfrm>
+      </p:grpSpPr>
+      <p:sp>
+        <p:nvSpPr>
+          <p:cNvPr id="4" name="직사각형 3">
+            <a:extLst>
+              <a:ext uri="{FF2B5EF4-FFF2-40B4-BE49-F238E27FC236}">
+                <a16:creationId xmlns:a16="http://schemas.microsoft.com/office/drawing/2014/main" id="{C3E412EF-01B8-41AD-A5A9-27B89C152C07}"/>
+              </a:ext>
+            </a:extLst>
+          </p:cNvPr>
+          <p:cNvSpPr/>
+          <p:nvPr/>
+        </p:nvSpPr>
+        <p:spPr>
+          <a:xfrm>
+            <a:off x="533400" y="787400"/>
+            <a:ext cx="8940799" cy="5588000"/>
+          </a:xfrm>
+          <a:prstGeom prst="rect">
+            <a:avLst/>
+          </a:prstGeom>
+          <a:noFill/>
+        </p:spPr>
+        <p:style>
+          <a:lnRef idx="2">
+            <a:schemeClr val="accent1">
+              <a:shade val="50000"/>
+            </a:schemeClr>
+          </a:lnRef>
+          <a:fillRef idx="1">
+            <a:schemeClr val="accent1"/>
+          </a:fillRef>
+          <a:effectRef idx="0">
+            <a:schemeClr val="accent1"/>
+          </a:effectRef>
+          <a:fontRef idx="minor">
+            <a:schemeClr val="lt1"/>
+          </a:fontRef>
+        </p:style>
+        <p:txBody>
+          <a:bodyPr rtlCol="0" anchor="ctr"/>
+          <a:lstStyle/>
+          <a:p>
+            <a:pPr algn="ctr"/>
+            <a:endParaRPr lang="ko-KR" altLang="en-US"/>
+          </a:p>
+        </p:txBody>
+      </p:sp>
+      <p:sp>
+        <p:nvSpPr>
+          <p:cNvPr id="5" name="직사각형 4">
+            <a:extLst>
+              <a:ext uri="{FF2B5EF4-FFF2-40B4-BE49-F238E27FC236}">
+                <a16:creationId xmlns:a16="http://schemas.microsoft.com/office/drawing/2014/main" id="{0656F505-3BCB-4EE8-8C6B-48706D80A479}"/>
+              </a:ext>
+            </a:extLst>
+          </p:cNvPr>
+          <p:cNvSpPr/>
+          <p:nvPr/>
+        </p:nvSpPr>
+        <p:spPr>
+          <a:xfrm>
+            <a:off x="9474199" y="787400"/>
+            <a:ext cx="2269068" cy="5588000"/>
+          </a:xfrm>
+          <a:prstGeom prst="rect">
+            <a:avLst/>
+          </a:prstGeom>
+          <a:noFill/>
+        </p:spPr>
+        <p:style>
+          <a:lnRef idx="2">
+            <a:schemeClr val="accent1">
+              <a:shade val="50000"/>
+            </a:schemeClr>
+          </a:lnRef>
+          <a:fillRef idx="1">
+            <a:schemeClr val="accent1"/>
+          </a:fillRef>
+          <a:effectRef idx="0">
+            <a:schemeClr val="accent1"/>
+          </a:effectRef>
+          <a:fontRef idx="minor">
+            <a:schemeClr val="lt1"/>
+          </a:fontRef>
+        </p:style>
+        <p:txBody>
+          <a:bodyPr rtlCol="0" anchor="t"/>
+          <a:lstStyle/>
+          <a:p>
+            <a:endParaRPr lang="en-US" altLang="ko-KR" sz="1200" dirty="0">
+              <a:solidFill>
+                <a:schemeClr val="accent6">
+                  <a:lumMod val="50000"/>
+                </a:schemeClr>
+              </a:solidFill>
+            </a:endParaRPr>
+          </a:p>
+          <a:p>
+            <a:r>
+              <a:rPr lang="en-US" altLang="ko-KR" sz="1200" dirty="0">
+                <a:solidFill>
+                  <a:schemeClr val="accent6">
+                    <a:lumMod val="50000"/>
+                  </a:schemeClr>
+                </a:solidFill>
+              </a:rPr>
+              <a:t>      </a:t>
+            </a:r>
+            <a:r>
+              <a:rPr lang="ko-KR" altLang="en-US" sz="1200" dirty="0">
+                <a:solidFill>
+                  <a:schemeClr val="accent6">
+                    <a:lumMod val="50000"/>
+                  </a:schemeClr>
+                </a:solidFill>
+              </a:rPr>
+              <a:t>검색 옵션 </a:t>
+            </a:r>
+            <a:br>
+              <a:rPr lang="en-US" altLang="ko-KR" sz="1200" dirty="0">
+                <a:solidFill>
+                  <a:schemeClr val="accent6">
+                    <a:lumMod val="50000"/>
+                  </a:schemeClr>
+                </a:solidFill>
+              </a:rPr>
+            </a:br>
+            <a:r>
+              <a:rPr lang="en-US" altLang="ko-KR" sz="1200" dirty="0">
+                <a:solidFill>
+                  <a:schemeClr val="accent6">
+                    <a:lumMod val="50000"/>
+                  </a:schemeClr>
+                </a:solidFill>
+              </a:rPr>
+              <a:t>    [1] </a:t>
+            </a:r>
+            <a:r>
+              <a:rPr lang="ko-KR" altLang="en-US" sz="1200" dirty="0">
+                <a:solidFill>
+                  <a:schemeClr val="accent6">
+                    <a:lumMod val="50000"/>
+                  </a:schemeClr>
+                </a:solidFill>
+              </a:rPr>
+              <a:t>제품명</a:t>
+            </a:r>
+            <a:r>
+              <a:rPr lang="en-US" altLang="ko-KR" sz="1200" dirty="0">
+                <a:solidFill>
+                  <a:schemeClr val="accent6">
+                    <a:lumMod val="50000"/>
+                  </a:schemeClr>
+                </a:solidFill>
+              </a:rPr>
+              <a:t>, [2] </a:t>
+            </a:r>
+            <a:r>
+              <a:rPr lang="ko-KR" altLang="en-US" sz="1200" dirty="0">
+                <a:solidFill>
+                  <a:schemeClr val="accent6">
+                    <a:lumMod val="50000"/>
+                  </a:schemeClr>
+                </a:solidFill>
+              </a:rPr>
+              <a:t>제조일시</a:t>
+            </a:r>
+            <a:r>
+              <a:rPr lang="en-US" altLang="ko-KR" sz="1200" dirty="0">
+                <a:solidFill>
+                  <a:schemeClr val="accent6">
+                    <a:lumMod val="50000"/>
+                  </a:schemeClr>
+                </a:solidFill>
+              </a:rPr>
+              <a:t>, </a:t>
+            </a:r>
+          </a:p>
+          <a:p>
+            <a:r>
+              <a:rPr lang="en-US" altLang="ko-KR" sz="1200" dirty="0">
+                <a:solidFill>
+                  <a:schemeClr val="accent6">
+                    <a:lumMod val="50000"/>
+                  </a:schemeClr>
+                </a:solidFill>
+              </a:rPr>
+              <a:t>    [3] </a:t>
+            </a:r>
+            <a:r>
+              <a:rPr lang="ko-KR" altLang="en-US" sz="1200" dirty="0">
+                <a:solidFill>
+                  <a:schemeClr val="accent6">
+                    <a:lumMod val="50000"/>
+                  </a:schemeClr>
+                </a:solidFill>
+              </a:rPr>
+              <a:t>제조라인</a:t>
+            </a:r>
+            <a:r>
+              <a:rPr lang="en-US" altLang="ko-KR" sz="1200" dirty="0">
+                <a:solidFill>
+                  <a:schemeClr val="accent6">
+                    <a:lumMod val="50000"/>
+                  </a:schemeClr>
+                </a:solidFill>
+              </a:rPr>
+              <a:t>, [4] </a:t>
+            </a:r>
+            <a:r>
+              <a:rPr lang="ko-KR" altLang="en-US" sz="1200" dirty="0">
+                <a:solidFill>
+                  <a:schemeClr val="accent6">
+                    <a:lumMod val="50000"/>
+                  </a:schemeClr>
+                </a:solidFill>
+              </a:rPr>
+              <a:t>일련번호</a:t>
+            </a:r>
+            <a:endParaRPr lang="en-US" altLang="ko-KR" sz="1200" dirty="0">
+              <a:solidFill>
+                <a:schemeClr val="accent6">
+                  <a:lumMod val="50000"/>
+                </a:schemeClr>
+              </a:solidFill>
+            </a:endParaRPr>
+          </a:p>
+          <a:p>
+            <a:endParaRPr lang="en-US" altLang="ko-KR" sz="1200" dirty="0">
+              <a:solidFill>
+                <a:schemeClr val="accent6">
+                  <a:lumMod val="50000"/>
+                </a:schemeClr>
+              </a:solidFill>
+            </a:endParaRPr>
+          </a:p>
+          <a:p>
+            <a:endParaRPr lang="en-US" altLang="ko-KR" sz="1200" dirty="0">
+              <a:solidFill>
+                <a:schemeClr val="accent6">
+                  <a:lumMod val="50000"/>
+                </a:schemeClr>
+              </a:solidFill>
+            </a:endParaRPr>
+          </a:p>
+          <a:p>
+            <a:r>
+              <a:rPr lang="en-US" altLang="ko-KR" sz="1200" dirty="0">
+                <a:solidFill>
+                  <a:schemeClr val="accent6">
+                    <a:lumMod val="50000"/>
+                  </a:schemeClr>
+                </a:solidFill>
+              </a:rPr>
+              <a:t>      </a:t>
+            </a:r>
+            <a:r>
+              <a:rPr lang="ko-KR" altLang="en-US" sz="1200" dirty="0">
+                <a:solidFill>
+                  <a:schemeClr val="accent6">
+                    <a:lumMod val="50000"/>
+                  </a:schemeClr>
+                </a:solidFill>
+              </a:rPr>
+              <a:t>해당 제품상세보기 화면</a:t>
+            </a:r>
+            <a:endParaRPr lang="en-US" altLang="ko-KR" sz="1200" dirty="0">
+              <a:solidFill>
+                <a:schemeClr val="accent6">
+                  <a:lumMod val="50000"/>
+                </a:schemeClr>
+              </a:solidFill>
+            </a:endParaRPr>
+          </a:p>
+          <a:p>
+            <a:r>
+              <a:rPr lang="en-US" altLang="ko-KR" sz="1200" dirty="0">
+                <a:solidFill>
+                  <a:schemeClr val="accent6">
+                    <a:lumMod val="50000"/>
+                  </a:schemeClr>
+                </a:solidFill>
+              </a:rPr>
+              <a:t>      </a:t>
+            </a:r>
+            <a:r>
+              <a:rPr lang="ko-KR" altLang="en-US" sz="1200" dirty="0">
+                <a:solidFill>
+                  <a:schemeClr val="accent6">
+                    <a:lumMod val="50000"/>
+                  </a:schemeClr>
+                </a:solidFill>
+              </a:rPr>
+              <a:t>으로 화면 전환</a:t>
+            </a:r>
+            <a:endParaRPr lang="en-US" altLang="ko-KR" sz="1200" dirty="0">
+              <a:solidFill>
+                <a:schemeClr val="accent6">
+                  <a:lumMod val="50000"/>
+                </a:schemeClr>
+              </a:solidFill>
+            </a:endParaRPr>
+          </a:p>
+          <a:p>
+            <a:endParaRPr lang="en-US" altLang="ko-KR" sz="1200" dirty="0">
+              <a:solidFill>
+                <a:schemeClr val="accent6">
+                  <a:lumMod val="50000"/>
+                </a:schemeClr>
+              </a:solidFill>
+            </a:endParaRPr>
+          </a:p>
+          <a:p>
+            <a:endParaRPr lang="en-US" altLang="ko-KR" sz="1200" dirty="0">
+              <a:solidFill>
+                <a:schemeClr val="accent6">
+                  <a:lumMod val="50000"/>
+                </a:schemeClr>
+              </a:solidFill>
+            </a:endParaRPr>
+          </a:p>
+          <a:p>
+            <a:r>
+              <a:rPr lang="en-US" altLang="ko-KR" sz="1200" dirty="0">
+                <a:solidFill>
+                  <a:schemeClr val="accent6">
+                    <a:lumMod val="50000"/>
+                  </a:schemeClr>
+                </a:solidFill>
+              </a:rPr>
+              <a:t>      </a:t>
+            </a:r>
+            <a:r>
+              <a:rPr lang="ko-KR" altLang="en-US" sz="1200" dirty="0">
+                <a:solidFill>
+                  <a:schemeClr val="accent6">
+                    <a:lumMod val="50000"/>
+                  </a:schemeClr>
+                </a:solidFill>
+              </a:rPr>
+              <a:t>상품삭제 클릭시에</a:t>
+            </a:r>
+            <a:endParaRPr lang="en-US" altLang="ko-KR" sz="1200" dirty="0">
+              <a:solidFill>
+                <a:schemeClr val="accent6">
+                  <a:lumMod val="50000"/>
+                </a:schemeClr>
+              </a:solidFill>
+            </a:endParaRPr>
+          </a:p>
+          <a:p>
+            <a:r>
+              <a:rPr lang="en-US" altLang="ko-KR" sz="1200" dirty="0">
+                <a:solidFill>
+                  <a:schemeClr val="accent6">
+                    <a:lumMod val="50000"/>
+                  </a:schemeClr>
+                </a:solidFill>
+              </a:rPr>
+              <a:t>      </a:t>
+            </a:r>
+            <a:r>
+              <a:rPr lang="en-US" altLang="ko-KR" sz="1000" dirty="0">
+                <a:solidFill>
+                  <a:schemeClr val="accent6">
+                    <a:lumMod val="50000"/>
+                  </a:schemeClr>
+                </a:solidFill>
+              </a:rPr>
+              <a:t>confirm(</a:t>
+            </a:r>
+            <a:r>
+              <a:rPr lang="ko-KR" altLang="en-US" sz="1000" dirty="0" err="1">
+                <a:solidFill>
+                  <a:schemeClr val="accent6">
+                    <a:lumMod val="50000"/>
+                  </a:schemeClr>
+                </a:solidFill>
+              </a:rPr>
+              <a:t>삭제하시겠습니까</a:t>
+            </a:r>
+            <a:r>
+              <a:rPr lang="en-US" altLang="ko-KR" sz="1000" dirty="0">
+                <a:solidFill>
+                  <a:schemeClr val="accent6">
+                    <a:lumMod val="50000"/>
+                  </a:schemeClr>
+                </a:solidFill>
+              </a:rPr>
+              <a:t>? )</a:t>
+            </a:r>
+          </a:p>
+          <a:p>
+            <a:endParaRPr lang="en-US" altLang="ko-KR" sz="1200" dirty="0">
+              <a:solidFill>
+                <a:schemeClr val="accent6">
+                  <a:lumMod val="50000"/>
+                </a:schemeClr>
+              </a:solidFill>
+            </a:endParaRPr>
+          </a:p>
+          <a:p>
+            <a:endParaRPr lang="en-US" altLang="ko-KR" sz="1200" dirty="0">
+              <a:solidFill>
+                <a:schemeClr val="accent6">
+                  <a:lumMod val="50000"/>
+                </a:schemeClr>
+              </a:solidFill>
+            </a:endParaRPr>
+          </a:p>
+          <a:p>
+            <a:endParaRPr lang="en-US" altLang="ko-KR" sz="1200" dirty="0">
+              <a:solidFill>
+                <a:schemeClr val="accent6">
+                  <a:lumMod val="50000"/>
+                </a:schemeClr>
+              </a:solidFill>
+            </a:endParaRPr>
+          </a:p>
+          <a:p>
+            <a:r>
+              <a:rPr lang="en-US" altLang="ko-KR" sz="1200" dirty="0">
+                <a:solidFill>
+                  <a:schemeClr val="accent6">
+                    <a:lumMod val="50000"/>
+                  </a:schemeClr>
+                </a:solidFill>
+              </a:rPr>
+              <a:t>      </a:t>
+            </a:r>
+            <a:r>
+              <a:rPr lang="ko-KR" altLang="en-US" sz="1200" dirty="0" err="1">
+                <a:solidFill>
+                  <a:schemeClr val="accent6">
+                    <a:lumMod val="50000"/>
+                  </a:schemeClr>
+                </a:solidFill>
+              </a:rPr>
+              <a:t>페이징</a:t>
+            </a:r>
+            <a:r>
+              <a:rPr lang="ko-KR" altLang="en-US" sz="1200" dirty="0">
+                <a:solidFill>
+                  <a:schemeClr val="accent6">
+                    <a:lumMod val="50000"/>
+                  </a:schemeClr>
+                </a:solidFill>
+              </a:rPr>
+              <a:t> 처리</a:t>
+            </a:r>
+            <a:endParaRPr lang="en-US" altLang="ko-KR" sz="1200" dirty="0">
+              <a:solidFill>
+                <a:schemeClr val="accent6">
+                  <a:lumMod val="50000"/>
+                </a:schemeClr>
+              </a:solidFill>
+            </a:endParaRPr>
+          </a:p>
+          <a:p>
+            <a:r>
+              <a:rPr lang="ko-KR" altLang="en-US" sz="1200" b="1" dirty="0">
+                <a:solidFill>
+                  <a:schemeClr val="accent2">
+                    <a:lumMod val="50000"/>
+                  </a:schemeClr>
+                </a:solidFill>
+              </a:rPr>
+              <a:t>   </a:t>
+            </a:r>
+            <a:r>
+              <a:rPr lang="en-US" altLang="ko-KR" sz="1200" b="1" dirty="0">
+                <a:solidFill>
+                  <a:schemeClr val="accent2">
+                    <a:lumMod val="50000"/>
+                  </a:schemeClr>
+                </a:solidFill>
+              </a:rPr>
+              <a:t>(1) </a:t>
+            </a:r>
+            <a:r>
+              <a:rPr lang="ko-KR" altLang="en-US" sz="1200" b="1" dirty="0">
+                <a:solidFill>
+                  <a:schemeClr val="accent2">
+                    <a:lumMod val="50000"/>
+                  </a:schemeClr>
+                </a:solidFill>
+              </a:rPr>
+              <a:t>우선 </a:t>
+            </a:r>
+            <a:r>
+              <a:rPr lang="ko-KR" altLang="en-US" sz="1200" b="1" dirty="0" err="1">
+                <a:solidFill>
+                  <a:schemeClr val="accent2">
+                    <a:lumMod val="50000"/>
+                  </a:schemeClr>
+                </a:solidFill>
+              </a:rPr>
+              <a:t>페이징</a:t>
+            </a:r>
+            <a:r>
+              <a:rPr lang="ko-KR" altLang="en-US" sz="1200" b="1" dirty="0">
+                <a:solidFill>
+                  <a:schemeClr val="accent2">
+                    <a:lumMod val="50000"/>
+                  </a:schemeClr>
+                </a:solidFill>
+              </a:rPr>
+              <a:t> 기능 구현</a:t>
+            </a:r>
+            <a:endParaRPr lang="en-US" altLang="ko-KR" sz="1200" b="1" dirty="0">
+              <a:solidFill>
+                <a:schemeClr val="accent2">
+                  <a:lumMod val="50000"/>
+                </a:schemeClr>
+              </a:solidFill>
+            </a:endParaRPr>
+          </a:p>
+          <a:p>
+            <a:r>
+              <a:rPr lang="en-US" altLang="ko-KR" sz="1200" b="1" dirty="0">
+                <a:solidFill>
+                  <a:schemeClr val="accent2">
+                    <a:lumMod val="50000"/>
+                  </a:schemeClr>
+                </a:solidFill>
+              </a:rPr>
+              <a:t>   (2) </a:t>
+            </a:r>
+            <a:r>
+              <a:rPr lang="ko-KR" altLang="en-US" sz="1200" b="1" dirty="0">
+                <a:solidFill>
+                  <a:schemeClr val="accent2">
+                    <a:lumMod val="50000"/>
+                  </a:schemeClr>
+                </a:solidFill>
+              </a:rPr>
+              <a:t>가능하면 공통 </a:t>
+            </a:r>
+            <a:r>
+              <a:rPr lang="ko-KR" altLang="en-US" sz="1200" b="1" dirty="0" err="1">
+                <a:solidFill>
+                  <a:schemeClr val="accent2">
+                    <a:lumMod val="50000"/>
+                  </a:schemeClr>
+                </a:solidFill>
+              </a:rPr>
+              <a:t>페이징</a:t>
+            </a:r>
+            <a:endParaRPr lang="en-US" altLang="ko-KR" sz="1200" b="1" dirty="0">
+              <a:solidFill>
+                <a:schemeClr val="accent2">
+                  <a:lumMod val="50000"/>
+                </a:schemeClr>
+              </a:solidFill>
+            </a:endParaRPr>
+          </a:p>
+          <a:p>
+            <a:r>
+              <a:rPr lang="en-US" altLang="ko-KR" sz="1200" b="1" dirty="0">
+                <a:solidFill>
+                  <a:schemeClr val="accent2">
+                    <a:lumMod val="50000"/>
+                  </a:schemeClr>
+                </a:solidFill>
+              </a:rPr>
+              <a:t>       </a:t>
+            </a:r>
+            <a:r>
+              <a:rPr lang="ko-KR" altLang="en-US" sz="1200" b="1" dirty="0">
+                <a:solidFill>
+                  <a:schemeClr val="accent2">
+                    <a:lumMod val="50000"/>
+                  </a:schemeClr>
+                </a:solidFill>
+              </a:rPr>
+              <a:t>컴포넌트 제작 적용</a:t>
+            </a:r>
+            <a:endParaRPr lang="en-US" altLang="ko-KR" sz="1200" b="1" dirty="0">
+              <a:solidFill>
+                <a:schemeClr val="accent2">
+                  <a:lumMod val="50000"/>
+                </a:schemeClr>
+              </a:solidFill>
+            </a:endParaRPr>
+          </a:p>
+          <a:p>
+            <a:endParaRPr lang="en-US" altLang="ko-KR" sz="1200" b="1" dirty="0">
+              <a:solidFill>
+                <a:schemeClr val="accent2">
+                  <a:lumMod val="50000"/>
+                </a:schemeClr>
+              </a:solidFill>
+            </a:endParaRPr>
+          </a:p>
+          <a:p>
+            <a:endParaRPr lang="en-US" altLang="ko-KR" sz="1200" b="1" dirty="0">
+              <a:solidFill>
+                <a:schemeClr val="accent2">
+                  <a:lumMod val="50000"/>
+                </a:schemeClr>
+              </a:solidFill>
+            </a:endParaRPr>
+          </a:p>
+          <a:p>
+            <a:r>
+              <a:rPr lang="en-US" altLang="ko-KR" sz="1200" dirty="0">
+                <a:solidFill>
+                  <a:schemeClr val="accent6">
+                    <a:lumMod val="50000"/>
+                  </a:schemeClr>
+                </a:solidFill>
+              </a:rPr>
+              <a:t>      </a:t>
+            </a:r>
+            <a:r>
+              <a:rPr lang="ko-KR" altLang="en-US" sz="1200" dirty="0">
+                <a:solidFill>
+                  <a:schemeClr val="accent6">
+                    <a:lumMod val="50000"/>
+                  </a:schemeClr>
+                </a:solidFill>
+              </a:rPr>
+              <a:t>전체 체크</a:t>
+            </a:r>
+            <a:r>
+              <a:rPr lang="en-US" altLang="ko-KR" sz="1200" dirty="0">
+                <a:solidFill>
+                  <a:schemeClr val="accent6">
+                    <a:lumMod val="50000"/>
+                  </a:schemeClr>
+                </a:solidFill>
+              </a:rPr>
+              <a:t>/</a:t>
+            </a:r>
+            <a:r>
+              <a:rPr lang="ko-KR" altLang="en-US" sz="1200" dirty="0">
+                <a:solidFill>
+                  <a:schemeClr val="accent6">
+                    <a:lumMod val="50000"/>
+                  </a:schemeClr>
+                </a:solidFill>
+              </a:rPr>
+              <a:t>해제</a:t>
+            </a:r>
+          </a:p>
+        </p:txBody>
+      </p:sp>
+      <p:sp>
+        <p:nvSpPr>
+          <p:cNvPr id="6" name="직사각형 5">
+            <a:extLst>
+              <a:ext uri="{FF2B5EF4-FFF2-40B4-BE49-F238E27FC236}">
+                <a16:creationId xmlns:a16="http://schemas.microsoft.com/office/drawing/2014/main" id="{D867A52A-B91F-431C-9D6F-32F2C87E5A7C}"/>
+              </a:ext>
+            </a:extLst>
+          </p:cNvPr>
+          <p:cNvSpPr/>
+          <p:nvPr/>
+        </p:nvSpPr>
+        <p:spPr>
+          <a:xfrm>
+            <a:off x="533399" y="482600"/>
+            <a:ext cx="8940799" cy="304801"/>
+          </a:xfrm>
+          <a:prstGeom prst="rect">
+            <a:avLst/>
+          </a:prstGeom>
+          <a:solidFill>
+            <a:schemeClr val="accent4">
+              <a:lumMod val="40000"/>
+              <a:lumOff val="60000"/>
+            </a:schemeClr>
+          </a:solidFill>
+          <a:ln>
+            <a:solidFill>
+              <a:schemeClr val="accent6">
+                <a:lumMod val="50000"/>
+              </a:schemeClr>
+            </a:solidFill>
+          </a:ln>
+        </p:spPr>
+        <p:style>
+          <a:lnRef idx="2">
+            <a:schemeClr val="accent1">
+              <a:shade val="50000"/>
+            </a:schemeClr>
+          </a:lnRef>
+          <a:fillRef idx="1">
+            <a:schemeClr val="accent1"/>
+          </a:fillRef>
+          <a:effectRef idx="0">
+            <a:schemeClr val="accent1"/>
+          </a:effectRef>
+          <a:fontRef idx="minor">
+            <a:schemeClr val="lt1"/>
+          </a:fontRef>
+        </p:style>
+        <p:txBody>
+          <a:bodyPr rtlCol="0" anchor="ctr"/>
+          <a:lstStyle/>
+          <a:p>
+            <a:pPr algn="ctr"/>
+            <a:r>
+              <a:rPr lang="ko-KR" altLang="en-US" dirty="0">
+                <a:solidFill>
+                  <a:schemeClr val="tx1"/>
+                </a:solidFill>
+              </a:rPr>
+              <a:t>상품삭제</a:t>
+            </a:r>
+          </a:p>
+        </p:txBody>
+      </p:sp>
+      <p:sp>
+        <p:nvSpPr>
+          <p:cNvPr id="7" name="슬라이드 번호 개체 틀 3">
+            <a:extLst>
+              <a:ext uri="{FF2B5EF4-FFF2-40B4-BE49-F238E27FC236}">
+                <a16:creationId xmlns:a16="http://schemas.microsoft.com/office/drawing/2014/main" id="{FF3C7558-E613-431C-BA5B-67F22225E54B}"/>
+              </a:ext>
+            </a:extLst>
+          </p:cNvPr>
+          <p:cNvSpPr>
+            <a:spLocks noGrp="1"/>
+          </p:cNvSpPr>
+          <p:nvPr>
+            <p:ph type="sldNum" sz="quarter" idx="12"/>
+          </p:nvPr>
+        </p:nvSpPr>
+        <p:spPr>
+          <a:xfrm>
+            <a:off x="4724400" y="6364817"/>
+            <a:ext cx="2743200" cy="365125"/>
+          </a:xfrm>
+        </p:spPr>
+        <p:txBody>
+          <a:bodyPr/>
+          <a:lstStyle/>
+          <a:p>
+            <a:pPr algn="ctr"/>
+            <a:fld id="{65B3DB70-0744-4EB8-B6AF-554BD626FB2C}" type="slidenum">
+              <a:rPr lang="ko-KR" altLang="en-US" smtClean="0"/>
+              <a:pPr algn="ctr"/>
+              <a:t>10</a:t>
+            </a:fld>
+            <a:endParaRPr lang="ko-KR" altLang="en-US"/>
+          </a:p>
+        </p:txBody>
+      </p:sp>
+      <p:sp>
+        <p:nvSpPr>
+          <p:cNvPr id="12" name="직사각형 11">
+            <a:extLst>
+              <a:ext uri="{FF2B5EF4-FFF2-40B4-BE49-F238E27FC236}">
+                <a16:creationId xmlns:a16="http://schemas.microsoft.com/office/drawing/2014/main" id="{5561A4D6-28E4-4608-A694-26603630E42F}"/>
+              </a:ext>
+            </a:extLst>
+          </p:cNvPr>
+          <p:cNvSpPr/>
+          <p:nvPr/>
+        </p:nvSpPr>
+        <p:spPr>
+          <a:xfrm>
+            <a:off x="9474197" y="486829"/>
+            <a:ext cx="2269067" cy="300570"/>
+          </a:xfrm>
+          <a:prstGeom prst="rect">
+            <a:avLst/>
+          </a:prstGeom>
+          <a:solidFill>
+            <a:schemeClr val="accent6">
+              <a:lumMod val="20000"/>
+              <a:lumOff val="80000"/>
+            </a:schemeClr>
+          </a:solidFill>
+          <a:ln w="38100">
+            <a:solidFill>
+              <a:schemeClr val="accent6">
+                <a:lumMod val="50000"/>
+              </a:schemeClr>
+            </a:solidFill>
+          </a:ln>
+        </p:spPr>
+        <p:style>
+          <a:lnRef idx="2">
+            <a:schemeClr val="accent1">
+              <a:shade val="50000"/>
+            </a:schemeClr>
+          </a:lnRef>
+          <a:fillRef idx="1">
+            <a:schemeClr val="accent1"/>
+          </a:fillRef>
+          <a:effectRef idx="0">
+            <a:schemeClr val="accent1"/>
+          </a:effectRef>
+          <a:fontRef idx="minor">
+            <a:schemeClr val="lt1"/>
+          </a:fontRef>
+        </p:style>
+        <p:txBody>
+          <a:bodyPr rtlCol="0" anchor="ctr"/>
+          <a:lstStyle/>
+          <a:p>
+            <a:pPr algn="ctr"/>
+            <a:r>
+              <a:rPr lang="ko-KR" altLang="en-US" dirty="0">
+                <a:solidFill>
+                  <a:schemeClr val="accent5">
+                    <a:lumMod val="75000"/>
+                  </a:schemeClr>
+                </a:solidFill>
+              </a:rPr>
+              <a:t>㈜선아전자</a:t>
+            </a:r>
+          </a:p>
+        </p:txBody>
+      </p:sp>
+      <p:sp>
+        <p:nvSpPr>
+          <p:cNvPr id="30" name="타원 29">
+            <a:extLst>
+              <a:ext uri="{FF2B5EF4-FFF2-40B4-BE49-F238E27FC236}">
+                <a16:creationId xmlns:a16="http://schemas.microsoft.com/office/drawing/2014/main" id="{6C5FCA79-8516-47C0-8050-D7726C66C9E3}"/>
+              </a:ext>
+            </a:extLst>
+          </p:cNvPr>
+          <p:cNvSpPr/>
+          <p:nvPr/>
+        </p:nvSpPr>
+        <p:spPr>
+          <a:xfrm>
+            <a:off x="9548323" y="938640"/>
+            <a:ext cx="275643" cy="285375"/>
+          </a:xfrm>
+          <a:prstGeom prst="ellipse">
+            <a:avLst/>
+          </a:prstGeom>
+          <a:noFill/>
+          <a:ln w="38100">
+            <a:solidFill>
+              <a:srgbClr val="FF0000"/>
+            </a:solidFill>
+          </a:ln>
+        </p:spPr>
+        <p:style>
+          <a:lnRef idx="2">
+            <a:schemeClr val="accent1">
+              <a:shade val="50000"/>
+            </a:schemeClr>
+          </a:lnRef>
+          <a:fillRef idx="1">
+            <a:schemeClr val="accent1"/>
+          </a:fillRef>
+          <a:effectRef idx="0">
+            <a:schemeClr val="accent1"/>
+          </a:effectRef>
+          <a:fontRef idx="minor">
+            <a:schemeClr val="lt1"/>
+          </a:fontRef>
+        </p:style>
+        <p:txBody>
+          <a:bodyPr rtlCol="0" anchor="ctr"/>
+          <a:lstStyle/>
+          <a:p>
+            <a:pPr algn="ctr"/>
+            <a:r>
+              <a:rPr lang="en-US" altLang="ko-KR" sz="1400" dirty="0">
+                <a:ln w="57150">
+                  <a:noFill/>
+                </a:ln>
+                <a:solidFill>
+                  <a:srgbClr val="FF0000"/>
+                </a:solidFill>
+              </a:rPr>
+              <a:t>1</a:t>
+            </a:r>
+            <a:endParaRPr lang="ko-KR" altLang="en-US" sz="1400" dirty="0">
+              <a:ln w="57150">
+                <a:noFill/>
+              </a:ln>
+              <a:solidFill>
+                <a:srgbClr val="FF0000"/>
+              </a:solidFill>
+            </a:endParaRPr>
+          </a:p>
+        </p:txBody>
+      </p:sp>
+      <p:sp>
+        <p:nvSpPr>
+          <p:cNvPr id="33" name="타원 32">
+            <a:extLst>
+              <a:ext uri="{FF2B5EF4-FFF2-40B4-BE49-F238E27FC236}">
+                <a16:creationId xmlns:a16="http://schemas.microsoft.com/office/drawing/2014/main" id="{F25E6102-CEF2-4117-9AF4-41D08805853C}"/>
+              </a:ext>
+            </a:extLst>
+          </p:cNvPr>
+          <p:cNvSpPr/>
+          <p:nvPr/>
+        </p:nvSpPr>
+        <p:spPr>
+          <a:xfrm>
+            <a:off x="9539577" y="2659250"/>
+            <a:ext cx="275643" cy="285375"/>
+          </a:xfrm>
+          <a:prstGeom prst="ellipse">
+            <a:avLst/>
+          </a:prstGeom>
+          <a:noFill/>
+          <a:ln w="38100">
+            <a:solidFill>
+              <a:srgbClr val="FF0000"/>
+            </a:solidFill>
+          </a:ln>
+        </p:spPr>
+        <p:style>
+          <a:lnRef idx="2">
+            <a:schemeClr val="accent1">
+              <a:shade val="50000"/>
+            </a:schemeClr>
+          </a:lnRef>
+          <a:fillRef idx="1">
+            <a:schemeClr val="accent1"/>
+          </a:fillRef>
+          <a:effectRef idx="0">
+            <a:schemeClr val="accent1"/>
+          </a:effectRef>
+          <a:fontRef idx="minor">
+            <a:schemeClr val="lt1"/>
+          </a:fontRef>
+        </p:style>
+        <p:txBody>
+          <a:bodyPr rtlCol="0" anchor="ctr"/>
+          <a:lstStyle/>
+          <a:p>
+            <a:pPr algn="ctr"/>
+            <a:r>
+              <a:rPr lang="en-US" altLang="ko-KR" sz="1400" dirty="0">
+                <a:ln w="57150">
+                  <a:noFill/>
+                </a:ln>
+                <a:solidFill>
+                  <a:srgbClr val="FF0000"/>
+                </a:solidFill>
+              </a:rPr>
+              <a:t>3</a:t>
+            </a:r>
+            <a:endParaRPr lang="ko-KR" altLang="en-US" sz="1400" dirty="0">
+              <a:ln w="57150">
+                <a:noFill/>
+              </a:ln>
+              <a:solidFill>
+                <a:srgbClr val="FF0000"/>
+              </a:solidFill>
+            </a:endParaRPr>
+          </a:p>
+        </p:txBody>
+      </p:sp>
+      <p:sp>
+        <p:nvSpPr>
+          <p:cNvPr id="35" name="타원 34">
+            <a:extLst>
+              <a:ext uri="{FF2B5EF4-FFF2-40B4-BE49-F238E27FC236}">
+                <a16:creationId xmlns:a16="http://schemas.microsoft.com/office/drawing/2014/main" id="{DF2B722C-C3EB-4EF9-B274-992120CA9231}"/>
+              </a:ext>
+            </a:extLst>
+          </p:cNvPr>
+          <p:cNvSpPr/>
+          <p:nvPr/>
+        </p:nvSpPr>
+        <p:spPr>
+          <a:xfrm>
+            <a:off x="9548323" y="3517927"/>
+            <a:ext cx="275643" cy="285375"/>
+          </a:xfrm>
+          <a:prstGeom prst="ellipse">
+            <a:avLst/>
+          </a:prstGeom>
+          <a:noFill/>
+          <a:ln w="38100">
+            <a:solidFill>
+              <a:srgbClr val="FF0000"/>
+            </a:solidFill>
+          </a:ln>
+        </p:spPr>
+        <p:style>
+          <a:lnRef idx="2">
+            <a:schemeClr val="accent1">
+              <a:shade val="50000"/>
+            </a:schemeClr>
+          </a:lnRef>
+          <a:fillRef idx="1">
+            <a:schemeClr val="accent1"/>
+          </a:fillRef>
+          <a:effectRef idx="0">
+            <a:schemeClr val="accent1"/>
+          </a:effectRef>
+          <a:fontRef idx="minor">
+            <a:schemeClr val="lt1"/>
+          </a:fontRef>
+        </p:style>
+        <p:txBody>
+          <a:bodyPr rtlCol="0" anchor="ctr"/>
+          <a:lstStyle/>
+          <a:p>
+            <a:pPr algn="ctr"/>
+            <a:r>
+              <a:rPr lang="en-US" altLang="ko-KR" sz="1400" dirty="0">
+                <a:ln w="57150">
+                  <a:noFill/>
+                </a:ln>
+                <a:solidFill>
+                  <a:srgbClr val="FF0000"/>
+                </a:solidFill>
+              </a:rPr>
+              <a:t>4</a:t>
+            </a:r>
+            <a:endParaRPr lang="ko-KR" altLang="en-US" sz="1400" dirty="0">
+              <a:ln w="57150">
+                <a:noFill/>
+              </a:ln>
+              <a:solidFill>
+                <a:srgbClr val="FF0000"/>
+              </a:solidFill>
+            </a:endParaRPr>
+          </a:p>
+        </p:txBody>
+      </p:sp>
+      <p:sp>
+        <p:nvSpPr>
+          <p:cNvPr id="38" name="타원 37">
+            <a:extLst>
+              <a:ext uri="{FF2B5EF4-FFF2-40B4-BE49-F238E27FC236}">
+                <a16:creationId xmlns:a16="http://schemas.microsoft.com/office/drawing/2014/main" id="{50FFADA5-AE35-4E66-8477-69FC721004BA}"/>
+              </a:ext>
+            </a:extLst>
+          </p:cNvPr>
+          <p:cNvSpPr/>
+          <p:nvPr/>
+        </p:nvSpPr>
+        <p:spPr>
+          <a:xfrm>
+            <a:off x="9548323" y="1940005"/>
+            <a:ext cx="275643" cy="285375"/>
+          </a:xfrm>
+          <a:prstGeom prst="ellipse">
+            <a:avLst/>
+          </a:prstGeom>
+          <a:noFill/>
+          <a:ln w="38100">
+            <a:solidFill>
+              <a:srgbClr val="FF0000"/>
+            </a:solidFill>
+          </a:ln>
+        </p:spPr>
+        <p:style>
+          <a:lnRef idx="2">
+            <a:schemeClr val="accent1">
+              <a:shade val="50000"/>
+            </a:schemeClr>
+          </a:lnRef>
+          <a:fillRef idx="1">
+            <a:schemeClr val="accent1"/>
+          </a:fillRef>
+          <a:effectRef idx="0">
+            <a:schemeClr val="accent1"/>
+          </a:effectRef>
+          <a:fontRef idx="minor">
+            <a:schemeClr val="lt1"/>
+          </a:fontRef>
+        </p:style>
+        <p:txBody>
+          <a:bodyPr rtlCol="0" anchor="ctr"/>
+          <a:lstStyle/>
+          <a:p>
+            <a:pPr algn="ctr"/>
+            <a:r>
+              <a:rPr lang="en-US" altLang="ko-KR" sz="1400" dirty="0">
+                <a:ln w="57150">
+                  <a:noFill/>
+                </a:ln>
+                <a:solidFill>
+                  <a:srgbClr val="FF0000"/>
+                </a:solidFill>
+              </a:rPr>
+              <a:t>2</a:t>
+            </a:r>
+            <a:endParaRPr lang="ko-KR" altLang="en-US" sz="1400" dirty="0">
+              <a:ln w="57150">
+                <a:noFill/>
+              </a:ln>
+              <a:solidFill>
+                <a:srgbClr val="FF0000"/>
+              </a:solidFill>
+            </a:endParaRPr>
+          </a:p>
+        </p:txBody>
+      </p:sp>
+      <p:sp>
+        <p:nvSpPr>
+          <p:cNvPr id="46" name="직사각형 45">
+            <a:extLst>
+              <a:ext uri="{FF2B5EF4-FFF2-40B4-BE49-F238E27FC236}">
+                <a16:creationId xmlns:a16="http://schemas.microsoft.com/office/drawing/2014/main" id="{1CA89627-A2E5-4CA2-8BCA-1597AB8BCFB6}"/>
+              </a:ext>
+            </a:extLst>
+          </p:cNvPr>
+          <p:cNvSpPr/>
+          <p:nvPr/>
+        </p:nvSpPr>
+        <p:spPr>
+          <a:xfrm>
+            <a:off x="7812372" y="1032926"/>
+            <a:ext cx="1255427" cy="347140"/>
+          </a:xfrm>
+          <a:prstGeom prst="rect">
+            <a:avLst/>
+          </a:prstGeom>
+        </p:spPr>
+        <p:style>
+          <a:lnRef idx="2">
+            <a:schemeClr val="accent1">
+              <a:shade val="50000"/>
+            </a:schemeClr>
+          </a:lnRef>
+          <a:fillRef idx="1">
+            <a:schemeClr val="accent1"/>
+          </a:fillRef>
+          <a:effectRef idx="0">
+            <a:schemeClr val="accent1"/>
+          </a:effectRef>
+          <a:fontRef idx="minor">
+            <a:schemeClr val="lt1"/>
+          </a:fontRef>
+        </p:style>
+        <p:txBody>
+          <a:bodyPr rtlCol="0" anchor="ctr"/>
+          <a:lstStyle/>
+          <a:p>
+            <a:pPr algn="ctr"/>
+            <a:r>
+              <a:rPr lang="ko-KR" altLang="en-US" dirty="0" err="1"/>
+              <a:t>상품찾기</a:t>
+            </a:r>
+            <a:endParaRPr lang="ko-KR" altLang="en-US" dirty="0"/>
+          </a:p>
+        </p:txBody>
+      </p:sp>
+      <p:sp>
+        <p:nvSpPr>
+          <p:cNvPr id="47" name="직사각형 46">
+            <a:extLst>
+              <a:ext uri="{FF2B5EF4-FFF2-40B4-BE49-F238E27FC236}">
+                <a16:creationId xmlns:a16="http://schemas.microsoft.com/office/drawing/2014/main" id="{318DE055-94EB-4D7C-85F8-392EDAF028EC}"/>
+              </a:ext>
+            </a:extLst>
+          </p:cNvPr>
+          <p:cNvSpPr/>
+          <p:nvPr/>
+        </p:nvSpPr>
+        <p:spPr>
+          <a:xfrm>
+            <a:off x="3166533" y="1032926"/>
+            <a:ext cx="4555068" cy="347140"/>
+          </a:xfrm>
+          <a:prstGeom prst="rect">
+            <a:avLst/>
+          </a:prstGeom>
+          <a:noFill/>
+          <a:ln>
+            <a:solidFill>
+              <a:schemeClr val="tx1">
+                <a:lumMod val="95000"/>
+                <a:lumOff val="5000"/>
+              </a:schemeClr>
+            </a:solidFill>
+          </a:ln>
+        </p:spPr>
+        <p:style>
+          <a:lnRef idx="2">
+            <a:schemeClr val="accent1">
+              <a:shade val="50000"/>
+            </a:schemeClr>
+          </a:lnRef>
+          <a:fillRef idx="1">
+            <a:schemeClr val="accent1"/>
+          </a:fillRef>
+          <a:effectRef idx="0">
+            <a:schemeClr val="accent1"/>
+          </a:effectRef>
+          <a:fontRef idx="minor">
+            <a:schemeClr val="lt1"/>
+          </a:fontRef>
+        </p:style>
+        <p:txBody>
+          <a:bodyPr rtlCol="0" anchor="ctr"/>
+          <a:lstStyle/>
+          <a:p>
+            <a:pPr algn="ctr"/>
+            <a:r>
+              <a:rPr lang="ko-KR" altLang="en-US" dirty="0"/>
+              <a:t>검색</a:t>
+            </a:r>
+          </a:p>
+        </p:txBody>
+      </p:sp>
+      <p:sp>
+        <p:nvSpPr>
+          <p:cNvPr id="48" name="직사각형 47">
+            <a:extLst>
+              <a:ext uri="{FF2B5EF4-FFF2-40B4-BE49-F238E27FC236}">
+                <a16:creationId xmlns:a16="http://schemas.microsoft.com/office/drawing/2014/main" id="{2F771623-91DE-4A9D-A4C5-8F21A79A254E}"/>
+              </a:ext>
+            </a:extLst>
+          </p:cNvPr>
+          <p:cNvSpPr/>
+          <p:nvPr/>
+        </p:nvSpPr>
+        <p:spPr>
+          <a:xfrm>
+            <a:off x="962995" y="1030168"/>
+            <a:ext cx="2112767" cy="365125"/>
+          </a:xfrm>
+          <a:prstGeom prst="rect">
+            <a:avLst/>
+          </a:prstGeom>
+          <a:solidFill>
+            <a:schemeClr val="accent4">
+              <a:lumMod val="20000"/>
+              <a:lumOff val="80000"/>
+            </a:schemeClr>
+          </a:solidFill>
+        </p:spPr>
+        <p:style>
+          <a:lnRef idx="2">
+            <a:schemeClr val="accent1">
+              <a:shade val="50000"/>
+            </a:schemeClr>
+          </a:lnRef>
+          <a:fillRef idx="1">
+            <a:schemeClr val="accent1"/>
+          </a:fillRef>
+          <a:effectRef idx="0">
+            <a:schemeClr val="accent1"/>
+          </a:effectRef>
+          <a:fontRef idx="minor">
+            <a:schemeClr val="lt1"/>
+          </a:fontRef>
+        </p:style>
+        <p:txBody>
+          <a:bodyPr rtlCol="0" anchor="ctr"/>
+          <a:lstStyle/>
+          <a:p>
+            <a:pPr algn="ctr"/>
+            <a:r>
+              <a:rPr lang="ko-KR" altLang="en-US" dirty="0">
+                <a:solidFill>
+                  <a:schemeClr val="tx1"/>
+                </a:solidFill>
+              </a:rPr>
+              <a:t>일련번호</a:t>
+            </a:r>
+          </a:p>
+        </p:txBody>
+      </p:sp>
+      <p:graphicFrame>
+        <p:nvGraphicFramePr>
+          <p:cNvPr id="11" name="표 12">
+            <a:extLst>
+              <a:ext uri="{FF2B5EF4-FFF2-40B4-BE49-F238E27FC236}">
+                <a16:creationId xmlns:a16="http://schemas.microsoft.com/office/drawing/2014/main" id="{2E9EA649-F033-453C-839C-23D6BA90B258}"/>
+              </a:ext>
+            </a:extLst>
+          </p:cNvPr>
+          <p:cNvGraphicFramePr>
+            <a:graphicFrameLocks noGrp="1"/>
+          </p:cNvGraphicFramePr>
+          <p:nvPr>
+            <p:extLst>
+              <p:ext uri="{D42A27DB-BD31-4B8C-83A1-F6EECF244321}">
+                <p14:modId xmlns:p14="http://schemas.microsoft.com/office/powerpoint/2010/main" val="941908941"/>
+              </p:ext>
+            </p:extLst>
+          </p:nvPr>
+        </p:nvGraphicFramePr>
+        <p:xfrm>
+          <a:off x="965200" y="1539238"/>
+          <a:ext cx="8102600" cy="2812629"/>
+        </p:xfrm>
+        <a:graphic>
+          <a:graphicData uri="http://schemas.openxmlformats.org/drawingml/2006/table">
+            <a:tbl>
+              <a:tblPr firstRow="1" bandRow="1">
+                <a:tableStyleId>{5C22544A-7EE6-4342-B048-85BDC9FD1C3A}</a:tableStyleId>
+              </a:tblPr>
+              <a:tblGrid>
+                <a:gridCol w="321733">
+                  <a:extLst>
+                    <a:ext uri="{9D8B030D-6E8A-4147-A177-3AD203B41FA5}">
+                      <a16:colId xmlns:a16="http://schemas.microsoft.com/office/drawing/2014/main" val="1863678079"/>
+                    </a:ext>
+                  </a:extLst>
+                </a:gridCol>
+                <a:gridCol w="1168400">
+                  <a:extLst>
+                    <a:ext uri="{9D8B030D-6E8A-4147-A177-3AD203B41FA5}">
+                      <a16:colId xmlns:a16="http://schemas.microsoft.com/office/drawing/2014/main" val="1011191776"/>
+                    </a:ext>
+                  </a:extLst>
+                </a:gridCol>
+                <a:gridCol w="1253067">
+                  <a:extLst>
+                    <a:ext uri="{9D8B030D-6E8A-4147-A177-3AD203B41FA5}">
+                      <a16:colId xmlns:a16="http://schemas.microsoft.com/office/drawing/2014/main" val="3815346949"/>
+                    </a:ext>
+                  </a:extLst>
+                </a:gridCol>
+                <a:gridCol w="990600">
+                  <a:extLst>
+                    <a:ext uri="{9D8B030D-6E8A-4147-A177-3AD203B41FA5}">
+                      <a16:colId xmlns:a16="http://schemas.microsoft.com/office/drawing/2014/main" val="821313220"/>
+                    </a:ext>
+                  </a:extLst>
+                </a:gridCol>
+                <a:gridCol w="1168400">
+                  <a:extLst>
+                    <a:ext uri="{9D8B030D-6E8A-4147-A177-3AD203B41FA5}">
+                      <a16:colId xmlns:a16="http://schemas.microsoft.com/office/drawing/2014/main" val="2685766089"/>
+                    </a:ext>
+                  </a:extLst>
+                </a:gridCol>
+                <a:gridCol w="1058333">
+                  <a:extLst>
+                    <a:ext uri="{9D8B030D-6E8A-4147-A177-3AD203B41FA5}">
+                      <a16:colId xmlns:a16="http://schemas.microsoft.com/office/drawing/2014/main" val="3089271078"/>
+                    </a:ext>
+                  </a:extLst>
+                </a:gridCol>
+                <a:gridCol w="1129242">
+                  <a:extLst>
+                    <a:ext uri="{9D8B030D-6E8A-4147-A177-3AD203B41FA5}">
+                      <a16:colId xmlns:a16="http://schemas.microsoft.com/office/drawing/2014/main" val="3491986643"/>
+                    </a:ext>
+                  </a:extLst>
+                </a:gridCol>
+                <a:gridCol w="1012825">
+                  <a:extLst>
+                    <a:ext uri="{9D8B030D-6E8A-4147-A177-3AD203B41FA5}">
+                      <a16:colId xmlns:a16="http://schemas.microsoft.com/office/drawing/2014/main" val="1310835880"/>
+                    </a:ext>
+                  </a:extLst>
+                </a:gridCol>
+              </a:tblGrid>
+              <a:tr h="370840">
+                <a:tc>
+                  <a:txBody>
+                    <a:bodyPr/>
+                    <a:lstStyle/>
+                    <a:p>
+                      <a:pPr algn="ctr" latinLnBrk="1"/>
+                      <a:r>
+                        <a:rPr lang="ko-KR" altLang="en-US" sz="1400" b="0" dirty="0" err="1">
+                          <a:solidFill>
+                            <a:schemeClr val="tx1"/>
+                          </a:solidFill>
+                        </a:rPr>
+                        <a:t>ㅁ</a:t>
+                      </a:r>
+                      <a:endParaRPr lang="ko-KR" altLang="en-US" sz="1400" b="0" dirty="0">
+                        <a:solidFill>
+                          <a:schemeClr val="tx1"/>
+                        </a:solidFill>
+                      </a:endParaRPr>
+                    </a:p>
+                  </a:txBody>
+                  <a:tcPr>
+                    <a:solidFill>
+                      <a:schemeClr val="bg2"/>
+                    </a:solidFill>
+                  </a:tcPr>
+                </a:tc>
+                <a:tc>
+                  <a:txBody>
+                    <a:bodyPr/>
+                    <a:lstStyle/>
+                    <a:p>
+                      <a:pPr algn="ctr" latinLnBrk="1"/>
+                      <a:r>
+                        <a:rPr lang="ko-KR" altLang="en-US" sz="1400" b="0" dirty="0"/>
+                        <a:t>모델</a:t>
+                      </a:r>
+                      <a:r>
+                        <a:rPr lang="en-US" altLang="ko-KR" sz="1400" b="0" dirty="0"/>
+                        <a:t>ID</a:t>
+                      </a:r>
+                      <a:endParaRPr lang="ko-KR" altLang="en-US" sz="1400" b="0" dirty="0"/>
+                    </a:p>
+                  </a:txBody>
+                  <a:tcPr/>
+                </a:tc>
+                <a:tc>
+                  <a:txBody>
+                    <a:bodyPr/>
+                    <a:lstStyle/>
+                    <a:p>
+                      <a:pPr algn="ctr" latinLnBrk="1"/>
+                      <a:r>
+                        <a:rPr lang="ko-KR" altLang="en-US" sz="1400" b="0" dirty="0"/>
+                        <a:t>제품</a:t>
+                      </a:r>
+                      <a:r>
+                        <a:rPr lang="en-US" altLang="ko-KR" sz="1400" b="0" dirty="0"/>
+                        <a:t>ID</a:t>
+                      </a:r>
+                      <a:endParaRPr lang="ko-KR" altLang="en-US" sz="1400" b="0" dirty="0"/>
+                    </a:p>
+                  </a:txBody>
+                  <a:tcPr/>
+                </a:tc>
+                <a:tc>
+                  <a:txBody>
+                    <a:bodyPr/>
+                    <a:lstStyle/>
+                    <a:p>
+                      <a:pPr algn="ctr" latinLnBrk="1"/>
+                      <a:r>
+                        <a:rPr lang="ko-KR" altLang="en-US" sz="1400" b="0" dirty="0"/>
+                        <a:t>제품명</a:t>
+                      </a:r>
+                    </a:p>
+                  </a:txBody>
+                  <a:tcPr/>
+                </a:tc>
+                <a:tc>
+                  <a:txBody>
+                    <a:bodyPr/>
+                    <a:lstStyle/>
+                    <a:p>
+                      <a:pPr algn="ctr" latinLnBrk="1"/>
+                      <a:r>
+                        <a:rPr lang="ko-KR" altLang="en-US" sz="1400" b="0" dirty="0"/>
+                        <a:t>제조일시</a:t>
+                      </a:r>
+                    </a:p>
+                  </a:txBody>
+                  <a:tcPr/>
+                </a:tc>
+                <a:tc>
+                  <a:txBody>
+                    <a:bodyPr/>
+                    <a:lstStyle/>
+                    <a:p>
+                      <a:pPr algn="ctr" latinLnBrk="1"/>
+                      <a:r>
+                        <a:rPr lang="ko-KR" altLang="en-US" sz="1400" b="0" dirty="0"/>
+                        <a:t>제조라인</a:t>
+                      </a:r>
+                    </a:p>
+                  </a:txBody>
+                  <a:tcPr/>
+                </a:tc>
+                <a:tc>
+                  <a:txBody>
+                    <a:bodyPr/>
+                    <a:lstStyle/>
+                    <a:p>
+                      <a:pPr algn="ctr" latinLnBrk="1"/>
+                      <a:r>
+                        <a:rPr lang="ko-KR" altLang="en-US" sz="1400" b="0" dirty="0"/>
+                        <a:t>일련번호</a:t>
+                      </a:r>
+                    </a:p>
+                  </a:txBody>
+                  <a:tcPr/>
+                </a:tc>
+                <a:tc>
+                  <a:txBody>
+                    <a:bodyPr/>
+                    <a:lstStyle/>
+                    <a:p>
+                      <a:pPr algn="ctr" latinLnBrk="1"/>
+                      <a:r>
+                        <a:rPr lang="ko-KR" altLang="en-US" sz="1400" b="0" dirty="0"/>
+                        <a:t>삭제</a:t>
+                      </a:r>
+                    </a:p>
+                  </a:txBody>
+                  <a:tcPr/>
+                </a:tc>
+                <a:extLst>
+                  <a:ext uri="{0D108BD9-81ED-4DB2-BD59-A6C34878D82A}">
+                    <a16:rowId xmlns:a16="http://schemas.microsoft.com/office/drawing/2014/main" val="4201670448"/>
+                  </a:ext>
+                </a:extLst>
+              </a:tr>
+              <a:tr h="274322">
+                <a:tc>
+                  <a:txBody>
+                    <a:bodyPr/>
+                    <a:lstStyle/>
+                    <a:p>
+                      <a:pPr algn="ctr" latinLnBrk="1"/>
+                      <a:r>
+                        <a:rPr lang="ko-KR" altLang="en-US" sz="1400" dirty="0" err="1">
+                          <a:solidFill>
+                            <a:schemeClr val="tx1"/>
+                          </a:solidFill>
+                        </a:rPr>
+                        <a:t>ㅁ</a:t>
+                      </a:r>
+                      <a:endParaRPr lang="ko-KR" altLang="en-US" sz="1400" dirty="0">
+                        <a:solidFill>
+                          <a:schemeClr val="tx1"/>
+                        </a:solidFill>
+                      </a:endParaRPr>
+                    </a:p>
+                  </a:txBody>
+                  <a:tcPr>
+                    <a:solidFill>
+                      <a:schemeClr val="bg2"/>
+                    </a:solidFill>
+                  </a:tcPr>
+                </a:tc>
+                <a:tc>
+                  <a:txBody>
+                    <a:bodyPr/>
+                    <a:lstStyle/>
+                    <a:p>
+                      <a:pPr algn="ctr" latinLnBrk="1"/>
+                      <a:endParaRPr lang="ko-KR" altLang="en-US" sz="1400" dirty="0"/>
+                    </a:p>
+                  </a:txBody>
+                  <a:tcPr/>
+                </a:tc>
+                <a:tc>
+                  <a:txBody>
+                    <a:bodyPr/>
+                    <a:lstStyle/>
+                    <a:p>
+                      <a:pPr algn="ctr" latinLnBrk="1"/>
+                      <a:endParaRPr lang="ko-KR" altLang="en-US" sz="1400" dirty="0"/>
+                    </a:p>
+                  </a:txBody>
+                  <a:tcPr/>
+                </a:tc>
+                <a:tc>
+                  <a:txBody>
+                    <a:bodyPr/>
+                    <a:lstStyle/>
+                    <a:p>
+                      <a:pPr algn="ctr" latinLnBrk="1"/>
+                      <a:endParaRPr lang="ko-KR" altLang="en-US" sz="1400" dirty="0"/>
+                    </a:p>
+                  </a:txBody>
+                  <a:tcPr/>
+                </a:tc>
+                <a:tc>
+                  <a:txBody>
+                    <a:bodyPr/>
+                    <a:lstStyle/>
+                    <a:p>
+                      <a:pPr algn="ctr" latinLnBrk="1"/>
+                      <a:endParaRPr lang="ko-KR" altLang="en-US" sz="1400" dirty="0"/>
+                    </a:p>
+                  </a:txBody>
+                  <a:tcPr/>
+                </a:tc>
+                <a:tc>
+                  <a:txBody>
+                    <a:bodyPr/>
+                    <a:lstStyle/>
+                    <a:p>
+                      <a:pPr algn="ctr" latinLnBrk="1"/>
+                      <a:endParaRPr lang="ko-KR" altLang="en-US" sz="1400" dirty="0"/>
+                    </a:p>
+                  </a:txBody>
+                  <a:tcPr/>
+                </a:tc>
+                <a:tc>
+                  <a:txBody>
+                    <a:bodyPr/>
+                    <a:lstStyle/>
+                    <a:p>
+                      <a:pPr algn="ctr" latinLnBrk="1"/>
+                      <a:endParaRPr lang="ko-KR" altLang="en-US" sz="1400" dirty="0"/>
+                    </a:p>
+                  </a:txBody>
+                  <a:tcPr/>
+                </a:tc>
+                <a:tc>
+                  <a:txBody>
+                    <a:bodyPr/>
+                    <a:lstStyle/>
+                    <a:p>
+                      <a:pPr algn="ctr" latinLnBrk="1"/>
+                      <a:r>
+                        <a:rPr lang="ko-KR" altLang="en-US" sz="1400" u="sng" dirty="0">
+                          <a:solidFill>
+                            <a:srgbClr val="0070C0"/>
+                          </a:solidFill>
+                        </a:rPr>
+                        <a:t>상품삭제</a:t>
+                      </a:r>
+                    </a:p>
+                  </a:txBody>
+                  <a:tcPr/>
+                </a:tc>
+                <a:extLst>
+                  <a:ext uri="{0D108BD9-81ED-4DB2-BD59-A6C34878D82A}">
+                    <a16:rowId xmlns:a16="http://schemas.microsoft.com/office/drawing/2014/main" val="1182064560"/>
+                  </a:ext>
+                </a:extLst>
+              </a:tr>
+              <a:tr h="308189">
+                <a:tc>
+                  <a:txBody>
+                    <a:bodyPr/>
+                    <a:lstStyle/>
+                    <a:p>
+                      <a:pPr algn="ctr" latinLnBrk="1"/>
+                      <a:r>
+                        <a:rPr lang="ko-KR" altLang="en-US" sz="1400" dirty="0" err="1">
+                          <a:solidFill>
+                            <a:schemeClr val="tx1"/>
+                          </a:solidFill>
+                        </a:rPr>
+                        <a:t>ㅁ</a:t>
+                      </a:r>
+                      <a:endParaRPr lang="ko-KR" altLang="en-US" sz="1400" dirty="0">
+                        <a:solidFill>
+                          <a:schemeClr val="tx1"/>
+                        </a:solidFill>
+                      </a:endParaRPr>
+                    </a:p>
+                  </a:txBody>
+                  <a:tcPr>
+                    <a:solidFill>
+                      <a:schemeClr val="bg2"/>
+                    </a:solidFill>
+                  </a:tcPr>
+                </a:tc>
+                <a:tc>
+                  <a:txBody>
+                    <a:bodyPr/>
+                    <a:lstStyle/>
+                    <a:p>
+                      <a:pPr algn="ctr" latinLnBrk="1"/>
+                      <a:endParaRPr lang="ko-KR" altLang="en-US" sz="1400" dirty="0"/>
+                    </a:p>
+                  </a:txBody>
+                  <a:tcPr/>
+                </a:tc>
+                <a:tc>
+                  <a:txBody>
+                    <a:bodyPr/>
+                    <a:lstStyle/>
+                    <a:p>
+                      <a:pPr algn="ctr" latinLnBrk="1"/>
+                      <a:endParaRPr lang="ko-KR" altLang="en-US" sz="1400" dirty="0"/>
+                    </a:p>
+                  </a:txBody>
+                  <a:tcPr/>
+                </a:tc>
+                <a:tc>
+                  <a:txBody>
+                    <a:bodyPr/>
+                    <a:lstStyle/>
+                    <a:p>
+                      <a:pPr algn="ctr" latinLnBrk="1"/>
+                      <a:endParaRPr lang="ko-KR" altLang="en-US" sz="1400" dirty="0"/>
+                    </a:p>
+                  </a:txBody>
+                  <a:tcPr/>
+                </a:tc>
+                <a:tc>
+                  <a:txBody>
+                    <a:bodyPr/>
+                    <a:lstStyle/>
+                    <a:p>
+                      <a:pPr algn="ctr" latinLnBrk="1"/>
+                      <a:endParaRPr lang="ko-KR" altLang="en-US" sz="1400" dirty="0"/>
+                    </a:p>
+                  </a:txBody>
+                  <a:tcPr/>
+                </a:tc>
+                <a:tc>
+                  <a:txBody>
+                    <a:bodyPr/>
+                    <a:lstStyle/>
+                    <a:p>
+                      <a:pPr algn="ctr" latinLnBrk="1"/>
+                      <a:endParaRPr lang="ko-KR" altLang="en-US" sz="1400" dirty="0"/>
+                    </a:p>
+                  </a:txBody>
+                  <a:tcPr/>
+                </a:tc>
+                <a:tc>
+                  <a:txBody>
+                    <a:bodyPr/>
+                    <a:lstStyle/>
+                    <a:p>
+                      <a:pPr algn="ctr" latinLnBrk="1"/>
+                      <a:endParaRPr lang="ko-KR" altLang="en-US" sz="1400" dirty="0"/>
+                    </a:p>
+                  </a:txBody>
+                  <a:tcPr/>
+                </a:tc>
+                <a:tc>
+                  <a:txBody>
+                    <a:bodyPr/>
+                    <a:lstStyle/>
+                    <a:p>
+                      <a:pPr marL="0" marR="0" lvl="0" indent="0" algn="ctr" defTabSz="914400" rtl="0" eaLnBrk="1" fontAlgn="auto" latinLnBrk="1" hangingPunct="1">
+                        <a:lnSpc>
+                          <a:spcPct val="100000"/>
+                        </a:lnSpc>
+                        <a:spcBef>
+                          <a:spcPts val="0"/>
+                        </a:spcBef>
+                        <a:spcAft>
+                          <a:spcPts val="0"/>
+                        </a:spcAft>
+                        <a:buClrTx/>
+                        <a:buSzTx/>
+                        <a:buFontTx/>
+                        <a:buNone/>
+                        <a:tabLst/>
+                        <a:defRPr/>
+                      </a:pPr>
+                      <a:r>
+                        <a:rPr lang="ko-KR" altLang="en-US" sz="1400" u="sng" dirty="0">
+                          <a:solidFill>
+                            <a:srgbClr val="0070C0"/>
+                          </a:solidFill>
+                        </a:rPr>
+                        <a:t>상품삭제</a:t>
+                      </a:r>
+                    </a:p>
+                  </a:txBody>
+                  <a:tcPr/>
+                </a:tc>
+                <a:extLst>
+                  <a:ext uri="{0D108BD9-81ED-4DB2-BD59-A6C34878D82A}">
+                    <a16:rowId xmlns:a16="http://schemas.microsoft.com/office/drawing/2014/main" val="2282140617"/>
+                  </a:ext>
+                </a:extLst>
+              </a:tr>
+              <a:tr h="296333">
+                <a:tc>
+                  <a:txBody>
+                    <a:bodyPr/>
+                    <a:lstStyle/>
+                    <a:p>
+                      <a:pPr algn="ctr" latinLnBrk="1"/>
+                      <a:r>
+                        <a:rPr lang="ko-KR" altLang="en-US" sz="1400" dirty="0" err="1">
+                          <a:solidFill>
+                            <a:schemeClr val="tx1"/>
+                          </a:solidFill>
+                        </a:rPr>
+                        <a:t>ㅁ</a:t>
+                      </a:r>
+                      <a:endParaRPr lang="ko-KR" altLang="en-US" sz="1400" dirty="0">
+                        <a:solidFill>
+                          <a:schemeClr val="tx1"/>
+                        </a:solidFill>
+                      </a:endParaRPr>
+                    </a:p>
+                  </a:txBody>
+                  <a:tcPr>
+                    <a:solidFill>
+                      <a:schemeClr val="bg2"/>
+                    </a:solidFill>
+                  </a:tcPr>
+                </a:tc>
+                <a:tc>
+                  <a:txBody>
+                    <a:bodyPr/>
+                    <a:lstStyle/>
+                    <a:p>
+                      <a:pPr algn="ctr" latinLnBrk="1"/>
+                      <a:endParaRPr lang="ko-KR" altLang="en-US" sz="1400"/>
+                    </a:p>
+                  </a:txBody>
+                  <a:tcPr/>
+                </a:tc>
+                <a:tc>
+                  <a:txBody>
+                    <a:bodyPr/>
+                    <a:lstStyle/>
+                    <a:p>
+                      <a:pPr algn="ctr" latinLnBrk="1"/>
+                      <a:endParaRPr lang="ko-KR" altLang="en-US" sz="1400"/>
+                    </a:p>
+                  </a:txBody>
+                  <a:tcPr/>
+                </a:tc>
+                <a:tc>
+                  <a:txBody>
+                    <a:bodyPr/>
+                    <a:lstStyle/>
+                    <a:p>
+                      <a:pPr algn="ctr" latinLnBrk="1"/>
+                      <a:endParaRPr lang="ko-KR" altLang="en-US" sz="1400" dirty="0"/>
+                    </a:p>
+                  </a:txBody>
+                  <a:tcPr/>
+                </a:tc>
+                <a:tc>
+                  <a:txBody>
+                    <a:bodyPr/>
+                    <a:lstStyle/>
+                    <a:p>
+                      <a:pPr algn="ctr" latinLnBrk="1"/>
+                      <a:endParaRPr lang="ko-KR" altLang="en-US" sz="1400" dirty="0"/>
+                    </a:p>
+                  </a:txBody>
+                  <a:tcPr/>
+                </a:tc>
+                <a:tc>
+                  <a:txBody>
+                    <a:bodyPr/>
+                    <a:lstStyle/>
+                    <a:p>
+                      <a:pPr algn="ctr" latinLnBrk="1"/>
+                      <a:endParaRPr lang="ko-KR" altLang="en-US" sz="1400" dirty="0"/>
+                    </a:p>
+                  </a:txBody>
+                  <a:tcPr/>
+                </a:tc>
+                <a:tc>
+                  <a:txBody>
+                    <a:bodyPr/>
+                    <a:lstStyle/>
+                    <a:p>
+                      <a:pPr algn="ctr" latinLnBrk="1"/>
+                      <a:endParaRPr lang="ko-KR" altLang="en-US" sz="1400" dirty="0"/>
+                    </a:p>
+                  </a:txBody>
+                  <a:tcPr/>
+                </a:tc>
+                <a:tc>
+                  <a:txBody>
+                    <a:bodyPr/>
+                    <a:lstStyle/>
+                    <a:p>
+                      <a:pPr algn="ctr" latinLnBrk="1"/>
+                      <a:r>
+                        <a:rPr lang="ko-KR" altLang="en-US" sz="1400" u="sng" dirty="0">
+                          <a:solidFill>
+                            <a:srgbClr val="0070C0"/>
+                          </a:solidFill>
+                        </a:rPr>
+                        <a:t>상품삭제</a:t>
+                      </a:r>
+                      <a:endParaRPr lang="ko-KR" altLang="en-US" sz="1400" dirty="0"/>
+                    </a:p>
+                  </a:txBody>
+                  <a:tcPr/>
+                </a:tc>
+                <a:extLst>
+                  <a:ext uri="{0D108BD9-81ED-4DB2-BD59-A6C34878D82A}">
+                    <a16:rowId xmlns:a16="http://schemas.microsoft.com/office/drawing/2014/main" val="2018961919"/>
+                  </a:ext>
+                </a:extLst>
+              </a:tr>
+              <a:tr h="0">
+                <a:tc>
+                  <a:txBody>
+                    <a:bodyPr/>
+                    <a:lstStyle/>
+                    <a:p>
+                      <a:pPr algn="ctr" latinLnBrk="1"/>
+                      <a:r>
+                        <a:rPr lang="ko-KR" altLang="en-US" sz="1400" dirty="0" err="1">
+                          <a:solidFill>
+                            <a:schemeClr val="tx1"/>
+                          </a:solidFill>
+                        </a:rPr>
+                        <a:t>ㅁ</a:t>
+                      </a:r>
+                      <a:endParaRPr lang="ko-KR" altLang="en-US" sz="1400" dirty="0">
+                        <a:solidFill>
+                          <a:schemeClr val="tx1"/>
+                        </a:solidFill>
+                      </a:endParaRPr>
+                    </a:p>
+                  </a:txBody>
+                  <a:tcPr>
+                    <a:solidFill>
+                      <a:schemeClr val="bg2"/>
+                    </a:solidFill>
+                  </a:tcPr>
+                </a:tc>
+                <a:tc>
+                  <a:txBody>
+                    <a:bodyPr/>
+                    <a:lstStyle/>
+                    <a:p>
+                      <a:pPr algn="ctr" latinLnBrk="1"/>
+                      <a:endParaRPr lang="ko-KR" altLang="en-US" sz="1400" dirty="0"/>
+                    </a:p>
+                  </a:txBody>
+                  <a:tcPr/>
+                </a:tc>
+                <a:tc>
+                  <a:txBody>
+                    <a:bodyPr/>
+                    <a:lstStyle/>
+                    <a:p>
+                      <a:pPr algn="ctr" latinLnBrk="1"/>
+                      <a:endParaRPr lang="ko-KR" altLang="en-US" sz="1400" dirty="0"/>
+                    </a:p>
+                  </a:txBody>
+                  <a:tcPr/>
+                </a:tc>
+                <a:tc>
+                  <a:txBody>
+                    <a:bodyPr/>
+                    <a:lstStyle/>
+                    <a:p>
+                      <a:pPr algn="ctr" latinLnBrk="1"/>
+                      <a:endParaRPr lang="ko-KR" altLang="en-US" sz="1400" dirty="0"/>
+                    </a:p>
+                  </a:txBody>
+                  <a:tcPr/>
+                </a:tc>
+                <a:tc>
+                  <a:txBody>
+                    <a:bodyPr/>
+                    <a:lstStyle/>
+                    <a:p>
+                      <a:pPr algn="ctr" latinLnBrk="1"/>
+                      <a:endParaRPr lang="ko-KR" altLang="en-US" sz="1400" dirty="0"/>
+                    </a:p>
+                  </a:txBody>
+                  <a:tcPr/>
+                </a:tc>
+                <a:tc>
+                  <a:txBody>
+                    <a:bodyPr/>
+                    <a:lstStyle/>
+                    <a:p>
+                      <a:pPr algn="ctr" latinLnBrk="1"/>
+                      <a:endParaRPr lang="ko-KR" altLang="en-US" sz="1400" dirty="0"/>
+                    </a:p>
+                  </a:txBody>
+                  <a:tcPr/>
+                </a:tc>
+                <a:tc>
+                  <a:txBody>
+                    <a:bodyPr/>
+                    <a:lstStyle/>
+                    <a:p>
+                      <a:pPr algn="ctr" latinLnBrk="1"/>
+                      <a:endParaRPr lang="ko-KR" altLang="en-US" sz="1400" dirty="0"/>
+                    </a:p>
+                  </a:txBody>
+                  <a:tcPr/>
+                </a:tc>
+                <a:tc>
+                  <a:txBody>
+                    <a:bodyPr/>
+                    <a:lstStyle/>
+                    <a:p>
+                      <a:pPr algn="ctr" latinLnBrk="1"/>
+                      <a:r>
+                        <a:rPr lang="ko-KR" altLang="en-US" sz="1400" u="sng" dirty="0">
+                          <a:solidFill>
+                            <a:srgbClr val="0070C0"/>
+                          </a:solidFill>
+                        </a:rPr>
+                        <a:t>상품삭제</a:t>
+                      </a:r>
+                      <a:endParaRPr lang="ko-KR" altLang="en-US" sz="1400" dirty="0"/>
+                    </a:p>
+                  </a:txBody>
+                  <a:tcPr/>
+                </a:tc>
+                <a:extLst>
+                  <a:ext uri="{0D108BD9-81ED-4DB2-BD59-A6C34878D82A}">
+                    <a16:rowId xmlns:a16="http://schemas.microsoft.com/office/drawing/2014/main" val="3964268595"/>
+                  </a:ext>
+                </a:extLst>
+              </a:tr>
+              <a:tr h="162901">
+                <a:tc>
+                  <a:txBody>
+                    <a:bodyPr/>
+                    <a:lstStyle/>
+                    <a:p>
+                      <a:pPr algn="ctr" latinLnBrk="1"/>
+                      <a:r>
+                        <a:rPr lang="ko-KR" altLang="en-US" sz="1400" dirty="0" err="1">
+                          <a:solidFill>
+                            <a:schemeClr val="tx1"/>
+                          </a:solidFill>
+                        </a:rPr>
+                        <a:t>ㅁ</a:t>
+                      </a:r>
+                      <a:endParaRPr lang="ko-KR" altLang="en-US" sz="1400" dirty="0">
+                        <a:solidFill>
+                          <a:schemeClr val="tx1"/>
+                        </a:solidFill>
+                      </a:endParaRPr>
+                    </a:p>
+                  </a:txBody>
+                  <a:tcPr>
+                    <a:solidFill>
+                      <a:schemeClr val="bg2"/>
+                    </a:solidFill>
+                  </a:tcPr>
+                </a:tc>
+                <a:tc>
+                  <a:txBody>
+                    <a:bodyPr/>
+                    <a:lstStyle/>
+                    <a:p>
+                      <a:pPr algn="ctr" latinLnBrk="1"/>
+                      <a:endParaRPr lang="ko-KR" altLang="en-US" sz="1400" dirty="0"/>
+                    </a:p>
+                  </a:txBody>
+                  <a:tcPr/>
+                </a:tc>
+                <a:tc>
+                  <a:txBody>
+                    <a:bodyPr/>
+                    <a:lstStyle/>
+                    <a:p>
+                      <a:pPr algn="ctr" latinLnBrk="1"/>
+                      <a:endParaRPr lang="ko-KR" altLang="en-US" sz="1400" dirty="0"/>
+                    </a:p>
+                  </a:txBody>
+                  <a:tcPr/>
+                </a:tc>
+                <a:tc>
+                  <a:txBody>
+                    <a:bodyPr/>
+                    <a:lstStyle/>
+                    <a:p>
+                      <a:pPr algn="ctr" latinLnBrk="1"/>
+                      <a:endParaRPr lang="ko-KR" altLang="en-US" sz="1400" dirty="0"/>
+                    </a:p>
+                  </a:txBody>
+                  <a:tcPr/>
+                </a:tc>
+                <a:tc>
+                  <a:txBody>
+                    <a:bodyPr/>
+                    <a:lstStyle/>
+                    <a:p>
+                      <a:pPr algn="ctr" latinLnBrk="1"/>
+                      <a:endParaRPr lang="ko-KR" altLang="en-US" sz="1400" dirty="0"/>
+                    </a:p>
+                  </a:txBody>
+                  <a:tcPr/>
+                </a:tc>
+                <a:tc>
+                  <a:txBody>
+                    <a:bodyPr/>
+                    <a:lstStyle/>
+                    <a:p>
+                      <a:pPr algn="ctr" latinLnBrk="1"/>
+                      <a:endParaRPr lang="ko-KR" altLang="en-US" sz="1400" dirty="0"/>
+                    </a:p>
+                  </a:txBody>
+                  <a:tcPr/>
+                </a:tc>
+                <a:tc>
+                  <a:txBody>
+                    <a:bodyPr/>
+                    <a:lstStyle/>
+                    <a:p>
+                      <a:pPr algn="ctr" latinLnBrk="1"/>
+                      <a:endParaRPr lang="ko-KR" altLang="en-US" sz="1400" dirty="0"/>
+                    </a:p>
+                  </a:txBody>
+                  <a:tcPr/>
+                </a:tc>
+                <a:tc>
+                  <a:txBody>
+                    <a:bodyPr/>
+                    <a:lstStyle/>
+                    <a:p>
+                      <a:pPr algn="ctr" latinLnBrk="1"/>
+                      <a:r>
+                        <a:rPr lang="ko-KR" altLang="en-US" sz="1400" u="sng" dirty="0">
+                          <a:solidFill>
+                            <a:srgbClr val="0070C0"/>
+                          </a:solidFill>
+                        </a:rPr>
+                        <a:t>상품삭제</a:t>
+                      </a:r>
+                    </a:p>
+                  </a:txBody>
+                  <a:tcPr/>
+                </a:tc>
+                <a:extLst>
+                  <a:ext uri="{0D108BD9-81ED-4DB2-BD59-A6C34878D82A}">
+                    <a16:rowId xmlns:a16="http://schemas.microsoft.com/office/drawing/2014/main" val="756742137"/>
+                  </a:ext>
+                </a:extLst>
+              </a:tr>
+              <a:tr h="156464">
+                <a:tc>
+                  <a:txBody>
+                    <a:bodyPr/>
+                    <a:lstStyle/>
+                    <a:p>
+                      <a:pPr algn="ctr" latinLnBrk="1"/>
+                      <a:r>
+                        <a:rPr lang="ko-KR" altLang="en-US" sz="1400" dirty="0" err="1">
+                          <a:solidFill>
+                            <a:schemeClr val="tx1"/>
+                          </a:solidFill>
+                        </a:rPr>
+                        <a:t>ㅁ</a:t>
+                      </a:r>
+                      <a:endParaRPr lang="ko-KR" altLang="en-US" sz="1400" dirty="0">
+                        <a:solidFill>
+                          <a:schemeClr val="tx1"/>
+                        </a:solidFill>
+                      </a:endParaRPr>
+                    </a:p>
+                  </a:txBody>
+                  <a:tcPr>
+                    <a:solidFill>
+                      <a:schemeClr val="bg2"/>
+                    </a:solidFill>
+                  </a:tcPr>
+                </a:tc>
+                <a:tc>
+                  <a:txBody>
+                    <a:bodyPr/>
+                    <a:lstStyle/>
+                    <a:p>
+                      <a:pPr algn="ctr" latinLnBrk="1"/>
+                      <a:endParaRPr lang="ko-KR" altLang="en-US" sz="1400" dirty="0"/>
+                    </a:p>
+                  </a:txBody>
+                  <a:tcPr/>
+                </a:tc>
+                <a:tc>
+                  <a:txBody>
+                    <a:bodyPr/>
+                    <a:lstStyle/>
+                    <a:p>
+                      <a:pPr algn="ctr" latinLnBrk="1"/>
+                      <a:endParaRPr lang="ko-KR" altLang="en-US" sz="1400" dirty="0"/>
+                    </a:p>
+                  </a:txBody>
+                  <a:tcPr/>
+                </a:tc>
+                <a:tc>
+                  <a:txBody>
+                    <a:bodyPr/>
+                    <a:lstStyle/>
+                    <a:p>
+                      <a:pPr algn="ctr" latinLnBrk="1"/>
+                      <a:endParaRPr lang="ko-KR" altLang="en-US" sz="1400" dirty="0"/>
+                    </a:p>
+                  </a:txBody>
+                  <a:tcPr/>
+                </a:tc>
+                <a:tc>
+                  <a:txBody>
+                    <a:bodyPr/>
+                    <a:lstStyle/>
+                    <a:p>
+                      <a:pPr algn="ctr" latinLnBrk="1"/>
+                      <a:endParaRPr lang="ko-KR" altLang="en-US" sz="1400" dirty="0"/>
+                    </a:p>
+                  </a:txBody>
+                  <a:tcPr/>
+                </a:tc>
+                <a:tc>
+                  <a:txBody>
+                    <a:bodyPr/>
+                    <a:lstStyle/>
+                    <a:p>
+                      <a:pPr algn="ctr" latinLnBrk="1"/>
+                      <a:endParaRPr lang="ko-KR" altLang="en-US" sz="1400" dirty="0"/>
+                    </a:p>
+                  </a:txBody>
+                  <a:tcPr/>
+                </a:tc>
+                <a:tc>
+                  <a:txBody>
+                    <a:bodyPr/>
+                    <a:lstStyle/>
+                    <a:p>
+                      <a:pPr algn="ctr" latinLnBrk="1"/>
+                      <a:endParaRPr lang="ko-KR" altLang="en-US" sz="1400" dirty="0"/>
+                    </a:p>
+                  </a:txBody>
+                  <a:tcPr/>
+                </a:tc>
+                <a:tc>
+                  <a:txBody>
+                    <a:bodyPr/>
+                    <a:lstStyle/>
+                    <a:p>
+                      <a:pPr marL="0" marR="0" lvl="0" indent="0" algn="ctr" defTabSz="914400" rtl="0" eaLnBrk="1" fontAlgn="auto" latinLnBrk="1" hangingPunct="1">
+                        <a:lnSpc>
+                          <a:spcPct val="100000"/>
+                        </a:lnSpc>
+                        <a:spcBef>
+                          <a:spcPts val="0"/>
+                        </a:spcBef>
+                        <a:spcAft>
+                          <a:spcPts val="0"/>
+                        </a:spcAft>
+                        <a:buClrTx/>
+                        <a:buSzTx/>
+                        <a:buFontTx/>
+                        <a:buNone/>
+                        <a:tabLst/>
+                        <a:defRPr/>
+                      </a:pPr>
+                      <a:r>
+                        <a:rPr lang="ko-KR" altLang="en-US" sz="1400" u="sng" dirty="0">
+                          <a:solidFill>
+                            <a:srgbClr val="0070C0"/>
+                          </a:solidFill>
+                        </a:rPr>
+                        <a:t>상품삭제</a:t>
+                      </a:r>
+                    </a:p>
+                  </a:txBody>
+                  <a:tcPr/>
+                </a:tc>
+                <a:extLst>
+                  <a:ext uri="{0D108BD9-81ED-4DB2-BD59-A6C34878D82A}">
+                    <a16:rowId xmlns:a16="http://schemas.microsoft.com/office/drawing/2014/main" val="152301064"/>
+                  </a:ext>
+                </a:extLst>
+              </a:tr>
+              <a:tr h="0">
+                <a:tc>
+                  <a:txBody>
+                    <a:bodyPr/>
+                    <a:lstStyle/>
+                    <a:p>
+                      <a:pPr algn="ctr" latinLnBrk="1"/>
+                      <a:r>
+                        <a:rPr lang="ko-KR" altLang="en-US" sz="1400" dirty="0" err="1">
+                          <a:solidFill>
+                            <a:schemeClr val="tx1"/>
+                          </a:solidFill>
+                        </a:rPr>
+                        <a:t>ㅁ</a:t>
+                      </a:r>
+                      <a:endParaRPr lang="ko-KR" altLang="en-US" sz="1400" dirty="0">
+                        <a:solidFill>
+                          <a:schemeClr val="tx1"/>
+                        </a:solidFill>
+                      </a:endParaRPr>
+                    </a:p>
+                  </a:txBody>
+                  <a:tcPr>
+                    <a:solidFill>
+                      <a:schemeClr val="bg2"/>
+                    </a:solidFill>
+                  </a:tcPr>
+                </a:tc>
+                <a:tc>
+                  <a:txBody>
+                    <a:bodyPr/>
+                    <a:lstStyle/>
+                    <a:p>
+                      <a:pPr algn="ctr" latinLnBrk="1"/>
+                      <a:endParaRPr lang="ko-KR" altLang="en-US" sz="1400"/>
+                    </a:p>
+                  </a:txBody>
+                  <a:tcPr/>
+                </a:tc>
+                <a:tc>
+                  <a:txBody>
+                    <a:bodyPr/>
+                    <a:lstStyle/>
+                    <a:p>
+                      <a:pPr algn="ctr" latinLnBrk="1"/>
+                      <a:endParaRPr lang="ko-KR" altLang="en-US" sz="1400"/>
+                    </a:p>
+                  </a:txBody>
+                  <a:tcPr/>
+                </a:tc>
+                <a:tc>
+                  <a:txBody>
+                    <a:bodyPr/>
+                    <a:lstStyle/>
+                    <a:p>
+                      <a:pPr algn="ctr" latinLnBrk="1"/>
+                      <a:endParaRPr lang="ko-KR" altLang="en-US" sz="1400" dirty="0"/>
+                    </a:p>
+                  </a:txBody>
+                  <a:tcPr/>
+                </a:tc>
+                <a:tc>
+                  <a:txBody>
+                    <a:bodyPr/>
+                    <a:lstStyle/>
+                    <a:p>
+                      <a:pPr algn="ctr" latinLnBrk="1"/>
+                      <a:endParaRPr lang="ko-KR" altLang="en-US" sz="1400" dirty="0"/>
+                    </a:p>
+                  </a:txBody>
+                  <a:tcPr/>
+                </a:tc>
+                <a:tc>
+                  <a:txBody>
+                    <a:bodyPr/>
+                    <a:lstStyle/>
+                    <a:p>
+                      <a:pPr algn="ctr" latinLnBrk="1"/>
+                      <a:endParaRPr lang="ko-KR" altLang="en-US" sz="1400" dirty="0"/>
+                    </a:p>
+                  </a:txBody>
+                  <a:tcPr/>
+                </a:tc>
+                <a:tc>
+                  <a:txBody>
+                    <a:bodyPr/>
+                    <a:lstStyle/>
+                    <a:p>
+                      <a:pPr algn="ctr" latinLnBrk="1"/>
+                      <a:endParaRPr lang="ko-KR" altLang="en-US" sz="1400" dirty="0"/>
+                    </a:p>
+                  </a:txBody>
+                  <a:tcPr/>
+                </a:tc>
+                <a:tc>
+                  <a:txBody>
+                    <a:bodyPr/>
+                    <a:lstStyle/>
+                    <a:p>
+                      <a:pPr algn="ctr" latinLnBrk="1"/>
+                      <a:r>
+                        <a:rPr lang="ko-KR" altLang="en-US" sz="1400" u="sng" dirty="0">
+                          <a:solidFill>
+                            <a:srgbClr val="0070C0"/>
+                          </a:solidFill>
+                        </a:rPr>
+                        <a:t>상품삭제</a:t>
+                      </a:r>
+                      <a:endParaRPr lang="ko-KR" altLang="en-US" sz="1400" dirty="0"/>
+                    </a:p>
+                  </a:txBody>
+                  <a:tcPr/>
+                </a:tc>
+                <a:extLst>
+                  <a:ext uri="{0D108BD9-81ED-4DB2-BD59-A6C34878D82A}">
+                    <a16:rowId xmlns:a16="http://schemas.microsoft.com/office/drawing/2014/main" val="2682190164"/>
+                  </a:ext>
+                </a:extLst>
+              </a:tr>
+              <a:tr h="0">
+                <a:tc>
+                  <a:txBody>
+                    <a:bodyPr/>
+                    <a:lstStyle/>
+                    <a:p>
+                      <a:pPr algn="ctr" latinLnBrk="1"/>
+                      <a:r>
+                        <a:rPr lang="ko-KR" altLang="en-US" sz="1400" dirty="0" err="1">
+                          <a:solidFill>
+                            <a:schemeClr val="tx1"/>
+                          </a:solidFill>
+                        </a:rPr>
+                        <a:t>ㅁ</a:t>
+                      </a:r>
+                      <a:endParaRPr lang="ko-KR" altLang="en-US" sz="1400" dirty="0">
+                        <a:solidFill>
+                          <a:schemeClr val="tx1"/>
+                        </a:solidFill>
+                      </a:endParaRPr>
+                    </a:p>
+                  </a:txBody>
+                  <a:tcPr>
+                    <a:solidFill>
+                      <a:schemeClr val="bg2"/>
+                    </a:solidFill>
+                  </a:tcPr>
+                </a:tc>
+                <a:tc>
+                  <a:txBody>
+                    <a:bodyPr/>
+                    <a:lstStyle/>
+                    <a:p>
+                      <a:pPr algn="ctr" latinLnBrk="1"/>
+                      <a:endParaRPr lang="ko-KR" altLang="en-US" sz="1400" dirty="0"/>
+                    </a:p>
+                  </a:txBody>
+                  <a:tcPr/>
+                </a:tc>
+                <a:tc>
+                  <a:txBody>
+                    <a:bodyPr/>
+                    <a:lstStyle/>
+                    <a:p>
+                      <a:pPr algn="ctr" latinLnBrk="1"/>
+                      <a:endParaRPr lang="ko-KR" altLang="en-US" sz="1400" dirty="0"/>
+                    </a:p>
+                  </a:txBody>
+                  <a:tcPr/>
+                </a:tc>
+                <a:tc>
+                  <a:txBody>
+                    <a:bodyPr/>
+                    <a:lstStyle/>
+                    <a:p>
+                      <a:pPr algn="ctr" latinLnBrk="1"/>
+                      <a:endParaRPr lang="ko-KR" altLang="en-US" sz="1400" dirty="0"/>
+                    </a:p>
+                  </a:txBody>
+                  <a:tcPr/>
+                </a:tc>
+                <a:tc>
+                  <a:txBody>
+                    <a:bodyPr/>
+                    <a:lstStyle/>
+                    <a:p>
+                      <a:pPr algn="ctr" latinLnBrk="1"/>
+                      <a:endParaRPr lang="ko-KR" altLang="en-US" sz="1400" dirty="0"/>
+                    </a:p>
+                  </a:txBody>
+                  <a:tcPr/>
+                </a:tc>
+                <a:tc>
+                  <a:txBody>
+                    <a:bodyPr/>
+                    <a:lstStyle/>
+                    <a:p>
+                      <a:pPr algn="ctr" latinLnBrk="1"/>
+                      <a:endParaRPr lang="ko-KR" altLang="en-US" sz="1400" dirty="0"/>
+                    </a:p>
+                  </a:txBody>
+                  <a:tcPr/>
+                </a:tc>
+                <a:tc>
+                  <a:txBody>
+                    <a:bodyPr/>
+                    <a:lstStyle/>
+                    <a:p>
+                      <a:pPr algn="ctr" latinLnBrk="1"/>
+                      <a:endParaRPr lang="ko-KR" altLang="en-US" sz="1400" dirty="0"/>
+                    </a:p>
+                  </a:txBody>
+                  <a:tcPr/>
+                </a:tc>
+                <a:tc>
+                  <a:txBody>
+                    <a:bodyPr/>
+                    <a:lstStyle/>
+                    <a:p>
+                      <a:pPr algn="ctr" latinLnBrk="1"/>
+                      <a:r>
+                        <a:rPr lang="ko-KR" altLang="en-US" sz="1400" u="sng" dirty="0">
+                          <a:solidFill>
+                            <a:srgbClr val="0070C0"/>
+                          </a:solidFill>
+                        </a:rPr>
+                        <a:t>상품삭제</a:t>
+                      </a:r>
+                      <a:endParaRPr lang="ko-KR" altLang="en-US" sz="1400" dirty="0"/>
+                    </a:p>
+                  </a:txBody>
+                  <a:tcPr/>
+                </a:tc>
+                <a:extLst>
+                  <a:ext uri="{0D108BD9-81ED-4DB2-BD59-A6C34878D82A}">
+                    <a16:rowId xmlns:a16="http://schemas.microsoft.com/office/drawing/2014/main" val="3794409333"/>
+                  </a:ext>
+                </a:extLst>
+              </a:tr>
+            </a:tbl>
+          </a:graphicData>
+        </a:graphic>
+      </p:graphicFrame>
+      <p:sp>
+        <p:nvSpPr>
+          <p:cNvPr id="49" name="TextBox 48">
+            <a:extLst>
+              <a:ext uri="{FF2B5EF4-FFF2-40B4-BE49-F238E27FC236}">
+                <a16:creationId xmlns:a16="http://schemas.microsoft.com/office/drawing/2014/main" id="{A68299C2-F008-4D06-BD9D-FB8D324A2663}"/>
+              </a:ext>
+            </a:extLst>
+          </p:cNvPr>
+          <p:cNvSpPr txBox="1"/>
+          <p:nvPr/>
+        </p:nvSpPr>
+        <p:spPr>
+          <a:xfrm>
+            <a:off x="2744888" y="1035342"/>
+            <a:ext cx="332509" cy="360000"/>
+          </a:xfrm>
+          <a:prstGeom prst="rect">
+            <a:avLst/>
+          </a:prstGeom>
+          <a:noFill/>
+          <a:ln>
+            <a:solidFill>
+              <a:schemeClr val="tx1"/>
+            </a:solidFill>
+          </a:ln>
+        </p:spPr>
+        <p:txBody>
+          <a:bodyPr wrap="square">
+            <a:spAutoFit/>
+          </a:bodyPr>
+          <a:lstStyle/>
+          <a:p>
+            <a:pPr algn="ctr"/>
+            <a:r>
+              <a:rPr lang="ko-KR" altLang="en-US" sz="1800" dirty="0">
+                <a:solidFill>
+                  <a:schemeClr val="tx1"/>
+                </a:solidFill>
+              </a:rPr>
+              <a:t>▼</a:t>
+            </a:r>
+          </a:p>
+        </p:txBody>
+      </p:sp>
+      <p:sp>
+        <p:nvSpPr>
+          <p:cNvPr id="50" name="타원 49">
+            <a:extLst>
+              <a:ext uri="{FF2B5EF4-FFF2-40B4-BE49-F238E27FC236}">
+                <a16:creationId xmlns:a16="http://schemas.microsoft.com/office/drawing/2014/main" id="{014C682C-D546-45EE-A8D3-595CFC3768C7}"/>
+              </a:ext>
+            </a:extLst>
+          </p:cNvPr>
+          <p:cNvSpPr/>
+          <p:nvPr/>
+        </p:nvSpPr>
+        <p:spPr>
+          <a:xfrm>
+            <a:off x="2606101" y="893361"/>
+            <a:ext cx="275643" cy="285375"/>
+          </a:xfrm>
+          <a:prstGeom prst="ellipse">
+            <a:avLst/>
+          </a:prstGeom>
+          <a:noFill/>
+          <a:ln w="38100">
+            <a:solidFill>
+              <a:srgbClr val="FF0000"/>
+            </a:solidFill>
+          </a:ln>
+        </p:spPr>
+        <p:style>
+          <a:lnRef idx="2">
+            <a:schemeClr val="accent1">
+              <a:shade val="50000"/>
+            </a:schemeClr>
+          </a:lnRef>
+          <a:fillRef idx="1">
+            <a:schemeClr val="accent1"/>
+          </a:fillRef>
+          <a:effectRef idx="0">
+            <a:schemeClr val="accent1"/>
+          </a:effectRef>
+          <a:fontRef idx="minor">
+            <a:schemeClr val="lt1"/>
+          </a:fontRef>
+        </p:style>
+        <p:txBody>
+          <a:bodyPr rtlCol="0" anchor="ctr"/>
+          <a:lstStyle/>
+          <a:p>
+            <a:pPr algn="ctr"/>
+            <a:r>
+              <a:rPr lang="en-US" altLang="ko-KR" sz="1400" dirty="0">
+                <a:ln w="57150">
+                  <a:noFill/>
+                </a:ln>
+                <a:solidFill>
+                  <a:srgbClr val="FF0000"/>
+                </a:solidFill>
+              </a:rPr>
+              <a:t>1</a:t>
+            </a:r>
+            <a:endParaRPr lang="ko-KR" altLang="en-US" sz="1400" dirty="0">
+              <a:ln w="57150">
+                <a:noFill/>
+              </a:ln>
+              <a:solidFill>
+                <a:srgbClr val="FF0000"/>
+              </a:solidFill>
+            </a:endParaRPr>
+          </a:p>
+        </p:txBody>
+      </p:sp>
+      <p:sp>
+        <p:nvSpPr>
+          <p:cNvPr id="13" name="직사각형 12">
+            <a:extLst>
+              <a:ext uri="{FF2B5EF4-FFF2-40B4-BE49-F238E27FC236}">
+                <a16:creationId xmlns:a16="http://schemas.microsoft.com/office/drawing/2014/main" id="{DEFB8EC8-F00F-40E1-B7AE-06FFAD06591F}"/>
+              </a:ext>
+            </a:extLst>
+          </p:cNvPr>
+          <p:cNvSpPr/>
+          <p:nvPr/>
+        </p:nvSpPr>
+        <p:spPr>
+          <a:xfrm>
+            <a:off x="2807620" y="4606539"/>
+            <a:ext cx="5127723" cy="365125"/>
+          </a:xfrm>
+          <a:prstGeom prst="rect">
+            <a:avLst/>
+          </a:prstGeom>
+          <a:solidFill>
+            <a:schemeClr val="accent2">
+              <a:lumMod val="20000"/>
+              <a:lumOff val="80000"/>
+            </a:schemeClr>
+          </a:solidFill>
+        </p:spPr>
+        <p:style>
+          <a:lnRef idx="2">
+            <a:schemeClr val="accent1">
+              <a:shade val="50000"/>
+            </a:schemeClr>
+          </a:lnRef>
+          <a:fillRef idx="1">
+            <a:schemeClr val="accent1"/>
+          </a:fillRef>
+          <a:effectRef idx="0">
+            <a:schemeClr val="accent1"/>
+          </a:effectRef>
+          <a:fontRef idx="minor">
+            <a:schemeClr val="lt1"/>
+          </a:fontRef>
+        </p:style>
+        <p:txBody>
+          <a:bodyPr rtlCol="0" anchor="ctr"/>
+          <a:lstStyle/>
+          <a:p>
+            <a:pPr algn="ctr"/>
+            <a:r>
+              <a:rPr lang="ko-KR" altLang="en-US">
+                <a:solidFill>
+                  <a:srgbClr val="00B050"/>
+                </a:solidFill>
+              </a:rPr>
+              <a:t>페이징처리</a:t>
+            </a:r>
+            <a:endParaRPr lang="ko-KR" altLang="en-US" dirty="0">
+              <a:solidFill>
+                <a:srgbClr val="00B050"/>
+              </a:solidFill>
+            </a:endParaRPr>
+          </a:p>
+        </p:txBody>
+      </p:sp>
+      <p:sp>
+        <p:nvSpPr>
+          <p:cNvPr id="51" name="직사각형 50">
+            <a:extLst>
+              <a:ext uri="{FF2B5EF4-FFF2-40B4-BE49-F238E27FC236}">
+                <a16:creationId xmlns:a16="http://schemas.microsoft.com/office/drawing/2014/main" id="{57F32698-E4B8-4C32-B8F4-9BC3E80E6C5D}"/>
+              </a:ext>
+            </a:extLst>
+          </p:cNvPr>
+          <p:cNvSpPr/>
+          <p:nvPr/>
+        </p:nvSpPr>
+        <p:spPr>
+          <a:xfrm>
+            <a:off x="2503055" y="1940874"/>
+            <a:ext cx="2153614" cy="2302656"/>
+          </a:xfrm>
+          <a:prstGeom prst="rect">
+            <a:avLst/>
+          </a:prstGeom>
+          <a:solidFill>
+            <a:schemeClr val="accent2">
+              <a:lumMod val="60000"/>
+              <a:lumOff val="40000"/>
+              <a:alpha val="17000"/>
+            </a:schemeClr>
+          </a:solidFill>
+        </p:spPr>
+        <p:style>
+          <a:lnRef idx="2">
+            <a:schemeClr val="accent1">
+              <a:shade val="50000"/>
+            </a:schemeClr>
+          </a:lnRef>
+          <a:fillRef idx="1">
+            <a:schemeClr val="accent1"/>
+          </a:fillRef>
+          <a:effectRef idx="0">
+            <a:schemeClr val="accent1"/>
+          </a:effectRef>
+          <a:fontRef idx="minor">
+            <a:schemeClr val="lt1"/>
+          </a:fontRef>
+        </p:style>
+        <p:txBody>
+          <a:bodyPr rtlCol="0" anchor="ctr"/>
+          <a:lstStyle/>
+          <a:p>
+            <a:pPr algn="ctr"/>
+            <a:r>
+              <a:rPr lang="ko-KR" altLang="en-US">
+                <a:solidFill>
+                  <a:srgbClr val="00B050"/>
+                </a:solidFill>
+              </a:rPr>
+              <a:t>클릭 가능</a:t>
+            </a:r>
+            <a:endParaRPr lang="ko-KR" altLang="en-US" dirty="0">
+              <a:solidFill>
+                <a:srgbClr val="00B050"/>
+              </a:solidFill>
+            </a:endParaRPr>
+          </a:p>
+        </p:txBody>
+      </p:sp>
+      <p:sp>
+        <p:nvSpPr>
+          <p:cNvPr id="52" name="타원 51">
+            <a:extLst>
+              <a:ext uri="{FF2B5EF4-FFF2-40B4-BE49-F238E27FC236}">
+                <a16:creationId xmlns:a16="http://schemas.microsoft.com/office/drawing/2014/main" id="{0D5FF6B5-D8EB-4BEC-8228-310D5798A75A}"/>
+              </a:ext>
+            </a:extLst>
+          </p:cNvPr>
+          <p:cNvSpPr/>
+          <p:nvPr/>
+        </p:nvSpPr>
+        <p:spPr>
+          <a:xfrm>
+            <a:off x="2606100" y="2028236"/>
+            <a:ext cx="275643" cy="285375"/>
+          </a:xfrm>
+          <a:prstGeom prst="ellipse">
+            <a:avLst/>
+          </a:prstGeom>
+          <a:noFill/>
+          <a:ln w="38100">
+            <a:solidFill>
+              <a:srgbClr val="FF0000"/>
+            </a:solidFill>
+          </a:ln>
+        </p:spPr>
+        <p:style>
+          <a:lnRef idx="2">
+            <a:schemeClr val="accent1">
+              <a:shade val="50000"/>
+            </a:schemeClr>
+          </a:lnRef>
+          <a:fillRef idx="1">
+            <a:schemeClr val="accent1"/>
+          </a:fillRef>
+          <a:effectRef idx="0">
+            <a:schemeClr val="accent1"/>
+          </a:effectRef>
+          <a:fontRef idx="minor">
+            <a:schemeClr val="lt1"/>
+          </a:fontRef>
+        </p:style>
+        <p:txBody>
+          <a:bodyPr rtlCol="0" anchor="ctr"/>
+          <a:lstStyle/>
+          <a:p>
+            <a:pPr algn="ctr"/>
+            <a:r>
+              <a:rPr lang="en-US" altLang="ko-KR" sz="1400" dirty="0">
+                <a:ln w="57150">
+                  <a:noFill/>
+                </a:ln>
+                <a:solidFill>
+                  <a:srgbClr val="FF0000"/>
+                </a:solidFill>
+              </a:rPr>
+              <a:t>2</a:t>
+            </a:r>
+            <a:endParaRPr lang="ko-KR" altLang="en-US" sz="1400" dirty="0">
+              <a:ln w="57150">
+                <a:noFill/>
+              </a:ln>
+              <a:solidFill>
+                <a:srgbClr val="FF0000"/>
+              </a:solidFill>
+            </a:endParaRPr>
+          </a:p>
+        </p:txBody>
+      </p:sp>
+      <p:sp>
+        <p:nvSpPr>
+          <p:cNvPr id="53" name="타원 52">
+            <a:extLst>
+              <a:ext uri="{FF2B5EF4-FFF2-40B4-BE49-F238E27FC236}">
+                <a16:creationId xmlns:a16="http://schemas.microsoft.com/office/drawing/2014/main" id="{8C9B72E2-4B31-478A-A503-6409AAF0F418}"/>
+              </a:ext>
+            </a:extLst>
+          </p:cNvPr>
+          <p:cNvSpPr/>
+          <p:nvPr/>
+        </p:nvSpPr>
+        <p:spPr>
+          <a:xfrm>
+            <a:off x="8057435" y="1876540"/>
+            <a:ext cx="275643" cy="285375"/>
+          </a:xfrm>
+          <a:prstGeom prst="ellipse">
+            <a:avLst/>
+          </a:prstGeom>
+          <a:noFill/>
+          <a:ln w="38100">
+            <a:solidFill>
+              <a:srgbClr val="FF0000"/>
+            </a:solidFill>
+          </a:ln>
+        </p:spPr>
+        <p:style>
+          <a:lnRef idx="2">
+            <a:schemeClr val="accent1">
+              <a:shade val="50000"/>
+            </a:schemeClr>
+          </a:lnRef>
+          <a:fillRef idx="1">
+            <a:schemeClr val="accent1"/>
+          </a:fillRef>
+          <a:effectRef idx="0">
+            <a:schemeClr val="accent1"/>
+          </a:effectRef>
+          <a:fontRef idx="minor">
+            <a:schemeClr val="lt1"/>
+          </a:fontRef>
+        </p:style>
+        <p:txBody>
+          <a:bodyPr rtlCol="0" anchor="ctr"/>
+          <a:lstStyle/>
+          <a:p>
+            <a:pPr algn="ctr"/>
+            <a:r>
+              <a:rPr lang="en-US" altLang="ko-KR" sz="1400" dirty="0">
+                <a:ln w="57150">
+                  <a:noFill/>
+                </a:ln>
+                <a:solidFill>
+                  <a:srgbClr val="FF0000"/>
+                </a:solidFill>
+              </a:rPr>
+              <a:t>3</a:t>
+            </a:r>
+            <a:endParaRPr lang="ko-KR" altLang="en-US" sz="1400" dirty="0">
+              <a:ln w="57150">
+                <a:noFill/>
+              </a:ln>
+              <a:solidFill>
+                <a:srgbClr val="FF0000"/>
+              </a:solidFill>
+            </a:endParaRPr>
+          </a:p>
+        </p:txBody>
+      </p:sp>
+      <p:sp>
+        <p:nvSpPr>
+          <p:cNvPr id="54" name="타원 53">
+            <a:extLst>
+              <a:ext uri="{FF2B5EF4-FFF2-40B4-BE49-F238E27FC236}">
+                <a16:creationId xmlns:a16="http://schemas.microsoft.com/office/drawing/2014/main" id="{63164064-25FD-4AA7-81C4-DFBAB71103D9}"/>
+              </a:ext>
+            </a:extLst>
+          </p:cNvPr>
+          <p:cNvSpPr/>
+          <p:nvPr/>
+        </p:nvSpPr>
+        <p:spPr>
+          <a:xfrm>
+            <a:off x="2717801" y="4472913"/>
+            <a:ext cx="275643" cy="285375"/>
+          </a:xfrm>
+          <a:prstGeom prst="ellipse">
+            <a:avLst/>
+          </a:prstGeom>
+          <a:noFill/>
+          <a:ln w="38100">
+            <a:solidFill>
+              <a:srgbClr val="FF0000"/>
+            </a:solidFill>
+          </a:ln>
+        </p:spPr>
+        <p:style>
+          <a:lnRef idx="2">
+            <a:schemeClr val="accent1">
+              <a:shade val="50000"/>
+            </a:schemeClr>
+          </a:lnRef>
+          <a:fillRef idx="1">
+            <a:schemeClr val="accent1"/>
+          </a:fillRef>
+          <a:effectRef idx="0">
+            <a:schemeClr val="accent1"/>
+          </a:effectRef>
+          <a:fontRef idx="minor">
+            <a:schemeClr val="lt1"/>
+          </a:fontRef>
+        </p:style>
+        <p:txBody>
+          <a:bodyPr rtlCol="0" anchor="ctr"/>
+          <a:lstStyle/>
+          <a:p>
+            <a:pPr algn="ctr"/>
+            <a:r>
+              <a:rPr lang="en-US" altLang="ko-KR" sz="1400" dirty="0">
+                <a:ln w="57150">
+                  <a:noFill/>
+                </a:ln>
+                <a:solidFill>
+                  <a:srgbClr val="FF0000"/>
+                </a:solidFill>
+              </a:rPr>
+              <a:t>4</a:t>
+            </a:r>
+            <a:endParaRPr lang="ko-KR" altLang="en-US" sz="1400" dirty="0">
+              <a:ln w="57150">
+                <a:noFill/>
+              </a:ln>
+              <a:solidFill>
+                <a:srgbClr val="FF0000"/>
+              </a:solidFill>
+            </a:endParaRPr>
+          </a:p>
+        </p:txBody>
+      </p:sp>
+      <p:sp>
+        <p:nvSpPr>
+          <p:cNvPr id="55" name="타원 54">
+            <a:extLst>
+              <a:ext uri="{FF2B5EF4-FFF2-40B4-BE49-F238E27FC236}">
+                <a16:creationId xmlns:a16="http://schemas.microsoft.com/office/drawing/2014/main" id="{8C7DDFCB-09E7-4E7A-BF41-E161DCEFE978}"/>
+              </a:ext>
+            </a:extLst>
+          </p:cNvPr>
+          <p:cNvSpPr/>
+          <p:nvPr/>
+        </p:nvSpPr>
+        <p:spPr>
+          <a:xfrm>
+            <a:off x="9539576" y="4606539"/>
+            <a:ext cx="275643" cy="285375"/>
+          </a:xfrm>
+          <a:prstGeom prst="ellipse">
+            <a:avLst/>
+          </a:prstGeom>
+          <a:noFill/>
+          <a:ln w="38100">
+            <a:solidFill>
+              <a:srgbClr val="FF0000"/>
+            </a:solidFill>
+          </a:ln>
+        </p:spPr>
+        <p:style>
+          <a:lnRef idx="2">
+            <a:schemeClr val="accent1">
+              <a:shade val="50000"/>
+            </a:schemeClr>
+          </a:lnRef>
+          <a:fillRef idx="1">
+            <a:schemeClr val="accent1"/>
+          </a:fillRef>
+          <a:effectRef idx="0">
+            <a:schemeClr val="accent1"/>
+          </a:effectRef>
+          <a:fontRef idx="minor">
+            <a:schemeClr val="lt1"/>
+          </a:fontRef>
+        </p:style>
+        <p:txBody>
+          <a:bodyPr rtlCol="0" anchor="ctr"/>
+          <a:lstStyle/>
+          <a:p>
+            <a:pPr algn="ctr"/>
+            <a:r>
+              <a:rPr lang="en-US" altLang="ko-KR" sz="1400" dirty="0">
+                <a:ln w="57150">
+                  <a:noFill/>
+                </a:ln>
+                <a:solidFill>
+                  <a:srgbClr val="FF0000"/>
+                </a:solidFill>
+              </a:rPr>
+              <a:t>5</a:t>
+            </a:r>
+            <a:endParaRPr lang="ko-KR" altLang="en-US" sz="1400" dirty="0">
+              <a:ln w="57150">
+                <a:noFill/>
+              </a:ln>
+              <a:solidFill>
+                <a:srgbClr val="FF0000"/>
+              </a:solidFill>
+            </a:endParaRPr>
+          </a:p>
+        </p:txBody>
+      </p:sp>
+      <p:sp>
+        <p:nvSpPr>
+          <p:cNvPr id="56" name="타원 55">
+            <a:extLst>
+              <a:ext uri="{FF2B5EF4-FFF2-40B4-BE49-F238E27FC236}">
+                <a16:creationId xmlns:a16="http://schemas.microsoft.com/office/drawing/2014/main" id="{6039F47D-DCA8-4521-9AD8-546D29466222}"/>
+              </a:ext>
+            </a:extLst>
+          </p:cNvPr>
+          <p:cNvSpPr/>
+          <p:nvPr/>
+        </p:nvSpPr>
+        <p:spPr>
+          <a:xfrm>
+            <a:off x="880393" y="1429876"/>
+            <a:ext cx="275643" cy="285375"/>
+          </a:xfrm>
+          <a:prstGeom prst="ellipse">
+            <a:avLst/>
+          </a:prstGeom>
+          <a:noFill/>
+          <a:ln w="38100">
+            <a:solidFill>
+              <a:srgbClr val="FF0000"/>
+            </a:solidFill>
+          </a:ln>
+        </p:spPr>
+        <p:style>
+          <a:lnRef idx="2">
+            <a:schemeClr val="accent1">
+              <a:shade val="50000"/>
+            </a:schemeClr>
+          </a:lnRef>
+          <a:fillRef idx="1">
+            <a:schemeClr val="accent1"/>
+          </a:fillRef>
+          <a:effectRef idx="0">
+            <a:schemeClr val="accent1"/>
+          </a:effectRef>
+          <a:fontRef idx="minor">
+            <a:schemeClr val="lt1"/>
+          </a:fontRef>
+        </p:style>
+        <p:txBody>
+          <a:bodyPr rtlCol="0" anchor="ctr"/>
+          <a:lstStyle/>
+          <a:p>
+            <a:pPr algn="ctr"/>
+            <a:r>
+              <a:rPr lang="en-US" altLang="ko-KR" sz="1400" dirty="0">
+                <a:ln w="57150">
+                  <a:noFill/>
+                </a:ln>
+                <a:solidFill>
+                  <a:srgbClr val="FF0000"/>
+                </a:solidFill>
+              </a:rPr>
+              <a:t>5</a:t>
+            </a:r>
+            <a:endParaRPr lang="ko-KR" altLang="en-US" sz="1400" dirty="0">
+              <a:ln w="57150">
+                <a:noFill/>
+              </a:ln>
+              <a:solidFill>
+                <a:srgbClr val="FF0000"/>
+              </a:solidFill>
+            </a:endParaRPr>
+          </a:p>
+        </p:txBody>
+      </p:sp>
+    </p:spTree>
+    <p:extLst>
+      <p:ext uri="{BB962C8B-B14F-4D97-AF65-F5344CB8AC3E}">
+        <p14:creationId xmlns:p14="http://schemas.microsoft.com/office/powerpoint/2010/main" val="2738302596"/>
+      </p:ext>
+    </p:extLst>
+  </p:cSld>
+  <p:clrMapOvr>
+    <a:masterClrMapping/>
+  </p:clrMapOvr>
+</p:sld>
+</file>
+
 <file path=ppt/slides/slide2.xml><?xml version="1.0" encoding="utf-8"?>
 <p:sld xmlns:a="http://schemas.openxmlformats.org/drawingml/2006/main" xmlns:r="http://schemas.openxmlformats.org/officeDocument/2006/relationships" xmlns:p="http://schemas.openxmlformats.org/presentationml/2006/main">
   <p:cSld>
@@ -14211,84 +17314,6 @@
               </a:solidFill>
             </a:endParaRPr>
           </a:p>
-          <a:p>
-            <a:r>
-              <a:rPr lang="ko-KR" altLang="en-US" sz="1200" b="1" dirty="0">
-                <a:solidFill>
-                  <a:schemeClr val="accent6">
-                    <a:lumMod val="50000"/>
-                  </a:schemeClr>
-                </a:solidFill>
-              </a:rPr>
-              <a:t>상품삭제</a:t>
-            </a:r>
-            <a:r>
-              <a:rPr lang="ko-KR" altLang="en-US" sz="1200" dirty="0">
-                <a:solidFill>
-                  <a:schemeClr val="accent6">
-                    <a:lumMod val="50000"/>
-                  </a:schemeClr>
-                </a:solidFill>
-              </a:rPr>
-              <a:t> </a:t>
-            </a:r>
-            <a:endParaRPr lang="en-US" altLang="ko-KR" sz="1200" dirty="0">
-              <a:solidFill>
-                <a:schemeClr val="accent6">
-                  <a:lumMod val="50000"/>
-                </a:schemeClr>
-              </a:solidFill>
-            </a:endParaRPr>
-          </a:p>
-          <a:p>
-            <a:r>
-              <a:rPr lang="en-US" altLang="ko-KR" sz="1200" dirty="0">
-                <a:solidFill>
-                  <a:schemeClr val="accent6">
-                    <a:lumMod val="50000"/>
-                  </a:schemeClr>
-                </a:solidFill>
-              </a:rPr>
-              <a:t> - </a:t>
-            </a:r>
-            <a:r>
-              <a:rPr lang="ko-KR" altLang="en-US" sz="1200" dirty="0">
-                <a:solidFill>
-                  <a:schemeClr val="accent6">
-                    <a:lumMod val="50000"/>
-                  </a:schemeClr>
-                </a:solidFill>
-              </a:rPr>
-              <a:t>삭제할 상품의 개수만큼 가장 최근에 등록된 상품부터 역순으로 </a:t>
-            </a:r>
-            <a:r>
-              <a:rPr lang="ko-KR" altLang="en-US" sz="1200" dirty="0" err="1">
-                <a:solidFill>
-                  <a:schemeClr val="accent6">
-                    <a:lumMod val="50000"/>
-                  </a:schemeClr>
-                </a:solidFill>
-              </a:rPr>
-              <a:t>폐기처분된다</a:t>
-            </a:r>
-            <a:r>
-              <a:rPr lang="en-US" altLang="ko-KR" sz="1200" dirty="0">
-                <a:solidFill>
-                  <a:schemeClr val="accent6">
-                    <a:lumMod val="50000"/>
-                  </a:schemeClr>
-                </a:solidFill>
-              </a:rPr>
-              <a:t>.</a:t>
-            </a:r>
-            <a:endParaRPr lang="ko-KR" altLang="en-US" sz="1200" dirty="0">
-              <a:solidFill>
-                <a:schemeClr val="accent6">
-                  <a:lumMod val="50000"/>
-                </a:schemeClr>
-              </a:solidFill>
-            </a:endParaRPr>
-          </a:p>
         </p:txBody>
       </p:sp>
       <p:sp>
@@ -15923,60 +18948,6 @@
       </p:sp>
       <p:sp>
         <p:nvSpPr>
-          <p:cNvPr id="41" name="직사각형 40">
-            <a:extLst>
-              <a:ext uri="{FF2B5EF4-FFF2-40B4-BE49-F238E27FC236}">
-                <a16:creationId xmlns:a16="http://schemas.microsoft.com/office/drawing/2014/main" id="{795BBC45-F63F-44F9-9E6D-8D526B7D5CB7}"/>
-              </a:ext>
-            </a:extLst>
-          </p:cNvPr>
-          <p:cNvSpPr/>
-          <p:nvPr/>
-        </p:nvSpPr>
-        <p:spPr>
-          <a:xfrm>
-            <a:off x="7961774" y="5671924"/>
-            <a:ext cx="1320800" cy="365125"/>
-          </a:xfrm>
-          <a:prstGeom prst="rect">
-            <a:avLst/>
-          </a:prstGeom>
-          <a:solidFill>
-            <a:schemeClr val="bg2">
-              <a:lumMod val="50000"/>
-            </a:schemeClr>
-          </a:solidFill>
-        </p:spPr>
-        <p:style>
-          <a:lnRef idx="2">
-            <a:schemeClr val="accent1">
-              <a:shade val="50000"/>
-            </a:schemeClr>
-          </a:lnRef>
-          <a:fillRef idx="1">
-            <a:schemeClr val="accent1"/>
-          </a:fillRef>
-          <a:effectRef idx="0">
-            <a:schemeClr val="accent1"/>
-          </a:effectRef>
-          <a:fontRef idx="minor">
-            <a:schemeClr val="lt1"/>
-          </a:fontRef>
-        </p:style>
-        <p:txBody>
-          <a:bodyPr rtlCol="0" anchor="ctr"/>
-          <a:lstStyle/>
-          <a:p>
-            <a:pPr algn="ctr"/>
-            <a:r>
-              <a:rPr lang="ko-KR" altLang="en-US" dirty="0"/>
-              <a:t>상품삭제</a:t>
-            </a:r>
-          </a:p>
-        </p:txBody>
-      </p:sp>
-      <p:sp>
-        <p:nvSpPr>
           <p:cNvPr id="42" name="직사각형 41">
             <a:extLst>
               <a:ext uri="{FF2B5EF4-FFF2-40B4-BE49-F238E27FC236}">
@@ -16089,84 +19060,6 @@
               <a:rPr lang="ko-KR" altLang="en-US" dirty="0"/>
               <a:t>상품개수</a:t>
             </a:r>
-          </a:p>
-        </p:txBody>
-      </p:sp>
-      <p:sp>
-        <p:nvSpPr>
-          <p:cNvPr id="44" name="직사각형 43">
-            <a:extLst>
-              <a:ext uri="{FF2B5EF4-FFF2-40B4-BE49-F238E27FC236}">
-                <a16:creationId xmlns:a16="http://schemas.microsoft.com/office/drawing/2014/main" id="{7C2FB214-2A6A-484C-934D-D379A003A41D}"/>
-              </a:ext>
-            </a:extLst>
-          </p:cNvPr>
-          <p:cNvSpPr/>
-          <p:nvPr/>
-        </p:nvSpPr>
-        <p:spPr>
-          <a:xfrm>
-            <a:off x="7961774" y="5306798"/>
-            <a:ext cx="1320800" cy="365125"/>
-          </a:xfrm>
-          <a:prstGeom prst="rect">
-            <a:avLst/>
-          </a:prstGeom>
-          <a:solidFill>
-            <a:schemeClr val="accent4">
-              <a:lumMod val="20000"/>
-              <a:lumOff val="80000"/>
-            </a:schemeClr>
-          </a:solidFill>
-        </p:spPr>
-        <p:style>
-          <a:lnRef idx="2">
-            <a:schemeClr val="accent1">
-              <a:shade val="50000"/>
-            </a:schemeClr>
-          </a:lnRef>
-          <a:fillRef idx="1">
-            <a:schemeClr val="accent1"/>
-          </a:fillRef>
-          <a:effectRef idx="0">
-            <a:schemeClr val="accent1"/>
-          </a:effectRef>
-          <a:fontRef idx="minor">
-            <a:schemeClr val="lt1"/>
-          </a:fontRef>
-        </p:style>
-        <p:txBody>
-          <a:bodyPr rtlCol="0" anchor="ctr"/>
-          <a:lstStyle/>
-          <a:p>
-            <a:pPr algn="ctr"/>
-            <a:r>
-              <a:rPr lang="en-US" altLang="ko-KR" sz="1200" dirty="0">
-                <a:solidFill>
-                  <a:schemeClr val="accent6">
-                    <a:lumMod val="50000"/>
-                  </a:schemeClr>
-                </a:solidFill>
-              </a:rPr>
-              <a:t>Id = </a:t>
-            </a:r>
-            <a:r>
-              <a:rPr lang="en-US" altLang="ko-KR" sz="1200" dirty="0" err="1">
-                <a:solidFill>
-                  <a:schemeClr val="accent6">
-                    <a:lumMod val="50000"/>
-                  </a:schemeClr>
-                </a:solidFill>
-              </a:rPr>
-              <a:t>del_count</a:t>
-            </a:r>
-            <a:endParaRPr lang="ko-KR" altLang="en-US" sz="1200" dirty="0">
-              <a:solidFill>
-                <a:schemeClr val="accent6">
-                  <a:lumMod val="50000"/>
-                </a:schemeClr>
-              </a:solidFill>
-            </a:endParaRPr>
           </a:p>
         </p:txBody>
       </p:sp>

--- a/설계/01. 화면정의서/ESupply_화면정의서.pptx
+++ b/설계/01. 화면정의서/ESupply_화면정의서.pptx
@@ -268,7 +268,7 @@
           <a:p>
             <a:fld id="{4E6F5B6F-16CC-4A24-B7E1-C8CC67323470}" type="datetimeFigureOut">
               <a:rPr lang="ko-KR" altLang="en-US" smtClean="0"/>
-              <a:t>2024-07-30</a:t>
+              <a:t>2024-08-22</a:t>
             </a:fld>
             <a:endParaRPr lang="ko-KR" altLang="en-US"/>
           </a:p>
@@ -466,7 +466,7 @@
           <a:p>
             <a:fld id="{4E6F5B6F-16CC-4A24-B7E1-C8CC67323470}" type="datetimeFigureOut">
               <a:rPr lang="ko-KR" altLang="en-US" smtClean="0"/>
-              <a:t>2024-07-30</a:t>
+              <a:t>2024-08-22</a:t>
             </a:fld>
             <a:endParaRPr lang="ko-KR" altLang="en-US"/>
           </a:p>
@@ -674,7 +674,7 @@
           <a:p>
             <a:fld id="{4E6F5B6F-16CC-4A24-B7E1-C8CC67323470}" type="datetimeFigureOut">
               <a:rPr lang="ko-KR" altLang="en-US" smtClean="0"/>
-              <a:t>2024-07-30</a:t>
+              <a:t>2024-08-22</a:t>
             </a:fld>
             <a:endParaRPr lang="ko-KR" altLang="en-US"/>
           </a:p>
@@ -872,7 +872,7 @@
           <a:p>
             <a:fld id="{4E6F5B6F-16CC-4A24-B7E1-C8CC67323470}" type="datetimeFigureOut">
               <a:rPr lang="ko-KR" altLang="en-US" smtClean="0"/>
-              <a:t>2024-07-30</a:t>
+              <a:t>2024-08-22</a:t>
             </a:fld>
             <a:endParaRPr lang="ko-KR" altLang="en-US"/>
           </a:p>
@@ -1147,7 +1147,7 @@
           <a:p>
             <a:fld id="{4E6F5B6F-16CC-4A24-B7E1-C8CC67323470}" type="datetimeFigureOut">
               <a:rPr lang="ko-KR" altLang="en-US" smtClean="0"/>
-              <a:t>2024-07-30</a:t>
+              <a:t>2024-08-22</a:t>
             </a:fld>
             <a:endParaRPr lang="ko-KR" altLang="en-US"/>
           </a:p>
@@ -1412,7 +1412,7 @@
           <a:p>
             <a:fld id="{4E6F5B6F-16CC-4A24-B7E1-C8CC67323470}" type="datetimeFigureOut">
               <a:rPr lang="ko-KR" altLang="en-US" smtClean="0"/>
-              <a:t>2024-07-30</a:t>
+              <a:t>2024-08-22</a:t>
             </a:fld>
             <a:endParaRPr lang="ko-KR" altLang="en-US"/>
           </a:p>
@@ -1824,7 +1824,7 @@
           <a:p>
             <a:fld id="{4E6F5B6F-16CC-4A24-B7E1-C8CC67323470}" type="datetimeFigureOut">
               <a:rPr lang="ko-KR" altLang="en-US" smtClean="0"/>
-              <a:t>2024-07-30</a:t>
+              <a:t>2024-08-22</a:t>
             </a:fld>
             <a:endParaRPr lang="ko-KR" altLang="en-US"/>
           </a:p>
@@ -1965,7 +1965,7 @@
           <a:p>
             <a:fld id="{4E6F5B6F-16CC-4A24-B7E1-C8CC67323470}" type="datetimeFigureOut">
               <a:rPr lang="ko-KR" altLang="en-US" smtClean="0"/>
-              <a:t>2024-07-30</a:t>
+              <a:t>2024-08-22</a:t>
             </a:fld>
             <a:endParaRPr lang="ko-KR" altLang="en-US"/>
           </a:p>
@@ -2078,7 +2078,7 @@
           <a:p>
             <a:fld id="{4E6F5B6F-16CC-4A24-B7E1-C8CC67323470}" type="datetimeFigureOut">
               <a:rPr lang="ko-KR" altLang="en-US" smtClean="0"/>
-              <a:t>2024-07-30</a:t>
+              <a:t>2024-08-22</a:t>
             </a:fld>
             <a:endParaRPr lang="ko-KR" altLang="en-US"/>
           </a:p>
@@ -2389,7 +2389,7 @@
           <a:p>
             <a:fld id="{4E6F5B6F-16CC-4A24-B7E1-C8CC67323470}" type="datetimeFigureOut">
               <a:rPr lang="ko-KR" altLang="en-US" smtClean="0"/>
-              <a:t>2024-07-30</a:t>
+              <a:t>2024-08-22</a:t>
             </a:fld>
             <a:endParaRPr lang="ko-KR" altLang="en-US"/>
           </a:p>
@@ -2677,7 +2677,7 @@
           <a:p>
             <a:fld id="{4E6F5B6F-16CC-4A24-B7E1-C8CC67323470}" type="datetimeFigureOut">
               <a:rPr lang="ko-KR" altLang="en-US" smtClean="0"/>
-              <a:t>2024-07-30</a:t>
+              <a:t>2024-08-22</a:t>
             </a:fld>
             <a:endParaRPr lang="ko-KR" altLang="en-US"/>
           </a:p>
@@ -2918,7 +2918,7 @@
           <a:p>
             <a:fld id="{4E6F5B6F-16CC-4A24-B7E1-C8CC67323470}" type="datetimeFigureOut">
               <a:rPr lang="ko-KR" altLang="en-US" smtClean="0"/>
-              <a:t>2024-07-30</a:t>
+              <a:t>2024-08-22</a:t>
             </a:fld>
             <a:endParaRPr lang="ko-KR" altLang="en-US"/>
           </a:p>
@@ -8322,11 +8322,376 @@
           </a:fontRef>
         </p:style>
         <p:txBody>
-          <a:bodyPr rtlCol="0" anchor="ctr"/>
-          <a:lstStyle/>
-          <a:p>
-            <a:pPr algn="ctr"/>
-            <a:endParaRPr lang="ko-KR" altLang="en-US"/>
+          <a:bodyPr rtlCol="0" anchor="t"/>
+          <a:lstStyle/>
+          <a:p>
+            <a:endParaRPr lang="en-US" altLang="ko-KR" sz="1200" dirty="0">
+              <a:solidFill>
+                <a:schemeClr val="tx1"/>
+              </a:solidFill>
+            </a:endParaRPr>
+          </a:p>
+          <a:p>
+            <a:r>
+              <a:rPr lang="en-US" altLang="ko-KR" sz="1200" dirty="0">
+                <a:solidFill>
+                  <a:schemeClr val="tx1"/>
+                </a:solidFill>
+              </a:rPr>
+              <a:t>      </a:t>
+            </a:r>
+            <a:r>
+              <a:rPr lang="ko-KR" altLang="en-US" sz="1200" dirty="0">
+                <a:solidFill>
+                  <a:schemeClr val="tx1"/>
+                </a:solidFill>
+              </a:rPr>
+              <a:t>부품목록 화면으로 넘어</a:t>
+            </a:r>
+            <a:endParaRPr lang="en-US" altLang="ko-KR" sz="1200" dirty="0">
+              <a:solidFill>
+                <a:schemeClr val="tx1"/>
+              </a:solidFill>
+            </a:endParaRPr>
+          </a:p>
+          <a:p>
+            <a:r>
+              <a:rPr lang="en-US" altLang="ko-KR" sz="1200" dirty="0">
+                <a:solidFill>
+                  <a:schemeClr val="tx1"/>
+                </a:solidFill>
+              </a:rPr>
+              <a:t>      </a:t>
+            </a:r>
+            <a:r>
+              <a:rPr lang="ko-KR" altLang="en-US" sz="1200" dirty="0">
+                <a:solidFill>
+                  <a:schemeClr val="tx1"/>
+                </a:solidFill>
+              </a:rPr>
+              <a:t>갈 때 해당 상품의 </a:t>
+            </a:r>
+            <a:endParaRPr lang="en-US" altLang="ko-KR" sz="1200" dirty="0">
+              <a:solidFill>
+                <a:schemeClr val="tx1"/>
+              </a:solidFill>
+            </a:endParaRPr>
+          </a:p>
+          <a:p>
+            <a:r>
+              <a:rPr lang="en-US" altLang="ko-KR" sz="1200" dirty="0">
+                <a:solidFill>
+                  <a:schemeClr val="tx1"/>
+                </a:solidFill>
+              </a:rPr>
+              <a:t>      </a:t>
+            </a:r>
+            <a:r>
+              <a:rPr lang="ko-KR" altLang="en-US" sz="1200" dirty="0">
+                <a:solidFill>
+                  <a:schemeClr val="tx1"/>
+                </a:solidFill>
+              </a:rPr>
+              <a:t>제품번호를 넘겨준다</a:t>
+            </a:r>
+            <a:r>
+              <a:rPr lang="en-US" altLang="ko-KR" sz="1200" dirty="0">
+                <a:solidFill>
+                  <a:schemeClr val="tx1"/>
+                </a:solidFill>
+              </a:rPr>
+              <a:t>.</a:t>
+            </a:r>
+          </a:p>
+          <a:p>
+            <a:endParaRPr lang="en-US" altLang="ko-KR" sz="1200" dirty="0">
+              <a:solidFill>
+                <a:schemeClr val="tx1"/>
+              </a:solidFill>
+            </a:endParaRPr>
+          </a:p>
+          <a:p>
+            <a:endParaRPr lang="en-US" altLang="ko-KR" sz="1200" dirty="0">
+              <a:solidFill>
+                <a:schemeClr val="tx1"/>
+              </a:solidFill>
+            </a:endParaRPr>
+          </a:p>
+          <a:p>
+            <a:endParaRPr lang="en-US" altLang="ko-KR" sz="1200" dirty="0">
+              <a:solidFill>
+                <a:schemeClr val="tx1"/>
+              </a:solidFill>
+            </a:endParaRPr>
+          </a:p>
+          <a:p>
+            <a:endParaRPr lang="en-US" altLang="ko-KR" sz="1200" dirty="0">
+              <a:solidFill>
+                <a:schemeClr val="tx1"/>
+              </a:solidFill>
+            </a:endParaRPr>
+          </a:p>
+          <a:p>
+            <a:r>
+              <a:rPr lang="en-US" altLang="ko-KR" sz="1200" dirty="0">
+                <a:solidFill>
+                  <a:schemeClr val="tx1"/>
+                </a:solidFill>
+              </a:rPr>
+              <a:t>       </a:t>
+            </a:r>
+            <a:r>
+              <a:rPr lang="ko-KR" altLang="en-US" sz="1200" b="1" dirty="0">
+                <a:solidFill>
+                  <a:srgbClr val="FF0000"/>
+                </a:solidFill>
+              </a:rPr>
+              <a:t>상품재고 화면은 재고를</a:t>
+            </a:r>
+            <a:endParaRPr lang="en-US" altLang="ko-KR" sz="1200" b="1" dirty="0">
+              <a:solidFill>
+                <a:srgbClr val="FF0000"/>
+              </a:solidFill>
+            </a:endParaRPr>
+          </a:p>
+          <a:p>
+            <a:r>
+              <a:rPr lang="en-US" altLang="ko-KR" sz="1200" b="1" dirty="0">
+                <a:solidFill>
+                  <a:srgbClr val="FF0000"/>
+                </a:solidFill>
+              </a:rPr>
+              <a:t>       </a:t>
+            </a:r>
+            <a:r>
+              <a:rPr lang="ko-KR" altLang="en-US" sz="1200" b="1" dirty="0">
+                <a:solidFill>
+                  <a:srgbClr val="FF0000"/>
+                </a:solidFill>
+              </a:rPr>
+              <a:t>확인하는 목적이므로</a:t>
+            </a:r>
+            <a:endParaRPr lang="en-US" altLang="ko-KR" sz="1200" b="1" dirty="0">
+              <a:solidFill>
+                <a:srgbClr val="FF0000"/>
+              </a:solidFill>
+            </a:endParaRPr>
+          </a:p>
+          <a:p>
+            <a:r>
+              <a:rPr lang="en-US" altLang="ko-KR" sz="1200" b="1" dirty="0">
+                <a:solidFill>
+                  <a:srgbClr val="FF0000"/>
+                </a:solidFill>
+              </a:rPr>
+              <a:t>       </a:t>
+            </a:r>
+            <a:r>
+              <a:rPr lang="ko-KR" altLang="en-US" sz="1200" b="1" dirty="0">
+                <a:solidFill>
+                  <a:srgbClr val="FF0000"/>
+                </a:solidFill>
+              </a:rPr>
+              <a:t>재고 수량을 수정할 수는</a:t>
+            </a:r>
+            <a:endParaRPr lang="en-US" altLang="ko-KR" sz="1200" b="1" dirty="0">
+              <a:solidFill>
+                <a:srgbClr val="FF0000"/>
+              </a:solidFill>
+            </a:endParaRPr>
+          </a:p>
+          <a:p>
+            <a:r>
+              <a:rPr lang="en-US" altLang="ko-KR" sz="1200" b="1" dirty="0">
+                <a:solidFill>
+                  <a:srgbClr val="FF0000"/>
+                </a:solidFill>
+              </a:rPr>
+              <a:t>       </a:t>
+            </a:r>
+            <a:r>
+              <a:rPr lang="ko-KR" altLang="en-US" sz="1200" b="1" dirty="0">
+                <a:solidFill>
+                  <a:srgbClr val="FF0000"/>
+                </a:solidFill>
+              </a:rPr>
+              <a:t>없다</a:t>
+            </a:r>
+            <a:r>
+              <a:rPr lang="en-US" altLang="ko-KR" sz="1200" b="1" dirty="0">
+                <a:solidFill>
+                  <a:srgbClr val="FF0000"/>
+                </a:solidFill>
+              </a:rPr>
+              <a:t>.</a:t>
+            </a:r>
+          </a:p>
+          <a:p>
+            <a:r>
+              <a:rPr lang="en-US" altLang="ko-KR" sz="1200" b="1" dirty="0">
+                <a:solidFill>
+                  <a:srgbClr val="FF0000"/>
+                </a:solidFill>
+              </a:rPr>
+              <a:t>   </a:t>
+            </a:r>
+            <a:r>
+              <a:rPr lang="ko-KR" altLang="en-US" sz="1200" b="1" dirty="0">
+                <a:solidFill>
+                  <a:srgbClr val="FF0000"/>
+                </a:solidFill>
+              </a:rPr>
+              <a:t>따라서 </a:t>
+            </a:r>
+            <a:endParaRPr lang="en-US" altLang="ko-KR" sz="1200" b="1" dirty="0">
+              <a:solidFill>
+                <a:srgbClr val="FF0000"/>
+              </a:solidFill>
+            </a:endParaRPr>
+          </a:p>
+          <a:p>
+            <a:r>
+              <a:rPr lang="en-US" altLang="ko-KR" sz="1200" b="1" dirty="0">
+                <a:solidFill>
+                  <a:srgbClr val="FF0000"/>
+                </a:solidFill>
+              </a:rPr>
+              <a:t>   </a:t>
+            </a:r>
+            <a:r>
+              <a:rPr lang="ko-KR" altLang="en-US" sz="1200" b="1" dirty="0">
+                <a:solidFill>
+                  <a:srgbClr val="FF0000"/>
+                </a:solidFill>
+              </a:rPr>
+              <a:t>해당 버튼은 사라져야 한다</a:t>
+            </a:r>
+            <a:r>
+              <a:rPr lang="en-US" altLang="ko-KR" sz="1200" dirty="0">
+                <a:solidFill>
+                  <a:schemeClr val="tx1"/>
+                </a:solidFill>
+              </a:rPr>
+              <a:t>.</a:t>
+            </a:r>
+          </a:p>
+          <a:p>
+            <a:r>
+              <a:rPr lang="en-US" altLang="ko-KR" sz="1200" b="1" dirty="0">
+                <a:solidFill>
+                  <a:srgbClr val="C00000"/>
+                </a:solidFill>
+              </a:rPr>
+              <a:t>    </a:t>
+            </a:r>
+            <a:r>
+              <a:rPr lang="en-US" altLang="ko-KR" sz="1200" b="1" dirty="0">
+                <a:solidFill>
+                  <a:srgbClr val="C00000"/>
+                </a:solidFill>
+                <a:sym typeface="Wingdings" panose="05000000000000000000" pitchFamily="2" charset="2"/>
+              </a:rPr>
+              <a:t> </a:t>
+            </a:r>
+            <a:r>
+              <a:rPr lang="ko-KR" altLang="en-US" sz="1200" b="1" dirty="0">
+                <a:solidFill>
+                  <a:srgbClr val="C00000"/>
+                </a:solidFill>
+                <a:sym typeface="Wingdings" panose="05000000000000000000" pitchFamily="2" charset="2"/>
+              </a:rPr>
+              <a:t>상품등록 화면을 통해서</a:t>
+            </a:r>
+            <a:endParaRPr lang="en-US" altLang="ko-KR" sz="1200" b="1" dirty="0">
+              <a:solidFill>
+                <a:srgbClr val="C00000"/>
+              </a:solidFill>
+              <a:sym typeface="Wingdings" panose="05000000000000000000" pitchFamily="2" charset="2"/>
+            </a:endParaRPr>
+          </a:p>
+          <a:p>
+            <a:r>
+              <a:rPr lang="en-US" altLang="ko-KR" sz="1200" b="1" dirty="0">
+                <a:solidFill>
+                  <a:srgbClr val="C00000"/>
+                </a:solidFill>
+                <a:sym typeface="Wingdings" panose="05000000000000000000" pitchFamily="2" charset="2"/>
+              </a:rPr>
+              <a:t>        </a:t>
+            </a:r>
+            <a:r>
+              <a:rPr lang="ko-KR" altLang="en-US" sz="1200" b="1" dirty="0">
+                <a:solidFill>
+                  <a:srgbClr val="C00000"/>
+                </a:solidFill>
+                <a:sym typeface="Wingdings" panose="05000000000000000000" pitchFamily="2" charset="2"/>
+              </a:rPr>
+              <a:t>상품이 입고되고</a:t>
+            </a:r>
+            <a:r>
+              <a:rPr lang="en-US" altLang="ko-KR" sz="1200" b="1" dirty="0">
+                <a:solidFill>
+                  <a:srgbClr val="C00000"/>
+                </a:solidFill>
+                <a:sym typeface="Wingdings" panose="05000000000000000000" pitchFamily="2" charset="2"/>
+              </a:rPr>
+              <a:t>, </a:t>
+            </a:r>
+          </a:p>
+          <a:p>
+            <a:r>
+              <a:rPr lang="en-US" altLang="ko-KR" sz="1200" b="1" dirty="0">
+                <a:solidFill>
+                  <a:srgbClr val="C00000"/>
+                </a:solidFill>
+                <a:sym typeface="Wingdings" panose="05000000000000000000" pitchFamily="2" charset="2"/>
+              </a:rPr>
+              <a:t>        </a:t>
+            </a:r>
+            <a:r>
+              <a:rPr lang="ko-KR" altLang="en-US" sz="1200" b="1" dirty="0">
+                <a:solidFill>
+                  <a:srgbClr val="C00000"/>
+                </a:solidFill>
+                <a:sym typeface="Wingdings" panose="05000000000000000000" pitchFamily="2" charset="2"/>
+              </a:rPr>
+              <a:t>판매 또는 폐기처분을</a:t>
+            </a:r>
+            <a:endParaRPr lang="en-US" altLang="ko-KR" sz="1200" b="1" dirty="0">
+              <a:solidFill>
+                <a:srgbClr val="C00000"/>
+              </a:solidFill>
+              <a:sym typeface="Wingdings" panose="05000000000000000000" pitchFamily="2" charset="2"/>
+            </a:endParaRPr>
+          </a:p>
+          <a:p>
+            <a:r>
+              <a:rPr lang="en-US" altLang="ko-KR" sz="1200" b="1" dirty="0">
+                <a:solidFill>
+                  <a:srgbClr val="C00000"/>
+                </a:solidFill>
+                <a:sym typeface="Wingdings" panose="05000000000000000000" pitchFamily="2" charset="2"/>
+              </a:rPr>
+              <a:t>        </a:t>
+            </a:r>
+            <a:r>
+              <a:rPr lang="ko-KR" altLang="en-US" sz="1200" b="1" dirty="0">
+                <a:solidFill>
+                  <a:srgbClr val="C00000"/>
+                </a:solidFill>
+                <a:sym typeface="Wingdings" panose="05000000000000000000" pitchFamily="2" charset="2"/>
+              </a:rPr>
+              <a:t>통해서 상품이 출고된다</a:t>
+            </a:r>
+            <a:r>
+              <a:rPr lang="en-US" altLang="ko-KR" sz="1200" b="1" dirty="0">
+                <a:solidFill>
+                  <a:srgbClr val="C00000"/>
+                </a:solidFill>
+                <a:sym typeface="Wingdings" panose="05000000000000000000" pitchFamily="2" charset="2"/>
+              </a:rPr>
+              <a:t>.</a:t>
+            </a:r>
           </a:p>
         </p:txBody>
       </p:sp>
@@ -8975,6 +9340,9 @@
           <a:prstGeom prst="rect">
             <a:avLst/>
           </a:prstGeom>
+          <a:solidFill>
+            <a:srgbClr val="FF0000"/>
+          </a:solidFill>
         </p:spPr>
         <p:style>
           <a:lnRef idx="2">
@@ -9024,6 +9392,9 @@
           <a:prstGeom prst="rect">
             <a:avLst/>
           </a:prstGeom>
+          <a:solidFill>
+            <a:srgbClr val="FF0000"/>
+          </a:solidFill>
         </p:spPr>
         <p:style>
           <a:lnRef idx="2">
@@ -9177,6 +9548,9 @@
           <a:prstGeom prst="rect">
             <a:avLst/>
           </a:prstGeom>
+          <a:solidFill>
+            <a:srgbClr val="FF0000"/>
+          </a:solidFill>
         </p:spPr>
         <p:style>
           <a:lnRef idx="2">
@@ -9226,6 +9600,9 @@
           <a:prstGeom prst="rect">
             <a:avLst/>
           </a:prstGeom>
+          <a:solidFill>
+            <a:srgbClr val="FF0000"/>
+          </a:solidFill>
         </p:spPr>
         <p:style>
           <a:lnRef idx="2">
@@ -9379,6 +9756,9 @@
           <a:prstGeom prst="rect">
             <a:avLst/>
           </a:prstGeom>
+          <a:solidFill>
+            <a:srgbClr val="FF0000"/>
+          </a:solidFill>
         </p:spPr>
         <p:style>
           <a:lnRef idx="2">
@@ -9428,6 +9808,9 @@
           <a:prstGeom prst="rect">
             <a:avLst/>
           </a:prstGeom>
+          <a:solidFill>
+            <a:srgbClr val="FF0000"/>
+          </a:solidFill>
         </p:spPr>
         <p:style>
           <a:lnRef idx="2">
@@ -9754,6 +10137,286 @@
               </a:rPr>
               <a:t>㈜선아전자</a:t>
             </a:r>
+          </a:p>
+        </p:txBody>
+      </p:sp>
+      <p:sp>
+        <p:nvSpPr>
+          <p:cNvPr id="32" name="타원 31">
+            <a:extLst>
+              <a:ext uri="{FF2B5EF4-FFF2-40B4-BE49-F238E27FC236}">
+                <a16:creationId xmlns:a16="http://schemas.microsoft.com/office/drawing/2014/main" id="{77C5E341-C817-42B2-A89F-F13A97651BEF}"/>
+              </a:ext>
+            </a:extLst>
+          </p:cNvPr>
+          <p:cNvSpPr/>
+          <p:nvPr/>
+        </p:nvSpPr>
+        <p:spPr>
+          <a:xfrm>
+            <a:off x="9552276" y="963423"/>
+            <a:ext cx="275643" cy="285375"/>
+          </a:xfrm>
+          <a:prstGeom prst="ellipse">
+            <a:avLst/>
+          </a:prstGeom>
+          <a:noFill/>
+          <a:ln w="38100">
+            <a:solidFill>
+              <a:srgbClr val="FF0000"/>
+            </a:solidFill>
+          </a:ln>
+        </p:spPr>
+        <p:style>
+          <a:lnRef idx="2">
+            <a:schemeClr val="accent1">
+              <a:shade val="50000"/>
+            </a:schemeClr>
+          </a:lnRef>
+          <a:fillRef idx="1">
+            <a:schemeClr val="accent1"/>
+          </a:fillRef>
+          <a:effectRef idx="0">
+            <a:schemeClr val="accent1"/>
+          </a:effectRef>
+          <a:fontRef idx="minor">
+            <a:schemeClr val="lt1"/>
+          </a:fontRef>
+        </p:style>
+        <p:txBody>
+          <a:bodyPr rtlCol="0" anchor="ctr"/>
+          <a:lstStyle/>
+          <a:p>
+            <a:pPr algn="ctr"/>
+            <a:r>
+              <a:rPr lang="en-US" altLang="ko-KR" sz="1400" dirty="0">
+                <a:ln w="57150">
+                  <a:noFill/>
+                </a:ln>
+                <a:solidFill>
+                  <a:srgbClr val="FF0000"/>
+                </a:solidFill>
+              </a:rPr>
+              <a:t>1</a:t>
+            </a:r>
+            <a:endParaRPr lang="ko-KR" altLang="en-US" sz="1400" dirty="0">
+              <a:ln w="57150">
+                <a:noFill/>
+              </a:ln>
+              <a:solidFill>
+                <a:srgbClr val="FF0000"/>
+              </a:solidFill>
+            </a:endParaRPr>
+          </a:p>
+        </p:txBody>
+      </p:sp>
+      <p:sp>
+        <p:nvSpPr>
+          <p:cNvPr id="33" name="타원 32">
+            <a:extLst>
+              <a:ext uri="{FF2B5EF4-FFF2-40B4-BE49-F238E27FC236}">
+                <a16:creationId xmlns:a16="http://schemas.microsoft.com/office/drawing/2014/main" id="{FF00A9C0-A18F-4247-BE3F-DC5CFBAE3F78}"/>
+              </a:ext>
+            </a:extLst>
+          </p:cNvPr>
+          <p:cNvSpPr/>
+          <p:nvPr/>
+        </p:nvSpPr>
+        <p:spPr>
+          <a:xfrm>
+            <a:off x="7467600" y="2363446"/>
+            <a:ext cx="275643" cy="285375"/>
+          </a:xfrm>
+          <a:prstGeom prst="ellipse">
+            <a:avLst/>
+          </a:prstGeom>
+          <a:noFill/>
+          <a:ln w="38100">
+            <a:solidFill>
+              <a:srgbClr val="FF0000"/>
+            </a:solidFill>
+          </a:ln>
+        </p:spPr>
+        <p:style>
+          <a:lnRef idx="2">
+            <a:schemeClr val="accent1">
+              <a:shade val="50000"/>
+            </a:schemeClr>
+          </a:lnRef>
+          <a:fillRef idx="1">
+            <a:schemeClr val="accent1"/>
+          </a:fillRef>
+          <a:effectRef idx="0">
+            <a:schemeClr val="accent1"/>
+          </a:effectRef>
+          <a:fontRef idx="minor">
+            <a:schemeClr val="lt1"/>
+          </a:fontRef>
+        </p:style>
+        <p:txBody>
+          <a:bodyPr rtlCol="0" anchor="ctr"/>
+          <a:lstStyle/>
+          <a:p>
+            <a:pPr algn="ctr"/>
+            <a:r>
+              <a:rPr lang="en-US" altLang="ko-KR" sz="1400" dirty="0">
+                <a:ln w="57150">
+                  <a:noFill/>
+                </a:ln>
+                <a:solidFill>
+                  <a:srgbClr val="FF0000"/>
+                </a:solidFill>
+              </a:rPr>
+              <a:t>1</a:t>
+            </a:r>
+            <a:endParaRPr lang="ko-KR" altLang="en-US" sz="1400" dirty="0">
+              <a:ln w="57150">
+                <a:noFill/>
+              </a:ln>
+              <a:solidFill>
+                <a:srgbClr val="FF0000"/>
+              </a:solidFill>
+            </a:endParaRPr>
+          </a:p>
+        </p:txBody>
+      </p:sp>
+      <p:sp>
+        <p:nvSpPr>
+          <p:cNvPr id="34" name="타원 33">
+            <a:extLst>
+              <a:ext uri="{FF2B5EF4-FFF2-40B4-BE49-F238E27FC236}">
+                <a16:creationId xmlns:a16="http://schemas.microsoft.com/office/drawing/2014/main" id="{648CB0CB-F05D-4490-8761-F1DBA10E02CE}"/>
+              </a:ext>
+            </a:extLst>
+          </p:cNvPr>
+          <p:cNvSpPr/>
+          <p:nvPr/>
+        </p:nvSpPr>
+        <p:spPr>
+          <a:xfrm>
+            <a:off x="9552276" y="2363445"/>
+            <a:ext cx="275643" cy="285375"/>
+          </a:xfrm>
+          <a:prstGeom prst="ellipse">
+            <a:avLst/>
+          </a:prstGeom>
+          <a:noFill/>
+          <a:ln w="38100">
+            <a:solidFill>
+              <a:srgbClr val="FF0000"/>
+            </a:solidFill>
+          </a:ln>
+        </p:spPr>
+        <p:style>
+          <a:lnRef idx="2">
+            <a:schemeClr val="accent1">
+              <a:shade val="50000"/>
+            </a:schemeClr>
+          </a:lnRef>
+          <a:fillRef idx="1">
+            <a:schemeClr val="accent1"/>
+          </a:fillRef>
+          <a:effectRef idx="0">
+            <a:schemeClr val="accent1"/>
+          </a:effectRef>
+          <a:fontRef idx="minor">
+            <a:schemeClr val="lt1"/>
+          </a:fontRef>
+        </p:style>
+        <p:txBody>
+          <a:bodyPr rtlCol="0" anchor="ctr"/>
+          <a:lstStyle/>
+          <a:p>
+            <a:pPr algn="ctr"/>
+            <a:r>
+              <a:rPr lang="en-US" altLang="ko-KR" sz="1400" dirty="0">
+                <a:ln w="57150">
+                  <a:noFill/>
+                </a:ln>
+                <a:solidFill>
+                  <a:srgbClr val="FF0000"/>
+                </a:solidFill>
+              </a:rPr>
+              <a:t>2</a:t>
+            </a:r>
+            <a:endParaRPr lang="ko-KR" altLang="en-US" sz="1400" dirty="0">
+              <a:ln w="57150">
+                <a:noFill/>
+              </a:ln>
+              <a:solidFill>
+                <a:srgbClr val="FF0000"/>
+              </a:solidFill>
+            </a:endParaRPr>
+          </a:p>
+        </p:txBody>
+      </p:sp>
+      <p:sp>
+        <p:nvSpPr>
+          <p:cNvPr id="35" name="타원 34">
+            <a:extLst>
+              <a:ext uri="{FF2B5EF4-FFF2-40B4-BE49-F238E27FC236}">
+                <a16:creationId xmlns:a16="http://schemas.microsoft.com/office/drawing/2014/main" id="{E5F010B5-DC8C-4E77-9D4C-BD443C01A041}"/>
+              </a:ext>
+            </a:extLst>
+          </p:cNvPr>
+          <p:cNvSpPr/>
+          <p:nvPr/>
+        </p:nvSpPr>
+        <p:spPr>
+          <a:xfrm>
+            <a:off x="9008055" y="1882089"/>
+            <a:ext cx="275643" cy="285375"/>
+          </a:xfrm>
+          <a:prstGeom prst="ellipse">
+            <a:avLst/>
+          </a:prstGeom>
+          <a:noFill/>
+          <a:ln w="38100">
+            <a:solidFill>
+              <a:srgbClr val="FF0000"/>
+            </a:solidFill>
+          </a:ln>
+        </p:spPr>
+        <p:style>
+          <a:lnRef idx="2">
+            <a:schemeClr val="accent1">
+              <a:shade val="50000"/>
+            </a:schemeClr>
+          </a:lnRef>
+          <a:fillRef idx="1">
+            <a:schemeClr val="accent1"/>
+          </a:fillRef>
+          <a:effectRef idx="0">
+            <a:schemeClr val="accent1"/>
+          </a:effectRef>
+          <a:fontRef idx="minor">
+            <a:schemeClr val="lt1"/>
+          </a:fontRef>
+        </p:style>
+        <p:txBody>
+          <a:bodyPr rtlCol="0" anchor="ctr"/>
+          <a:lstStyle/>
+          <a:p>
+            <a:pPr algn="ctr"/>
+            <a:r>
+              <a:rPr lang="en-US" altLang="ko-KR" sz="1400" dirty="0">
+                <a:ln w="57150">
+                  <a:noFill/>
+                </a:ln>
+                <a:solidFill>
+                  <a:srgbClr val="FF0000"/>
+                </a:solidFill>
+              </a:rPr>
+              <a:t>2</a:t>
+            </a:r>
+            <a:endParaRPr lang="ko-KR" altLang="en-US" sz="1400" dirty="0">
+              <a:ln w="57150">
+                <a:noFill/>
+              </a:ln>
+              <a:solidFill>
+                <a:srgbClr val="FF0000"/>
+              </a:solidFill>
+            </a:endParaRPr>
           </a:p>
         </p:txBody>
       </p:sp>
@@ -9873,17 +10536,282 @@
           </a:fontRef>
         </p:style>
         <p:txBody>
-          <a:bodyPr rtlCol="0" anchor="ctr"/>
-          <a:lstStyle/>
-          <a:p>
-            <a:pPr algn="ctr"/>
-            <a:r>
-              <a:rPr lang="ko-KR" altLang="en-US" dirty="0">
+          <a:bodyPr rtlCol="0" anchor="t"/>
+          <a:lstStyle/>
+          <a:p>
+            <a:r>
+              <a:rPr lang="ko-KR" altLang="en-US" sz="1200" dirty="0">
                 <a:solidFill>
                   <a:schemeClr val="tx1"/>
                 </a:solidFill>
               </a:rPr>
-              <a:t>조회용</a:t>
+              <a:t>    </a:t>
+            </a:r>
+            <a:endParaRPr lang="en-US" altLang="ko-KR" sz="1200" dirty="0">
+              <a:solidFill>
+                <a:schemeClr val="tx1"/>
+              </a:solidFill>
+            </a:endParaRPr>
+          </a:p>
+          <a:p>
+            <a:r>
+              <a:rPr lang="en-US" altLang="ko-KR" sz="1200" dirty="0">
+                <a:solidFill>
+                  <a:schemeClr val="tx1"/>
+                </a:solidFill>
+              </a:rPr>
+              <a:t>       </a:t>
+            </a:r>
+            <a:r>
+              <a:rPr lang="ko-KR" altLang="en-US" sz="1200" dirty="0">
+                <a:solidFill>
+                  <a:schemeClr val="tx1"/>
+                </a:solidFill>
+              </a:rPr>
+              <a:t>제품명</a:t>
+            </a:r>
+            <a:r>
+              <a:rPr lang="en-US" altLang="ko-KR" sz="1200" dirty="0">
+                <a:solidFill>
+                  <a:schemeClr val="tx1"/>
+                </a:solidFill>
+              </a:rPr>
+              <a:t>, </a:t>
+            </a:r>
+            <a:r>
+              <a:rPr lang="ko-KR" altLang="en-US" sz="1200" dirty="0">
+                <a:solidFill>
+                  <a:schemeClr val="tx1"/>
+                </a:solidFill>
+              </a:rPr>
+              <a:t>제품번호</a:t>
+            </a:r>
+            <a:endParaRPr lang="en-US" altLang="ko-KR" sz="1200" dirty="0">
+              <a:solidFill>
+                <a:schemeClr val="tx1"/>
+              </a:solidFill>
+            </a:endParaRPr>
+          </a:p>
+          <a:p>
+            <a:endParaRPr lang="en-US" altLang="ko-KR" sz="1200" dirty="0">
+              <a:solidFill>
+                <a:schemeClr val="tx1"/>
+              </a:solidFill>
+            </a:endParaRPr>
+          </a:p>
+          <a:p>
+            <a:endParaRPr lang="en-US" altLang="ko-KR" sz="1200" dirty="0">
+              <a:solidFill>
+                <a:schemeClr val="tx1"/>
+              </a:solidFill>
+            </a:endParaRPr>
+          </a:p>
+          <a:p>
+            <a:r>
+              <a:rPr lang="en-US" altLang="ko-KR" sz="1200" dirty="0">
+                <a:solidFill>
+                  <a:schemeClr val="tx1"/>
+                </a:solidFill>
+              </a:rPr>
+              <a:t>       </a:t>
+            </a:r>
+            <a:r>
+              <a:rPr lang="ko-KR" altLang="en-US" sz="1200" dirty="0">
+                <a:solidFill>
+                  <a:schemeClr val="tx1"/>
+                </a:solidFill>
+              </a:rPr>
+              <a:t>해당 제품의 부품수량이</a:t>
+            </a:r>
+            <a:endParaRPr lang="en-US" altLang="ko-KR" sz="1200" dirty="0">
+              <a:solidFill>
+                <a:schemeClr val="tx1"/>
+              </a:solidFill>
+            </a:endParaRPr>
+          </a:p>
+          <a:p>
+            <a:r>
+              <a:rPr lang="en-US" altLang="ko-KR" sz="1200" dirty="0">
+                <a:solidFill>
+                  <a:schemeClr val="tx1"/>
+                </a:solidFill>
+              </a:rPr>
+              <a:t>       </a:t>
+            </a:r>
+            <a:r>
+              <a:rPr lang="ko-KR" altLang="en-US" sz="1200" dirty="0">
+                <a:solidFill>
+                  <a:schemeClr val="tx1"/>
+                </a:solidFill>
+              </a:rPr>
+              <a:t>저장된다</a:t>
+            </a:r>
+            <a:r>
+              <a:rPr lang="en-US" altLang="ko-KR" sz="1200" dirty="0">
+                <a:solidFill>
+                  <a:schemeClr val="tx1"/>
+                </a:solidFill>
+              </a:rPr>
+              <a:t>.</a:t>
+            </a:r>
+          </a:p>
+          <a:p>
+            <a:endParaRPr lang="en-US" altLang="ko-KR" sz="1200" dirty="0">
+              <a:solidFill>
+                <a:schemeClr val="tx1"/>
+              </a:solidFill>
+            </a:endParaRPr>
+          </a:p>
+          <a:p>
+            <a:endParaRPr lang="en-US" altLang="ko-KR" sz="1200" dirty="0">
+              <a:solidFill>
+                <a:schemeClr val="tx1"/>
+              </a:solidFill>
+            </a:endParaRPr>
+          </a:p>
+          <a:p>
+            <a:r>
+              <a:rPr lang="en-US" altLang="ko-KR" sz="1200" dirty="0">
+                <a:solidFill>
+                  <a:schemeClr val="tx1"/>
+                </a:solidFill>
+              </a:rPr>
+              <a:t>       </a:t>
+            </a:r>
+            <a:r>
+              <a:rPr lang="ko-KR" altLang="en-US" sz="1200" dirty="0">
+                <a:solidFill>
+                  <a:schemeClr val="tx1"/>
+                </a:solidFill>
+              </a:rPr>
+              <a:t>상품재고 화면에서</a:t>
+            </a:r>
+            <a:endParaRPr lang="en-US" altLang="ko-KR" sz="1200" dirty="0">
+              <a:solidFill>
+                <a:schemeClr val="tx1"/>
+              </a:solidFill>
+            </a:endParaRPr>
+          </a:p>
+          <a:p>
+            <a:r>
+              <a:rPr lang="en-US" altLang="ko-KR" sz="1200" dirty="0">
+                <a:solidFill>
+                  <a:schemeClr val="tx1"/>
+                </a:solidFill>
+              </a:rPr>
+              <a:t>       </a:t>
+            </a:r>
+            <a:r>
+              <a:rPr lang="ko-KR" altLang="en-US" sz="1200" dirty="0">
+                <a:solidFill>
+                  <a:schemeClr val="tx1"/>
+                </a:solidFill>
+              </a:rPr>
+              <a:t>부품목록 버튼을 통해</a:t>
+            </a:r>
+            <a:endParaRPr lang="en-US" altLang="ko-KR" sz="1200" dirty="0">
+              <a:solidFill>
+                <a:schemeClr val="tx1"/>
+              </a:solidFill>
+            </a:endParaRPr>
+          </a:p>
+          <a:p>
+            <a:r>
+              <a:rPr lang="en-US" altLang="ko-KR" sz="1200" dirty="0">
+                <a:solidFill>
+                  <a:schemeClr val="tx1"/>
+                </a:solidFill>
+              </a:rPr>
+              <a:t>       </a:t>
+            </a:r>
+            <a:r>
+              <a:rPr lang="ko-KR" altLang="en-US" sz="1200" dirty="0">
+                <a:solidFill>
+                  <a:schemeClr val="tx1"/>
+                </a:solidFill>
+              </a:rPr>
+              <a:t>넘어왔을 경우엔</a:t>
+            </a:r>
+            <a:endParaRPr lang="en-US" altLang="ko-KR" sz="1200" dirty="0">
+              <a:solidFill>
+                <a:schemeClr val="tx1"/>
+              </a:solidFill>
+            </a:endParaRPr>
+          </a:p>
+          <a:p>
+            <a:r>
+              <a:rPr lang="en-US" altLang="ko-KR" sz="1200" dirty="0">
+                <a:solidFill>
+                  <a:schemeClr val="tx1"/>
+                </a:solidFill>
+              </a:rPr>
+              <a:t>       </a:t>
+            </a:r>
+            <a:r>
+              <a:rPr lang="ko-KR" altLang="en-US" sz="1200" dirty="0">
+                <a:solidFill>
+                  <a:schemeClr val="tx1"/>
+                </a:solidFill>
+              </a:rPr>
+              <a:t>이미 제품명이</a:t>
+            </a:r>
+            <a:r>
+              <a:rPr lang="en-US" altLang="ko-KR" sz="1200" dirty="0">
+                <a:solidFill>
+                  <a:schemeClr val="tx1"/>
+                </a:solidFill>
+              </a:rPr>
+              <a:t> </a:t>
+            </a:r>
+            <a:r>
+              <a:rPr lang="ko-KR" altLang="en-US" sz="1200" dirty="0">
+                <a:solidFill>
+                  <a:schemeClr val="tx1"/>
+                </a:solidFill>
+              </a:rPr>
+              <a:t>입력되고</a:t>
+            </a:r>
+            <a:r>
+              <a:rPr lang="en-US" altLang="ko-KR" sz="1200" dirty="0">
+                <a:solidFill>
+                  <a:schemeClr val="tx1"/>
+                </a:solidFill>
+              </a:rPr>
+              <a:t>,</a:t>
+            </a:r>
+          </a:p>
+          <a:p>
+            <a:r>
+              <a:rPr lang="en-US" altLang="ko-KR" sz="1200" dirty="0">
+                <a:solidFill>
+                  <a:schemeClr val="tx1"/>
+                </a:solidFill>
+              </a:rPr>
+              <a:t>       </a:t>
+            </a:r>
+            <a:r>
+              <a:rPr lang="ko-KR" altLang="en-US" sz="1200" dirty="0">
+                <a:solidFill>
+                  <a:schemeClr val="tx1"/>
+                </a:solidFill>
+              </a:rPr>
+              <a:t>자동으로 검색된다</a:t>
+            </a:r>
+            <a:r>
+              <a:rPr lang="en-US" altLang="ko-KR" sz="1200" dirty="0">
+                <a:solidFill>
+                  <a:schemeClr val="tx1"/>
+                </a:solidFill>
+              </a:rPr>
+              <a:t>.</a:t>
+            </a:r>
+            <a:r>
+              <a:rPr lang="ko-KR" altLang="en-US" sz="1200" dirty="0">
+                <a:solidFill>
+                  <a:schemeClr val="tx1"/>
+                </a:solidFill>
+              </a:rPr>
+              <a:t> </a:t>
             </a:r>
           </a:p>
         </p:txBody>
@@ -10267,8 +11195,8 @@
         </p:nvSpPr>
         <p:spPr>
           <a:xfrm>
-            <a:off x="1447800" y="1032926"/>
-            <a:ext cx="6468533" cy="347140"/>
+            <a:off x="3014133" y="1032926"/>
+            <a:ext cx="4792134" cy="347140"/>
           </a:xfrm>
           <a:prstGeom prst="rect">
             <a:avLst/>
@@ -10326,7 +11254,7 @@
         <p:spPr>
           <a:xfrm>
             <a:off x="990600" y="1032926"/>
-            <a:ext cx="457200" cy="347140"/>
+            <a:ext cx="1574798" cy="347140"/>
           </a:xfrm>
           <a:prstGeom prst="rect">
             <a:avLst/>
@@ -10354,8 +11282,8 @@
           <a:p>
             <a:pPr algn="ctr"/>
             <a:r>
-              <a:rPr lang="ko-KR" altLang="en-US" sz="800" dirty="0"/>
-              <a:t>돋보기</a:t>
+              <a:rPr lang="ko-KR" altLang="en-US" dirty="0"/>
+              <a:t>제품명</a:t>
             </a:r>
           </a:p>
         </p:txBody>
@@ -11135,6 +12063,531 @@
               </a:rPr>
               <a:t>㈜선아전자</a:t>
             </a:r>
+          </a:p>
+        </p:txBody>
+      </p:sp>
+      <p:sp>
+        <p:nvSpPr>
+          <p:cNvPr id="29" name="직사각형 28">
+            <a:extLst>
+              <a:ext uri="{FF2B5EF4-FFF2-40B4-BE49-F238E27FC236}">
+                <a16:creationId xmlns:a16="http://schemas.microsoft.com/office/drawing/2014/main" id="{3A9FA108-228C-4E4D-8750-DE672E15129D}"/>
+              </a:ext>
+            </a:extLst>
+          </p:cNvPr>
+          <p:cNvSpPr/>
+          <p:nvPr/>
+        </p:nvSpPr>
+        <p:spPr>
+          <a:xfrm>
+            <a:off x="2565398" y="1028695"/>
+            <a:ext cx="342902" cy="347140"/>
+          </a:xfrm>
+          <a:prstGeom prst="rect">
+            <a:avLst/>
+          </a:prstGeom>
+          <a:solidFill>
+            <a:schemeClr val="bg1"/>
+          </a:solidFill>
+        </p:spPr>
+        <p:style>
+          <a:lnRef idx="2">
+            <a:schemeClr val="accent1">
+              <a:shade val="50000"/>
+            </a:schemeClr>
+          </a:lnRef>
+          <a:fillRef idx="1">
+            <a:schemeClr val="accent1"/>
+          </a:fillRef>
+          <a:effectRef idx="0">
+            <a:schemeClr val="accent1"/>
+          </a:effectRef>
+          <a:fontRef idx="minor">
+            <a:schemeClr val="lt1"/>
+          </a:fontRef>
+        </p:style>
+        <p:txBody>
+          <a:bodyPr rtlCol="0" anchor="ctr"/>
+          <a:lstStyle/>
+          <a:p>
+            <a:pPr algn="ctr"/>
+            <a:r>
+              <a:rPr lang="ko-KR" altLang="en-US" sz="2000" dirty="0">
+                <a:solidFill>
+                  <a:schemeClr val="tx1"/>
+                </a:solidFill>
+              </a:rPr>
+              <a:t>▼</a:t>
+            </a:r>
+          </a:p>
+        </p:txBody>
+      </p:sp>
+      <p:sp>
+        <p:nvSpPr>
+          <p:cNvPr id="30" name="타원 29">
+            <a:extLst>
+              <a:ext uri="{FF2B5EF4-FFF2-40B4-BE49-F238E27FC236}">
+                <a16:creationId xmlns:a16="http://schemas.microsoft.com/office/drawing/2014/main" id="{897F55F3-AB0F-45E2-8A99-4F16ADE2D739}"/>
+              </a:ext>
+            </a:extLst>
+          </p:cNvPr>
+          <p:cNvSpPr/>
+          <p:nvPr/>
+        </p:nvSpPr>
+        <p:spPr>
+          <a:xfrm>
+            <a:off x="2427576" y="821984"/>
+            <a:ext cx="275643" cy="285375"/>
+          </a:xfrm>
+          <a:prstGeom prst="ellipse">
+            <a:avLst/>
+          </a:prstGeom>
+          <a:noFill/>
+          <a:ln w="38100">
+            <a:solidFill>
+              <a:srgbClr val="FF0000"/>
+            </a:solidFill>
+          </a:ln>
+        </p:spPr>
+        <p:style>
+          <a:lnRef idx="2">
+            <a:schemeClr val="accent1">
+              <a:shade val="50000"/>
+            </a:schemeClr>
+          </a:lnRef>
+          <a:fillRef idx="1">
+            <a:schemeClr val="accent1"/>
+          </a:fillRef>
+          <a:effectRef idx="0">
+            <a:schemeClr val="accent1"/>
+          </a:effectRef>
+          <a:fontRef idx="minor">
+            <a:schemeClr val="lt1"/>
+          </a:fontRef>
+        </p:style>
+        <p:txBody>
+          <a:bodyPr rtlCol="0" anchor="ctr"/>
+          <a:lstStyle/>
+          <a:p>
+            <a:pPr algn="ctr"/>
+            <a:r>
+              <a:rPr lang="en-US" altLang="ko-KR" sz="1400" dirty="0">
+                <a:ln w="57150">
+                  <a:noFill/>
+                </a:ln>
+                <a:solidFill>
+                  <a:srgbClr val="FF0000"/>
+                </a:solidFill>
+              </a:rPr>
+              <a:t>1</a:t>
+            </a:r>
+            <a:endParaRPr lang="ko-KR" altLang="en-US" sz="1400" dirty="0">
+              <a:ln w="57150">
+                <a:noFill/>
+              </a:ln>
+              <a:solidFill>
+                <a:srgbClr val="FF0000"/>
+              </a:solidFill>
+            </a:endParaRPr>
+          </a:p>
+        </p:txBody>
+      </p:sp>
+      <p:sp>
+        <p:nvSpPr>
+          <p:cNvPr id="31" name="타원 30">
+            <a:extLst>
+              <a:ext uri="{FF2B5EF4-FFF2-40B4-BE49-F238E27FC236}">
+                <a16:creationId xmlns:a16="http://schemas.microsoft.com/office/drawing/2014/main" id="{8D8F2B83-4EAF-420E-B066-5158116E45D4}"/>
+              </a:ext>
+            </a:extLst>
+          </p:cNvPr>
+          <p:cNvSpPr/>
+          <p:nvPr/>
+        </p:nvSpPr>
+        <p:spPr>
+          <a:xfrm>
+            <a:off x="9552276" y="963423"/>
+            <a:ext cx="275643" cy="285375"/>
+          </a:xfrm>
+          <a:prstGeom prst="ellipse">
+            <a:avLst/>
+          </a:prstGeom>
+          <a:noFill/>
+          <a:ln w="38100">
+            <a:solidFill>
+              <a:srgbClr val="FF0000"/>
+            </a:solidFill>
+          </a:ln>
+        </p:spPr>
+        <p:style>
+          <a:lnRef idx="2">
+            <a:schemeClr val="accent1">
+              <a:shade val="50000"/>
+            </a:schemeClr>
+          </a:lnRef>
+          <a:fillRef idx="1">
+            <a:schemeClr val="accent1"/>
+          </a:fillRef>
+          <a:effectRef idx="0">
+            <a:schemeClr val="accent1"/>
+          </a:effectRef>
+          <a:fontRef idx="minor">
+            <a:schemeClr val="lt1"/>
+          </a:fontRef>
+        </p:style>
+        <p:txBody>
+          <a:bodyPr rtlCol="0" anchor="ctr"/>
+          <a:lstStyle/>
+          <a:p>
+            <a:pPr algn="ctr"/>
+            <a:r>
+              <a:rPr lang="en-US" altLang="ko-KR" sz="1400" dirty="0">
+                <a:ln w="57150">
+                  <a:noFill/>
+                </a:ln>
+                <a:solidFill>
+                  <a:srgbClr val="FF0000"/>
+                </a:solidFill>
+              </a:rPr>
+              <a:t>1</a:t>
+            </a:r>
+            <a:endParaRPr lang="ko-KR" altLang="en-US" sz="1400" dirty="0">
+              <a:ln w="57150">
+                <a:noFill/>
+              </a:ln>
+              <a:solidFill>
+                <a:srgbClr val="FF0000"/>
+              </a:solidFill>
+            </a:endParaRPr>
+          </a:p>
+        </p:txBody>
+      </p:sp>
+      <p:sp>
+        <p:nvSpPr>
+          <p:cNvPr id="34" name="직사각형 33">
+            <a:extLst>
+              <a:ext uri="{FF2B5EF4-FFF2-40B4-BE49-F238E27FC236}">
+                <a16:creationId xmlns:a16="http://schemas.microsoft.com/office/drawing/2014/main" id="{75275D5C-C784-480A-9BD8-B6F797E8933B}"/>
+              </a:ext>
+            </a:extLst>
+          </p:cNvPr>
+          <p:cNvSpPr/>
+          <p:nvPr/>
+        </p:nvSpPr>
+        <p:spPr>
+          <a:xfrm>
+            <a:off x="5431365" y="5908671"/>
+            <a:ext cx="1045633" cy="347140"/>
+          </a:xfrm>
+          <a:prstGeom prst="rect">
+            <a:avLst/>
+          </a:prstGeom>
+        </p:spPr>
+        <p:style>
+          <a:lnRef idx="2">
+            <a:schemeClr val="accent1">
+              <a:shade val="50000"/>
+            </a:schemeClr>
+          </a:lnRef>
+          <a:fillRef idx="1">
+            <a:schemeClr val="accent1"/>
+          </a:fillRef>
+          <a:effectRef idx="0">
+            <a:schemeClr val="accent1"/>
+          </a:effectRef>
+          <a:fontRef idx="minor">
+            <a:schemeClr val="lt1"/>
+          </a:fontRef>
+        </p:style>
+        <p:txBody>
+          <a:bodyPr rtlCol="0" anchor="ctr"/>
+          <a:lstStyle/>
+          <a:p>
+            <a:pPr algn="ctr"/>
+            <a:r>
+              <a:rPr lang="ko-KR" altLang="en-US" dirty="0"/>
+              <a:t>저장</a:t>
+            </a:r>
+          </a:p>
+        </p:txBody>
+      </p:sp>
+      <p:sp>
+        <p:nvSpPr>
+          <p:cNvPr id="36" name="타원 35">
+            <a:extLst>
+              <a:ext uri="{FF2B5EF4-FFF2-40B4-BE49-F238E27FC236}">
+                <a16:creationId xmlns:a16="http://schemas.microsoft.com/office/drawing/2014/main" id="{1E3E34F3-D334-4736-BC05-5D5B285D5A78}"/>
+              </a:ext>
+            </a:extLst>
+          </p:cNvPr>
+          <p:cNvSpPr/>
+          <p:nvPr/>
+        </p:nvSpPr>
+        <p:spPr>
+          <a:xfrm>
+            <a:off x="6386678" y="5757335"/>
+            <a:ext cx="275643" cy="285375"/>
+          </a:xfrm>
+          <a:prstGeom prst="ellipse">
+            <a:avLst/>
+          </a:prstGeom>
+          <a:noFill/>
+          <a:ln w="38100">
+            <a:solidFill>
+              <a:srgbClr val="FF0000"/>
+            </a:solidFill>
+          </a:ln>
+        </p:spPr>
+        <p:style>
+          <a:lnRef idx="2">
+            <a:schemeClr val="accent1">
+              <a:shade val="50000"/>
+            </a:schemeClr>
+          </a:lnRef>
+          <a:fillRef idx="1">
+            <a:schemeClr val="accent1"/>
+          </a:fillRef>
+          <a:effectRef idx="0">
+            <a:schemeClr val="accent1"/>
+          </a:effectRef>
+          <a:fontRef idx="minor">
+            <a:schemeClr val="lt1"/>
+          </a:fontRef>
+        </p:style>
+        <p:txBody>
+          <a:bodyPr rtlCol="0" anchor="ctr"/>
+          <a:lstStyle/>
+          <a:p>
+            <a:pPr algn="ctr"/>
+            <a:r>
+              <a:rPr lang="en-US" altLang="ko-KR" sz="1400" dirty="0">
+                <a:ln w="57150">
+                  <a:noFill/>
+                </a:ln>
+                <a:solidFill>
+                  <a:srgbClr val="FF0000"/>
+                </a:solidFill>
+              </a:rPr>
+              <a:t>2</a:t>
+            </a:r>
+            <a:endParaRPr lang="ko-KR" altLang="en-US" sz="1400" dirty="0">
+              <a:ln w="57150">
+                <a:noFill/>
+              </a:ln>
+              <a:solidFill>
+                <a:srgbClr val="FF0000"/>
+              </a:solidFill>
+            </a:endParaRPr>
+          </a:p>
+        </p:txBody>
+      </p:sp>
+      <p:sp>
+        <p:nvSpPr>
+          <p:cNvPr id="37" name="타원 36">
+            <a:extLst>
+              <a:ext uri="{FF2B5EF4-FFF2-40B4-BE49-F238E27FC236}">
+                <a16:creationId xmlns:a16="http://schemas.microsoft.com/office/drawing/2014/main" id="{25C0060A-21D1-4EDC-9355-EA6E5685A192}"/>
+              </a:ext>
+            </a:extLst>
+          </p:cNvPr>
+          <p:cNvSpPr/>
+          <p:nvPr/>
+        </p:nvSpPr>
+        <p:spPr>
+          <a:xfrm>
+            <a:off x="9552276" y="1518025"/>
+            <a:ext cx="275643" cy="285375"/>
+          </a:xfrm>
+          <a:prstGeom prst="ellipse">
+            <a:avLst/>
+          </a:prstGeom>
+          <a:noFill/>
+          <a:ln w="38100">
+            <a:solidFill>
+              <a:srgbClr val="FF0000"/>
+            </a:solidFill>
+          </a:ln>
+        </p:spPr>
+        <p:style>
+          <a:lnRef idx="2">
+            <a:schemeClr val="accent1">
+              <a:shade val="50000"/>
+            </a:schemeClr>
+          </a:lnRef>
+          <a:fillRef idx="1">
+            <a:schemeClr val="accent1"/>
+          </a:fillRef>
+          <a:effectRef idx="0">
+            <a:schemeClr val="accent1"/>
+          </a:effectRef>
+          <a:fontRef idx="minor">
+            <a:schemeClr val="lt1"/>
+          </a:fontRef>
+        </p:style>
+        <p:txBody>
+          <a:bodyPr rtlCol="0" anchor="ctr"/>
+          <a:lstStyle/>
+          <a:p>
+            <a:pPr algn="ctr"/>
+            <a:r>
+              <a:rPr lang="en-US" altLang="ko-KR" sz="1400" dirty="0">
+                <a:ln w="57150">
+                  <a:noFill/>
+                </a:ln>
+                <a:solidFill>
+                  <a:srgbClr val="FF0000"/>
+                </a:solidFill>
+              </a:rPr>
+              <a:t>2</a:t>
+            </a:r>
+            <a:endParaRPr lang="ko-KR" altLang="en-US" sz="1400" dirty="0">
+              <a:ln w="57150">
+                <a:noFill/>
+              </a:ln>
+              <a:solidFill>
+                <a:srgbClr val="FF0000"/>
+              </a:solidFill>
+            </a:endParaRPr>
+          </a:p>
+        </p:txBody>
+      </p:sp>
+      <p:sp>
+        <p:nvSpPr>
+          <p:cNvPr id="38" name="타원 37">
+            <a:extLst>
+              <a:ext uri="{FF2B5EF4-FFF2-40B4-BE49-F238E27FC236}">
+                <a16:creationId xmlns:a16="http://schemas.microsoft.com/office/drawing/2014/main" id="{B29631A2-A20C-41B5-B93D-7DFEB9ACD9CC}"/>
+              </a:ext>
+            </a:extLst>
+          </p:cNvPr>
+          <p:cNvSpPr/>
+          <p:nvPr/>
+        </p:nvSpPr>
+        <p:spPr>
+          <a:xfrm>
+            <a:off x="9552276" y="2218266"/>
+            <a:ext cx="275643" cy="285375"/>
+          </a:xfrm>
+          <a:prstGeom prst="ellipse">
+            <a:avLst/>
+          </a:prstGeom>
+          <a:noFill/>
+          <a:ln w="38100">
+            <a:solidFill>
+              <a:srgbClr val="FF0000"/>
+            </a:solidFill>
+          </a:ln>
+        </p:spPr>
+        <p:style>
+          <a:lnRef idx="2">
+            <a:schemeClr val="accent1">
+              <a:shade val="50000"/>
+            </a:schemeClr>
+          </a:lnRef>
+          <a:fillRef idx="1">
+            <a:schemeClr val="accent1"/>
+          </a:fillRef>
+          <a:effectRef idx="0">
+            <a:schemeClr val="accent1"/>
+          </a:effectRef>
+          <a:fontRef idx="minor">
+            <a:schemeClr val="lt1"/>
+          </a:fontRef>
+        </p:style>
+        <p:txBody>
+          <a:bodyPr rtlCol="0" anchor="ctr"/>
+          <a:lstStyle/>
+          <a:p>
+            <a:pPr algn="ctr"/>
+            <a:r>
+              <a:rPr lang="en-US" altLang="ko-KR" sz="1400" dirty="0">
+                <a:ln w="57150">
+                  <a:noFill/>
+                </a:ln>
+                <a:solidFill>
+                  <a:srgbClr val="FF0000"/>
+                </a:solidFill>
+              </a:rPr>
+              <a:t>3</a:t>
+            </a:r>
+            <a:endParaRPr lang="ko-KR" altLang="en-US" sz="1400" dirty="0">
+              <a:ln w="57150">
+                <a:noFill/>
+              </a:ln>
+              <a:solidFill>
+                <a:srgbClr val="FF0000"/>
+              </a:solidFill>
+            </a:endParaRPr>
+          </a:p>
+        </p:txBody>
+      </p:sp>
+      <p:sp>
+        <p:nvSpPr>
+          <p:cNvPr id="39" name="타원 38">
+            <a:extLst>
+              <a:ext uri="{FF2B5EF4-FFF2-40B4-BE49-F238E27FC236}">
+                <a16:creationId xmlns:a16="http://schemas.microsoft.com/office/drawing/2014/main" id="{841C0455-2375-4936-A1F2-FC2D384A36DA}"/>
+              </a:ext>
+            </a:extLst>
+          </p:cNvPr>
+          <p:cNvSpPr/>
+          <p:nvPr/>
+        </p:nvSpPr>
+        <p:spPr>
+          <a:xfrm>
+            <a:off x="7041908" y="864846"/>
+            <a:ext cx="275643" cy="285375"/>
+          </a:xfrm>
+          <a:prstGeom prst="ellipse">
+            <a:avLst/>
+          </a:prstGeom>
+          <a:noFill/>
+          <a:ln w="38100">
+            <a:solidFill>
+              <a:srgbClr val="FF0000"/>
+            </a:solidFill>
+          </a:ln>
+        </p:spPr>
+        <p:style>
+          <a:lnRef idx="2">
+            <a:schemeClr val="accent1">
+              <a:shade val="50000"/>
+            </a:schemeClr>
+          </a:lnRef>
+          <a:fillRef idx="1">
+            <a:schemeClr val="accent1"/>
+          </a:fillRef>
+          <a:effectRef idx="0">
+            <a:schemeClr val="accent1"/>
+          </a:effectRef>
+          <a:fontRef idx="minor">
+            <a:schemeClr val="lt1"/>
+          </a:fontRef>
+        </p:style>
+        <p:txBody>
+          <a:bodyPr rtlCol="0" anchor="ctr"/>
+          <a:lstStyle/>
+          <a:p>
+            <a:pPr algn="ctr"/>
+            <a:r>
+              <a:rPr lang="en-US" altLang="ko-KR" sz="1400" dirty="0">
+                <a:ln w="57150">
+                  <a:noFill/>
+                </a:ln>
+                <a:solidFill>
+                  <a:srgbClr val="FF0000"/>
+                </a:solidFill>
+              </a:rPr>
+              <a:t>3</a:t>
+            </a:r>
+            <a:endParaRPr lang="ko-KR" altLang="en-US" sz="1400" dirty="0">
+              <a:ln w="57150">
+                <a:noFill/>
+              </a:ln>
+              <a:solidFill>
+                <a:srgbClr val="FF0000"/>
+              </a:solidFill>
+            </a:endParaRPr>
           </a:p>
         </p:txBody>
       </p:sp>
@@ -11254,13 +12707,363 @@
           </a:fontRef>
         </p:style>
         <p:txBody>
-          <a:bodyPr rtlCol="0" anchor="ctr"/>
-          <a:lstStyle/>
-          <a:p>
-            <a:pPr algn="ctr"/>
-            <a:endParaRPr lang="ko-KR" altLang="en-US" dirty="0">
+          <a:bodyPr rtlCol="0" anchor="t"/>
+          <a:lstStyle/>
+          <a:p>
+            <a:endParaRPr lang="en-US" altLang="ko-KR" sz="1200" dirty="0">
               <a:solidFill>
                 <a:schemeClr val="tx1"/>
+              </a:solidFill>
+            </a:endParaRPr>
+          </a:p>
+          <a:p>
+            <a:r>
+              <a:rPr lang="en-US" altLang="ko-KR" sz="1200" dirty="0">
+                <a:solidFill>
+                  <a:schemeClr val="tx1"/>
+                </a:solidFill>
+              </a:rPr>
+              <a:t>      </a:t>
+            </a:r>
+            <a:r>
+              <a:rPr lang="ko-KR" altLang="en-US" sz="1200" dirty="0">
+                <a:solidFill>
+                  <a:schemeClr val="tx1"/>
+                </a:solidFill>
+              </a:rPr>
+              <a:t>제품명</a:t>
+            </a:r>
+            <a:r>
+              <a:rPr lang="en-US" altLang="ko-KR" sz="1200" dirty="0">
+                <a:solidFill>
+                  <a:schemeClr val="tx1"/>
+                </a:solidFill>
+              </a:rPr>
+              <a:t>, </a:t>
+            </a:r>
+            <a:r>
+              <a:rPr lang="ko-KR" altLang="en-US" sz="1200" dirty="0">
+                <a:solidFill>
+                  <a:schemeClr val="tx1"/>
+                </a:solidFill>
+              </a:rPr>
+              <a:t>제품번호</a:t>
+            </a:r>
+            <a:endParaRPr lang="en-US" altLang="ko-KR" sz="1200" dirty="0">
+              <a:solidFill>
+                <a:schemeClr val="tx1"/>
+              </a:solidFill>
+            </a:endParaRPr>
+          </a:p>
+          <a:p>
+            <a:endParaRPr lang="en-US" altLang="ko-KR" sz="1200" dirty="0">
+              <a:solidFill>
+                <a:schemeClr val="tx1"/>
+              </a:solidFill>
+            </a:endParaRPr>
+          </a:p>
+          <a:p>
+            <a:endParaRPr lang="en-US" altLang="ko-KR" sz="1200" dirty="0">
+              <a:solidFill>
+                <a:schemeClr val="tx1"/>
+              </a:solidFill>
+            </a:endParaRPr>
+          </a:p>
+          <a:p>
+            <a:endParaRPr lang="en-US" altLang="ko-KR" sz="1200" dirty="0">
+              <a:solidFill>
+                <a:schemeClr val="tx1"/>
+              </a:solidFill>
+            </a:endParaRPr>
+          </a:p>
+          <a:p>
+            <a:r>
+              <a:rPr lang="ko-KR" altLang="en-US" sz="1200" dirty="0">
+                <a:solidFill>
+                  <a:schemeClr val="tx1"/>
+                </a:solidFill>
+              </a:rPr>
+              <a:t>      부품 주문 </a:t>
+            </a:r>
+            <a:r>
+              <a:rPr lang="ko-KR" altLang="en-US" sz="1200" dirty="0" err="1">
+                <a:solidFill>
+                  <a:schemeClr val="tx1"/>
+                </a:solidFill>
+              </a:rPr>
+              <a:t>클릭시</a:t>
+            </a:r>
+            <a:endParaRPr lang="en-US" altLang="ko-KR" sz="1200" dirty="0">
+              <a:solidFill>
+                <a:schemeClr val="tx1"/>
+              </a:solidFill>
+            </a:endParaRPr>
+          </a:p>
+          <a:p>
+            <a:r>
+              <a:rPr lang="en-US" altLang="ko-KR" sz="1200" dirty="0">
+                <a:solidFill>
+                  <a:schemeClr val="tx1"/>
+                </a:solidFill>
+              </a:rPr>
+              <a:t>      </a:t>
+            </a:r>
+            <a:r>
+              <a:rPr lang="ko-KR" altLang="en-US" sz="1200" dirty="0">
+                <a:solidFill>
+                  <a:schemeClr val="tx1"/>
+                </a:solidFill>
+              </a:rPr>
+              <a:t>해당 부품 주문 화면으로</a:t>
+            </a:r>
+            <a:endParaRPr lang="en-US" altLang="ko-KR" sz="1200" dirty="0">
+              <a:solidFill>
+                <a:schemeClr val="tx1"/>
+              </a:solidFill>
+            </a:endParaRPr>
+          </a:p>
+          <a:p>
+            <a:r>
+              <a:rPr lang="en-US" altLang="ko-KR" sz="1200" dirty="0">
+                <a:solidFill>
+                  <a:schemeClr val="tx1"/>
+                </a:solidFill>
+              </a:rPr>
+              <a:t>      </a:t>
+            </a:r>
+            <a:r>
+              <a:rPr lang="ko-KR" altLang="en-US" sz="1200" dirty="0">
+                <a:solidFill>
+                  <a:schemeClr val="tx1"/>
+                </a:solidFill>
+              </a:rPr>
+              <a:t>이동한다</a:t>
+            </a:r>
+            <a:r>
+              <a:rPr lang="en-US" altLang="ko-KR" sz="1200" dirty="0">
+                <a:solidFill>
+                  <a:schemeClr val="tx1"/>
+                </a:solidFill>
+              </a:rPr>
+              <a:t>.</a:t>
+            </a:r>
+          </a:p>
+          <a:p>
+            <a:r>
+              <a:rPr lang="en-US" altLang="ko-KR" sz="1200" dirty="0">
+                <a:solidFill>
+                  <a:srgbClr val="C00000"/>
+                </a:solidFill>
+                <a:sym typeface="Wingdings" panose="05000000000000000000" pitchFamily="2" charset="2"/>
+              </a:rPr>
+              <a:t> </a:t>
+            </a:r>
+            <a:r>
+              <a:rPr lang="ko-KR" altLang="en-US" sz="1200" b="1" dirty="0">
+                <a:solidFill>
+                  <a:srgbClr val="C00000"/>
+                </a:solidFill>
+              </a:rPr>
+              <a:t>부품주문 화면 별도 필요함</a:t>
+            </a:r>
+            <a:endParaRPr lang="en-US" altLang="ko-KR" sz="1200" b="1" dirty="0">
+              <a:solidFill>
+                <a:srgbClr val="C00000"/>
+              </a:solidFill>
+            </a:endParaRPr>
+          </a:p>
+          <a:p>
+            <a:pPr marL="171450" indent="-171450">
+              <a:buFont typeface="Wingdings" panose="05000000000000000000" pitchFamily="2" charset="2"/>
+              <a:buChar char="à"/>
+            </a:pPr>
+            <a:r>
+              <a:rPr lang="ko-KR" altLang="en-US" sz="1200" dirty="0">
+                <a:solidFill>
+                  <a:srgbClr val="C00000"/>
+                </a:solidFill>
+                <a:sym typeface="Wingdings" panose="05000000000000000000" pitchFamily="2" charset="2"/>
+              </a:rPr>
+              <a:t> 부품 주문 </a:t>
+            </a:r>
+            <a:r>
+              <a:rPr lang="ko-KR" altLang="en-US" sz="1200" dirty="0" err="1">
+                <a:solidFill>
+                  <a:srgbClr val="C00000"/>
+                </a:solidFill>
+                <a:sym typeface="Wingdings" panose="05000000000000000000" pitchFamily="2" charset="2"/>
+              </a:rPr>
+              <a:t>저장시</a:t>
+            </a:r>
+            <a:endParaRPr lang="en-US" altLang="ko-KR" sz="1200" dirty="0">
+              <a:solidFill>
+                <a:srgbClr val="C00000"/>
+              </a:solidFill>
+              <a:sym typeface="Wingdings" panose="05000000000000000000" pitchFamily="2" charset="2"/>
+            </a:endParaRPr>
+          </a:p>
+          <a:p>
+            <a:r>
+              <a:rPr lang="en-US" altLang="ko-KR" sz="1200" dirty="0">
+                <a:solidFill>
+                  <a:srgbClr val="C00000"/>
+                </a:solidFill>
+                <a:sym typeface="Wingdings" panose="05000000000000000000" pitchFamily="2" charset="2"/>
+              </a:rPr>
+              <a:t>    </a:t>
+            </a:r>
+            <a:r>
+              <a:rPr lang="ko-KR" altLang="en-US" sz="1200" dirty="0">
+                <a:solidFill>
+                  <a:srgbClr val="C00000"/>
+                </a:solidFill>
+                <a:sym typeface="Wingdings" panose="05000000000000000000" pitchFamily="2" charset="2"/>
+              </a:rPr>
+              <a:t>해당 부품 납품 업체에</a:t>
+            </a:r>
+            <a:endParaRPr lang="en-US" altLang="ko-KR" sz="1200" dirty="0">
+              <a:solidFill>
+                <a:srgbClr val="C00000"/>
+              </a:solidFill>
+              <a:sym typeface="Wingdings" panose="05000000000000000000" pitchFamily="2" charset="2"/>
+            </a:endParaRPr>
+          </a:p>
+          <a:p>
+            <a:r>
+              <a:rPr lang="en-US" altLang="ko-KR" sz="1200" dirty="0">
+                <a:solidFill>
+                  <a:srgbClr val="C00000"/>
+                </a:solidFill>
+                <a:sym typeface="Wingdings" panose="05000000000000000000" pitchFamily="2" charset="2"/>
+              </a:rPr>
+              <a:t>    </a:t>
+            </a:r>
+            <a:r>
+              <a:rPr lang="ko-KR" altLang="en-US" sz="1200" dirty="0">
+                <a:solidFill>
+                  <a:srgbClr val="C00000"/>
+                </a:solidFill>
+                <a:sym typeface="Wingdings" panose="05000000000000000000" pitchFamily="2" charset="2"/>
+              </a:rPr>
+              <a:t>주문 발주 처리 된다</a:t>
+            </a:r>
+            <a:r>
+              <a:rPr lang="en-US" altLang="ko-KR" sz="1200" dirty="0">
+                <a:solidFill>
+                  <a:srgbClr val="C00000"/>
+                </a:solidFill>
+                <a:sym typeface="Wingdings" panose="05000000000000000000" pitchFamily="2" charset="2"/>
+              </a:rPr>
+              <a:t>.</a:t>
+            </a:r>
+          </a:p>
+          <a:p>
+            <a:endParaRPr lang="en-US" altLang="ko-KR" sz="1200" dirty="0">
+              <a:solidFill>
+                <a:srgbClr val="C00000"/>
+              </a:solidFill>
+              <a:sym typeface="Wingdings" panose="05000000000000000000" pitchFamily="2" charset="2"/>
+            </a:endParaRPr>
+          </a:p>
+          <a:p>
+            <a:endParaRPr lang="en-US" altLang="ko-KR" sz="1200" dirty="0">
+              <a:solidFill>
+                <a:srgbClr val="C00000"/>
+              </a:solidFill>
+              <a:sym typeface="Wingdings" panose="05000000000000000000" pitchFamily="2" charset="2"/>
+            </a:endParaRPr>
+          </a:p>
+          <a:p>
+            <a:r>
+              <a:rPr lang="en-US" altLang="ko-KR" sz="1200" dirty="0">
+                <a:solidFill>
+                  <a:srgbClr val="C00000"/>
+                </a:solidFill>
+                <a:sym typeface="Wingdings" panose="05000000000000000000" pitchFamily="2" charset="2"/>
+              </a:rPr>
+              <a:t>※ </a:t>
+            </a:r>
+            <a:r>
+              <a:rPr lang="ko-KR" altLang="en-US" sz="1200" dirty="0">
+                <a:solidFill>
+                  <a:srgbClr val="C00000"/>
+                </a:solidFill>
+                <a:sym typeface="Wingdings" panose="05000000000000000000" pitchFamily="2" charset="2"/>
+              </a:rPr>
+              <a:t>부품주문 화면은 </a:t>
+            </a:r>
+            <a:endParaRPr lang="en-US" altLang="ko-KR" sz="1200" dirty="0">
+              <a:solidFill>
+                <a:srgbClr val="C00000"/>
+              </a:solidFill>
+              <a:sym typeface="Wingdings" panose="05000000000000000000" pitchFamily="2" charset="2"/>
+            </a:endParaRPr>
+          </a:p>
+          <a:p>
+            <a:r>
+              <a:rPr lang="en-US" altLang="ko-KR" sz="1200" dirty="0">
+                <a:solidFill>
+                  <a:srgbClr val="C00000"/>
+                </a:solidFill>
+                <a:sym typeface="Wingdings" panose="05000000000000000000" pitchFamily="2" charset="2"/>
+              </a:rPr>
+              <a:t>   </a:t>
+            </a:r>
+            <a:r>
+              <a:rPr lang="ko-KR" altLang="en-US" sz="1200" dirty="0">
+                <a:solidFill>
+                  <a:srgbClr val="C00000"/>
+                </a:solidFill>
+                <a:sym typeface="Wingdings" panose="05000000000000000000" pitchFamily="2" charset="2"/>
+              </a:rPr>
+              <a:t>㈜선아전자에서 관리되는</a:t>
+            </a:r>
+            <a:endParaRPr lang="en-US" altLang="ko-KR" sz="1200" dirty="0">
+              <a:solidFill>
+                <a:srgbClr val="C00000"/>
+              </a:solidFill>
+              <a:sym typeface="Wingdings" panose="05000000000000000000" pitchFamily="2" charset="2"/>
+            </a:endParaRPr>
+          </a:p>
+          <a:p>
+            <a:r>
+              <a:rPr lang="en-US" altLang="ko-KR" sz="1200" dirty="0">
+                <a:solidFill>
+                  <a:srgbClr val="C00000"/>
+                </a:solidFill>
+                <a:sym typeface="Wingdings" panose="05000000000000000000" pitchFamily="2" charset="2"/>
+              </a:rPr>
+              <a:t>   </a:t>
+            </a:r>
+            <a:r>
+              <a:rPr lang="ko-KR" altLang="en-US" sz="1200" dirty="0">
+                <a:solidFill>
+                  <a:srgbClr val="C00000"/>
+                </a:solidFill>
+                <a:sym typeface="Wingdings" panose="05000000000000000000" pitchFamily="2" charset="2"/>
+              </a:rPr>
+              <a:t>통합 부품 주문 화면으로</a:t>
+            </a:r>
+            <a:endParaRPr lang="en-US" altLang="ko-KR" sz="1200" dirty="0">
+              <a:solidFill>
+                <a:srgbClr val="C00000"/>
+              </a:solidFill>
+              <a:sym typeface="Wingdings" panose="05000000000000000000" pitchFamily="2" charset="2"/>
+            </a:endParaRPr>
+          </a:p>
+          <a:p>
+            <a:r>
+              <a:rPr lang="en-US" altLang="ko-KR" sz="1200" dirty="0">
+                <a:solidFill>
+                  <a:srgbClr val="C00000"/>
+                </a:solidFill>
+                <a:sym typeface="Wingdings" panose="05000000000000000000" pitchFamily="2" charset="2"/>
+              </a:rPr>
+              <a:t>   </a:t>
+            </a:r>
+            <a:endParaRPr lang="en-US" altLang="ko-KR" sz="1200" dirty="0">
+              <a:solidFill>
+                <a:srgbClr val="C00000"/>
               </a:solidFill>
             </a:endParaRPr>
           </a:p>
@@ -11709,8 +13512,8 @@
         </p:nvSpPr>
         <p:spPr>
           <a:xfrm>
-            <a:off x="1447800" y="1032926"/>
-            <a:ext cx="6468533" cy="347140"/>
+            <a:off x="2906420" y="1032926"/>
+            <a:ext cx="5009913" cy="347140"/>
           </a:xfrm>
           <a:prstGeom prst="rect">
             <a:avLst/>
@@ -11755,55 +13558,6 @@
       </p:sp>
       <p:sp>
         <p:nvSpPr>
-          <p:cNvPr id="14" name="직사각형 13">
-            <a:extLst>
-              <a:ext uri="{FF2B5EF4-FFF2-40B4-BE49-F238E27FC236}">
-                <a16:creationId xmlns:a16="http://schemas.microsoft.com/office/drawing/2014/main" id="{F22E07EC-CA86-464F-88B5-745CF7FFED07}"/>
-              </a:ext>
-            </a:extLst>
-          </p:cNvPr>
-          <p:cNvSpPr/>
-          <p:nvPr/>
-        </p:nvSpPr>
-        <p:spPr>
-          <a:xfrm>
-            <a:off x="990600" y="1032926"/>
-            <a:ext cx="457200" cy="347140"/>
-          </a:xfrm>
-          <a:prstGeom prst="rect">
-            <a:avLst/>
-          </a:prstGeom>
-        </p:spPr>
-        <p:style>
-          <a:lnRef idx="2">
-            <a:schemeClr val="accent1">
-              <a:shade val="50000"/>
-            </a:schemeClr>
-          </a:lnRef>
-          <a:fillRef idx="1">
-            <a:schemeClr val="accent1"/>
-          </a:fillRef>
-          <a:effectRef idx="0">
-            <a:schemeClr val="accent1"/>
-          </a:effectRef>
-          <a:fontRef idx="minor">
-            <a:schemeClr val="lt1"/>
-          </a:fontRef>
-        </p:style>
-        <p:txBody>
-          <a:bodyPr rtlCol="0" anchor="ctr"/>
-          <a:lstStyle/>
-          <a:p>
-            <a:pPr algn="ctr"/>
-            <a:r>
-              <a:rPr lang="ko-KR" altLang="en-US" sz="800" dirty="0"/>
-              <a:t>돋보기</a:t>
-            </a:r>
-          </a:p>
-        </p:txBody>
-      </p:sp>
-      <p:sp>
-        <p:nvSpPr>
           <p:cNvPr id="17" name="직사각형 16">
             <a:extLst>
               <a:ext uri="{FF2B5EF4-FFF2-40B4-BE49-F238E27FC236}">
@@ -11816,7 +13570,7 @@
         </p:nvSpPr>
         <p:spPr>
           <a:xfrm>
-            <a:off x="8022165" y="2518842"/>
+            <a:off x="8022165" y="2501908"/>
             <a:ext cx="1045633" cy="347140"/>
           </a:xfrm>
           <a:prstGeom prst="rect">
@@ -12134,7 +13888,7 @@
         </p:nvSpPr>
         <p:spPr>
           <a:xfrm>
-            <a:off x="8022165" y="3975083"/>
+            <a:off x="8022165" y="3958149"/>
             <a:ext cx="1045633" cy="347140"/>
           </a:xfrm>
           <a:prstGeom prst="rect">
@@ -12452,7 +14206,7 @@
         </p:nvSpPr>
         <p:spPr>
           <a:xfrm>
-            <a:off x="8022165" y="5484325"/>
+            <a:off x="8022165" y="5467391"/>
             <a:ext cx="1045633" cy="347140"/>
           </a:xfrm>
           <a:prstGeom prst="rect">
@@ -12705,6 +14459,391 @@
               </a:rPr>
               <a:t>㈜선아전자</a:t>
             </a:r>
+          </a:p>
+        </p:txBody>
+      </p:sp>
+      <p:sp>
+        <p:nvSpPr>
+          <p:cNvPr id="28" name="타원 27">
+            <a:extLst>
+              <a:ext uri="{FF2B5EF4-FFF2-40B4-BE49-F238E27FC236}">
+                <a16:creationId xmlns:a16="http://schemas.microsoft.com/office/drawing/2014/main" id="{59B5040D-FF25-4206-A8A0-F40985A2EE98}"/>
+              </a:ext>
+            </a:extLst>
+          </p:cNvPr>
+          <p:cNvSpPr/>
+          <p:nvPr/>
+        </p:nvSpPr>
+        <p:spPr>
+          <a:xfrm>
+            <a:off x="9552276" y="963423"/>
+            <a:ext cx="275643" cy="285375"/>
+          </a:xfrm>
+          <a:prstGeom prst="ellipse">
+            <a:avLst/>
+          </a:prstGeom>
+          <a:noFill/>
+          <a:ln w="38100">
+            <a:solidFill>
+              <a:srgbClr val="FF0000"/>
+            </a:solidFill>
+          </a:ln>
+        </p:spPr>
+        <p:style>
+          <a:lnRef idx="2">
+            <a:schemeClr val="accent1">
+              <a:shade val="50000"/>
+            </a:schemeClr>
+          </a:lnRef>
+          <a:fillRef idx="1">
+            <a:schemeClr val="accent1"/>
+          </a:fillRef>
+          <a:effectRef idx="0">
+            <a:schemeClr val="accent1"/>
+          </a:effectRef>
+          <a:fontRef idx="minor">
+            <a:schemeClr val="lt1"/>
+          </a:fontRef>
+        </p:style>
+        <p:txBody>
+          <a:bodyPr rtlCol="0" anchor="ctr"/>
+          <a:lstStyle/>
+          <a:p>
+            <a:pPr algn="ctr"/>
+            <a:r>
+              <a:rPr lang="en-US" altLang="ko-KR" sz="1400" dirty="0">
+                <a:ln w="57150">
+                  <a:noFill/>
+                </a:ln>
+                <a:solidFill>
+                  <a:srgbClr val="FF0000"/>
+                </a:solidFill>
+              </a:rPr>
+              <a:t>1</a:t>
+            </a:r>
+            <a:endParaRPr lang="ko-KR" altLang="en-US" sz="1400" dirty="0">
+              <a:ln w="57150">
+                <a:noFill/>
+              </a:ln>
+              <a:solidFill>
+                <a:srgbClr val="FF0000"/>
+              </a:solidFill>
+            </a:endParaRPr>
+          </a:p>
+        </p:txBody>
+      </p:sp>
+      <p:sp>
+        <p:nvSpPr>
+          <p:cNvPr id="40" name="타원 39">
+            <a:extLst>
+              <a:ext uri="{FF2B5EF4-FFF2-40B4-BE49-F238E27FC236}">
+                <a16:creationId xmlns:a16="http://schemas.microsoft.com/office/drawing/2014/main" id="{25947D98-1A10-486C-B831-26CE7E7D4497}"/>
+              </a:ext>
+            </a:extLst>
+          </p:cNvPr>
+          <p:cNvSpPr/>
+          <p:nvPr/>
+        </p:nvSpPr>
+        <p:spPr>
+          <a:xfrm>
+            <a:off x="8995355" y="2396065"/>
+            <a:ext cx="275643" cy="285375"/>
+          </a:xfrm>
+          <a:prstGeom prst="ellipse">
+            <a:avLst/>
+          </a:prstGeom>
+          <a:noFill/>
+          <a:ln w="38100">
+            <a:solidFill>
+              <a:srgbClr val="FF0000"/>
+            </a:solidFill>
+          </a:ln>
+        </p:spPr>
+        <p:style>
+          <a:lnRef idx="2">
+            <a:schemeClr val="accent1">
+              <a:shade val="50000"/>
+            </a:schemeClr>
+          </a:lnRef>
+          <a:fillRef idx="1">
+            <a:schemeClr val="accent1"/>
+          </a:fillRef>
+          <a:effectRef idx="0">
+            <a:schemeClr val="accent1"/>
+          </a:effectRef>
+          <a:fontRef idx="minor">
+            <a:schemeClr val="lt1"/>
+          </a:fontRef>
+        </p:style>
+        <p:txBody>
+          <a:bodyPr rtlCol="0" anchor="ctr"/>
+          <a:lstStyle/>
+          <a:p>
+            <a:pPr algn="ctr"/>
+            <a:r>
+              <a:rPr lang="en-US" altLang="ko-KR" sz="1400" dirty="0">
+                <a:ln w="57150">
+                  <a:noFill/>
+                </a:ln>
+                <a:solidFill>
+                  <a:srgbClr val="FF0000"/>
+                </a:solidFill>
+              </a:rPr>
+              <a:t>2</a:t>
+            </a:r>
+            <a:endParaRPr lang="ko-KR" altLang="en-US" sz="1400" dirty="0">
+              <a:ln w="57150">
+                <a:noFill/>
+              </a:ln>
+              <a:solidFill>
+                <a:srgbClr val="FF0000"/>
+              </a:solidFill>
+            </a:endParaRPr>
+          </a:p>
+        </p:txBody>
+      </p:sp>
+      <p:sp>
+        <p:nvSpPr>
+          <p:cNvPr id="41" name="직사각형 40">
+            <a:extLst>
+              <a:ext uri="{FF2B5EF4-FFF2-40B4-BE49-F238E27FC236}">
+                <a16:creationId xmlns:a16="http://schemas.microsoft.com/office/drawing/2014/main" id="{75879A00-692D-43A7-9269-499037F3B802}"/>
+              </a:ext>
+            </a:extLst>
+          </p:cNvPr>
+          <p:cNvSpPr/>
+          <p:nvPr/>
+        </p:nvSpPr>
+        <p:spPr>
+          <a:xfrm>
+            <a:off x="990600" y="1032926"/>
+            <a:ext cx="1574798" cy="347140"/>
+          </a:xfrm>
+          <a:prstGeom prst="rect">
+            <a:avLst/>
+          </a:prstGeom>
+        </p:spPr>
+        <p:style>
+          <a:lnRef idx="2">
+            <a:schemeClr val="accent1">
+              <a:shade val="50000"/>
+            </a:schemeClr>
+          </a:lnRef>
+          <a:fillRef idx="1">
+            <a:schemeClr val="accent1"/>
+          </a:fillRef>
+          <a:effectRef idx="0">
+            <a:schemeClr val="accent1"/>
+          </a:effectRef>
+          <a:fontRef idx="minor">
+            <a:schemeClr val="lt1"/>
+          </a:fontRef>
+        </p:style>
+        <p:txBody>
+          <a:bodyPr rtlCol="0" anchor="ctr"/>
+          <a:lstStyle/>
+          <a:p>
+            <a:pPr algn="ctr"/>
+            <a:r>
+              <a:rPr lang="ko-KR" altLang="en-US" dirty="0"/>
+              <a:t>제품명</a:t>
+            </a:r>
+          </a:p>
+        </p:txBody>
+      </p:sp>
+      <p:sp>
+        <p:nvSpPr>
+          <p:cNvPr id="42" name="직사각형 41">
+            <a:extLst>
+              <a:ext uri="{FF2B5EF4-FFF2-40B4-BE49-F238E27FC236}">
+                <a16:creationId xmlns:a16="http://schemas.microsoft.com/office/drawing/2014/main" id="{A7D0FD97-AFAC-4606-A478-DFCEA3C939EE}"/>
+              </a:ext>
+            </a:extLst>
+          </p:cNvPr>
+          <p:cNvSpPr/>
+          <p:nvPr/>
+        </p:nvSpPr>
+        <p:spPr>
+          <a:xfrm>
+            <a:off x="2565398" y="1028695"/>
+            <a:ext cx="342902" cy="347140"/>
+          </a:xfrm>
+          <a:prstGeom prst="rect">
+            <a:avLst/>
+          </a:prstGeom>
+          <a:solidFill>
+            <a:schemeClr val="bg1"/>
+          </a:solidFill>
+        </p:spPr>
+        <p:style>
+          <a:lnRef idx="2">
+            <a:schemeClr val="accent1">
+              <a:shade val="50000"/>
+            </a:schemeClr>
+          </a:lnRef>
+          <a:fillRef idx="1">
+            <a:schemeClr val="accent1"/>
+          </a:fillRef>
+          <a:effectRef idx="0">
+            <a:schemeClr val="accent1"/>
+          </a:effectRef>
+          <a:fontRef idx="minor">
+            <a:schemeClr val="lt1"/>
+          </a:fontRef>
+        </p:style>
+        <p:txBody>
+          <a:bodyPr rtlCol="0" anchor="ctr"/>
+          <a:lstStyle/>
+          <a:p>
+            <a:pPr algn="ctr"/>
+            <a:r>
+              <a:rPr lang="ko-KR" altLang="en-US" sz="2000" dirty="0">
+                <a:solidFill>
+                  <a:schemeClr val="tx1"/>
+                </a:solidFill>
+              </a:rPr>
+              <a:t>▼</a:t>
+            </a:r>
+          </a:p>
+        </p:txBody>
+      </p:sp>
+      <p:sp>
+        <p:nvSpPr>
+          <p:cNvPr id="43" name="타원 42">
+            <a:extLst>
+              <a:ext uri="{FF2B5EF4-FFF2-40B4-BE49-F238E27FC236}">
+                <a16:creationId xmlns:a16="http://schemas.microsoft.com/office/drawing/2014/main" id="{C96012D7-0B10-43EF-ACD0-0555B176C309}"/>
+              </a:ext>
+            </a:extLst>
+          </p:cNvPr>
+          <p:cNvSpPr/>
+          <p:nvPr/>
+        </p:nvSpPr>
+        <p:spPr>
+          <a:xfrm>
+            <a:off x="2427576" y="821984"/>
+            <a:ext cx="275643" cy="285375"/>
+          </a:xfrm>
+          <a:prstGeom prst="ellipse">
+            <a:avLst/>
+          </a:prstGeom>
+          <a:noFill/>
+          <a:ln w="38100">
+            <a:solidFill>
+              <a:srgbClr val="FF0000"/>
+            </a:solidFill>
+          </a:ln>
+        </p:spPr>
+        <p:style>
+          <a:lnRef idx="2">
+            <a:schemeClr val="accent1">
+              <a:shade val="50000"/>
+            </a:schemeClr>
+          </a:lnRef>
+          <a:fillRef idx="1">
+            <a:schemeClr val="accent1"/>
+          </a:fillRef>
+          <a:effectRef idx="0">
+            <a:schemeClr val="accent1"/>
+          </a:effectRef>
+          <a:fontRef idx="minor">
+            <a:schemeClr val="lt1"/>
+          </a:fontRef>
+        </p:style>
+        <p:txBody>
+          <a:bodyPr rtlCol="0" anchor="ctr"/>
+          <a:lstStyle/>
+          <a:p>
+            <a:pPr algn="ctr"/>
+            <a:r>
+              <a:rPr lang="en-US" altLang="ko-KR" sz="1400" dirty="0">
+                <a:ln w="57150">
+                  <a:noFill/>
+                </a:ln>
+                <a:solidFill>
+                  <a:srgbClr val="FF0000"/>
+                </a:solidFill>
+              </a:rPr>
+              <a:t>1</a:t>
+            </a:r>
+            <a:endParaRPr lang="ko-KR" altLang="en-US" sz="1400" dirty="0">
+              <a:ln w="57150">
+                <a:noFill/>
+              </a:ln>
+              <a:solidFill>
+                <a:srgbClr val="FF0000"/>
+              </a:solidFill>
+            </a:endParaRPr>
+          </a:p>
+        </p:txBody>
+      </p:sp>
+      <p:sp>
+        <p:nvSpPr>
+          <p:cNvPr id="44" name="타원 43">
+            <a:extLst>
+              <a:ext uri="{FF2B5EF4-FFF2-40B4-BE49-F238E27FC236}">
+                <a16:creationId xmlns:a16="http://schemas.microsoft.com/office/drawing/2014/main" id="{FAE99709-4560-41F5-A5F1-2C8A6185672B}"/>
+              </a:ext>
+            </a:extLst>
+          </p:cNvPr>
+          <p:cNvSpPr/>
+          <p:nvPr/>
+        </p:nvSpPr>
+        <p:spPr>
+          <a:xfrm>
+            <a:off x="9552276" y="1692452"/>
+            <a:ext cx="275643" cy="285375"/>
+          </a:xfrm>
+          <a:prstGeom prst="ellipse">
+            <a:avLst/>
+          </a:prstGeom>
+          <a:noFill/>
+          <a:ln w="38100">
+            <a:solidFill>
+              <a:srgbClr val="FF0000"/>
+            </a:solidFill>
+          </a:ln>
+        </p:spPr>
+        <p:style>
+          <a:lnRef idx="2">
+            <a:schemeClr val="accent1">
+              <a:shade val="50000"/>
+            </a:schemeClr>
+          </a:lnRef>
+          <a:fillRef idx="1">
+            <a:schemeClr val="accent1"/>
+          </a:fillRef>
+          <a:effectRef idx="0">
+            <a:schemeClr val="accent1"/>
+          </a:effectRef>
+          <a:fontRef idx="minor">
+            <a:schemeClr val="lt1"/>
+          </a:fontRef>
+        </p:style>
+        <p:txBody>
+          <a:bodyPr rtlCol="0" anchor="ctr"/>
+          <a:lstStyle/>
+          <a:p>
+            <a:pPr algn="ctr"/>
+            <a:r>
+              <a:rPr lang="en-US" altLang="ko-KR" sz="1400" dirty="0">
+                <a:ln w="57150">
+                  <a:noFill/>
+                </a:ln>
+                <a:solidFill>
+                  <a:srgbClr val="FF0000"/>
+                </a:solidFill>
+              </a:rPr>
+              <a:t>2</a:t>
+            </a:r>
+            <a:endParaRPr lang="ko-KR" altLang="en-US" sz="1400" dirty="0">
+              <a:ln w="57150">
+                <a:noFill/>
+              </a:ln>
+              <a:solidFill>
+                <a:srgbClr val="FF0000"/>
+              </a:solidFill>
+            </a:endParaRPr>
           </a:p>
         </p:txBody>
       </p:sp>
@@ -14594,7 +16733,214 @@
               </a:rPr>
               <a:t> : ‘CLASS’ }</a:t>
             </a:r>
+          </a:p>
+          <a:p>
             <a:endParaRPr lang="en-US" altLang="ko-KR" sz="1400" dirty="0">
+              <a:solidFill>
+                <a:srgbClr val="C00000"/>
+              </a:solidFill>
+            </a:endParaRPr>
+          </a:p>
+          <a:p>
+            <a:endParaRPr lang="en-US" altLang="ko-KR" sz="1400" dirty="0">
+              <a:solidFill>
+                <a:srgbClr val="C00000"/>
+              </a:solidFill>
+            </a:endParaRPr>
+          </a:p>
+          <a:p>
+            <a:r>
+              <a:rPr lang="en-US" altLang="ko-KR" sz="1400" dirty="0">
+                <a:solidFill>
+                  <a:srgbClr val="C00000"/>
+                </a:solidFill>
+              </a:rPr>
+              <a:t>   </a:t>
+            </a:r>
+            <a:r>
+              <a:rPr lang="en-US" altLang="ko-KR" sz="1200" dirty="0">
+                <a:solidFill>
+                  <a:srgbClr val="C00000"/>
+                </a:solidFill>
+              </a:rPr>
+              <a:t>  </a:t>
+            </a:r>
+            <a:r>
+              <a:rPr lang="ko-KR" altLang="en-US" sz="1200" dirty="0">
+                <a:solidFill>
+                  <a:schemeClr val="tx1"/>
+                </a:solidFill>
+              </a:rPr>
+              <a:t>부품목록 화면으로</a:t>
+            </a:r>
+            <a:endParaRPr lang="en-US" altLang="ko-KR" sz="1200" dirty="0">
+              <a:solidFill>
+                <a:schemeClr val="tx1"/>
+              </a:solidFill>
+            </a:endParaRPr>
+          </a:p>
+          <a:p>
+            <a:r>
+              <a:rPr lang="en-US" altLang="ko-KR" sz="1200" dirty="0">
+                <a:solidFill>
+                  <a:schemeClr val="tx1"/>
+                </a:solidFill>
+              </a:rPr>
+              <a:t>     </a:t>
+            </a:r>
+            <a:r>
+              <a:rPr lang="ko-KR" altLang="en-US" sz="1200" dirty="0">
+                <a:solidFill>
+                  <a:schemeClr val="tx1"/>
+                </a:solidFill>
+              </a:rPr>
+              <a:t>전환하기 전에</a:t>
+            </a:r>
+            <a:endParaRPr lang="en-US" altLang="ko-KR" sz="1200" dirty="0">
+              <a:solidFill>
+                <a:schemeClr val="tx1"/>
+              </a:solidFill>
+            </a:endParaRPr>
+          </a:p>
+          <a:p>
+            <a:r>
+              <a:rPr lang="en-US" altLang="ko-KR" sz="1200" dirty="0">
+                <a:solidFill>
+                  <a:schemeClr val="tx1"/>
+                </a:solidFill>
+              </a:rPr>
+              <a:t>     </a:t>
+            </a:r>
+            <a:r>
+              <a:rPr lang="ko-KR" altLang="en-US" sz="1200" dirty="0">
+                <a:solidFill>
+                  <a:schemeClr val="tx1"/>
+                </a:solidFill>
+              </a:rPr>
+              <a:t>저장 하시겠습니까</a:t>
+            </a:r>
+            <a:r>
+              <a:rPr lang="en-US" altLang="ko-KR" sz="1200" dirty="0">
+                <a:solidFill>
+                  <a:schemeClr val="tx1"/>
+                </a:solidFill>
+              </a:rPr>
+              <a:t>?</a:t>
+            </a:r>
+          </a:p>
+          <a:p>
+            <a:r>
+              <a:rPr lang="en-US" altLang="ko-KR" sz="1200" dirty="0">
+                <a:solidFill>
+                  <a:schemeClr val="tx1"/>
+                </a:solidFill>
+              </a:rPr>
+              <a:t>     </a:t>
+            </a:r>
+            <a:r>
+              <a:rPr lang="ko-KR" altLang="en-US" sz="1200" dirty="0">
+                <a:solidFill>
+                  <a:schemeClr val="tx1"/>
+                </a:solidFill>
+              </a:rPr>
+              <a:t>확인후 우선 저장하고</a:t>
+            </a:r>
+            <a:endParaRPr lang="en-US" altLang="ko-KR" sz="1200" dirty="0">
+              <a:solidFill>
+                <a:schemeClr val="tx1"/>
+              </a:solidFill>
+            </a:endParaRPr>
+          </a:p>
+          <a:p>
+            <a:r>
+              <a:rPr lang="en-US" altLang="ko-KR" sz="1200" dirty="0">
+                <a:solidFill>
+                  <a:schemeClr val="tx1"/>
+                </a:solidFill>
+              </a:rPr>
+              <a:t>     </a:t>
+            </a:r>
+            <a:r>
+              <a:rPr lang="ko-KR" altLang="en-US" sz="1200" dirty="0">
+                <a:solidFill>
+                  <a:schemeClr val="tx1"/>
+                </a:solidFill>
+              </a:rPr>
+              <a:t>부품목록 화면으로 전환</a:t>
+            </a:r>
+            <a:endParaRPr lang="en-US" altLang="ko-KR" sz="1200" dirty="0">
+              <a:solidFill>
+                <a:schemeClr val="tx1"/>
+              </a:solidFill>
+            </a:endParaRPr>
+          </a:p>
+          <a:p>
+            <a:r>
+              <a:rPr lang="en-US" altLang="ko-KR" sz="1200" dirty="0">
+                <a:solidFill>
+                  <a:schemeClr val="tx1"/>
+                </a:solidFill>
+              </a:rPr>
+              <a:t>     </a:t>
+            </a:r>
+            <a:r>
+              <a:rPr lang="ko-KR" altLang="en-US" sz="1200" dirty="0">
+                <a:solidFill>
+                  <a:schemeClr val="tx1"/>
+                </a:solidFill>
+              </a:rPr>
+              <a:t>파라미터로 제품</a:t>
+            </a:r>
+            <a:r>
+              <a:rPr lang="en-US" altLang="ko-KR" sz="1200" dirty="0">
+                <a:solidFill>
+                  <a:schemeClr val="tx1"/>
+                </a:solidFill>
+              </a:rPr>
+              <a:t>ID</a:t>
+            </a:r>
+            <a:r>
+              <a:rPr lang="ko-KR" altLang="en-US" sz="1200" dirty="0">
+                <a:solidFill>
+                  <a:schemeClr val="tx1"/>
+                </a:solidFill>
+              </a:rPr>
+              <a:t>를</a:t>
+            </a:r>
+            <a:endParaRPr lang="en-US" altLang="ko-KR" sz="1200" dirty="0">
+              <a:solidFill>
+                <a:schemeClr val="tx1"/>
+              </a:solidFill>
+            </a:endParaRPr>
+          </a:p>
+          <a:p>
+            <a:r>
+              <a:rPr lang="en-US" altLang="ko-KR" sz="1200" dirty="0">
+                <a:solidFill>
+                  <a:schemeClr val="tx1"/>
+                </a:solidFill>
+              </a:rPr>
+              <a:t>     </a:t>
+            </a:r>
+            <a:r>
+              <a:rPr lang="ko-KR" altLang="en-US" sz="1200" dirty="0">
+                <a:solidFill>
+                  <a:schemeClr val="tx1"/>
+                </a:solidFill>
+              </a:rPr>
+              <a:t>넘긴다</a:t>
+            </a:r>
+            <a:r>
+              <a:rPr lang="en-US" altLang="ko-KR" sz="1200" dirty="0">
+                <a:solidFill>
+                  <a:schemeClr val="tx1"/>
+                </a:solidFill>
+              </a:rPr>
+              <a:t>.</a:t>
+            </a:r>
+          </a:p>
+          <a:p>
+            <a:endParaRPr lang="en-US" altLang="ko-KR" sz="1200" dirty="0">
               <a:solidFill>
                 <a:schemeClr val="accent6">
                   <a:lumMod val="50000"/>
@@ -14603,112 +16949,146 @@
             </a:endParaRPr>
           </a:p>
           <a:p>
-            <a:endParaRPr lang="en-US" altLang="ko-KR" sz="1400" dirty="0">
-              <a:solidFill>
-                <a:schemeClr val="accent6">
-                  <a:lumMod val="50000"/>
-                </a:schemeClr>
-              </a:solidFill>
-            </a:endParaRPr>
-          </a:p>
-          <a:p>
-            <a:endParaRPr lang="en-US" altLang="ko-KR" sz="1400" dirty="0">
-              <a:solidFill>
-                <a:schemeClr val="accent6">
-                  <a:lumMod val="50000"/>
-                </a:schemeClr>
-              </a:solidFill>
-            </a:endParaRPr>
-          </a:p>
-          <a:p>
-            <a:endParaRPr lang="en-US" altLang="ko-KR" sz="1400" dirty="0">
-              <a:solidFill>
-                <a:schemeClr val="accent6">
-                  <a:lumMod val="50000"/>
-                </a:schemeClr>
-              </a:solidFill>
-            </a:endParaRPr>
-          </a:p>
-          <a:p>
-            <a:endParaRPr lang="en-US" altLang="ko-KR" sz="1400" dirty="0">
-              <a:solidFill>
-                <a:schemeClr val="accent6">
-                  <a:lumMod val="50000"/>
-                </a:schemeClr>
-              </a:solidFill>
-            </a:endParaRPr>
-          </a:p>
-          <a:p>
-            <a:endParaRPr lang="en-US" altLang="ko-KR" sz="1400" dirty="0">
-              <a:solidFill>
-                <a:schemeClr val="accent6">
-                  <a:lumMod val="50000"/>
-                </a:schemeClr>
-              </a:solidFill>
-            </a:endParaRPr>
-          </a:p>
-          <a:p>
-            <a:endParaRPr lang="en-US" altLang="ko-KR" sz="1400" dirty="0">
-              <a:solidFill>
-                <a:schemeClr val="accent6">
-                  <a:lumMod val="50000"/>
-                </a:schemeClr>
-              </a:solidFill>
-            </a:endParaRPr>
-          </a:p>
-          <a:p>
-            <a:endParaRPr lang="en-US" altLang="ko-KR" sz="1400" dirty="0">
-              <a:solidFill>
-                <a:schemeClr val="accent6">
-                  <a:lumMod val="50000"/>
-                </a:schemeClr>
-              </a:solidFill>
-            </a:endParaRPr>
-          </a:p>
-          <a:p>
-            <a:endParaRPr lang="en-US" altLang="ko-KR" sz="1400" dirty="0">
-              <a:solidFill>
-                <a:schemeClr val="accent6">
-                  <a:lumMod val="50000"/>
-                </a:schemeClr>
-              </a:solidFill>
-            </a:endParaRPr>
-          </a:p>
-          <a:p>
-            <a:endParaRPr lang="en-US" altLang="ko-KR" sz="1400" dirty="0">
-              <a:solidFill>
-                <a:schemeClr val="accent6">
-                  <a:lumMod val="50000"/>
-                </a:schemeClr>
-              </a:solidFill>
-            </a:endParaRPr>
-          </a:p>
-          <a:p>
-            <a:endParaRPr lang="en-US" altLang="ko-KR" sz="1400" dirty="0">
-              <a:solidFill>
-                <a:schemeClr val="accent6">
-                  <a:lumMod val="50000"/>
-                </a:schemeClr>
-              </a:solidFill>
-            </a:endParaRPr>
-          </a:p>
-          <a:p>
-            <a:endParaRPr lang="en-US" altLang="ko-KR" sz="1400" dirty="0">
-              <a:solidFill>
-                <a:schemeClr val="accent6">
-                  <a:lumMod val="50000"/>
-                </a:schemeClr>
-              </a:solidFill>
-            </a:endParaRPr>
-          </a:p>
-          <a:p>
-            <a:endParaRPr lang="en-US" altLang="ko-KR" sz="1400" dirty="0">
-              <a:solidFill>
-                <a:schemeClr val="accent6">
-                  <a:lumMod val="50000"/>
-                </a:schemeClr>
-              </a:solidFill>
-            </a:endParaRPr>
+            <a:r>
+              <a:rPr lang="en-US" altLang="ko-KR" sz="1200" dirty="0">
+                <a:solidFill>
+                  <a:schemeClr val="accent6">
+                    <a:lumMod val="50000"/>
+                  </a:schemeClr>
+                </a:solidFill>
+              </a:rPr>
+              <a:t>※ </a:t>
+            </a:r>
+            <a:r>
+              <a:rPr lang="en-US" altLang="ko-KR" sz="1000" u="sng" dirty="0">
+                <a:solidFill>
+                  <a:schemeClr val="accent6">
+                    <a:lumMod val="50000"/>
+                  </a:schemeClr>
+                </a:solidFill>
+              </a:rPr>
+              <a:t>Table ERD</a:t>
+            </a:r>
+            <a:r>
+              <a:rPr lang="ko-KR" altLang="en-US" sz="1000" u="sng" dirty="0">
+                <a:solidFill>
+                  <a:schemeClr val="accent6">
+                    <a:lumMod val="50000"/>
+                  </a:schemeClr>
+                </a:solidFill>
+              </a:rPr>
+              <a:t>에서는 모델</a:t>
+            </a:r>
+            <a:r>
+              <a:rPr lang="en-US" altLang="ko-KR" sz="1000" u="sng" dirty="0">
+                <a:solidFill>
+                  <a:schemeClr val="accent6">
+                    <a:lumMod val="50000"/>
+                  </a:schemeClr>
+                </a:solidFill>
+              </a:rPr>
+              <a:t>ID</a:t>
+            </a:r>
+            <a:r>
+              <a:rPr lang="ko-KR" altLang="en-US" sz="1000" u="sng" dirty="0">
+                <a:solidFill>
+                  <a:schemeClr val="accent6">
+                    <a:lumMod val="50000"/>
+                  </a:schemeClr>
+                </a:solidFill>
+              </a:rPr>
+              <a:t>와 제품</a:t>
+            </a:r>
+            <a:r>
+              <a:rPr lang="en-US" altLang="ko-KR" sz="1000" u="sng" dirty="0">
+                <a:solidFill>
+                  <a:schemeClr val="accent6">
+                    <a:lumMod val="50000"/>
+                  </a:schemeClr>
+                </a:solidFill>
+              </a:rPr>
+              <a:t>ID</a:t>
+            </a:r>
+            <a:r>
+              <a:rPr lang="ko-KR" altLang="en-US" sz="1000" u="sng" dirty="0">
+                <a:solidFill>
+                  <a:schemeClr val="accent6">
+                    <a:lumMod val="50000"/>
+                  </a:schemeClr>
+                </a:solidFill>
+              </a:rPr>
+              <a:t>가 </a:t>
+            </a:r>
+            <a:r>
+              <a:rPr lang="en-US" altLang="ko-KR" sz="1000" u="sng" dirty="0">
+                <a:solidFill>
+                  <a:schemeClr val="accent6">
+                    <a:lumMod val="50000"/>
+                  </a:schemeClr>
+                </a:solidFill>
+              </a:rPr>
+              <a:t>PK</a:t>
+            </a:r>
+            <a:r>
+              <a:rPr lang="ko-KR" altLang="en-US" sz="1000" u="sng" dirty="0">
+                <a:solidFill>
+                  <a:schemeClr val="accent6">
+                    <a:lumMod val="50000"/>
+                  </a:schemeClr>
+                </a:solidFill>
+              </a:rPr>
+              <a:t>로 설정되어 있으나 업무구조상 실제 제품</a:t>
+            </a:r>
+            <a:r>
+              <a:rPr lang="en-US" altLang="ko-KR" sz="1000" u="sng" dirty="0">
+                <a:solidFill>
+                  <a:schemeClr val="accent6">
+                    <a:lumMod val="50000"/>
+                  </a:schemeClr>
+                </a:solidFill>
+              </a:rPr>
+              <a:t>ID</a:t>
+            </a:r>
+            <a:r>
+              <a:rPr lang="ko-KR" altLang="en-US" sz="1000" u="sng" dirty="0">
+                <a:solidFill>
+                  <a:schemeClr val="accent6">
+                    <a:lumMod val="50000"/>
+                  </a:schemeClr>
+                </a:solidFill>
+              </a:rPr>
+              <a:t>만으로도 충분히 유일한 값이 되는 구조이므로 파라미터를 제품</a:t>
+            </a:r>
+            <a:r>
+              <a:rPr lang="en-US" altLang="ko-KR" sz="1000" u="sng" dirty="0">
+                <a:solidFill>
+                  <a:schemeClr val="accent6">
+                    <a:lumMod val="50000"/>
+                  </a:schemeClr>
+                </a:solidFill>
+              </a:rPr>
+              <a:t>ID</a:t>
+            </a:r>
+            <a:r>
+              <a:rPr lang="ko-KR" altLang="en-US" sz="1000" u="sng" dirty="0">
+                <a:solidFill>
+                  <a:schemeClr val="accent6">
+                    <a:lumMod val="50000"/>
+                  </a:schemeClr>
+                </a:solidFill>
+              </a:rPr>
+              <a:t>만 넘겨도 된다</a:t>
+            </a:r>
+            <a:r>
+              <a:rPr lang="en-US" altLang="ko-KR" sz="1000" u="sng" dirty="0">
+                <a:solidFill>
+                  <a:schemeClr val="accent6">
+                    <a:lumMod val="50000"/>
+                  </a:schemeClr>
+                </a:solidFill>
+              </a:rPr>
+              <a:t>.</a:t>
+            </a:r>
           </a:p>
           <a:p>
             <a:endParaRPr lang="en-US" altLang="ko-KR" sz="1400" dirty="0">
@@ -16546,6 +18926,207 @@
               <a:rPr lang="ko-KR" altLang="en-US" dirty="0"/>
               <a:t>제품삭제</a:t>
             </a:r>
+          </a:p>
+        </p:txBody>
+      </p:sp>
+      <p:sp>
+        <p:nvSpPr>
+          <p:cNvPr id="32" name="직사각형 31">
+            <a:extLst>
+              <a:ext uri="{FF2B5EF4-FFF2-40B4-BE49-F238E27FC236}">
+                <a16:creationId xmlns:a16="http://schemas.microsoft.com/office/drawing/2014/main" id="{BFF94758-5A7E-42F3-BEEB-904AA1C90275}"/>
+              </a:ext>
+            </a:extLst>
+          </p:cNvPr>
+          <p:cNvSpPr/>
+          <p:nvPr/>
+        </p:nvSpPr>
+        <p:spPr>
+          <a:xfrm>
+            <a:off x="1028469" y="5671923"/>
+            <a:ext cx="1320800" cy="365125"/>
+          </a:xfrm>
+          <a:prstGeom prst="rect">
+            <a:avLst/>
+          </a:prstGeom>
+          <a:solidFill>
+            <a:srgbClr val="00B0F0"/>
+          </a:solidFill>
+          <a:ln w="38100">
+            <a:solidFill>
+              <a:srgbClr val="9B2395"/>
+            </a:solidFill>
+          </a:ln>
+        </p:spPr>
+        <p:style>
+          <a:lnRef idx="2">
+            <a:schemeClr val="accent1">
+              <a:shade val="50000"/>
+            </a:schemeClr>
+          </a:lnRef>
+          <a:fillRef idx="1">
+            <a:schemeClr val="accent1"/>
+          </a:fillRef>
+          <a:effectRef idx="0">
+            <a:schemeClr val="accent1"/>
+          </a:effectRef>
+          <a:fontRef idx="minor">
+            <a:schemeClr val="lt1"/>
+          </a:fontRef>
+        </p:style>
+        <p:txBody>
+          <a:bodyPr rtlCol="0" anchor="ctr"/>
+          <a:lstStyle/>
+          <a:p>
+            <a:pPr algn="ctr"/>
+            <a:r>
+              <a:rPr lang="ko-KR" altLang="en-US" dirty="0">
+                <a:solidFill>
+                  <a:srgbClr val="FFFF00"/>
+                </a:solidFill>
+              </a:rPr>
+              <a:t>부품목록</a:t>
+            </a:r>
+          </a:p>
+        </p:txBody>
+      </p:sp>
+      <p:sp>
+        <p:nvSpPr>
+          <p:cNvPr id="33" name="타원 32">
+            <a:extLst>
+              <a:ext uri="{FF2B5EF4-FFF2-40B4-BE49-F238E27FC236}">
+                <a16:creationId xmlns:a16="http://schemas.microsoft.com/office/drawing/2014/main" id="{F98F1280-A50A-4CC5-94C1-FBBFD5AD26B6}"/>
+              </a:ext>
+            </a:extLst>
+          </p:cNvPr>
+          <p:cNvSpPr/>
+          <p:nvPr/>
+        </p:nvSpPr>
+        <p:spPr>
+          <a:xfrm>
+            <a:off x="2259581" y="5494384"/>
+            <a:ext cx="275643" cy="285375"/>
+          </a:xfrm>
+          <a:prstGeom prst="ellipse">
+            <a:avLst/>
+          </a:prstGeom>
+          <a:noFill/>
+          <a:ln w="38100">
+            <a:solidFill>
+              <a:srgbClr val="FF0000"/>
+            </a:solidFill>
+          </a:ln>
+        </p:spPr>
+        <p:style>
+          <a:lnRef idx="2">
+            <a:schemeClr val="accent1">
+              <a:shade val="50000"/>
+            </a:schemeClr>
+          </a:lnRef>
+          <a:fillRef idx="1">
+            <a:schemeClr val="accent1"/>
+          </a:fillRef>
+          <a:effectRef idx="0">
+            <a:schemeClr val="accent1"/>
+          </a:effectRef>
+          <a:fontRef idx="minor">
+            <a:schemeClr val="lt1"/>
+          </a:fontRef>
+        </p:style>
+        <p:txBody>
+          <a:bodyPr rtlCol="0" anchor="ctr"/>
+          <a:lstStyle/>
+          <a:p>
+            <a:pPr algn="ctr"/>
+            <a:r>
+              <a:rPr lang="en-US" altLang="ko-KR" sz="1400" dirty="0">
+                <a:ln w="57150">
+                  <a:noFill/>
+                </a:ln>
+                <a:solidFill>
+                  <a:srgbClr val="FF0000"/>
+                </a:solidFill>
+              </a:rPr>
+              <a:t>2</a:t>
+            </a:r>
+            <a:endParaRPr lang="ko-KR" altLang="en-US" sz="1400" dirty="0">
+              <a:ln w="57150">
+                <a:noFill/>
+              </a:ln>
+              <a:solidFill>
+                <a:srgbClr val="FF0000"/>
+              </a:solidFill>
+            </a:endParaRPr>
+          </a:p>
+        </p:txBody>
+      </p:sp>
+      <p:sp>
+        <p:nvSpPr>
+          <p:cNvPr id="34" name="타원 33">
+            <a:extLst>
+              <a:ext uri="{FF2B5EF4-FFF2-40B4-BE49-F238E27FC236}">
+                <a16:creationId xmlns:a16="http://schemas.microsoft.com/office/drawing/2014/main" id="{30051893-CEE7-45BF-92E6-4E5A10191642}"/>
+              </a:ext>
+            </a:extLst>
+          </p:cNvPr>
+          <p:cNvSpPr/>
+          <p:nvPr/>
+        </p:nvSpPr>
+        <p:spPr>
+          <a:xfrm>
+            <a:off x="9548601" y="2058336"/>
+            <a:ext cx="275643" cy="285375"/>
+          </a:xfrm>
+          <a:prstGeom prst="ellipse">
+            <a:avLst/>
+          </a:prstGeom>
+          <a:noFill/>
+          <a:ln w="38100">
+            <a:solidFill>
+              <a:srgbClr val="FF0000"/>
+            </a:solidFill>
+          </a:ln>
+        </p:spPr>
+        <p:style>
+          <a:lnRef idx="2">
+            <a:schemeClr val="accent1">
+              <a:shade val="50000"/>
+            </a:schemeClr>
+          </a:lnRef>
+          <a:fillRef idx="1">
+            <a:schemeClr val="accent1"/>
+          </a:fillRef>
+          <a:effectRef idx="0">
+            <a:schemeClr val="accent1"/>
+          </a:effectRef>
+          <a:fontRef idx="minor">
+            <a:schemeClr val="lt1"/>
+          </a:fontRef>
+        </p:style>
+        <p:txBody>
+          <a:bodyPr rtlCol="0" anchor="ctr"/>
+          <a:lstStyle/>
+          <a:p>
+            <a:pPr algn="ctr"/>
+            <a:r>
+              <a:rPr lang="en-US" altLang="ko-KR" sz="1400" dirty="0">
+                <a:ln w="57150">
+                  <a:noFill/>
+                </a:ln>
+                <a:solidFill>
+                  <a:srgbClr val="FF0000"/>
+                </a:solidFill>
+              </a:rPr>
+              <a:t>2</a:t>
+            </a:r>
+            <a:endParaRPr lang="ko-KR" altLang="en-US" sz="1400" dirty="0">
+              <a:ln w="57150">
+                <a:noFill/>
+              </a:ln>
+              <a:solidFill>
+                <a:srgbClr val="FF0000"/>
+              </a:solidFill>
+            </a:endParaRPr>
           </a:p>
         </p:txBody>
       </p:sp>

--- a/설계/01. 화면정의서/ESupply_화면정의서.pptx
+++ b/설계/01. 화면정의서/ESupply_화면정의서.pptx
@@ -10568,23 +10568,7 @@
                   <a:schemeClr val="tx1"/>
                 </a:solidFill>
               </a:rPr>
-              <a:t>제품명</a:t>
-            </a:r>
-            <a:r>
-              <a:rPr lang="en-US" altLang="ko-KR" sz="1200" dirty="0">
-                <a:solidFill>
-                  <a:schemeClr val="tx1"/>
-                </a:solidFill>
-              </a:rPr>
-              <a:t>, </a:t>
-            </a:r>
-            <a:r>
-              <a:rPr lang="ko-KR" altLang="en-US" sz="1200" dirty="0">
-                <a:solidFill>
-                  <a:schemeClr val="tx1"/>
-                </a:solidFill>
-              </a:rPr>
-              <a:t>제품번호</a:t>
+              <a:t>해당 제품의 부품수량이</a:t>
             </a:r>
             <a:endParaRPr lang="en-US" altLang="ko-KR" sz="1200" dirty="0">
               <a:solidFill>
@@ -10593,6 +10577,32 @@
             </a:endParaRPr>
           </a:p>
           <a:p>
+            <a:r>
+              <a:rPr lang="en-US" altLang="ko-KR" sz="1200" dirty="0">
+                <a:solidFill>
+                  <a:schemeClr val="tx1"/>
+                </a:solidFill>
+              </a:rPr>
+              <a:t>       </a:t>
+            </a:r>
+            <a:r>
+              <a:rPr lang="ko-KR" altLang="en-US" sz="1200" dirty="0">
+                <a:solidFill>
+                  <a:schemeClr val="tx1"/>
+                </a:solidFill>
+              </a:rPr>
+              <a:t>저장된다</a:t>
+            </a:r>
+            <a:r>
+              <a:rPr lang="en-US" altLang="ko-KR" sz="1200" dirty="0">
+                <a:solidFill>
+                  <a:schemeClr val="tx1"/>
+                </a:solidFill>
+              </a:rPr>
+              <a:t>.</a:t>
+            </a:r>
+          </a:p>
+          <a:p>
             <a:endParaRPr lang="en-US" altLang="ko-KR" sz="1200" dirty="0">
               <a:solidFill>
                 <a:schemeClr val="tx1"/>
@@ -10621,7 +10631,7 @@
                   <a:schemeClr val="tx1"/>
                 </a:solidFill>
               </a:rPr>
-              <a:t>해당 제품의 부품수량이</a:t>
+              <a:t>상품재고 화면에서</a:t>
             </a:r>
             <a:endParaRPr lang="en-US" altLang="ko-KR" sz="1200" dirty="0">
               <a:solidFill>
@@ -10644,18 +10654,8 @@
                   <a:schemeClr val="tx1"/>
                 </a:solidFill>
               </a:rPr>
-              <a:t>저장된다</a:t>
-            </a:r>
-            <a:r>
-              <a:rPr lang="en-US" altLang="ko-KR" sz="1200" dirty="0">
-                <a:solidFill>
-                  <a:schemeClr val="tx1"/>
-                </a:solidFill>
-              </a:rPr>
-              <a:t>.</a:t>
-            </a:r>
-          </a:p>
-          <a:p>
+              <a:t>부품목록 버튼을 통해</a:t>
+            </a:r>
             <a:endParaRPr lang="en-US" altLang="ko-KR" sz="1200" dirty="0">
               <a:solidFill>
                 <a:schemeClr val="tx1"/>
@@ -10663,6 +10663,22 @@
             </a:endParaRPr>
           </a:p>
           <a:p>
+            <a:r>
+              <a:rPr lang="en-US" altLang="ko-KR" sz="1200" dirty="0">
+                <a:solidFill>
+                  <a:schemeClr val="tx1"/>
+                </a:solidFill>
+              </a:rPr>
+              <a:t>       </a:t>
+            </a:r>
+            <a:r>
+              <a:rPr lang="ko-KR" altLang="en-US" sz="1200" dirty="0">
+                <a:solidFill>
+                  <a:schemeClr val="tx1"/>
+                </a:solidFill>
+              </a:rPr>
+              <a:t>넘어왔을 경우엔</a:t>
+            </a:r>
             <a:endParaRPr lang="en-US" altLang="ko-KR" sz="1200" dirty="0">
               <a:solidFill>
                 <a:schemeClr val="tx1"/>
@@ -10684,7 +10700,65 @@
                   <a:schemeClr val="tx1"/>
                 </a:solidFill>
               </a:rPr>
-              <a:t>상품재고 화면에서</a:t>
+              <a:t>이미 제품명이</a:t>
+            </a:r>
+            <a:r>
+              <a:rPr lang="en-US" altLang="ko-KR" sz="1200" dirty="0">
+                <a:solidFill>
+                  <a:schemeClr val="tx1"/>
+                </a:solidFill>
+              </a:rPr>
+              <a:t> </a:t>
+            </a:r>
+            <a:r>
+              <a:rPr lang="ko-KR" altLang="en-US" sz="1200" dirty="0">
+                <a:solidFill>
+                  <a:schemeClr val="tx1"/>
+                </a:solidFill>
+              </a:rPr>
+              <a:t>입력되고</a:t>
+            </a:r>
+            <a:r>
+              <a:rPr lang="en-US" altLang="ko-KR" sz="1200" dirty="0">
+                <a:solidFill>
+                  <a:schemeClr val="tx1"/>
+                </a:solidFill>
+              </a:rPr>
+              <a:t>,</a:t>
+            </a:r>
+          </a:p>
+          <a:p>
+            <a:r>
+              <a:rPr lang="en-US" altLang="ko-KR" sz="1200" dirty="0">
+                <a:solidFill>
+                  <a:schemeClr val="tx1"/>
+                </a:solidFill>
+              </a:rPr>
+              <a:t>       </a:t>
+            </a:r>
+            <a:r>
+              <a:rPr lang="ko-KR" altLang="en-US" sz="1200" dirty="0">
+                <a:solidFill>
+                  <a:schemeClr val="tx1"/>
+                </a:solidFill>
+              </a:rPr>
+              <a:t>자동으로 검색된다</a:t>
+            </a:r>
+            <a:r>
+              <a:rPr lang="en-US" altLang="ko-KR" sz="1200" dirty="0">
+                <a:solidFill>
+                  <a:schemeClr val="tx1"/>
+                </a:solidFill>
+              </a:rPr>
+              <a:t>.</a:t>
+            </a:r>
+            <a:r>
+              <a:rPr lang="ko-KR" altLang="en-US" sz="1200" dirty="0">
+                <a:solidFill>
+                  <a:schemeClr val="tx1"/>
+                </a:solidFill>
+              </a:rPr>
+              <a:t> </a:t>
             </a:r>
             <a:endParaRPr lang="en-US" altLang="ko-KR" sz="1200" dirty="0">
               <a:solidFill>
@@ -10693,22 +10767,6 @@
             </a:endParaRPr>
           </a:p>
           <a:p>
-            <a:r>
-              <a:rPr lang="en-US" altLang="ko-KR" sz="1200" dirty="0">
-                <a:solidFill>
-                  <a:schemeClr val="tx1"/>
-                </a:solidFill>
-              </a:rPr>
-              <a:t>       </a:t>
-            </a:r>
-            <a:r>
-              <a:rPr lang="ko-KR" altLang="en-US" sz="1200" dirty="0">
-                <a:solidFill>
-                  <a:schemeClr val="tx1"/>
-                </a:solidFill>
-              </a:rPr>
-              <a:t>부품목록 버튼을 통해</a:t>
-            </a:r>
             <a:endParaRPr lang="en-US" altLang="ko-KR" sz="1200" dirty="0">
               <a:solidFill>
                 <a:schemeClr val="tx1"/>
@@ -10716,22 +10774,6 @@
             </a:endParaRPr>
           </a:p>
           <a:p>
-            <a:r>
-              <a:rPr lang="en-US" altLang="ko-KR" sz="1200" dirty="0">
-                <a:solidFill>
-                  <a:schemeClr val="tx1"/>
-                </a:solidFill>
-              </a:rPr>
-              <a:t>       </a:t>
-            </a:r>
-            <a:r>
-              <a:rPr lang="ko-KR" altLang="en-US" sz="1200" dirty="0">
-                <a:solidFill>
-                  <a:schemeClr val="tx1"/>
-                </a:solidFill>
-              </a:rPr>
-              <a:t>넘어왔을 경우엔</a:t>
-            </a:r>
             <a:endParaRPr lang="en-US" altLang="ko-KR" sz="1200" dirty="0">
               <a:solidFill>
                 <a:schemeClr val="tx1"/>
@@ -10745,31 +10787,35 @@
                   <a:schemeClr val="tx1"/>
                 </a:solidFill>
               </a:rPr>
-              <a:t>       </a:t>
-            </a:r>
-            <a:r>
-              <a:rPr lang="ko-KR" altLang="en-US" sz="1200" dirty="0">
+              <a:t>Request Parameter</a:t>
+            </a:r>
+          </a:p>
+          <a:p>
+            <a:r>
+              <a:rPr lang="en-US" altLang="ko-KR" sz="1200" dirty="0">
                 <a:solidFill>
                   <a:schemeClr val="tx1"/>
                 </a:solidFill>
               </a:rPr>
-              <a:t>이미 제품명이</a:t>
-            </a:r>
+              <a:t>{</a:t>
+            </a:r>
+          </a:p>
+          <a:p>
             <a:r>
               <a:rPr lang="en-US" altLang="ko-KR" sz="1200" dirty="0">
                 <a:solidFill>
                   <a:schemeClr val="tx1"/>
                 </a:solidFill>
               </a:rPr>
-              <a:t> </a:t>
-            </a:r>
-            <a:r>
-              <a:rPr lang="ko-KR" altLang="en-US" sz="1200" dirty="0">
+              <a:t>    </a:t>
+            </a:r>
+            <a:r>
+              <a:rPr lang="en-US" altLang="ko-KR" sz="1200" dirty="0" err="1">
                 <a:solidFill>
                   <a:schemeClr val="tx1"/>
                 </a:solidFill>
               </a:rPr>
-              <a:t>입력되고</a:t>
+              <a:t>product_id</a:t>
             </a:r>
             <a:r>
               <a:rPr lang="en-US" altLang="ko-KR" sz="1200" dirty="0">
@@ -10777,7 +10823,7 @@
                   <a:schemeClr val="tx1"/>
                 </a:solidFill>
               </a:rPr>
-              <a:t>,</a:t>
+              <a:t> :’’’,</a:t>
             </a:r>
           </a:p>
           <a:p>
@@ -10787,32 +10833,13 @@
                   <a:schemeClr val="tx1"/>
                 </a:solidFill>
               </a:rPr>
-              <a:t>       </a:t>
-            </a:r>
-            <a:r>
-              <a:rPr lang="ko-KR" altLang="en-US" sz="1200" dirty="0">
-                <a:solidFill>
-                  <a:schemeClr val="tx1"/>
-                </a:solidFill>
-              </a:rPr>
-              <a:t>자동으로 검색된다</a:t>
-            </a:r>
-            <a:r>
-              <a:rPr lang="en-US" altLang="ko-KR" sz="1200" dirty="0">
-                <a:solidFill>
-                  <a:schemeClr val="tx1"/>
-                </a:solidFill>
-              </a:rPr>
-              <a:t>.</a:t>
-            </a:r>
-            <a:r>
-              <a:rPr lang="ko-KR" altLang="en-US" sz="1200" dirty="0">
-                <a:solidFill>
-                  <a:schemeClr val="tx1"/>
-                </a:solidFill>
-              </a:rPr>
-              <a:t> </a:t>
-            </a:r>
+              <a:t>}</a:t>
+            </a:r>
+            <a:endParaRPr lang="ko-KR" altLang="en-US" sz="1200" dirty="0">
+              <a:solidFill>
+                <a:schemeClr val="tx1"/>
+              </a:solidFill>
+            </a:endParaRPr>
           </a:p>
         </p:txBody>
       </p:sp>
@@ -11195,8 +11222,8 @@
         </p:nvSpPr>
         <p:spPr>
           <a:xfrm>
-            <a:off x="3014133" y="1032926"/>
-            <a:ext cx="4792134" cy="347140"/>
+            <a:off x="3092209" y="1032926"/>
+            <a:ext cx="4714058" cy="347140"/>
           </a:xfrm>
           <a:prstGeom prst="rect">
             <a:avLst/>
@@ -11253,8 +11280,8 @@
         </p:nvSpPr>
         <p:spPr>
           <a:xfrm>
-            <a:off x="990600" y="1032926"/>
-            <a:ext cx="1574798" cy="347140"/>
+            <a:off x="990599" y="1032926"/>
+            <a:ext cx="2023533" cy="347140"/>
           </a:xfrm>
           <a:prstGeom prst="rect">
             <a:avLst/>
@@ -11283,8 +11310,13 @@
             <a:pPr algn="ctr"/>
             <a:r>
               <a:rPr lang="ko-KR" altLang="en-US" dirty="0"/>
-              <a:t>제품명</a:t>
-            </a:r>
+              <a:t>제품</a:t>
+            </a:r>
+            <a:r>
+              <a:rPr lang="en-US" altLang="ko-KR" dirty="0"/>
+              <a:t>ID</a:t>
+            </a:r>
+            <a:endParaRPr lang="ko-KR" altLang="en-US" dirty="0"/>
           </a:p>
         </p:txBody>
       </p:sp>
@@ -12068,27 +12100,24 @@
       </p:sp>
       <p:sp>
         <p:nvSpPr>
-          <p:cNvPr id="29" name="직사각형 28">
-            <a:extLst>
-              <a:ext uri="{FF2B5EF4-FFF2-40B4-BE49-F238E27FC236}">
-                <a16:creationId xmlns:a16="http://schemas.microsoft.com/office/drawing/2014/main" id="{3A9FA108-228C-4E4D-8750-DE672E15129D}"/>
-              </a:ext>
-            </a:extLst>
-          </p:cNvPr>
-          <p:cNvSpPr/>
-          <p:nvPr/>
-        </p:nvSpPr>
-        <p:spPr>
-          <a:xfrm>
-            <a:off x="2565398" y="1028695"/>
-            <a:ext cx="342902" cy="347140"/>
+          <p:cNvPr id="34" name="직사각형 33">
+            <a:extLst>
+              <a:ext uri="{FF2B5EF4-FFF2-40B4-BE49-F238E27FC236}">
+                <a16:creationId xmlns:a16="http://schemas.microsoft.com/office/drawing/2014/main" id="{75275D5C-C784-480A-9BD8-B6F797E8933B}"/>
+              </a:ext>
+            </a:extLst>
+          </p:cNvPr>
+          <p:cNvSpPr/>
+          <p:nvPr/>
+        </p:nvSpPr>
+        <p:spPr>
+          <a:xfrm>
+            <a:off x="5431365" y="5908671"/>
+            <a:ext cx="1045633" cy="347140"/>
           </a:xfrm>
           <a:prstGeom prst="rect">
             <a:avLst/>
           </a:prstGeom>
-          <a:solidFill>
-            <a:schemeClr val="bg1"/>
-          </a:solidFill>
         </p:spPr>
         <p:style>
           <a:lnRef idx="2">
@@ -12112,31 +12141,27 @@
           <a:p>
             <a:pPr algn="ctr"/>
             <a:r>
-              <a:rPr lang="ko-KR" altLang="en-US" sz="2000" dirty="0">
-                <a:solidFill>
-                  <a:schemeClr val="tx1"/>
-                </a:solidFill>
-              </a:rPr>
-              <a:t>▼</a:t>
-            </a:r>
-          </a:p>
-        </p:txBody>
-      </p:sp>
-      <p:sp>
-        <p:nvSpPr>
-          <p:cNvPr id="30" name="타원 29">
-            <a:extLst>
-              <a:ext uri="{FF2B5EF4-FFF2-40B4-BE49-F238E27FC236}">
-                <a16:creationId xmlns:a16="http://schemas.microsoft.com/office/drawing/2014/main" id="{897F55F3-AB0F-45E2-8A99-4F16ADE2D739}"/>
-              </a:ext>
-            </a:extLst>
-          </p:cNvPr>
-          <p:cNvSpPr/>
-          <p:nvPr/>
-        </p:nvSpPr>
-        <p:spPr>
-          <a:xfrm>
-            <a:off x="2427576" y="821984"/>
+              <a:rPr lang="ko-KR" altLang="en-US" dirty="0"/>
+              <a:t>저장</a:t>
+            </a:r>
+          </a:p>
+        </p:txBody>
+      </p:sp>
+      <p:sp>
+        <p:nvSpPr>
+          <p:cNvPr id="36" name="타원 35">
+            <a:extLst>
+              <a:ext uri="{FF2B5EF4-FFF2-40B4-BE49-F238E27FC236}">
+                <a16:creationId xmlns:a16="http://schemas.microsoft.com/office/drawing/2014/main" id="{1E3E34F3-D334-4736-BC05-5D5B285D5A78}"/>
+              </a:ext>
+            </a:extLst>
+          </p:cNvPr>
+          <p:cNvSpPr/>
+          <p:nvPr/>
+        </p:nvSpPr>
+        <p:spPr>
+          <a:xfrm>
+            <a:off x="6386678" y="5757335"/>
             <a:ext cx="275643" cy="285375"/>
           </a:xfrm>
           <a:prstGeom prst="ellipse">
@@ -12179,7 +12204,7 @@
                   <a:srgbClr val="FF0000"/>
                 </a:solidFill>
               </a:rPr>
-              <a:t>1</a:t>
+              <a:t>2</a:t>
             </a:r>
             <a:endParaRPr lang="ko-KR" altLang="en-US" sz="1400" dirty="0">
               <a:ln w="57150">
@@ -12194,19 +12219,19 @@
       </p:sp>
       <p:sp>
         <p:nvSpPr>
-          <p:cNvPr id="31" name="타원 30">
-            <a:extLst>
-              <a:ext uri="{FF2B5EF4-FFF2-40B4-BE49-F238E27FC236}">
-                <a16:creationId xmlns:a16="http://schemas.microsoft.com/office/drawing/2014/main" id="{8D8F2B83-4EAF-420E-B066-5158116E45D4}"/>
-              </a:ext>
-            </a:extLst>
-          </p:cNvPr>
-          <p:cNvSpPr/>
-          <p:nvPr/>
-        </p:nvSpPr>
-        <p:spPr>
-          <a:xfrm>
-            <a:off x="9552276" y="963423"/>
+          <p:cNvPr id="37" name="타원 36">
+            <a:extLst>
+              <a:ext uri="{FF2B5EF4-FFF2-40B4-BE49-F238E27FC236}">
+                <a16:creationId xmlns:a16="http://schemas.microsoft.com/office/drawing/2014/main" id="{25C0060A-21D1-4EDC-9355-EA6E5685A192}"/>
+              </a:ext>
+            </a:extLst>
+          </p:cNvPr>
+          <p:cNvSpPr/>
+          <p:nvPr/>
+        </p:nvSpPr>
+        <p:spPr>
+          <a:xfrm>
+            <a:off x="9552276" y="1026958"/>
             <a:ext cx="275643" cy="285375"/>
           </a:xfrm>
           <a:prstGeom prst="ellipse">
@@ -12249,7 +12274,7 @@
                   <a:srgbClr val="FF0000"/>
                 </a:solidFill>
               </a:rPr>
-              <a:t>1</a:t>
+              <a:t>2</a:t>
             </a:r>
             <a:endParaRPr lang="ko-KR" altLang="en-US" sz="1400" dirty="0">
               <a:ln w="57150">
@@ -12264,195 +12289,6 @@
       </p:sp>
       <p:sp>
         <p:nvSpPr>
-          <p:cNvPr id="34" name="직사각형 33">
-            <a:extLst>
-              <a:ext uri="{FF2B5EF4-FFF2-40B4-BE49-F238E27FC236}">
-                <a16:creationId xmlns:a16="http://schemas.microsoft.com/office/drawing/2014/main" id="{75275D5C-C784-480A-9BD8-B6F797E8933B}"/>
-              </a:ext>
-            </a:extLst>
-          </p:cNvPr>
-          <p:cNvSpPr/>
-          <p:nvPr/>
-        </p:nvSpPr>
-        <p:spPr>
-          <a:xfrm>
-            <a:off x="5431365" y="5908671"/>
-            <a:ext cx="1045633" cy="347140"/>
-          </a:xfrm>
-          <a:prstGeom prst="rect">
-            <a:avLst/>
-          </a:prstGeom>
-        </p:spPr>
-        <p:style>
-          <a:lnRef idx="2">
-            <a:schemeClr val="accent1">
-              <a:shade val="50000"/>
-            </a:schemeClr>
-          </a:lnRef>
-          <a:fillRef idx="1">
-            <a:schemeClr val="accent1"/>
-          </a:fillRef>
-          <a:effectRef idx="0">
-            <a:schemeClr val="accent1"/>
-          </a:effectRef>
-          <a:fontRef idx="minor">
-            <a:schemeClr val="lt1"/>
-          </a:fontRef>
-        </p:style>
-        <p:txBody>
-          <a:bodyPr rtlCol="0" anchor="ctr"/>
-          <a:lstStyle/>
-          <a:p>
-            <a:pPr algn="ctr"/>
-            <a:r>
-              <a:rPr lang="ko-KR" altLang="en-US" dirty="0"/>
-              <a:t>저장</a:t>
-            </a:r>
-          </a:p>
-        </p:txBody>
-      </p:sp>
-      <p:sp>
-        <p:nvSpPr>
-          <p:cNvPr id="36" name="타원 35">
-            <a:extLst>
-              <a:ext uri="{FF2B5EF4-FFF2-40B4-BE49-F238E27FC236}">
-                <a16:creationId xmlns:a16="http://schemas.microsoft.com/office/drawing/2014/main" id="{1E3E34F3-D334-4736-BC05-5D5B285D5A78}"/>
-              </a:ext>
-            </a:extLst>
-          </p:cNvPr>
-          <p:cNvSpPr/>
-          <p:nvPr/>
-        </p:nvSpPr>
-        <p:spPr>
-          <a:xfrm>
-            <a:off x="6386678" y="5757335"/>
-            <a:ext cx="275643" cy="285375"/>
-          </a:xfrm>
-          <a:prstGeom prst="ellipse">
-            <a:avLst/>
-          </a:prstGeom>
-          <a:noFill/>
-          <a:ln w="38100">
-            <a:solidFill>
-              <a:srgbClr val="FF0000"/>
-            </a:solidFill>
-          </a:ln>
-        </p:spPr>
-        <p:style>
-          <a:lnRef idx="2">
-            <a:schemeClr val="accent1">
-              <a:shade val="50000"/>
-            </a:schemeClr>
-          </a:lnRef>
-          <a:fillRef idx="1">
-            <a:schemeClr val="accent1"/>
-          </a:fillRef>
-          <a:effectRef idx="0">
-            <a:schemeClr val="accent1"/>
-          </a:effectRef>
-          <a:fontRef idx="minor">
-            <a:schemeClr val="lt1"/>
-          </a:fontRef>
-        </p:style>
-        <p:txBody>
-          <a:bodyPr rtlCol="0" anchor="ctr"/>
-          <a:lstStyle/>
-          <a:p>
-            <a:pPr algn="ctr"/>
-            <a:r>
-              <a:rPr lang="en-US" altLang="ko-KR" sz="1400" dirty="0">
-                <a:ln w="57150">
-                  <a:noFill/>
-                </a:ln>
-                <a:solidFill>
-                  <a:srgbClr val="FF0000"/>
-                </a:solidFill>
-              </a:rPr>
-              <a:t>2</a:t>
-            </a:r>
-            <a:endParaRPr lang="ko-KR" altLang="en-US" sz="1400" dirty="0">
-              <a:ln w="57150">
-                <a:noFill/>
-              </a:ln>
-              <a:solidFill>
-                <a:srgbClr val="FF0000"/>
-              </a:solidFill>
-            </a:endParaRPr>
-          </a:p>
-        </p:txBody>
-      </p:sp>
-      <p:sp>
-        <p:nvSpPr>
-          <p:cNvPr id="37" name="타원 36">
-            <a:extLst>
-              <a:ext uri="{FF2B5EF4-FFF2-40B4-BE49-F238E27FC236}">
-                <a16:creationId xmlns:a16="http://schemas.microsoft.com/office/drawing/2014/main" id="{25C0060A-21D1-4EDC-9355-EA6E5685A192}"/>
-              </a:ext>
-            </a:extLst>
-          </p:cNvPr>
-          <p:cNvSpPr/>
-          <p:nvPr/>
-        </p:nvSpPr>
-        <p:spPr>
-          <a:xfrm>
-            <a:off x="9552276" y="1518025"/>
-            <a:ext cx="275643" cy="285375"/>
-          </a:xfrm>
-          <a:prstGeom prst="ellipse">
-            <a:avLst/>
-          </a:prstGeom>
-          <a:noFill/>
-          <a:ln w="38100">
-            <a:solidFill>
-              <a:srgbClr val="FF0000"/>
-            </a:solidFill>
-          </a:ln>
-        </p:spPr>
-        <p:style>
-          <a:lnRef idx="2">
-            <a:schemeClr val="accent1">
-              <a:shade val="50000"/>
-            </a:schemeClr>
-          </a:lnRef>
-          <a:fillRef idx="1">
-            <a:schemeClr val="accent1"/>
-          </a:fillRef>
-          <a:effectRef idx="0">
-            <a:schemeClr val="accent1"/>
-          </a:effectRef>
-          <a:fontRef idx="minor">
-            <a:schemeClr val="lt1"/>
-          </a:fontRef>
-        </p:style>
-        <p:txBody>
-          <a:bodyPr rtlCol="0" anchor="ctr"/>
-          <a:lstStyle/>
-          <a:p>
-            <a:pPr algn="ctr"/>
-            <a:r>
-              <a:rPr lang="en-US" altLang="ko-KR" sz="1400" dirty="0">
-                <a:ln w="57150">
-                  <a:noFill/>
-                </a:ln>
-                <a:solidFill>
-                  <a:srgbClr val="FF0000"/>
-                </a:solidFill>
-              </a:rPr>
-              <a:t>2</a:t>
-            </a:r>
-            <a:endParaRPr lang="ko-KR" altLang="en-US" sz="1400" dirty="0">
-              <a:ln w="57150">
-                <a:noFill/>
-              </a:ln>
-              <a:solidFill>
-                <a:srgbClr val="FF0000"/>
-              </a:solidFill>
-            </a:endParaRPr>
-          </a:p>
-        </p:txBody>
-      </p:sp>
-      <p:sp>
-        <p:nvSpPr>
           <p:cNvPr id="38" name="타원 37">
             <a:extLst>
               <a:ext uri="{FF2B5EF4-FFF2-40B4-BE49-F238E27FC236}">
@@ -12465,7 +12301,7 @@
         </p:nvSpPr>
         <p:spPr>
           <a:xfrm>
-            <a:off x="9552276" y="2218266"/>
+            <a:off x="9552276" y="1727199"/>
             <a:ext cx="275643" cy="285375"/>
           </a:xfrm>
           <a:prstGeom prst="ellipse">
@@ -12718,66 +12554,6 @@
           </a:p>
           <a:p>
             <a:r>
-              <a:rPr lang="en-US" altLang="ko-KR" sz="1200" dirty="0">
-                <a:solidFill>
-                  <a:schemeClr val="tx1"/>
-                </a:solidFill>
-              </a:rPr>
-              <a:t>      </a:t>
-            </a:r>
-            <a:r>
-              <a:rPr lang="ko-KR" altLang="en-US" sz="1200" dirty="0">
-                <a:solidFill>
-                  <a:schemeClr val="tx1"/>
-                </a:solidFill>
-              </a:rPr>
-              <a:t>제품명</a:t>
-            </a:r>
-            <a:r>
-              <a:rPr lang="en-US" altLang="ko-KR" sz="1200" dirty="0">
-                <a:solidFill>
-                  <a:schemeClr val="tx1"/>
-                </a:solidFill>
-              </a:rPr>
-              <a:t>, </a:t>
-            </a:r>
-            <a:r>
-              <a:rPr lang="ko-KR" altLang="en-US" sz="1200" dirty="0">
-                <a:solidFill>
-                  <a:schemeClr val="tx1"/>
-                </a:solidFill>
-              </a:rPr>
-              <a:t>제품번호</a:t>
-            </a:r>
-            <a:endParaRPr lang="en-US" altLang="ko-KR" sz="1200" dirty="0">
-              <a:solidFill>
-                <a:schemeClr val="tx1"/>
-              </a:solidFill>
-            </a:endParaRPr>
-          </a:p>
-          <a:p>
-            <a:endParaRPr lang="en-US" altLang="ko-KR" sz="1200" dirty="0">
-              <a:solidFill>
-                <a:schemeClr val="tx1"/>
-              </a:solidFill>
-            </a:endParaRPr>
-          </a:p>
-          <a:p>
-            <a:endParaRPr lang="en-US" altLang="ko-KR" sz="1200" dirty="0">
-              <a:solidFill>
-                <a:schemeClr val="tx1"/>
-              </a:solidFill>
-            </a:endParaRPr>
-          </a:p>
-          <a:p>
-            <a:endParaRPr lang="en-US" altLang="ko-KR" sz="1200" dirty="0">
-              <a:solidFill>
-                <a:schemeClr val="tx1"/>
-              </a:solidFill>
-            </a:endParaRPr>
-          </a:p>
-          <a:p>
-            <a:r>
               <a:rPr lang="ko-KR" altLang="en-US" sz="1200" dirty="0">
                 <a:solidFill>
                   <a:schemeClr val="tx1"/>
@@ -13512,8 +13288,8 @@
         </p:nvSpPr>
         <p:spPr>
           <a:xfrm>
-            <a:off x="2906420" y="1032926"/>
-            <a:ext cx="5009913" cy="347140"/>
+            <a:off x="3092209" y="1032926"/>
+            <a:ext cx="4824124" cy="347140"/>
           </a:xfrm>
           <a:prstGeom prst="rect">
             <a:avLst/>
@@ -14589,7 +14365,7 @@
                   <a:srgbClr val="FF0000"/>
                 </a:solidFill>
               </a:rPr>
-              <a:t>2</a:t>
+              <a:t>1</a:t>
             </a:r>
             <a:endParaRPr lang="ko-KR" altLang="en-US" sz="1400" dirty="0">
               <a:ln w="57150">
@@ -14604,20 +14380,20 @@
       </p:sp>
       <p:sp>
         <p:nvSpPr>
-          <p:cNvPr id="41" name="직사각형 40">
-            <a:extLst>
-              <a:ext uri="{FF2B5EF4-FFF2-40B4-BE49-F238E27FC236}">
-                <a16:creationId xmlns:a16="http://schemas.microsoft.com/office/drawing/2014/main" id="{75879A00-692D-43A7-9269-499037F3B802}"/>
-              </a:ext>
-            </a:extLst>
-          </p:cNvPr>
-          <p:cNvSpPr/>
-          <p:nvPr/>
-        </p:nvSpPr>
-        <p:spPr>
-          <a:xfrm>
-            <a:off x="990600" y="1032926"/>
-            <a:ext cx="1574798" cy="347140"/>
+          <p:cNvPr id="45" name="직사각형 44">
+            <a:extLst>
+              <a:ext uri="{FF2B5EF4-FFF2-40B4-BE49-F238E27FC236}">
+                <a16:creationId xmlns:a16="http://schemas.microsoft.com/office/drawing/2014/main" id="{0D5AEE06-79B7-432B-A516-073E7CEC96F7}"/>
+              </a:ext>
+            </a:extLst>
+          </p:cNvPr>
+          <p:cNvSpPr/>
+          <p:nvPr/>
+        </p:nvSpPr>
+        <p:spPr>
+          <a:xfrm>
+            <a:off x="990599" y="1032926"/>
+            <a:ext cx="2023533" cy="347140"/>
           </a:xfrm>
           <a:prstGeom prst="rect">
             <a:avLst/>
@@ -14646,204 +14422,13 @@
             <a:pPr algn="ctr"/>
             <a:r>
               <a:rPr lang="ko-KR" altLang="en-US" dirty="0"/>
-              <a:t>제품명</a:t>
-            </a:r>
-          </a:p>
-        </p:txBody>
-      </p:sp>
-      <p:sp>
-        <p:nvSpPr>
-          <p:cNvPr id="42" name="직사각형 41">
-            <a:extLst>
-              <a:ext uri="{FF2B5EF4-FFF2-40B4-BE49-F238E27FC236}">
-                <a16:creationId xmlns:a16="http://schemas.microsoft.com/office/drawing/2014/main" id="{A7D0FD97-AFAC-4606-A478-DFCEA3C939EE}"/>
-              </a:ext>
-            </a:extLst>
-          </p:cNvPr>
-          <p:cNvSpPr/>
-          <p:nvPr/>
-        </p:nvSpPr>
-        <p:spPr>
-          <a:xfrm>
-            <a:off x="2565398" y="1028695"/>
-            <a:ext cx="342902" cy="347140"/>
-          </a:xfrm>
-          <a:prstGeom prst="rect">
-            <a:avLst/>
-          </a:prstGeom>
-          <a:solidFill>
-            <a:schemeClr val="bg1"/>
-          </a:solidFill>
-        </p:spPr>
-        <p:style>
-          <a:lnRef idx="2">
-            <a:schemeClr val="accent1">
-              <a:shade val="50000"/>
-            </a:schemeClr>
-          </a:lnRef>
-          <a:fillRef idx="1">
-            <a:schemeClr val="accent1"/>
-          </a:fillRef>
-          <a:effectRef idx="0">
-            <a:schemeClr val="accent1"/>
-          </a:effectRef>
-          <a:fontRef idx="minor">
-            <a:schemeClr val="lt1"/>
-          </a:fontRef>
-        </p:style>
-        <p:txBody>
-          <a:bodyPr rtlCol="0" anchor="ctr"/>
-          <a:lstStyle/>
-          <a:p>
-            <a:pPr algn="ctr"/>
-            <a:r>
-              <a:rPr lang="ko-KR" altLang="en-US" sz="2000" dirty="0">
-                <a:solidFill>
-                  <a:schemeClr val="tx1"/>
-                </a:solidFill>
-              </a:rPr>
-              <a:t>▼</a:t>
-            </a:r>
-          </a:p>
-        </p:txBody>
-      </p:sp>
-      <p:sp>
-        <p:nvSpPr>
-          <p:cNvPr id="43" name="타원 42">
-            <a:extLst>
-              <a:ext uri="{FF2B5EF4-FFF2-40B4-BE49-F238E27FC236}">
-                <a16:creationId xmlns:a16="http://schemas.microsoft.com/office/drawing/2014/main" id="{C96012D7-0B10-43EF-ACD0-0555B176C309}"/>
-              </a:ext>
-            </a:extLst>
-          </p:cNvPr>
-          <p:cNvSpPr/>
-          <p:nvPr/>
-        </p:nvSpPr>
-        <p:spPr>
-          <a:xfrm>
-            <a:off x="2427576" y="821984"/>
-            <a:ext cx="275643" cy="285375"/>
-          </a:xfrm>
-          <a:prstGeom prst="ellipse">
-            <a:avLst/>
-          </a:prstGeom>
-          <a:noFill/>
-          <a:ln w="38100">
-            <a:solidFill>
-              <a:srgbClr val="FF0000"/>
-            </a:solidFill>
-          </a:ln>
-        </p:spPr>
-        <p:style>
-          <a:lnRef idx="2">
-            <a:schemeClr val="accent1">
-              <a:shade val="50000"/>
-            </a:schemeClr>
-          </a:lnRef>
-          <a:fillRef idx="1">
-            <a:schemeClr val="accent1"/>
-          </a:fillRef>
-          <a:effectRef idx="0">
-            <a:schemeClr val="accent1"/>
-          </a:effectRef>
-          <a:fontRef idx="minor">
-            <a:schemeClr val="lt1"/>
-          </a:fontRef>
-        </p:style>
-        <p:txBody>
-          <a:bodyPr rtlCol="0" anchor="ctr"/>
-          <a:lstStyle/>
-          <a:p>
-            <a:pPr algn="ctr"/>
-            <a:r>
-              <a:rPr lang="en-US" altLang="ko-KR" sz="1400" dirty="0">
-                <a:ln w="57150">
-                  <a:noFill/>
-                </a:ln>
-                <a:solidFill>
-                  <a:srgbClr val="FF0000"/>
-                </a:solidFill>
-              </a:rPr>
-              <a:t>1</a:t>
-            </a:r>
-            <a:endParaRPr lang="ko-KR" altLang="en-US" sz="1400" dirty="0">
-              <a:ln w="57150">
-                <a:noFill/>
-              </a:ln>
-              <a:solidFill>
-                <a:srgbClr val="FF0000"/>
-              </a:solidFill>
-            </a:endParaRPr>
-          </a:p>
-        </p:txBody>
-      </p:sp>
-      <p:sp>
-        <p:nvSpPr>
-          <p:cNvPr id="44" name="타원 43">
-            <a:extLst>
-              <a:ext uri="{FF2B5EF4-FFF2-40B4-BE49-F238E27FC236}">
-                <a16:creationId xmlns:a16="http://schemas.microsoft.com/office/drawing/2014/main" id="{FAE99709-4560-41F5-A5F1-2C8A6185672B}"/>
-              </a:ext>
-            </a:extLst>
-          </p:cNvPr>
-          <p:cNvSpPr/>
-          <p:nvPr/>
-        </p:nvSpPr>
-        <p:spPr>
-          <a:xfrm>
-            <a:off x="9552276" y="1692452"/>
-            <a:ext cx="275643" cy="285375"/>
-          </a:xfrm>
-          <a:prstGeom prst="ellipse">
-            <a:avLst/>
-          </a:prstGeom>
-          <a:noFill/>
-          <a:ln w="38100">
-            <a:solidFill>
-              <a:srgbClr val="FF0000"/>
-            </a:solidFill>
-          </a:ln>
-        </p:spPr>
-        <p:style>
-          <a:lnRef idx="2">
-            <a:schemeClr val="accent1">
-              <a:shade val="50000"/>
-            </a:schemeClr>
-          </a:lnRef>
-          <a:fillRef idx="1">
-            <a:schemeClr val="accent1"/>
-          </a:fillRef>
-          <a:effectRef idx="0">
-            <a:schemeClr val="accent1"/>
-          </a:effectRef>
-          <a:fontRef idx="minor">
-            <a:schemeClr val="lt1"/>
-          </a:fontRef>
-        </p:style>
-        <p:txBody>
-          <a:bodyPr rtlCol="0" anchor="ctr"/>
-          <a:lstStyle/>
-          <a:p>
-            <a:pPr algn="ctr"/>
-            <a:r>
-              <a:rPr lang="en-US" altLang="ko-KR" sz="1400" dirty="0">
-                <a:ln w="57150">
-                  <a:noFill/>
-                </a:ln>
-                <a:solidFill>
-                  <a:srgbClr val="FF0000"/>
-                </a:solidFill>
-              </a:rPr>
-              <a:t>2</a:t>
-            </a:r>
-            <a:endParaRPr lang="ko-KR" altLang="en-US" sz="1400" dirty="0">
-              <a:ln w="57150">
-                <a:noFill/>
-              </a:ln>
-              <a:solidFill>
-                <a:srgbClr val="FF0000"/>
-              </a:solidFill>
-            </a:endParaRPr>
+              <a:t>제품</a:t>
+            </a:r>
+            <a:r>
+              <a:rPr lang="en-US" altLang="ko-KR" dirty="0"/>
+              <a:t>ID</a:t>
+            </a:r>
+            <a:endParaRPr lang="ko-KR" altLang="en-US" dirty="0"/>
           </a:p>
         </p:txBody>
       </p:sp>
